--- a/data/organizacija/002_Ugostiteljstvo_kao_gosp_djelatnost.pptx
+++ b/data/organizacija/002_Ugostiteljstvo_kao_gosp_djelatnost.pptx
@@ -226,7 +226,7 @@
           <a:p>
             <a:fld id="{FCB922A3-0C2E-4D94-AFF5-90A2C0AB44AC}" type="datetimeFigureOut">
               <a:rPr lang="hr-HR" smtClean="0"/>
-              <a:t>30.9.2016.</a:t>
+              <a:t>23.9.2019.</a:t>
             </a:fld>
             <a:endParaRPr lang="hr-HR"/>
           </a:p>
@@ -392,7 +392,7 @@
             <a:fld id="{1542121D-D7BC-4175-A702-9B7BBD6019B1}" type="datetimeFigureOut">
               <a:rPr lang="sr-Latn-CS" smtClean="0"/>
               <a:pPr/>
-              <a:t>30.9.2016</a:t>
+              <a:t>23.9.2019.</a:t>
             </a:fld>
             <a:endParaRPr lang="hr-HR"/>
           </a:p>
@@ -853,7 +853,7 @@
             <a:fld id="{FDC1A071-2A74-455A-A49A-8BB21E4AC2F6}" type="datetimeFigureOut">
               <a:rPr lang="sr-Latn-CS" smtClean="0"/>
               <a:pPr/>
-              <a:t>30.9.2016</a:t>
+              <a:t>23.9.2019.</a:t>
             </a:fld>
             <a:endParaRPr lang="hr-HR"/>
           </a:p>
@@ -1044,7 +1044,7 @@
             <a:fld id="{FDC1A071-2A74-455A-A49A-8BB21E4AC2F6}" type="datetimeFigureOut">
               <a:rPr lang="sr-Latn-CS" smtClean="0"/>
               <a:pPr/>
-              <a:t>30.9.2016</a:t>
+              <a:t>23.9.2019.</a:t>
             </a:fld>
             <a:endParaRPr lang="hr-HR"/>
           </a:p>
@@ -1245,7 +1245,7 @@
             <a:fld id="{FDC1A071-2A74-455A-A49A-8BB21E4AC2F6}" type="datetimeFigureOut">
               <a:rPr lang="sr-Latn-CS" smtClean="0"/>
               <a:pPr/>
-              <a:t>30.9.2016</a:t>
+              <a:t>23.9.2019.</a:t>
             </a:fld>
             <a:endParaRPr lang="hr-HR"/>
           </a:p>
@@ -1690,7 +1690,7 @@
             <a:fld id="{FDC1A071-2A74-455A-A49A-8BB21E4AC2F6}" type="datetimeFigureOut">
               <a:rPr lang="sr-Latn-CS" smtClean="0"/>
               <a:pPr/>
-              <a:t>30.9.2016</a:t>
+              <a:t>23.9.2019.</a:t>
             </a:fld>
             <a:endParaRPr lang="hr-HR"/>
           </a:p>
@@ -1999,7 +1999,7 @@
             <a:fld id="{FDC1A071-2A74-455A-A49A-8BB21E4AC2F6}" type="datetimeFigureOut">
               <a:rPr lang="sr-Latn-CS" smtClean="0"/>
               <a:pPr/>
-              <a:t>30.9.2016</a:t>
+              <a:t>23.9.2019.</a:t>
             </a:fld>
             <a:endParaRPr lang="hr-HR"/>
           </a:p>
@@ -2442,7 +2442,7 @@
             <a:fld id="{FDC1A071-2A74-455A-A49A-8BB21E4AC2F6}" type="datetimeFigureOut">
               <a:rPr lang="sr-Latn-CS" smtClean="0"/>
               <a:pPr/>
-              <a:t>30.9.2016</a:t>
+              <a:t>23.9.2019.</a:t>
             </a:fld>
             <a:endParaRPr lang="hr-HR"/>
           </a:p>
@@ -2581,7 +2581,7 @@
             <a:fld id="{FDC1A071-2A74-455A-A49A-8BB21E4AC2F6}" type="datetimeFigureOut">
               <a:rPr lang="sr-Latn-CS" smtClean="0"/>
               <a:pPr/>
-              <a:t>30.9.2016</a:t>
+              <a:t>23.9.2019.</a:t>
             </a:fld>
             <a:endParaRPr lang="hr-HR"/>
           </a:p>
@@ -2697,7 +2697,7 @@
             <a:fld id="{FDC1A071-2A74-455A-A49A-8BB21E4AC2F6}" type="datetimeFigureOut">
               <a:rPr lang="sr-Latn-CS" smtClean="0"/>
               <a:pPr/>
-              <a:t>30.9.2016</a:t>
+              <a:t>23.9.2019.</a:t>
             </a:fld>
             <a:endParaRPr lang="hr-HR"/>
           </a:p>
@@ -2995,7 +2995,7 @@
             <a:fld id="{FDC1A071-2A74-455A-A49A-8BB21E4AC2F6}" type="datetimeFigureOut">
               <a:rPr lang="sr-Latn-CS" smtClean="0"/>
               <a:pPr/>
-              <a:t>30.9.2016</a:t>
+              <a:t>23.9.2019.</a:t>
             </a:fld>
             <a:endParaRPr lang="hr-HR"/>
           </a:p>
@@ -3273,7 +3273,7 @@
             <a:fld id="{FDC1A071-2A74-455A-A49A-8BB21E4AC2F6}" type="datetimeFigureOut">
               <a:rPr lang="sr-Latn-CS" smtClean="0"/>
               <a:pPr/>
-              <a:t>30.9.2016</a:t>
+              <a:t>23.9.2019.</a:t>
             </a:fld>
             <a:endParaRPr lang="hr-HR"/>
           </a:p>
@@ -3733,7 +3733,7 @@
 </file>
 
 <file path=ppt/slides/slide1.xml><?xml version="1.0" encoding="utf-8"?>
-<p:sld xmlns:a="http://schemas.openxmlformats.org/drawingml/2006/main" xmlns:r="http://schemas.openxmlformats.org/officeDocument/2006/relationships" xmlns:p="http://schemas.openxmlformats.org/presentationml/2006/main" show="0">
+<p:sld xmlns:a="http://schemas.openxmlformats.org/drawingml/2006/main" xmlns:r="http://schemas.openxmlformats.org/officeDocument/2006/relationships" xmlns:p="http://schemas.openxmlformats.org/presentationml/2006/main">
   <p:cSld>
     <p:spTree>
       <p:nvGrpSpPr>
@@ -4017,7 +4017,11 @@
               <a:pPr algn="ctr"/>
               <a:r>
                 <a:rPr lang="hr-HR" sz="2000" b="1" dirty="0" smtClean="0"/>
-                <a:t>ORGANIZIRANJE SVAKOG RADNOG MJESTA</a:t>
+                <a:t>ORGANIZIRANJE SVAKOG RADNOG </a:t>
+              </a:r>
+              <a:r>
+                <a:rPr lang="hr-HR" sz="2000" b="1" dirty="0" smtClean="0"/>
+                <a:t>MJESTA U ODJELU</a:t>
               </a:r>
               <a:endParaRPr lang="hr-HR" sz="2000" b="1" dirty="0"/>
             </a:p>
@@ -4251,12 +4255,12 @@
   </p:clrMapOvr>
   <mc:AlternateContent xmlns:mc="http://schemas.openxmlformats.org/markup-compatibility/2006">
     <mc:Choice xmlns:p14="http://schemas.microsoft.com/office/powerpoint/2010/main" Requires="p14">
-      <p:transition spd="med" p14:dur="700">
-        <p:fade/>
+      <p:transition>
+        <p14:reveal/>
       </p:transition>
     </mc:Choice>
     <mc:Fallback>
-      <p:transition spd="med">
+      <p:transition>
         <p:fade/>
       </p:transition>
     </mc:Fallback>
@@ -4314,7 +4318,7 @@
                                     </p:set>
                                     <p:animEffect transition="in" filter="fade">
                                       <p:cBhvr>
-                                        <p:cTn id="7" dur="500"/>
+                                        <p:cTn id="7" dur="250"/>
                                         <p:tgtEl>
                                           <p:spTgt spid="3">
                                             <p:txEl>
@@ -4375,7 +4379,7 @@
                                     </p:set>
                                     <p:animEffect transition="in" filter="fade">
                                       <p:cBhvr>
-                                        <p:cTn id="12" dur="500"/>
+                                        <p:cTn id="12" dur="250"/>
                                         <p:tgtEl>
                                           <p:spTgt spid="3">
                                             <p:txEl>
@@ -4436,7 +4440,7 @@
                                     </p:set>
                                     <p:animEffect transition="in" filter="fade">
                                       <p:cBhvr>
-                                        <p:cTn id="17" dur="500"/>
+                                        <p:cTn id="17" dur="250"/>
                                         <p:tgtEl>
                                           <p:spTgt spid="3">
                                             <p:txEl>
@@ -4497,7 +4501,7 @@
                                     </p:set>
                                     <p:animEffect transition="in" filter="fade">
                                       <p:cBhvr>
-                                        <p:cTn id="22" dur="500"/>
+                                        <p:cTn id="22" dur="250"/>
                                         <p:tgtEl>
                                           <p:spTgt spid="3">
                                             <p:txEl>
@@ -4558,7 +4562,7 @@
                                     </p:set>
                                     <p:animEffect transition="in" filter="fade">
                                       <p:cBhvr>
-                                        <p:cTn id="27" dur="500"/>
+                                        <p:cTn id="27" dur="250"/>
                                         <p:tgtEl>
                                           <p:spTgt spid="3">
                                             <p:txEl>
@@ -4619,7 +4623,7 @@
                                     </p:set>
                                     <p:animEffect transition="in" filter="fade">
                                       <p:cBhvr>
-                                        <p:cTn id="32" dur="500"/>
+                                        <p:cTn id="32" dur="250"/>
                                         <p:tgtEl>
                                           <p:spTgt spid="3">
                                             <p:txEl>
@@ -4680,7 +4684,7 @@
                                     </p:set>
                                     <p:animEffect transition="in" filter="fade">
                                       <p:cBhvr>
-                                        <p:cTn id="37" dur="500"/>
+                                        <p:cTn id="37" dur="250"/>
                                         <p:tgtEl>
                                           <p:spTgt spid="3">
                                             <p:txEl>
@@ -4737,7 +4741,7 @@
                                     </p:set>
                                     <p:animEffect transition="in" filter="fade">
                                       <p:cBhvr>
-                                        <p:cTn id="42" dur="500"/>
+                                        <p:cTn id="42" dur="250"/>
                                         <p:tgtEl>
                                           <p:spTgt spid="9"/>
                                         </p:tgtEl>
@@ -4772,7 +4776,7 @@
                                   <p:childTnLst>
                                     <p:animEffect transition="out" filter="fade">
                                       <p:cBhvr>
-                                        <p:cTn id="46" dur="500"/>
+                                        <p:cTn id="46" dur="250"/>
                                         <p:tgtEl>
                                           <p:spTgt spid="9"/>
                                         </p:tgtEl>
@@ -4782,7 +4786,7 @@
                                       <p:cBhvr>
                                         <p:cTn id="47" dur="1" fill="hold">
                                           <p:stCondLst>
-                                            <p:cond delay="499"/>
+                                            <p:cond delay="249"/>
                                           </p:stCondLst>
                                         </p:cTn>
                                         <p:tgtEl>
@@ -4805,7 +4809,7 @@
                         <p:par>
                           <p:cTn id="48" fill="hold">
                             <p:stCondLst>
-                              <p:cond delay="500"/>
+                              <p:cond delay="250"/>
                             </p:stCondLst>
                             <p:childTnLst>
                               <p:par>
@@ -4838,7 +4842,7 @@
                                     </p:set>
                                     <p:animEffect transition="in" filter="fade">
                                       <p:cBhvr>
-                                        <p:cTn id="51" dur="500"/>
+                                        <p:cTn id="51" dur="250"/>
                                         <p:tgtEl>
                                           <p:spTgt spid="3">
                                             <p:txEl>
@@ -4899,7 +4903,7 @@
                                     </p:set>
                                     <p:animEffect transition="in" filter="fade">
                                       <p:cBhvr>
-                                        <p:cTn id="56" dur="500"/>
+                                        <p:cTn id="56" dur="250"/>
                                         <p:tgtEl>
                                           <p:spTgt spid="3">
                                             <p:txEl>
@@ -4960,7 +4964,7 @@
                                     </p:set>
                                     <p:animEffect transition="in" filter="fade">
                                       <p:cBhvr>
-                                        <p:cTn id="61" dur="500"/>
+                                        <p:cTn id="61" dur="250"/>
                                         <p:tgtEl>
                                           <p:spTgt spid="3">
                                             <p:txEl>
@@ -5021,7 +5025,7 @@
                                     </p:set>
                                     <p:animEffect transition="in" filter="fade">
                                       <p:cBhvr>
-                                        <p:cTn id="66" dur="500"/>
+                                        <p:cTn id="66" dur="250"/>
                                         <p:tgtEl>
                                           <p:spTgt spid="3">
                                             <p:txEl>
@@ -5082,7 +5086,7 @@
                                     </p:set>
                                     <p:animEffect transition="in" filter="fade">
                                       <p:cBhvr>
-                                        <p:cTn id="71" dur="500"/>
+                                        <p:cTn id="71" dur="250"/>
                                         <p:tgtEl>
                                           <p:spTgt spid="3">
                                             <p:txEl>
@@ -5143,7 +5147,7 @@
                                     </p:set>
                                     <p:animEffect transition="in" filter="fade">
                                       <p:cBhvr>
-                                        <p:cTn id="76" dur="500"/>
+                                        <p:cTn id="76" dur="250"/>
                                         <p:tgtEl>
                                           <p:spTgt spid="3">
                                             <p:txEl>
@@ -5188,7 +5192,7 @@
 </file>
 
 <file path=ppt/slides/slide10.xml><?xml version="1.0" encoding="utf-8"?>
-<p:sld xmlns:a="http://schemas.openxmlformats.org/drawingml/2006/main" xmlns:r="http://schemas.openxmlformats.org/officeDocument/2006/relationships" xmlns:p="http://schemas.openxmlformats.org/presentationml/2006/main" show="0">
+<p:sld xmlns:a="http://schemas.openxmlformats.org/drawingml/2006/main" xmlns:r="http://schemas.openxmlformats.org/officeDocument/2006/relationships" xmlns:p="http://schemas.openxmlformats.org/presentationml/2006/main">
   <p:cSld>
     <p:spTree>
       <p:nvGrpSpPr>
@@ -5220,10 +5224,18 @@
           <a:lstStyle/>
           <a:p>
             <a:r>
-              <a:rPr lang="hr-HR" sz="3500" dirty="0" smtClean="0"/>
-              <a:t>Ugostiteljstvo i turizam</a:t>
-            </a:r>
-            <a:endParaRPr lang="hr-HR" sz="3500" dirty="0"/>
+              <a:rPr lang="hr-HR" b="1" dirty="0" smtClean="0">
+                <a:solidFill>
+                  <a:srgbClr val="FF0000"/>
+                </a:solidFill>
+              </a:rPr>
+              <a:t>UGOSTITELJSTVO I TURIZAM</a:t>
+            </a:r>
+            <a:endParaRPr lang="hr-HR" b="1" dirty="0">
+              <a:solidFill>
+                <a:srgbClr val="FF0000"/>
+              </a:solidFill>
+            </a:endParaRPr>
           </a:p>
         </p:txBody>
       </p:sp>
@@ -5507,12 +5519,12 @@
   </p:clrMapOvr>
   <mc:AlternateContent xmlns:mc="http://schemas.openxmlformats.org/markup-compatibility/2006">
     <mc:Choice xmlns:p14="http://schemas.microsoft.com/office/powerpoint/2010/main" Requires="p14">
-      <p:transition spd="med" p14:dur="700">
-        <p:fade/>
+      <p:transition>
+        <p14:reveal/>
       </p:transition>
     </mc:Choice>
     <mc:Fallback>
-      <p:transition spd="med">
+      <p:transition>
         <p:fade/>
       </p:transition>
     </mc:Fallback>
@@ -5926,7 +5938,7 @@
 </file>
 
 <file path=ppt/slides/slide11.xml><?xml version="1.0" encoding="utf-8"?>
-<p:sld xmlns:a="http://schemas.openxmlformats.org/drawingml/2006/main" xmlns:r="http://schemas.openxmlformats.org/officeDocument/2006/relationships" xmlns:p="http://schemas.openxmlformats.org/presentationml/2006/main" show="0">
+<p:sld xmlns:a="http://schemas.openxmlformats.org/drawingml/2006/main" xmlns:r="http://schemas.openxmlformats.org/officeDocument/2006/relationships" xmlns:p="http://schemas.openxmlformats.org/presentationml/2006/main">
   <p:cSld>
     <p:spTree>
       <p:nvGrpSpPr>
@@ -5958,14 +5970,22 @@
           <a:lstStyle/>
           <a:p>
             <a:r>
+              <a:rPr lang="hr-HR" b="1" dirty="0" smtClean="0">
+                <a:solidFill>
+                  <a:srgbClr val="FF0000"/>
+                </a:solidFill>
+              </a:rPr>
+              <a:t>UGOSTITELJSTVO I TURIZAM</a:t>
+            </a:r>
+            <a:r>
               <a:rPr lang="hr-HR" sz="3500" dirty="0" smtClean="0"/>
-              <a:t>Ugostiteljstvo i turizam			     </a:t>
-            </a:r>
-            <a:r>
-              <a:rPr lang="hr-HR" sz="2800" dirty="0" smtClean="0"/>
+              <a:t>	     </a:t>
+            </a:r>
+            <a:r>
+              <a:rPr lang="hr-HR" sz="2800" i="1" dirty="0" smtClean="0"/>
               <a:t>(plan ploče)</a:t>
             </a:r>
-            <a:endParaRPr lang="hr-HR" sz="3500" dirty="0"/>
+            <a:endParaRPr lang="hr-HR" sz="3500" i="1" dirty="0"/>
           </a:p>
         </p:txBody>
       </p:sp>
@@ -6155,12 +6175,12 @@
   </p:clrMapOvr>
   <mc:AlternateContent xmlns:mc="http://schemas.openxmlformats.org/markup-compatibility/2006">
     <mc:Choice xmlns:p14="http://schemas.microsoft.com/office/powerpoint/2010/main" Requires="p14">
-      <p:transition spd="med" p14:dur="700">
-        <p:fade/>
+      <p:transition>
+        <p14:reveal/>
       </p:transition>
     </mc:Choice>
     <mc:Fallback>
-      <p:transition spd="med">
+      <p:transition>
         <p:fade/>
       </p:transition>
     </mc:Fallback>
@@ -6168,365 +6188,15 @@
   <p:timing>
     <p:tnLst>
       <p:par>
-        <p:cTn id="1" dur="indefinite" restart="never" nodeType="tmRoot">
-          <p:childTnLst>
-            <p:seq concurrent="1" nextAc="seek">
-              <p:cTn id="2" dur="indefinite" nodeType="mainSeq">
-                <p:childTnLst>
-                  <p:par>
-                    <p:cTn id="3" fill="hold">
-                      <p:stCondLst>
-                        <p:cond delay="indefinite"/>
-                        <p:cond evt="onBegin" delay="0">
-                          <p:tn val="2"/>
-                        </p:cond>
-                      </p:stCondLst>
-                      <p:childTnLst>
-                        <p:par>
-                          <p:cTn id="4" fill="hold">
-                            <p:stCondLst>
-                              <p:cond delay="0"/>
-                            </p:stCondLst>
-                            <p:childTnLst>
-                              <p:par>
-                                <p:cTn id="5" presetID="10" presetClass="entr" presetSubtype="0" fill="hold" grpId="0" nodeType="afterEffect">
-                                  <p:stCondLst>
-                                    <p:cond delay="0"/>
-                                  </p:stCondLst>
-                                  <p:childTnLst>
-                                    <p:set>
-                                      <p:cBhvr>
-                                        <p:cTn id="6" dur="1" fill="hold">
-                                          <p:stCondLst>
-                                            <p:cond delay="0"/>
-                                          </p:stCondLst>
-                                        </p:cTn>
-                                        <p:tgtEl>
-                                          <p:spTgt spid="3">
-                                            <p:txEl>
-                                              <p:pRg st="0" end="0"/>
-                                            </p:txEl>
-                                          </p:spTgt>
-                                        </p:tgtEl>
-                                        <p:attrNameLst>
-                                          <p:attrName>style.visibility</p:attrName>
-                                        </p:attrNameLst>
-                                      </p:cBhvr>
-                                      <p:to>
-                                        <p:strVal val="visible"/>
-                                      </p:to>
-                                    </p:set>
-                                    <p:animEffect transition="in" filter="fade">
-                                      <p:cBhvr>
-                                        <p:cTn id="7" dur="250"/>
-                                        <p:tgtEl>
-                                          <p:spTgt spid="3">
-                                            <p:txEl>
-                                              <p:pRg st="0" end="0"/>
-                                            </p:txEl>
-                                          </p:spTgt>
-                                        </p:tgtEl>
-                                      </p:cBhvr>
-                                    </p:animEffect>
-                                  </p:childTnLst>
-                                </p:cTn>
-                              </p:par>
-                            </p:childTnLst>
-                          </p:cTn>
-                        </p:par>
-                        <p:par>
-                          <p:cTn id="8" fill="hold">
-                            <p:stCondLst>
-                              <p:cond delay="250"/>
-                            </p:stCondLst>
-                            <p:childTnLst>
-                              <p:par>
-                                <p:cTn id="9" presetID="10" presetClass="entr" presetSubtype="0" fill="hold" grpId="0" nodeType="afterEffect">
-                                  <p:stCondLst>
-                                    <p:cond delay="0"/>
-                                  </p:stCondLst>
-                                  <p:childTnLst>
-                                    <p:set>
-                                      <p:cBhvr>
-                                        <p:cTn id="10" dur="1" fill="hold">
-                                          <p:stCondLst>
-                                            <p:cond delay="0"/>
-                                          </p:stCondLst>
-                                        </p:cTn>
-                                        <p:tgtEl>
-                                          <p:spTgt spid="3">
-                                            <p:txEl>
-                                              <p:pRg st="1" end="1"/>
-                                            </p:txEl>
-                                          </p:spTgt>
-                                        </p:tgtEl>
-                                        <p:attrNameLst>
-                                          <p:attrName>style.visibility</p:attrName>
-                                        </p:attrNameLst>
-                                      </p:cBhvr>
-                                      <p:to>
-                                        <p:strVal val="visible"/>
-                                      </p:to>
-                                    </p:set>
-                                    <p:animEffect transition="in" filter="fade">
-                                      <p:cBhvr>
-                                        <p:cTn id="11" dur="250"/>
-                                        <p:tgtEl>
-                                          <p:spTgt spid="3">
-                                            <p:txEl>
-                                              <p:pRg st="1" end="1"/>
-                                            </p:txEl>
-                                          </p:spTgt>
-                                        </p:tgtEl>
-                                      </p:cBhvr>
-                                    </p:animEffect>
-                                  </p:childTnLst>
-                                </p:cTn>
-                              </p:par>
-                            </p:childTnLst>
-                          </p:cTn>
-                        </p:par>
-                        <p:par>
-                          <p:cTn id="12" fill="hold">
-                            <p:stCondLst>
-                              <p:cond delay="500"/>
-                            </p:stCondLst>
-                            <p:childTnLst>
-                              <p:par>
-                                <p:cTn id="13" presetID="10" presetClass="entr" presetSubtype="0" fill="hold" grpId="0" nodeType="afterEffect">
-                                  <p:stCondLst>
-                                    <p:cond delay="0"/>
-                                  </p:stCondLst>
-                                  <p:childTnLst>
-                                    <p:set>
-                                      <p:cBhvr>
-                                        <p:cTn id="14" dur="1" fill="hold">
-                                          <p:stCondLst>
-                                            <p:cond delay="0"/>
-                                          </p:stCondLst>
-                                        </p:cTn>
-                                        <p:tgtEl>
-                                          <p:spTgt spid="3">
-                                            <p:txEl>
-                                              <p:pRg st="2" end="2"/>
-                                            </p:txEl>
-                                          </p:spTgt>
-                                        </p:tgtEl>
-                                        <p:attrNameLst>
-                                          <p:attrName>style.visibility</p:attrName>
-                                        </p:attrNameLst>
-                                      </p:cBhvr>
-                                      <p:to>
-                                        <p:strVal val="visible"/>
-                                      </p:to>
-                                    </p:set>
-                                    <p:animEffect transition="in" filter="fade">
-                                      <p:cBhvr>
-                                        <p:cTn id="15" dur="250"/>
-                                        <p:tgtEl>
-                                          <p:spTgt spid="3">
-                                            <p:txEl>
-                                              <p:pRg st="2" end="2"/>
-                                            </p:txEl>
-                                          </p:spTgt>
-                                        </p:tgtEl>
-                                      </p:cBhvr>
-                                    </p:animEffect>
-                                  </p:childTnLst>
-                                </p:cTn>
-                              </p:par>
-                            </p:childTnLst>
-                          </p:cTn>
-                        </p:par>
-                        <p:par>
-                          <p:cTn id="16" fill="hold">
-                            <p:stCondLst>
-                              <p:cond delay="750"/>
-                            </p:stCondLst>
-                            <p:childTnLst>
-                              <p:par>
-                                <p:cTn id="17" presetID="10" presetClass="entr" presetSubtype="0" fill="hold" grpId="0" nodeType="afterEffect">
-                                  <p:stCondLst>
-                                    <p:cond delay="0"/>
-                                  </p:stCondLst>
-                                  <p:childTnLst>
-                                    <p:set>
-                                      <p:cBhvr>
-                                        <p:cTn id="18" dur="1" fill="hold">
-                                          <p:stCondLst>
-                                            <p:cond delay="0"/>
-                                          </p:stCondLst>
-                                        </p:cTn>
-                                        <p:tgtEl>
-                                          <p:spTgt spid="3">
-                                            <p:txEl>
-                                              <p:pRg st="3" end="3"/>
-                                            </p:txEl>
-                                          </p:spTgt>
-                                        </p:tgtEl>
-                                        <p:attrNameLst>
-                                          <p:attrName>style.visibility</p:attrName>
-                                        </p:attrNameLst>
-                                      </p:cBhvr>
-                                      <p:to>
-                                        <p:strVal val="visible"/>
-                                      </p:to>
-                                    </p:set>
-                                    <p:animEffect transition="in" filter="fade">
-                                      <p:cBhvr>
-                                        <p:cTn id="19" dur="250"/>
-                                        <p:tgtEl>
-                                          <p:spTgt spid="3">
-                                            <p:txEl>
-                                              <p:pRg st="3" end="3"/>
-                                            </p:txEl>
-                                          </p:spTgt>
-                                        </p:tgtEl>
-                                      </p:cBhvr>
-                                    </p:animEffect>
-                                  </p:childTnLst>
-                                </p:cTn>
-                              </p:par>
-                            </p:childTnLst>
-                          </p:cTn>
-                        </p:par>
-                        <p:par>
-                          <p:cTn id="20" fill="hold">
-                            <p:stCondLst>
-                              <p:cond delay="1000"/>
-                            </p:stCondLst>
-                            <p:childTnLst>
-                              <p:par>
-                                <p:cTn id="21" presetID="10" presetClass="entr" presetSubtype="0" fill="hold" grpId="0" nodeType="afterEffect">
-                                  <p:stCondLst>
-                                    <p:cond delay="0"/>
-                                  </p:stCondLst>
-                                  <p:childTnLst>
-                                    <p:set>
-                                      <p:cBhvr>
-                                        <p:cTn id="22" dur="1" fill="hold">
-                                          <p:stCondLst>
-                                            <p:cond delay="0"/>
-                                          </p:stCondLst>
-                                        </p:cTn>
-                                        <p:tgtEl>
-                                          <p:spTgt spid="3">
-                                            <p:txEl>
-                                              <p:pRg st="4" end="4"/>
-                                            </p:txEl>
-                                          </p:spTgt>
-                                        </p:tgtEl>
-                                        <p:attrNameLst>
-                                          <p:attrName>style.visibility</p:attrName>
-                                        </p:attrNameLst>
-                                      </p:cBhvr>
-                                      <p:to>
-                                        <p:strVal val="visible"/>
-                                      </p:to>
-                                    </p:set>
-                                    <p:animEffect transition="in" filter="fade">
-                                      <p:cBhvr>
-                                        <p:cTn id="23" dur="250"/>
-                                        <p:tgtEl>
-                                          <p:spTgt spid="3">
-                                            <p:txEl>
-                                              <p:pRg st="4" end="4"/>
-                                            </p:txEl>
-                                          </p:spTgt>
-                                        </p:tgtEl>
-                                      </p:cBhvr>
-                                    </p:animEffect>
-                                  </p:childTnLst>
-                                </p:cTn>
-                              </p:par>
-                            </p:childTnLst>
-                          </p:cTn>
-                        </p:par>
-                        <p:par>
-                          <p:cTn id="24" fill="hold">
-                            <p:stCondLst>
-                              <p:cond delay="1250"/>
-                            </p:stCondLst>
-                            <p:childTnLst>
-                              <p:par>
-                                <p:cTn id="25" presetID="10" presetClass="entr" presetSubtype="0" fill="hold" grpId="0" nodeType="afterEffect">
-                                  <p:stCondLst>
-                                    <p:cond delay="0"/>
-                                  </p:stCondLst>
-                                  <p:childTnLst>
-                                    <p:set>
-                                      <p:cBhvr>
-                                        <p:cTn id="26" dur="1" fill="hold">
-                                          <p:stCondLst>
-                                            <p:cond delay="0"/>
-                                          </p:stCondLst>
-                                        </p:cTn>
-                                        <p:tgtEl>
-                                          <p:spTgt spid="3">
-                                            <p:txEl>
-                                              <p:pRg st="5" end="5"/>
-                                            </p:txEl>
-                                          </p:spTgt>
-                                        </p:tgtEl>
-                                        <p:attrNameLst>
-                                          <p:attrName>style.visibility</p:attrName>
-                                        </p:attrNameLst>
-                                      </p:cBhvr>
-                                      <p:to>
-                                        <p:strVal val="visible"/>
-                                      </p:to>
-                                    </p:set>
-                                    <p:animEffect transition="in" filter="fade">
-                                      <p:cBhvr>
-                                        <p:cTn id="27" dur="250"/>
-                                        <p:tgtEl>
-                                          <p:spTgt spid="3">
-                                            <p:txEl>
-                                              <p:pRg st="5" end="5"/>
-                                            </p:txEl>
-                                          </p:spTgt>
-                                        </p:tgtEl>
-                                      </p:cBhvr>
-                                    </p:animEffect>
-                                  </p:childTnLst>
-                                </p:cTn>
-                              </p:par>
-                            </p:childTnLst>
-                          </p:cTn>
-                        </p:par>
-                      </p:childTnLst>
-                    </p:cTn>
-                  </p:par>
-                </p:childTnLst>
-              </p:cTn>
-              <p:prevCondLst>
-                <p:cond evt="onPrev" delay="0">
-                  <p:tgtEl>
-                    <p:sldTgt/>
-                  </p:tgtEl>
-                </p:cond>
-              </p:prevCondLst>
-              <p:nextCondLst>
-                <p:cond evt="onNext" delay="0">
-                  <p:tgtEl>
-                    <p:sldTgt/>
-                  </p:tgtEl>
-                </p:cond>
-              </p:nextCondLst>
-            </p:seq>
-          </p:childTnLst>
-        </p:cTn>
+        <p:cTn id="1" dur="indefinite" restart="never" nodeType="tmRoot"/>
       </p:par>
     </p:tnLst>
-    <p:bldLst>
-      <p:bldP spid="3" grpId="0" build="p"/>
-    </p:bldLst>
   </p:timing>
 </p:sld>
 </file>
 
 <file path=ppt/slides/slide12.xml><?xml version="1.0" encoding="utf-8"?>
-<p:sld xmlns:a="http://schemas.openxmlformats.org/drawingml/2006/main" xmlns:r="http://schemas.openxmlformats.org/officeDocument/2006/relationships" xmlns:p="http://schemas.openxmlformats.org/presentationml/2006/main" show="0">
+<p:sld xmlns:a="http://schemas.openxmlformats.org/drawingml/2006/main" xmlns:r="http://schemas.openxmlformats.org/officeDocument/2006/relationships" xmlns:p="http://schemas.openxmlformats.org/presentationml/2006/main">
   <p:cSld>
     <p:spTree>
       <p:nvGrpSpPr>
@@ -6558,10 +6228,18 @@
           <a:lstStyle/>
           <a:p>
             <a:r>
-              <a:rPr lang="hr-HR" sz="3500" dirty="0" smtClean="0"/>
-              <a:t>Ugostiteljstvo i putničke agencije</a:t>
-            </a:r>
-            <a:endParaRPr lang="hr-HR" sz="3500" dirty="0"/>
+              <a:rPr lang="hr-HR" b="1" dirty="0" smtClean="0">
+                <a:solidFill>
+                  <a:srgbClr val="FF0000"/>
+                </a:solidFill>
+              </a:rPr>
+              <a:t>UGOSTITELJSTVO I PUTNIČKE AGENCIJE</a:t>
+            </a:r>
+            <a:endParaRPr lang="hr-HR" b="1" dirty="0">
+              <a:solidFill>
+                <a:srgbClr val="FF0000"/>
+              </a:solidFill>
+            </a:endParaRPr>
           </a:p>
         </p:txBody>
       </p:sp>
@@ -6691,12 +6369,12 @@
   </p:clrMapOvr>
   <mc:AlternateContent xmlns:mc="http://schemas.openxmlformats.org/markup-compatibility/2006">
     <mc:Choice xmlns:p14="http://schemas.microsoft.com/office/powerpoint/2010/main" Requires="p14">
-      <p:transition spd="med" p14:dur="700">
-        <p:fade/>
+      <p:transition>
+        <p14:reveal/>
       </p:transition>
     </mc:Choice>
     <mc:Fallback>
-      <p:transition spd="med">
+      <p:transition>
         <p:fade/>
       </p:transition>
     </mc:Fallback>
@@ -6906,7 +6584,7 @@
 </file>
 
 <file path=ppt/slides/slide13.xml><?xml version="1.0" encoding="utf-8"?>
-<p:sld xmlns:a="http://schemas.openxmlformats.org/drawingml/2006/main" xmlns:r="http://schemas.openxmlformats.org/officeDocument/2006/relationships" xmlns:p="http://schemas.openxmlformats.org/presentationml/2006/main" show="0">
+<p:sld xmlns:a="http://schemas.openxmlformats.org/drawingml/2006/main" xmlns:r="http://schemas.openxmlformats.org/officeDocument/2006/relationships" xmlns:p="http://schemas.openxmlformats.org/presentationml/2006/main">
   <p:cSld>
     <p:spTree>
       <p:nvGrpSpPr>
@@ -6938,10 +6616,18 @@
           <a:lstStyle/>
           <a:p>
             <a:r>
-              <a:rPr lang="hr-HR" sz="3500" dirty="0" smtClean="0"/>
-              <a:t>Ugostiteljstvo i putničke agencije</a:t>
-            </a:r>
-            <a:endParaRPr lang="hr-HR" sz="3500" dirty="0"/>
+              <a:rPr lang="hr-HR" b="1" dirty="0" smtClean="0">
+                <a:solidFill>
+                  <a:srgbClr val="FF0000"/>
+                </a:solidFill>
+              </a:rPr>
+              <a:t>UGOSTITELJSTVO I PUTNIČKE AGENCIJE</a:t>
+            </a:r>
+            <a:endParaRPr lang="hr-HR" b="1" dirty="0">
+              <a:solidFill>
+                <a:srgbClr val="FF0000"/>
+              </a:solidFill>
+            </a:endParaRPr>
           </a:p>
         </p:txBody>
       </p:sp>
@@ -7062,12 +6748,12 @@
   </p:clrMapOvr>
   <mc:AlternateContent xmlns:mc="http://schemas.openxmlformats.org/markup-compatibility/2006">
     <mc:Choice xmlns:p14="http://schemas.microsoft.com/office/powerpoint/2010/main" Requires="p14">
-      <p:transition spd="med" p14:dur="700">
-        <p:fade/>
+      <p:transition>
+        <p14:reveal/>
       </p:transition>
     </mc:Choice>
     <mc:Fallback>
-      <p:transition spd="med">
+      <p:transition>
         <p:fade/>
       </p:transition>
     </mc:Fallback>
@@ -7322,14 +7008,14 @@
       </p:par>
     </p:tnLst>
     <p:bldLst>
-      <p:bldP spid="3" grpId="0" build="p"/>
+      <p:bldP spid="3" grpId="0" uiExpand="1" build="p"/>
     </p:bldLst>
   </p:timing>
 </p:sld>
 </file>
 
 <file path=ppt/slides/slide14.xml><?xml version="1.0" encoding="utf-8"?>
-<p:sld xmlns:a="http://schemas.openxmlformats.org/drawingml/2006/main" xmlns:r="http://schemas.openxmlformats.org/officeDocument/2006/relationships" xmlns:p="http://schemas.openxmlformats.org/presentationml/2006/main" show="0">
+<p:sld xmlns:a="http://schemas.openxmlformats.org/drawingml/2006/main" xmlns:r="http://schemas.openxmlformats.org/officeDocument/2006/relationships" xmlns:p="http://schemas.openxmlformats.org/presentationml/2006/main">
   <p:cSld>
     <p:spTree>
       <p:nvGrpSpPr>
@@ -7361,10 +7047,18 @@
           <a:lstStyle/>
           <a:p>
             <a:r>
-              <a:rPr lang="hr-HR" sz="3500" dirty="0" smtClean="0"/>
-              <a:t>Okvirni ugovor</a:t>
-            </a:r>
-            <a:endParaRPr lang="hr-HR" sz="3500" dirty="0"/>
+              <a:rPr lang="hr-HR" b="1" dirty="0" smtClean="0">
+                <a:solidFill>
+                  <a:srgbClr val="FF0000"/>
+                </a:solidFill>
+              </a:rPr>
+              <a:t>OKVIRNI UGOVOR</a:t>
+            </a:r>
+            <a:endParaRPr lang="hr-HR" b="1" dirty="0">
+              <a:solidFill>
+                <a:srgbClr val="FF0000"/>
+              </a:solidFill>
+            </a:endParaRPr>
           </a:p>
         </p:txBody>
       </p:sp>
@@ -7493,12 +7187,12 @@
   </p:clrMapOvr>
   <mc:AlternateContent xmlns:mc="http://schemas.openxmlformats.org/markup-compatibility/2006">
     <mc:Choice xmlns:p14="http://schemas.microsoft.com/office/powerpoint/2010/main" Requires="p14">
-      <p:transition spd="med" p14:dur="700">
-        <p:fade/>
+      <p:transition>
+        <p14:reveal/>
       </p:transition>
     </mc:Choice>
     <mc:Fallback>
-      <p:transition spd="med">
+      <p:transition>
         <p:fade/>
       </p:transition>
     </mc:Fallback>
@@ -7812,7 +7506,7 @@
 </file>
 
 <file path=ppt/slides/slide15.xml><?xml version="1.0" encoding="utf-8"?>
-<p:sld xmlns:a="http://schemas.openxmlformats.org/drawingml/2006/main" xmlns:r="http://schemas.openxmlformats.org/officeDocument/2006/relationships" xmlns:p="http://schemas.openxmlformats.org/presentationml/2006/main" show="0">
+<p:sld xmlns:a="http://schemas.openxmlformats.org/drawingml/2006/main" xmlns:r="http://schemas.openxmlformats.org/officeDocument/2006/relationships" xmlns:p="http://schemas.openxmlformats.org/presentationml/2006/main">
   <p:cSld>
     <p:spTree>
       <p:nvGrpSpPr>
@@ -7844,10 +7538,18 @@
           <a:lstStyle/>
           <a:p>
             <a:r>
-              <a:rPr lang="hr-HR" sz="3500" dirty="0" smtClean="0"/>
-              <a:t>Ugovor o alotmanu</a:t>
-            </a:r>
-            <a:endParaRPr lang="hr-HR" sz="3500" dirty="0"/>
+              <a:rPr lang="hr-HR" b="1" dirty="0" smtClean="0">
+                <a:solidFill>
+                  <a:srgbClr val="FF0000"/>
+                </a:solidFill>
+              </a:rPr>
+              <a:t>UGOVOR O ALOTMANU</a:t>
+            </a:r>
+            <a:endParaRPr lang="hr-HR" b="1" dirty="0">
+              <a:solidFill>
+                <a:srgbClr val="FF0000"/>
+              </a:solidFill>
+            </a:endParaRPr>
           </a:p>
         </p:txBody>
       </p:sp>
@@ -7911,12 +7613,12 @@
   </p:clrMapOvr>
   <mc:AlternateContent xmlns:mc="http://schemas.openxmlformats.org/markup-compatibility/2006">
     <mc:Choice xmlns:p14="http://schemas.microsoft.com/office/powerpoint/2010/main" Requires="p14">
-      <p:transition spd="med" p14:dur="700">
-        <p:fade/>
+      <p:transition>
+        <p14:reveal/>
       </p:transition>
     </mc:Choice>
     <mc:Fallback>
-      <p:transition spd="med">
+      <p:transition>
         <p:fade/>
       </p:transition>
     </mc:Fallback>
@@ -8074,7 +7776,7 @@
 </file>
 
 <file path=ppt/slides/slide16.xml><?xml version="1.0" encoding="utf-8"?>
-<p:sld xmlns:a="http://schemas.openxmlformats.org/drawingml/2006/main" xmlns:r="http://schemas.openxmlformats.org/officeDocument/2006/relationships" xmlns:p="http://schemas.openxmlformats.org/presentationml/2006/main" show="0">
+<p:sld xmlns:a="http://schemas.openxmlformats.org/drawingml/2006/main" xmlns:r="http://schemas.openxmlformats.org/officeDocument/2006/relationships" xmlns:p="http://schemas.openxmlformats.org/presentationml/2006/main">
   <p:cSld>
     <p:spTree>
       <p:nvGrpSpPr>
@@ -8106,10 +7808,18 @@
           <a:lstStyle/>
           <a:p>
             <a:r>
-              <a:rPr lang="hr-HR" sz="3500" dirty="0" smtClean="0"/>
-              <a:t>Ugovor o zakupu kapaciteta</a:t>
-            </a:r>
-            <a:endParaRPr lang="hr-HR" sz="3500" dirty="0"/>
+              <a:rPr lang="hr-HR" b="1" dirty="0" smtClean="0">
+                <a:solidFill>
+                  <a:srgbClr val="FF0000"/>
+                </a:solidFill>
+              </a:rPr>
+              <a:t>UGOVOR O ZAKUPU KAPACITETA</a:t>
+            </a:r>
+            <a:endParaRPr lang="hr-HR" b="1" dirty="0">
+              <a:solidFill>
+                <a:srgbClr val="FF0000"/>
+              </a:solidFill>
+            </a:endParaRPr>
           </a:p>
         </p:txBody>
       </p:sp>
@@ -8196,12 +7906,12 @@
   </p:clrMapOvr>
   <mc:AlternateContent xmlns:mc="http://schemas.openxmlformats.org/markup-compatibility/2006">
     <mc:Choice xmlns:p14="http://schemas.microsoft.com/office/powerpoint/2010/main" Requires="p14">
-      <p:transition spd="med" p14:dur="700">
-        <p:fade/>
+      <p:transition>
+        <p14:reveal/>
       </p:transition>
     </mc:Choice>
     <mc:Fallback>
-      <p:transition spd="med">
+      <p:transition>
         <p:fade/>
       </p:transition>
     </mc:Fallback>
@@ -8463,7 +8173,7 @@
 </file>
 
 <file path=ppt/slides/slide17.xml><?xml version="1.0" encoding="utf-8"?>
-<p:sld xmlns:a="http://schemas.openxmlformats.org/drawingml/2006/main" xmlns:r="http://schemas.openxmlformats.org/officeDocument/2006/relationships" xmlns:p="http://schemas.openxmlformats.org/presentationml/2006/main" show="0">
+<p:sld xmlns:a="http://schemas.openxmlformats.org/drawingml/2006/main" xmlns:r="http://schemas.openxmlformats.org/officeDocument/2006/relationships" xmlns:p="http://schemas.openxmlformats.org/presentationml/2006/main">
   <p:cSld>
     <p:spTree>
       <p:nvGrpSpPr>
@@ -8495,10 +8205,18 @@
           <a:lstStyle/>
           <a:p>
             <a:r>
-              <a:rPr lang="hr-HR" sz="3500" dirty="0" smtClean="0"/>
-              <a:t>Provizija putničke agencije</a:t>
-            </a:r>
-            <a:endParaRPr lang="hr-HR" sz="3500" dirty="0"/>
+              <a:rPr lang="hr-HR" b="1" dirty="0" smtClean="0">
+                <a:solidFill>
+                  <a:srgbClr val="FF0000"/>
+                </a:solidFill>
+              </a:rPr>
+              <a:t>PROVIZIJA PUTNIČKE AGENCIJE</a:t>
+            </a:r>
+            <a:endParaRPr lang="hr-HR" b="1" dirty="0">
+              <a:solidFill>
+                <a:srgbClr val="FF0000"/>
+              </a:solidFill>
+            </a:endParaRPr>
           </a:p>
         </p:txBody>
       </p:sp>
@@ -8600,12 +8318,12 @@
   </p:clrMapOvr>
   <mc:AlternateContent xmlns:mc="http://schemas.openxmlformats.org/markup-compatibility/2006">
     <mc:Choice xmlns:p14="http://schemas.microsoft.com/office/powerpoint/2010/main" Requires="p14">
-      <p:transition spd="med" p14:dur="700">
-        <p:fade/>
+      <p:transition>
+        <p14:reveal/>
       </p:transition>
     </mc:Choice>
     <mc:Fallback>
-      <p:transition spd="med">
+      <p:transition>
         <p:fade/>
       </p:transition>
     </mc:Fallback>
@@ -8899,14 +8617,26 @@
           <a:lstStyle/>
           <a:p>
             <a:r>
-              <a:rPr lang="hr-HR" sz="3500" dirty="0"/>
-              <a:t>Ugostiteljstvo i putničke agencije	     </a:t>
-            </a:r>
-            <a:r>
-              <a:rPr lang="hr-HR" sz="2800" dirty="0"/>
-              <a:t>(plan ploče)</a:t>
-            </a:r>
-            <a:endParaRPr lang="hr-HR" sz="3500" dirty="0"/>
+              <a:rPr lang="hr-HR" sz="3200" b="1" dirty="0" smtClean="0">
+                <a:solidFill>
+                  <a:srgbClr val="FF0000"/>
+                </a:solidFill>
+              </a:rPr>
+              <a:t>UGOSTITELJSTVO I PUTNIČKE AGENCIJE</a:t>
+            </a:r>
+            <a:r>
+              <a:rPr lang="hr-HR" sz="3500" dirty="0" smtClean="0"/>
+              <a:t>      </a:t>
+            </a:r>
+            <a:r>
+              <a:rPr lang="hr-HR" sz="2400" i="1" dirty="0" smtClean="0"/>
+              <a:t>(</a:t>
+            </a:r>
+            <a:r>
+              <a:rPr lang="hr-HR" sz="2400" i="1" dirty="0"/>
+              <a:t>plan ploče)</a:t>
+            </a:r>
+            <a:endParaRPr lang="hr-HR" sz="3500" i="1" dirty="0"/>
           </a:p>
         </p:txBody>
       </p:sp>
@@ -9197,12 +8927,12 @@
   </p:clrMapOvr>
   <mc:AlternateContent xmlns:mc="http://schemas.openxmlformats.org/markup-compatibility/2006">
     <mc:Choice xmlns:p14="http://schemas.microsoft.com/office/powerpoint/2010/main" Requires="p14">
-      <p:transition spd="med" p14:dur="700">
-        <p:fade/>
+      <p:transition>
+        <p14:reveal/>
       </p:transition>
     </mc:Choice>
     <mc:Fallback>
-      <p:transition spd="med">
+      <p:transition>
         <p:fade/>
       </p:transition>
     </mc:Fallback>
@@ -9250,15 +8980,27 @@
           <a:lstStyle/>
           <a:p>
             <a:r>
-              <a:rPr lang="hr-HR" sz="3500" dirty="0"/>
-              <a:t>Ugostiteljstvo i putničke </a:t>
-            </a:r>
-            <a:r>
-              <a:rPr lang="hr-HR" sz="3500" dirty="0" smtClean="0"/>
-              <a:t>agencije	     </a:t>
-            </a:r>
-            <a:r>
-              <a:rPr lang="hr-HR" sz="2800" dirty="0" smtClean="0"/>
+              <a:rPr lang="hr-HR" sz="3200" b="1" dirty="0">
+                <a:solidFill>
+                  <a:srgbClr val="FF0000"/>
+                </a:solidFill>
+              </a:rPr>
+              <a:t>UGOSTITELJSTVO I PUTNIČKE AGENCIJE</a:t>
+            </a:r>
+            <a:r>
+              <a:rPr lang="hr-HR" sz="3500" dirty="0">
+                <a:solidFill>
+                  <a:prstClr val="black"/>
+                </a:solidFill>
+              </a:rPr>
+              <a:t>      </a:t>
+            </a:r>
+            <a:r>
+              <a:rPr lang="hr-HR" sz="2400" i="1" dirty="0">
+                <a:solidFill>
+                  <a:prstClr val="black"/>
+                </a:solidFill>
+              </a:rPr>
               <a:t>(plan ploče)</a:t>
             </a:r>
             <a:endParaRPr lang="hr-HR" sz="3500" dirty="0"/>
@@ -9337,15 +9079,7 @@
             </a:pPr>
             <a:r>
               <a:rPr lang="hr-HR" sz="2400" u="sng" dirty="0" smtClean="0"/>
-              <a:t>agencija može neke sobe ne popunit, ali treba </a:t>
-            </a:r>
-            <a:r>
-              <a:rPr lang="hr-HR" sz="2400" u="sng" dirty="0" smtClean="0"/>
-              <a:t>na vrijeme obavijestiti </a:t>
-            </a:r>
-            <a:r>
-              <a:rPr lang="hr-HR" sz="2400" u="sng" dirty="0" smtClean="0"/>
-              <a:t>hotel</a:t>
+              <a:t>agencija može neke sobe ne popunit, ali treba na vrijeme obavijestiti hotel</a:t>
             </a:r>
           </a:p>
           <a:p>
@@ -9361,13 +9095,8 @@
             </a:r>
             <a:r>
               <a:rPr lang="hr-HR" sz="2400" dirty="0" smtClean="0"/>
-              <a:t>(FIKSNI </a:t>
-            </a:r>
-            <a:r>
-              <a:rPr lang="hr-HR" sz="2400" dirty="0" smtClean="0"/>
-              <a:t>UGOVOR ili PUNO ZA PRAZNO)</a:t>
-            </a:r>
-            <a:endParaRPr lang="hr-HR" sz="2400" dirty="0" smtClean="0"/>
+              <a:t>(FIKSNI UGOVOR ili PUNO ZA PRAZNO)</a:t>
+            </a:r>
           </a:p>
           <a:p>
             <a:pPr lvl="0">
@@ -9432,12 +9161,12 @@
   </p:clrMapOvr>
   <mc:AlternateContent xmlns:mc="http://schemas.openxmlformats.org/markup-compatibility/2006">
     <mc:Choice xmlns:p14="http://schemas.microsoft.com/office/powerpoint/2010/main" Requires="p14">
-      <p:transition spd="med" p14:dur="700">
-        <p:fade/>
+      <p:transition>
+        <p14:reveal/>
       </p:transition>
     </mc:Choice>
     <mc:Fallback>
-      <p:transition spd="med">
+      <p:transition>
         <p:fade/>
       </p:transition>
     </mc:Fallback>
@@ -9453,7 +9182,7 @@
 </file>
 
 <file path=ppt/slides/slide2.xml><?xml version="1.0" encoding="utf-8"?>
-<p:sld xmlns:a="http://schemas.openxmlformats.org/drawingml/2006/main" xmlns:r="http://schemas.openxmlformats.org/officeDocument/2006/relationships" xmlns:p="http://schemas.openxmlformats.org/presentationml/2006/main" show="0">
+<p:sld xmlns:a="http://schemas.openxmlformats.org/drawingml/2006/main" xmlns:r="http://schemas.openxmlformats.org/officeDocument/2006/relationships" xmlns:p="http://schemas.openxmlformats.org/presentationml/2006/main">
   <p:cSld>
     <p:spTree>
       <p:nvGrpSpPr>
@@ -9569,8 +9298,9 @@
           <a:p>
             <a:r>
               <a:rPr lang="hr-HR" dirty="0" smtClean="0"/>
-              <a:t>poduzeća u ugostiteljstvu</a:t>
-            </a:r>
+              <a:t>ugostiteljskih poduzeća</a:t>
+            </a:r>
+            <a:endParaRPr lang="hr-HR" dirty="0" smtClean="0"/>
           </a:p>
           <a:p>
             <a:endParaRPr lang="hr-HR" dirty="0"/>
@@ -9623,12 +9353,12 @@
   </p:clrMapOvr>
   <mc:AlternateContent xmlns:mc="http://schemas.openxmlformats.org/markup-compatibility/2006">
     <mc:Choice xmlns:p14="http://schemas.microsoft.com/office/powerpoint/2010/main" Requires="p14">
-      <p:transition spd="med" p14:dur="700">
-        <p:fade/>
+      <p:transition>
+        <p14:reveal/>
       </p:transition>
     </mc:Choice>
     <mc:Fallback>
-      <p:transition spd="med">
+      <p:transition>
         <p:fade/>
       </p:transition>
     </mc:Fallback>
@@ -9676,15 +9406,27 @@
           <a:lstStyle/>
           <a:p>
             <a:r>
-              <a:rPr lang="hr-HR" sz="3500" dirty="0"/>
-              <a:t>Ugostiteljstvo i putničke </a:t>
-            </a:r>
-            <a:r>
-              <a:rPr lang="hr-HR" sz="3500" dirty="0" smtClean="0"/>
-              <a:t>agencije	     </a:t>
-            </a:r>
-            <a:r>
-              <a:rPr lang="hr-HR" sz="2800" dirty="0" smtClean="0"/>
+              <a:rPr lang="hr-HR" sz="3200" b="1" dirty="0">
+                <a:solidFill>
+                  <a:srgbClr val="FF0000"/>
+                </a:solidFill>
+              </a:rPr>
+              <a:t>UGOSTITELJSTVO I PUTNIČKE AGENCIJE</a:t>
+            </a:r>
+            <a:r>
+              <a:rPr lang="hr-HR" sz="3500" dirty="0">
+                <a:solidFill>
+                  <a:prstClr val="black"/>
+                </a:solidFill>
+              </a:rPr>
+              <a:t>      </a:t>
+            </a:r>
+            <a:r>
+              <a:rPr lang="hr-HR" sz="2400" i="1" dirty="0">
+                <a:solidFill>
+                  <a:prstClr val="black"/>
+                </a:solidFill>
+              </a:rPr>
               <a:t>(plan ploče)</a:t>
             </a:r>
             <a:endParaRPr lang="hr-HR" sz="3500" dirty="0"/>
@@ -9808,12 +9550,12 @@
   </p:clrMapOvr>
   <mc:AlternateContent xmlns:mc="http://schemas.openxmlformats.org/markup-compatibility/2006">
     <mc:Choice xmlns:p14="http://schemas.microsoft.com/office/powerpoint/2010/main" Requires="p14">
-      <p:transition spd="med" p14:dur="700">
-        <p:fade/>
+      <p:transition>
+        <p14:reveal/>
       </p:transition>
     </mc:Choice>
     <mc:Fallback>
-      <p:transition spd="med">
+      <p:transition>
         <p:fade/>
       </p:transition>
     </mc:Fallback>
@@ -9904,11 +9646,7 @@
             <a:pPr lvl="0"/>
             <a:r>
               <a:rPr lang="hr-HR" dirty="0" smtClean="0"/>
-              <a:t>Je li ugostiteljstvo proizvodna ili uslužna djelatnost</a:t>
-            </a:r>
-            <a:r>
-              <a:rPr lang="hr-HR" dirty="0" smtClean="0"/>
-              <a:t>?</a:t>
+              <a:t>Je li ugostiteljstvo proizvodna ili uslužna djelatnost?</a:t>
             </a:r>
           </a:p>
           <a:p>
@@ -9917,7 +9655,6 @@
               <a:rPr lang="hr-HR" dirty="0" smtClean="0"/>
               <a:t>Što je turizam?</a:t>
             </a:r>
-            <a:endParaRPr lang="hr-HR" dirty="0" smtClean="0"/>
           </a:p>
           <a:p>
             <a:pPr lvl="0"/>
@@ -9997,12 +9734,12 @@
   </p:clrMapOvr>
   <mc:AlternateContent xmlns:mc="http://schemas.openxmlformats.org/markup-compatibility/2006">
     <mc:Choice xmlns:p14="http://schemas.microsoft.com/office/powerpoint/2010/main" Requires="p14">
-      <p:transition spd="med" p14:dur="700">
-        <p:fade/>
+      <p:transition>
+        <p14:reveal/>
       </p:transition>
     </mc:Choice>
     <mc:Fallback>
-      <p:transition spd="med">
+      <p:transition>
         <p:fade/>
       </p:transition>
     </mc:Fallback>
@@ -10019,9 +9756,6 @@
                     <p:cTn id="3" fill="hold">
                       <p:stCondLst>
                         <p:cond delay="indefinite"/>
-                        <p:cond evt="onBegin" delay="0">
-                          <p:tn val="2"/>
-                        </p:cond>
                       </p:stCondLst>
                       <p:childTnLst>
                         <p:par>
@@ -10031,7 +9765,7 @@
                             </p:stCondLst>
                             <p:childTnLst>
                               <p:par>
-                                <p:cTn id="5" presetID="10" presetClass="entr" presetSubtype="0" fill="hold" grpId="0" nodeType="afterEffect">
+                                <p:cTn id="5" presetID="10" presetClass="entr" presetSubtype="0" fill="hold" grpId="0" nodeType="clickEffect">
                                   <p:stCondLst>
                                     <p:cond delay="0"/>
                                   </p:stCondLst>
@@ -10076,21 +9810,30 @@
                             </p:childTnLst>
                           </p:cTn>
                         </p:par>
+                      </p:childTnLst>
+                    </p:cTn>
+                  </p:par>
+                  <p:par>
+                    <p:cTn id="8" fill="hold">
+                      <p:stCondLst>
+                        <p:cond delay="indefinite"/>
+                      </p:stCondLst>
+                      <p:childTnLst>
                         <p:par>
-                          <p:cTn id="8" fill="hold">
+                          <p:cTn id="9" fill="hold">
                             <p:stCondLst>
-                              <p:cond delay="250"/>
+                              <p:cond delay="0"/>
                             </p:stCondLst>
                             <p:childTnLst>
                               <p:par>
-                                <p:cTn id="9" presetID="10" presetClass="entr" presetSubtype="0" fill="hold" grpId="0" nodeType="afterEffect">
+                                <p:cTn id="10" presetID="10" presetClass="entr" presetSubtype="0" fill="hold" grpId="0" nodeType="clickEffect">
                                   <p:stCondLst>
                                     <p:cond delay="0"/>
                                   </p:stCondLst>
                                   <p:childTnLst>
                                     <p:set>
                                       <p:cBhvr>
-                                        <p:cTn id="10" dur="1" fill="hold">
+                                        <p:cTn id="11" dur="1" fill="hold">
                                           <p:stCondLst>
                                             <p:cond delay="0"/>
                                           </p:stCondLst>
@@ -10112,7 +9855,7 @@
                                     </p:set>
                                     <p:animEffect transition="in" filter="fade">
                                       <p:cBhvr>
-                                        <p:cTn id="11" dur="250"/>
+                                        <p:cTn id="12" dur="250"/>
                                         <p:tgtEl>
                                           <p:spTgt spid="3">
                                             <p:txEl>
@@ -10128,21 +9871,30 @@
                             </p:childTnLst>
                           </p:cTn>
                         </p:par>
+                      </p:childTnLst>
+                    </p:cTn>
+                  </p:par>
+                  <p:par>
+                    <p:cTn id="13" fill="hold">
+                      <p:stCondLst>
+                        <p:cond delay="indefinite"/>
+                      </p:stCondLst>
+                      <p:childTnLst>
                         <p:par>
-                          <p:cTn id="12" fill="hold">
+                          <p:cTn id="14" fill="hold">
                             <p:stCondLst>
-                              <p:cond delay="500"/>
+                              <p:cond delay="0"/>
                             </p:stCondLst>
                             <p:childTnLst>
                               <p:par>
-                                <p:cTn id="13" presetID="10" presetClass="entr" presetSubtype="0" fill="hold" grpId="0" nodeType="afterEffect">
+                                <p:cTn id="15" presetID="10" presetClass="entr" presetSubtype="0" fill="hold" grpId="0" nodeType="clickEffect">
                                   <p:stCondLst>
                                     <p:cond delay="0"/>
                                   </p:stCondLst>
                                   <p:childTnLst>
                                     <p:set>
                                       <p:cBhvr>
-                                        <p:cTn id="14" dur="1" fill="hold">
+                                        <p:cTn id="16" dur="1" fill="hold">
                                           <p:stCondLst>
                                             <p:cond delay="0"/>
                                           </p:stCondLst>
@@ -10164,7 +9916,7 @@
                                     </p:set>
                                     <p:animEffect transition="in" filter="fade">
                                       <p:cBhvr>
-                                        <p:cTn id="15" dur="250"/>
+                                        <p:cTn id="17" dur="250"/>
                                         <p:tgtEl>
                                           <p:spTgt spid="3">
                                             <p:txEl>
@@ -10180,21 +9932,30 @@
                             </p:childTnLst>
                           </p:cTn>
                         </p:par>
+                      </p:childTnLst>
+                    </p:cTn>
+                  </p:par>
+                  <p:par>
+                    <p:cTn id="18" fill="hold">
+                      <p:stCondLst>
+                        <p:cond delay="indefinite"/>
+                      </p:stCondLst>
+                      <p:childTnLst>
                         <p:par>
-                          <p:cTn id="16" fill="hold">
+                          <p:cTn id="19" fill="hold">
                             <p:stCondLst>
-                              <p:cond delay="750"/>
+                              <p:cond delay="0"/>
                             </p:stCondLst>
                             <p:childTnLst>
                               <p:par>
-                                <p:cTn id="17" presetID="10" presetClass="entr" presetSubtype="0" fill="hold" grpId="0" nodeType="afterEffect">
+                                <p:cTn id="20" presetID="10" presetClass="entr" presetSubtype="0" fill="hold" grpId="0" nodeType="clickEffect">
                                   <p:stCondLst>
                                     <p:cond delay="0"/>
                                   </p:stCondLst>
                                   <p:childTnLst>
                                     <p:set>
                                       <p:cBhvr>
-                                        <p:cTn id="18" dur="1" fill="hold">
+                                        <p:cTn id="21" dur="1" fill="hold">
                                           <p:stCondLst>
                                             <p:cond delay="0"/>
                                           </p:stCondLst>
@@ -10216,7 +9977,7 @@
                                     </p:set>
                                     <p:animEffect transition="in" filter="fade">
                                       <p:cBhvr>
-                                        <p:cTn id="19" dur="250"/>
+                                        <p:cTn id="22" dur="250"/>
                                         <p:tgtEl>
                                           <p:spTgt spid="3">
                                             <p:txEl>
@@ -10232,21 +9993,30 @@
                             </p:childTnLst>
                           </p:cTn>
                         </p:par>
+                      </p:childTnLst>
+                    </p:cTn>
+                  </p:par>
+                  <p:par>
+                    <p:cTn id="23" fill="hold">
+                      <p:stCondLst>
+                        <p:cond delay="indefinite"/>
+                      </p:stCondLst>
+                      <p:childTnLst>
                         <p:par>
-                          <p:cTn id="20" fill="hold">
+                          <p:cTn id="24" fill="hold">
                             <p:stCondLst>
-                              <p:cond delay="1000"/>
+                              <p:cond delay="0"/>
                             </p:stCondLst>
                             <p:childTnLst>
                               <p:par>
-                                <p:cTn id="21" presetID="10" presetClass="entr" presetSubtype="0" fill="hold" grpId="0" nodeType="afterEffect">
+                                <p:cTn id="25" presetID="10" presetClass="entr" presetSubtype="0" fill="hold" grpId="0" nodeType="clickEffect">
                                   <p:stCondLst>
                                     <p:cond delay="0"/>
                                   </p:stCondLst>
                                   <p:childTnLst>
                                     <p:set>
                                       <p:cBhvr>
-                                        <p:cTn id="22" dur="1" fill="hold">
+                                        <p:cTn id="26" dur="1" fill="hold">
                                           <p:stCondLst>
                                             <p:cond delay="0"/>
                                           </p:stCondLst>
@@ -10268,7 +10038,7 @@
                                     </p:set>
                                     <p:animEffect transition="in" filter="fade">
                                       <p:cBhvr>
-                                        <p:cTn id="23" dur="250"/>
+                                        <p:cTn id="27" dur="250"/>
                                         <p:tgtEl>
                                           <p:spTgt spid="3">
                                             <p:txEl>
@@ -10284,21 +10054,30 @@
                             </p:childTnLst>
                           </p:cTn>
                         </p:par>
+                      </p:childTnLst>
+                    </p:cTn>
+                  </p:par>
+                  <p:par>
+                    <p:cTn id="28" fill="hold">
+                      <p:stCondLst>
+                        <p:cond delay="indefinite"/>
+                      </p:stCondLst>
+                      <p:childTnLst>
                         <p:par>
-                          <p:cTn id="24" fill="hold">
+                          <p:cTn id="29" fill="hold">
                             <p:stCondLst>
-                              <p:cond delay="1250"/>
+                              <p:cond delay="0"/>
                             </p:stCondLst>
                             <p:childTnLst>
                               <p:par>
-                                <p:cTn id="25" presetID="10" presetClass="entr" presetSubtype="0" fill="hold" grpId="0" nodeType="afterEffect">
+                                <p:cTn id="30" presetID="10" presetClass="entr" presetSubtype="0" fill="hold" grpId="0" nodeType="clickEffect">
                                   <p:stCondLst>
                                     <p:cond delay="0"/>
                                   </p:stCondLst>
                                   <p:childTnLst>
                                     <p:set>
                                       <p:cBhvr>
-                                        <p:cTn id="26" dur="1" fill="hold">
+                                        <p:cTn id="31" dur="1" fill="hold">
                                           <p:stCondLst>
                                             <p:cond delay="0"/>
                                           </p:stCondLst>
@@ -10320,7 +10099,7 @@
                                     </p:set>
                                     <p:animEffect transition="in" filter="fade">
                                       <p:cBhvr>
-                                        <p:cTn id="27" dur="250"/>
+                                        <p:cTn id="32" dur="250"/>
                                         <p:tgtEl>
                                           <p:spTgt spid="3">
                                             <p:txEl>
@@ -10336,21 +10115,30 @@
                             </p:childTnLst>
                           </p:cTn>
                         </p:par>
+                      </p:childTnLst>
+                    </p:cTn>
+                  </p:par>
+                  <p:par>
+                    <p:cTn id="33" fill="hold">
+                      <p:stCondLst>
+                        <p:cond delay="indefinite"/>
+                      </p:stCondLst>
+                      <p:childTnLst>
                         <p:par>
-                          <p:cTn id="28" fill="hold">
+                          <p:cTn id="34" fill="hold">
                             <p:stCondLst>
-                              <p:cond delay="1500"/>
+                              <p:cond delay="0"/>
                             </p:stCondLst>
                             <p:childTnLst>
                               <p:par>
-                                <p:cTn id="29" presetID="10" presetClass="entr" presetSubtype="0" fill="hold" grpId="0" nodeType="afterEffect">
+                                <p:cTn id="35" presetID="10" presetClass="entr" presetSubtype="0" fill="hold" grpId="0" nodeType="clickEffect">
                                   <p:stCondLst>
                                     <p:cond delay="0"/>
                                   </p:stCondLst>
                                   <p:childTnLst>
                                     <p:set>
                                       <p:cBhvr>
-                                        <p:cTn id="30" dur="1" fill="hold">
+                                        <p:cTn id="36" dur="1" fill="hold">
                                           <p:stCondLst>
                                             <p:cond delay="0"/>
                                           </p:stCondLst>
@@ -10372,7 +10160,7 @@
                                     </p:set>
                                     <p:animEffect transition="in" filter="fade">
                                       <p:cBhvr>
-                                        <p:cTn id="31" dur="250"/>
+                                        <p:cTn id="37" dur="250"/>
                                         <p:tgtEl>
                                           <p:spTgt spid="3">
                                             <p:txEl>
@@ -10388,21 +10176,30 @@
                             </p:childTnLst>
                           </p:cTn>
                         </p:par>
+                      </p:childTnLst>
+                    </p:cTn>
+                  </p:par>
+                  <p:par>
+                    <p:cTn id="38" fill="hold">
+                      <p:stCondLst>
+                        <p:cond delay="indefinite"/>
+                      </p:stCondLst>
+                      <p:childTnLst>
                         <p:par>
-                          <p:cTn id="32" fill="hold">
+                          <p:cTn id="39" fill="hold">
                             <p:stCondLst>
-                              <p:cond delay="1750"/>
+                              <p:cond delay="0"/>
                             </p:stCondLst>
                             <p:childTnLst>
                               <p:par>
-                                <p:cTn id="33" presetID="10" presetClass="entr" presetSubtype="0" fill="hold" grpId="0" nodeType="afterEffect">
+                                <p:cTn id="40" presetID="10" presetClass="entr" presetSubtype="0" fill="hold" grpId="0" nodeType="clickEffect">
                                   <p:stCondLst>
                                     <p:cond delay="0"/>
                                   </p:stCondLst>
                                   <p:childTnLst>
                                     <p:set>
                                       <p:cBhvr>
-                                        <p:cTn id="34" dur="1" fill="hold">
+                                        <p:cTn id="41" dur="1" fill="hold">
                                           <p:stCondLst>
                                             <p:cond delay="0"/>
                                           </p:stCondLst>
@@ -10424,7 +10221,7 @@
                                     </p:set>
                                     <p:animEffect transition="in" filter="fade">
                                       <p:cBhvr>
-                                        <p:cTn id="35" dur="250"/>
+                                        <p:cTn id="42" dur="250"/>
                                         <p:tgtEl>
                                           <p:spTgt spid="3">
                                             <p:txEl>
@@ -10440,21 +10237,30 @@
                             </p:childTnLst>
                           </p:cTn>
                         </p:par>
+                      </p:childTnLst>
+                    </p:cTn>
+                  </p:par>
+                  <p:par>
+                    <p:cTn id="43" fill="hold">
+                      <p:stCondLst>
+                        <p:cond delay="indefinite"/>
+                      </p:stCondLst>
+                      <p:childTnLst>
                         <p:par>
-                          <p:cTn id="36" fill="hold">
+                          <p:cTn id="44" fill="hold">
                             <p:stCondLst>
-                              <p:cond delay="2000"/>
+                              <p:cond delay="0"/>
                             </p:stCondLst>
                             <p:childTnLst>
                               <p:par>
-                                <p:cTn id="37" presetID="10" presetClass="entr" presetSubtype="0" fill="hold" grpId="0" nodeType="afterEffect">
+                                <p:cTn id="45" presetID="10" presetClass="entr" presetSubtype="0" fill="hold" grpId="0" nodeType="clickEffect">
                                   <p:stCondLst>
                                     <p:cond delay="0"/>
                                   </p:stCondLst>
                                   <p:childTnLst>
                                     <p:set>
                                       <p:cBhvr>
-                                        <p:cTn id="38" dur="1" fill="hold">
+                                        <p:cTn id="46" dur="1" fill="hold">
                                           <p:stCondLst>
                                             <p:cond delay="0"/>
                                           </p:stCondLst>
@@ -10476,7 +10282,7 @@
                                     </p:set>
                                     <p:animEffect transition="in" filter="fade">
                                       <p:cBhvr>
-                                        <p:cTn id="39" dur="250"/>
+                                        <p:cTn id="47" dur="250"/>
                                         <p:tgtEl>
                                           <p:spTgt spid="3">
                                             <p:txEl>
@@ -10492,21 +10298,30 @@
                             </p:childTnLst>
                           </p:cTn>
                         </p:par>
+                      </p:childTnLst>
+                    </p:cTn>
+                  </p:par>
+                  <p:par>
+                    <p:cTn id="48" fill="hold">
+                      <p:stCondLst>
+                        <p:cond delay="indefinite"/>
+                      </p:stCondLst>
+                      <p:childTnLst>
                         <p:par>
-                          <p:cTn id="40" fill="hold">
+                          <p:cTn id="49" fill="hold">
                             <p:stCondLst>
-                              <p:cond delay="2250"/>
+                              <p:cond delay="0"/>
                             </p:stCondLst>
                             <p:childTnLst>
                               <p:par>
-                                <p:cTn id="41" presetID="10" presetClass="entr" presetSubtype="0" fill="hold" grpId="0" nodeType="afterEffect">
+                                <p:cTn id="50" presetID="10" presetClass="entr" presetSubtype="0" fill="hold" grpId="0" nodeType="clickEffect">
                                   <p:stCondLst>
                                     <p:cond delay="0"/>
                                   </p:stCondLst>
                                   <p:childTnLst>
                                     <p:set>
                                       <p:cBhvr>
-                                        <p:cTn id="42" dur="1" fill="hold">
+                                        <p:cTn id="51" dur="1" fill="hold">
                                           <p:stCondLst>
                                             <p:cond delay="0"/>
                                           </p:stCondLst>
@@ -10528,7 +10343,7 @@
                                     </p:set>
                                     <p:animEffect transition="in" filter="fade">
                                       <p:cBhvr>
-                                        <p:cTn id="43" dur="250"/>
+                                        <p:cTn id="52" dur="250"/>
                                         <p:tgtEl>
                                           <p:spTgt spid="3">
                                             <p:txEl>
@@ -10569,7 +10384,7 @@
       </p:par>
     </p:tnLst>
     <p:bldLst>
-      <p:bldP spid="3" grpId="0" build="p"/>
+      <p:bldP spid="3" grpId="0" uiExpand="1" build="p"/>
     </p:bldLst>
   </p:timing>
 </p:sld>
@@ -10608,14 +10423,18 @@
           <a:lstStyle/>
           <a:p>
             <a:r>
-              <a:rPr lang="hr-HR" sz="3500" dirty="0"/>
-              <a:t>Ugostiteljstvo i </a:t>
-            </a:r>
-            <a:r>
-              <a:rPr lang="hr-HR" sz="3500" dirty="0" smtClean="0"/>
-              <a:t>trgovina</a:t>
-            </a:r>
-            <a:endParaRPr lang="hr-HR" sz="3500" dirty="0"/>
+              <a:rPr lang="hr-HR" sz="3500" b="1" dirty="0" smtClean="0">
+                <a:solidFill>
+                  <a:srgbClr val="FF0000"/>
+                </a:solidFill>
+              </a:rPr>
+              <a:t>UGOSTITELJSTVO I TRGOVINA</a:t>
+            </a:r>
+            <a:endParaRPr lang="hr-HR" sz="3500" b="1" dirty="0">
+              <a:solidFill>
+                <a:srgbClr val="FF0000"/>
+              </a:solidFill>
+            </a:endParaRPr>
           </a:p>
         </p:txBody>
       </p:sp>
@@ -10825,12 +10644,12 @@
   </p:clrMapOvr>
   <mc:AlternateContent xmlns:mc="http://schemas.openxmlformats.org/markup-compatibility/2006">
     <mc:Choice xmlns:p14="http://schemas.microsoft.com/office/powerpoint/2010/main" Requires="p14">
-      <p:transition spd="med" p14:dur="700">
-        <p:fade/>
+      <p:transition>
+        <p14:reveal/>
       </p:transition>
     </mc:Choice>
     <mc:Fallback>
-      <p:transition spd="med">
+      <p:transition>
         <p:fade/>
       </p:transition>
     </mc:Fallback>
@@ -11393,14 +11212,18 @@
           <a:lstStyle/>
           <a:p>
             <a:r>
-              <a:rPr lang="hr-HR" sz="3500" dirty="0"/>
-              <a:t>Ugostiteljstvo i </a:t>
-            </a:r>
-            <a:r>
-              <a:rPr lang="hr-HR" sz="3500" dirty="0" smtClean="0"/>
-              <a:t>obrt</a:t>
-            </a:r>
-            <a:endParaRPr lang="hr-HR" sz="3500" dirty="0"/>
+              <a:rPr lang="hr-HR" sz="3500" b="1" dirty="0" smtClean="0">
+                <a:solidFill>
+                  <a:srgbClr val="FF0000"/>
+                </a:solidFill>
+              </a:rPr>
+              <a:t>UGOSTITELJSTVO I OBRT</a:t>
+            </a:r>
+            <a:endParaRPr lang="hr-HR" sz="3500" b="1" dirty="0">
+              <a:solidFill>
+                <a:srgbClr val="FF0000"/>
+              </a:solidFill>
+            </a:endParaRPr>
           </a:p>
         </p:txBody>
       </p:sp>
@@ -11538,12 +11361,12 @@
   </p:clrMapOvr>
   <mc:AlternateContent xmlns:mc="http://schemas.openxmlformats.org/markup-compatibility/2006">
     <mc:Choice xmlns:p14="http://schemas.microsoft.com/office/powerpoint/2010/main" Requires="p14">
-      <p:transition spd="med" p14:dur="700">
-        <p:fade/>
+      <p:transition>
+        <p14:reveal/>
       </p:transition>
     </mc:Choice>
     <mc:Fallback>
-      <p:transition spd="med">
+      <p:transition>
         <p:fade/>
       </p:transition>
     </mc:Fallback>
@@ -11880,14 +11703,18 @@
           <a:lstStyle/>
           <a:p>
             <a:r>
-              <a:rPr lang="hr-HR" sz="3500" dirty="0"/>
-              <a:t>Ugostiteljstvo i </a:t>
-            </a:r>
-            <a:r>
-              <a:rPr lang="hr-HR" sz="3500" dirty="0" smtClean="0"/>
-              <a:t>industrija</a:t>
-            </a:r>
-            <a:endParaRPr lang="hr-HR" sz="3500" dirty="0"/>
+              <a:rPr lang="hr-HR" sz="3500" b="1" dirty="0" smtClean="0">
+                <a:solidFill>
+                  <a:srgbClr val="FF0000"/>
+                </a:solidFill>
+              </a:rPr>
+              <a:t>UGOSTITELJSTVO I INDUSTRIJA</a:t>
+            </a:r>
+            <a:endParaRPr lang="hr-HR" sz="3500" b="1" dirty="0">
+              <a:solidFill>
+                <a:srgbClr val="FF0000"/>
+              </a:solidFill>
+            </a:endParaRPr>
           </a:p>
         </p:txBody>
       </p:sp>
@@ -12038,12 +11865,12 @@
   </p:clrMapOvr>
   <mc:AlternateContent xmlns:mc="http://schemas.openxmlformats.org/markup-compatibility/2006">
     <mc:Choice xmlns:p14="http://schemas.microsoft.com/office/powerpoint/2010/main" Requires="p14">
-      <p:transition spd="med" p14:dur="700">
-        <p:fade/>
+      <p:transition>
+        <p14:reveal/>
       </p:transition>
     </mc:Choice>
     <mc:Fallback>
-      <p:transition spd="med">
+      <p:transition>
         <p:fade/>
       </p:transition>
     </mc:Fallback>
@@ -12438,12 +12265,12 @@
   </p:clrMapOvr>
   <mc:AlternateContent xmlns:mc="http://schemas.openxmlformats.org/markup-compatibility/2006">
     <mc:Choice xmlns:p14="http://schemas.microsoft.com/office/powerpoint/2010/main" Requires="p14">
-      <p:transition spd="med" p14:dur="700">
-        <p:fade/>
+      <p:transition>
+        <p14:reveal/>
       </p:transition>
     </mc:Choice>
     <mc:Fallback>
-      <p:transition spd="med">
+      <p:transition>
         <p:fade/>
       </p:transition>
     </mc:Fallback>
@@ -12734,12 +12561,12 @@
   </p:clrMapOvr>
   <mc:AlternateContent xmlns:mc="http://schemas.openxmlformats.org/markup-compatibility/2006">
     <mc:Choice xmlns:p14="http://schemas.microsoft.com/office/powerpoint/2010/main" Requires="p14">
-      <p:transition spd="med" p14:dur="700">
-        <p:fade/>
+      <p:transition>
+        <p14:reveal/>
       </p:transition>
     </mc:Choice>
     <mc:Fallback>
-      <p:transition spd="med">
+      <p:transition>
         <p:fade/>
       </p:transition>
     </mc:Fallback>
@@ -13017,12 +12844,12 @@
   </p:clrMapOvr>
   <mc:AlternateContent xmlns:mc="http://schemas.openxmlformats.org/markup-compatibility/2006">
     <mc:Choice xmlns:p14="http://schemas.microsoft.com/office/powerpoint/2010/main" Requires="p14">
-      <p:transition spd="med" p14:dur="700">
-        <p:fade/>
+      <p:transition>
+        <p14:reveal/>
       </p:transition>
     </mc:Choice>
     <mc:Fallback>
-      <p:transition spd="med">
+      <p:transition>
         <p:fade/>
       </p:transition>
     </mc:Fallback>
@@ -13288,12 +13115,12 @@
   </p:clrMapOvr>
   <mc:AlternateContent xmlns:mc="http://schemas.openxmlformats.org/markup-compatibility/2006">
     <mc:Choice xmlns:p14="http://schemas.microsoft.com/office/powerpoint/2010/main" Requires="p14">
-      <p:transition spd="med" p14:dur="700">
-        <p:fade/>
+      <p:transition>
+        <p14:reveal/>
       </p:transition>
     </mc:Choice>
     <mc:Fallback>
-      <p:transition spd="med">
+      <p:transition>
         <p:fade/>
       </p:transition>
     </mc:Fallback>
@@ -13491,12 +13318,12 @@
   </p:clrMapOvr>
   <mc:AlternateContent xmlns:mc="http://schemas.openxmlformats.org/markup-compatibility/2006">
     <mc:Choice xmlns:p14="http://schemas.microsoft.com/office/powerpoint/2010/main" Requires="p14">
-      <p:transition spd="med" p14:dur="700">
-        <p:fade/>
+      <p:transition>
+        <p14:reveal/>
       </p:transition>
     </mc:Choice>
     <mc:Fallback>
-      <p:transition spd="med">
+      <p:transition>
         <p:fade/>
       </p:transition>
     </mc:Fallback>
@@ -13512,7 +13339,7 @@
 </file>
 
 <file path=ppt/slides/slide3.xml><?xml version="1.0" encoding="utf-8"?>
-<p:sld xmlns:a="http://schemas.openxmlformats.org/drawingml/2006/main" xmlns:r="http://schemas.openxmlformats.org/officeDocument/2006/relationships" xmlns:p="http://schemas.openxmlformats.org/presentationml/2006/main" show="0">
+<p:sld xmlns:a="http://schemas.openxmlformats.org/drawingml/2006/main" xmlns:r="http://schemas.openxmlformats.org/officeDocument/2006/relationships" xmlns:p="http://schemas.openxmlformats.org/presentationml/2006/main">
   <p:cSld>
     <p:spTree>
       <p:nvGrpSpPr>
@@ -13645,12 +13472,12 @@
   </p:clrMapOvr>
   <mc:AlternateContent xmlns:mc="http://schemas.openxmlformats.org/markup-compatibility/2006">
     <mc:Choice xmlns:p14="http://schemas.microsoft.com/office/powerpoint/2010/main" Requires="p14">
-      <p:transition spd="med" p14:dur="700">
-        <p:fade/>
+      <p:transition>
+        <p14:reveal/>
       </p:transition>
     </mc:Choice>
     <mc:Fallback>
-      <p:transition spd="med">
+      <p:transition>
         <p:fade/>
       </p:transition>
     </mc:Fallback>
@@ -13698,26 +13525,22 @@
           <a:lstStyle/>
           <a:p>
             <a:r>
-              <a:rPr lang="hr-HR" sz="3200" dirty="0"/>
-              <a:t>Ugostiteljstvo i </a:t>
-            </a:r>
-            <a:r>
-              <a:rPr lang="hr-HR" sz="3200" dirty="0" smtClean="0"/>
-              <a:t>trgovina, obrti i industrija</a:t>
+              <a:rPr lang="hr-HR" sz="2600" b="1" dirty="0" smtClean="0">
+                <a:solidFill>
+                  <a:srgbClr val="FF0000"/>
+                </a:solidFill>
+              </a:rPr>
+              <a:t>UGOSTITELJSTVO I TRGOVINA, OBRTI I INDUSTRIJA</a:t>
             </a:r>
             <a:r>
               <a:rPr lang="hr-HR" sz="2800" dirty="0" smtClean="0"/>
               <a:t>	 </a:t>
             </a:r>
             <a:r>
-              <a:rPr lang="hr-HR" sz="2000" dirty="0" smtClean="0"/>
-              <a:t>(</a:t>
-            </a:r>
-            <a:r>
-              <a:rPr lang="hr-HR" sz="2000" dirty="0" smtClean="0"/>
-              <a:t>plan ploče)</a:t>
-            </a:r>
-            <a:endParaRPr lang="hr-HR" sz="2800" dirty="0"/>
+              <a:rPr lang="hr-HR" sz="2000" i="1" dirty="0" smtClean="0"/>
+              <a:t>(plan ploče)</a:t>
+            </a:r>
+            <a:endParaRPr lang="hr-HR" sz="2800" i="1" dirty="0"/>
           </a:p>
         </p:txBody>
       </p:sp>
@@ -13959,12 +13782,12 @@
   </p:clrMapOvr>
   <mc:AlternateContent xmlns:mc="http://schemas.openxmlformats.org/markup-compatibility/2006">
     <mc:Choice xmlns:p14="http://schemas.microsoft.com/office/powerpoint/2010/main" Requires="p14">
-      <p:transition spd="med" p14:dur="700">
-        <p:fade/>
+      <p:transition>
+        <p14:reveal/>
       </p:transition>
     </mc:Choice>
     <mc:Fallback>
-      <p:transition spd="med">
+      <p:transition>
         <p:fade/>
       </p:transition>
     </mc:Fallback>
@@ -13972,619 +13795,9 @@
   <p:timing>
     <p:tnLst>
       <p:par>
-        <p:cTn id="1" dur="indefinite" restart="never" nodeType="tmRoot">
-          <p:childTnLst>
-            <p:seq concurrent="1" nextAc="seek">
-              <p:cTn id="2" dur="indefinite" nodeType="mainSeq">
-                <p:childTnLst>
-                  <p:par>
-                    <p:cTn id="3" fill="hold">
-                      <p:stCondLst>
-                        <p:cond delay="indefinite"/>
-                        <p:cond evt="onBegin" delay="0">
-                          <p:tn val="2"/>
-                        </p:cond>
-                      </p:stCondLst>
-                      <p:childTnLst>
-                        <p:par>
-                          <p:cTn id="4" fill="hold">
-                            <p:stCondLst>
-                              <p:cond delay="0"/>
-                            </p:stCondLst>
-                            <p:childTnLst>
-                              <p:par>
-                                <p:cTn id="5" presetID="10" presetClass="entr" presetSubtype="0" fill="hold" grpId="0" nodeType="afterEffect">
-                                  <p:stCondLst>
-                                    <p:cond delay="0"/>
-                                  </p:stCondLst>
-                                  <p:childTnLst>
-                                    <p:set>
-                                      <p:cBhvr>
-                                        <p:cTn id="6" dur="1" fill="hold">
-                                          <p:stCondLst>
-                                            <p:cond delay="0"/>
-                                          </p:stCondLst>
-                                        </p:cTn>
-                                        <p:tgtEl>
-                                          <p:spTgt spid="3">
-                                            <p:txEl>
-                                              <p:pRg st="0" end="0"/>
-                                            </p:txEl>
-                                          </p:spTgt>
-                                        </p:tgtEl>
-                                        <p:attrNameLst>
-                                          <p:attrName>style.visibility</p:attrName>
-                                        </p:attrNameLst>
-                                      </p:cBhvr>
-                                      <p:to>
-                                        <p:strVal val="visible"/>
-                                      </p:to>
-                                    </p:set>
-                                    <p:animEffect transition="in" filter="fade">
-                                      <p:cBhvr>
-                                        <p:cTn id="7" dur="100"/>
-                                        <p:tgtEl>
-                                          <p:spTgt spid="3">
-                                            <p:txEl>
-                                              <p:pRg st="0" end="0"/>
-                                            </p:txEl>
-                                          </p:spTgt>
-                                        </p:tgtEl>
-                                      </p:cBhvr>
-                                    </p:animEffect>
-                                  </p:childTnLst>
-                                </p:cTn>
-                              </p:par>
-                            </p:childTnLst>
-                          </p:cTn>
-                        </p:par>
-                        <p:par>
-                          <p:cTn id="8" fill="hold">
-                            <p:stCondLst>
-                              <p:cond delay="100"/>
-                            </p:stCondLst>
-                            <p:childTnLst>
-                              <p:par>
-                                <p:cTn id="9" presetID="10" presetClass="entr" presetSubtype="0" fill="hold" grpId="0" nodeType="afterEffect">
-                                  <p:stCondLst>
-                                    <p:cond delay="0"/>
-                                  </p:stCondLst>
-                                  <p:childTnLst>
-                                    <p:set>
-                                      <p:cBhvr>
-                                        <p:cTn id="10" dur="1" fill="hold">
-                                          <p:stCondLst>
-                                            <p:cond delay="0"/>
-                                          </p:stCondLst>
-                                        </p:cTn>
-                                        <p:tgtEl>
-                                          <p:spTgt spid="3">
-                                            <p:txEl>
-                                              <p:pRg st="1" end="1"/>
-                                            </p:txEl>
-                                          </p:spTgt>
-                                        </p:tgtEl>
-                                        <p:attrNameLst>
-                                          <p:attrName>style.visibility</p:attrName>
-                                        </p:attrNameLst>
-                                      </p:cBhvr>
-                                      <p:to>
-                                        <p:strVal val="visible"/>
-                                      </p:to>
-                                    </p:set>
-                                    <p:animEffect transition="in" filter="fade">
-                                      <p:cBhvr>
-                                        <p:cTn id="11" dur="100"/>
-                                        <p:tgtEl>
-                                          <p:spTgt spid="3">
-                                            <p:txEl>
-                                              <p:pRg st="1" end="1"/>
-                                            </p:txEl>
-                                          </p:spTgt>
-                                        </p:tgtEl>
-                                      </p:cBhvr>
-                                    </p:animEffect>
-                                  </p:childTnLst>
-                                </p:cTn>
-                              </p:par>
-                            </p:childTnLst>
-                          </p:cTn>
-                        </p:par>
-                        <p:par>
-                          <p:cTn id="12" fill="hold">
-                            <p:stCondLst>
-                              <p:cond delay="200"/>
-                            </p:stCondLst>
-                            <p:childTnLst>
-                              <p:par>
-                                <p:cTn id="13" presetID="10" presetClass="entr" presetSubtype="0" fill="hold" grpId="0" nodeType="afterEffect">
-                                  <p:stCondLst>
-                                    <p:cond delay="0"/>
-                                  </p:stCondLst>
-                                  <p:childTnLst>
-                                    <p:set>
-                                      <p:cBhvr>
-                                        <p:cTn id="14" dur="1" fill="hold">
-                                          <p:stCondLst>
-                                            <p:cond delay="0"/>
-                                          </p:stCondLst>
-                                        </p:cTn>
-                                        <p:tgtEl>
-                                          <p:spTgt spid="3">
-                                            <p:txEl>
-                                              <p:pRg st="2" end="2"/>
-                                            </p:txEl>
-                                          </p:spTgt>
-                                        </p:tgtEl>
-                                        <p:attrNameLst>
-                                          <p:attrName>style.visibility</p:attrName>
-                                        </p:attrNameLst>
-                                      </p:cBhvr>
-                                      <p:to>
-                                        <p:strVal val="visible"/>
-                                      </p:to>
-                                    </p:set>
-                                    <p:animEffect transition="in" filter="fade">
-                                      <p:cBhvr>
-                                        <p:cTn id="15" dur="100"/>
-                                        <p:tgtEl>
-                                          <p:spTgt spid="3">
-                                            <p:txEl>
-                                              <p:pRg st="2" end="2"/>
-                                            </p:txEl>
-                                          </p:spTgt>
-                                        </p:tgtEl>
-                                      </p:cBhvr>
-                                    </p:animEffect>
-                                  </p:childTnLst>
-                                </p:cTn>
-                              </p:par>
-                            </p:childTnLst>
-                          </p:cTn>
-                        </p:par>
-                        <p:par>
-                          <p:cTn id="16" fill="hold">
-                            <p:stCondLst>
-                              <p:cond delay="300"/>
-                            </p:stCondLst>
-                            <p:childTnLst>
-                              <p:par>
-                                <p:cTn id="17" presetID="10" presetClass="entr" presetSubtype="0" fill="hold" grpId="0" nodeType="afterEffect">
-                                  <p:stCondLst>
-                                    <p:cond delay="0"/>
-                                  </p:stCondLst>
-                                  <p:childTnLst>
-                                    <p:set>
-                                      <p:cBhvr>
-                                        <p:cTn id="18" dur="1" fill="hold">
-                                          <p:stCondLst>
-                                            <p:cond delay="0"/>
-                                          </p:stCondLst>
-                                        </p:cTn>
-                                        <p:tgtEl>
-                                          <p:spTgt spid="3">
-                                            <p:txEl>
-                                              <p:pRg st="3" end="3"/>
-                                            </p:txEl>
-                                          </p:spTgt>
-                                        </p:tgtEl>
-                                        <p:attrNameLst>
-                                          <p:attrName>style.visibility</p:attrName>
-                                        </p:attrNameLst>
-                                      </p:cBhvr>
-                                      <p:to>
-                                        <p:strVal val="visible"/>
-                                      </p:to>
-                                    </p:set>
-                                    <p:animEffect transition="in" filter="fade">
-                                      <p:cBhvr>
-                                        <p:cTn id="19" dur="100"/>
-                                        <p:tgtEl>
-                                          <p:spTgt spid="3">
-                                            <p:txEl>
-                                              <p:pRg st="3" end="3"/>
-                                            </p:txEl>
-                                          </p:spTgt>
-                                        </p:tgtEl>
-                                      </p:cBhvr>
-                                    </p:animEffect>
-                                  </p:childTnLst>
-                                </p:cTn>
-                              </p:par>
-                            </p:childTnLst>
-                          </p:cTn>
-                        </p:par>
-                        <p:par>
-                          <p:cTn id="20" fill="hold">
-                            <p:stCondLst>
-                              <p:cond delay="400"/>
-                            </p:stCondLst>
-                            <p:childTnLst>
-                              <p:par>
-                                <p:cTn id="21" presetID="10" presetClass="entr" presetSubtype="0" fill="hold" grpId="0" nodeType="afterEffect">
-                                  <p:stCondLst>
-                                    <p:cond delay="0"/>
-                                  </p:stCondLst>
-                                  <p:childTnLst>
-                                    <p:set>
-                                      <p:cBhvr>
-                                        <p:cTn id="22" dur="1" fill="hold">
-                                          <p:stCondLst>
-                                            <p:cond delay="0"/>
-                                          </p:stCondLst>
-                                        </p:cTn>
-                                        <p:tgtEl>
-                                          <p:spTgt spid="3">
-                                            <p:txEl>
-                                              <p:pRg st="4" end="4"/>
-                                            </p:txEl>
-                                          </p:spTgt>
-                                        </p:tgtEl>
-                                        <p:attrNameLst>
-                                          <p:attrName>style.visibility</p:attrName>
-                                        </p:attrNameLst>
-                                      </p:cBhvr>
-                                      <p:to>
-                                        <p:strVal val="visible"/>
-                                      </p:to>
-                                    </p:set>
-                                    <p:animEffect transition="in" filter="fade">
-                                      <p:cBhvr>
-                                        <p:cTn id="23" dur="100"/>
-                                        <p:tgtEl>
-                                          <p:spTgt spid="3">
-                                            <p:txEl>
-                                              <p:pRg st="4" end="4"/>
-                                            </p:txEl>
-                                          </p:spTgt>
-                                        </p:tgtEl>
-                                      </p:cBhvr>
-                                    </p:animEffect>
-                                  </p:childTnLst>
-                                </p:cTn>
-                              </p:par>
-                            </p:childTnLst>
-                          </p:cTn>
-                        </p:par>
-                        <p:par>
-                          <p:cTn id="24" fill="hold">
-                            <p:stCondLst>
-                              <p:cond delay="500"/>
-                            </p:stCondLst>
-                            <p:childTnLst>
-                              <p:par>
-                                <p:cTn id="25" presetID="10" presetClass="entr" presetSubtype="0" fill="hold" grpId="0" nodeType="afterEffect">
-                                  <p:stCondLst>
-                                    <p:cond delay="0"/>
-                                  </p:stCondLst>
-                                  <p:childTnLst>
-                                    <p:set>
-                                      <p:cBhvr>
-                                        <p:cTn id="26" dur="1" fill="hold">
-                                          <p:stCondLst>
-                                            <p:cond delay="0"/>
-                                          </p:stCondLst>
-                                        </p:cTn>
-                                        <p:tgtEl>
-                                          <p:spTgt spid="3">
-                                            <p:txEl>
-                                              <p:pRg st="5" end="5"/>
-                                            </p:txEl>
-                                          </p:spTgt>
-                                        </p:tgtEl>
-                                        <p:attrNameLst>
-                                          <p:attrName>style.visibility</p:attrName>
-                                        </p:attrNameLst>
-                                      </p:cBhvr>
-                                      <p:to>
-                                        <p:strVal val="visible"/>
-                                      </p:to>
-                                    </p:set>
-                                    <p:animEffect transition="in" filter="fade">
-                                      <p:cBhvr>
-                                        <p:cTn id="27" dur="100"/>
-                                        <p:tgtEl>
-                                          <p:spTgt spid="3">
-                                            <p:txEl>
-                                              <p:pRg st="5" end="5"/>
-                                            </p:txEl>
-                                          </p:spTgt>
-                                        </p:tgtEl>
-                                      </p:cBhvr>
-                                    </p:animEffect>
-                                  </p:childTnLst>
-                                </p:cTn>
-                              </p:par>
-                            </p:childTnLst>
-                          </p:cTn>
-                        </p:par>
-                        <p:par>
-                          <p:cTn id="28" fill="hold">
-                            <p:stCondLst>
-                              <p:cond delay="600"/>
-                            </p:stCondLst>
-                            <p:childTnLst>
-                              <p:par>
-                                <p:cTn id="29" presetID="10" presetClass="entr" presetSubtype="0" fill="hold" grpId="0" nodeType="afterEffect">
-                                  <p:stCondLst>
-                                    <p:cond delay="0"/>
-                                  </p:stCondLst>
-                                  <p:childTnLst>
-                                    <p:set>
-                                      <p:cBhvr>
-                                        <p:cTn id="30" dur="1" fill="hold">
-                                          <p:stCondLst>
-                                            <p:cond delay="0"/>
-                                          </p:stCondLst>
-                                        </p:cTn>
-                                        <p:tgtEl>
-                                          <p:spTgt spid="3">
-                                            <p:txEl>
-                                              <p:pRg st="6" end="6"/>
-                                            </p:txEl>
-                                          </p:spTgt>
-                                        </p:tgtEl>
-                                        <p:attrNameLst>
-                                          <p:attrName>style.visibility</p:attrName>
-                                        </p:attrNameLst>
-                                      </p:cBhvr>
-                                      <p:to>
-                                        <p:strVal val="visible"/>
-                                      </p:to>
-                                    </p:set>
-                                    <p:animEffect transition="in" filter="fade">
-                                      <p:cBhvr>
-                                        <p:cTn id="31" dur="100"/>
-                                        <p:tgtEl>
-                                          <p:spTgt spid="3">
-                                            <p:txEl>
-                                              <p:pRg st="6" end="6"/>
-                                            </p:txEl>
-                                          </p:spTgt>
-                                        </p:tgtEl>
-                                      </p:cBhvr>
-                                    </p:animEffect>
-                                  </p:childTnLst>
-                                </p:cTn>
-                              </p:par>
-                            </p:childTnLst>
-                          </p:cTn>
-                        </p:par>
-                        <p:par>
-                          <p:cTn id="32" fill="hold">
-                            <p:stCondLst>
-                              <p:cond delay="700"/>
-                            </p:stCondLst>
-                            <p:childTnLst>
-                              <p:par>
-                                <p:cTn id="33" presetID="10" presetClass="entr" presetSubtype="0" fill="hold" grpId="0" nodeType="afterEffect">
-                                  <p:stCondLst>
-                                    <p:cond delay="0"/>
-                                  </p:stCondLst>
-                                  <p:childTnLst>
-                                    <p:set>
-                                      <p:cBhvr>
-                                        <p:cTn id="34" dur="1" fill="hold">
-                                          <p:stCondLst>
-                                            <p:cond delay="0"/>
-                                          </p:stCondLst>
-                                        </p:cTn>
-                                        <p:tgtEl>
-                                          <p:spTgt spid="3">
-                                            <p:txEl>
-                                              <p:pRg st="7" end="7"/>
-                                            </p:txEl>
-                                          </p:spTgt>
-                                        </p:tgtEl>
-                                        <p:attrNameLst>
-                                          <p:attrName>style.visibility</p:attrName>
-                                        </p:attrNameLst>
-                                      </p:cBhvr>
-                                      <p:to>
-                                        <p:strVal val="visible"/>
-                                      </p:to>
-                                    </p:set>
-                                    <p:animEffect transition="in" filter="fade">
-                                      <p:cBhvr>
-                                        <p:cTn id="35" dur="100"/>
-                                        <p:tgtEl>
-                                          <p:spTgt spid="3">
-                                            <p:txEl>
-                                              <p:pRg st="7" end="7"/>
-                                            </p:txEl>
-                                          </p:spTgt>
-                                        </p:tgtEl>
-                                      </p:cBhvr>
-                                    </p:animEffect>
-                                  </p:childTnLst>
-                                </p:cTn>
-                              </p:par>
-                            </p:childTnLst>
-                          </p:cTn>
-                        </p:par>
-                        <p:par>
-                          <p:cTn id="36" fill="hold">
-                            <p:stCondLst>
-                              <p:cond delay="800"/>
-                            </p:stCondLst>
-                            <p:childTnLst>
-                              <p:par>
-                                <p:cTn id="37" presetID="10" presetClass="entr" presetSubtype="0" fill="hold" grpId="0" nodeType="afterEffect">
-                                  <p:stCondLst>
-                                    <p:cond delay="0"/>
-                                  </p:stCondLst>
-                                  <p:childTnLst>
-                                    <p:set>
-                                      <p:cBhvr>
-                                        <p:cTn id="38" dur="1" fill="hold">
-                                          <p:stCondLst>
-                                            <p:cond delay="0"/>
-                                          </p:stCondLst>
-                                        </p:cTn>
-                                        <p:tgtEl>
-                                          <p:spTgt spid="3">
-                                            <p:txEl>
-                                              <p:pRg st="8" end="8"/>
-                                            </p:txEl>
-                                          </p:spTgt>
-                                        </p:tgtEl>
-                                        <p:attrNameLst>
-                                          <p:attrName>style.visibility</p:attrName>
-                                        </p:attrNameLst>
-                                      </p:cBhvr>
-                                      <p:to>
-                                        <p:strVal val="visible"/>
-                                      </p:to>
-                                    </p:set>
-                                    <p:animEffect transition="in" filter="fade">
-                                      <p:cBhvr>
-                                        <p:cTn id="39" dur="100"/>
-                                        <p:tgtEl>
-                                          <p:spTgt spid="3">
-                                            <p:txEl>
-                                              <p:pRg st="8" end="8"/>
-                                            </p:txEl>
-                                          </p:spTgt>
-                                        </p:tgtEl>
-                                      </p:cBhvr>
-                                    </p:animEffect>
-                                  </p:childTnLst>
-                                </p:cTn>
-                              </p:par>
-                            </p:childTnLst>
-                          </p:cTn>
-                        </p:par>
-                        <p:par>
-                          <p:cTn id="40" fill="hold">
-                            <p:stCondLst>
-                              <p:cond delay="900"/>
-                            </p:stCondLst>
-                            <p:childTnLst>
-                              <p:par>
-                                <p:cTn id="41" presetID="10" presetClass="entr" presetSubtype="0" fill="hold" grpId="0" nodeType="afterEffect">
-                                  <p:stCondLst>
-                                    <p:cond delay="0"/>
-                                  </p:stCondLst>
-                                  <p:childTnLst>
-                                    <p:set>
-                                      <p:cBhvr>
-                                        <p:cTn id="42" dur="1" fill="hold">
-                                          <p:stCondLst>
-                                            <p:cond delay="0"/>
-                                          </p:stCondLst>
-                                        </p:cTn>
-                                        <p:tgtEl>
-                                          <p:spTgt spid="3">
-                                            <p:txEl>
-                                              <p:pRg st="9" end="9"/>
-                                            </p:txEl>
-                                          </p:spTgt>
-                                        </p:tgtEl>
-                                        <p:attrNameLst>
-                                          <p:attrName>style.visibility</p:attrName>
-                                        </p:attrNameLst>
-                                      </p:cBhvr>
-                                      <p:to>
-                                        <p:strVal val="visible"/>
-                                      </p:to>
-                                    </p:set>
-                                    <p:animEffect transition="in" filter="fade">
-                                      <p:cBhvr>
-                                        <p:cTn id="43" dur="100"/>
-                                        <p:tgtEl>
-                                          <p:spTgt spid="3">
-                                            <p:txEl>
-                                              <p:pRg st="9" end="9"/>
-                                            </p:txEl>
-                                          </p:spTgt>
-                                        </p:tgtEl>
-                                      </p:cBhvr>
-                                    </p:animEffect>
-                                  </p:childTnLst>
-                                </p:cTn>
-                              </p:par>
-                            </p:childTnLst>
-                          </p:cTn>
-                        </p:par>
-                        <p:par>
-                          <p:cTn id="44" fill="hold">
-                            <p:stCondLst>
-                              <p:cond delay="1000"/>
-                            </p:stCondLst>
-                            <p:childTnLst>
-                              <p:par>
-                                <p:cTn id="45" presetID="10" presetClass="entr" presetSubtype="0" fill="hold" grpId="0" nodeType="afterEffect">
-                                  <p:stCondLst>
-                                    <p:cond delay="0"/>
-                                  </p:stCondLst>
-                                  <p:childTnLst>
-                                    <p:set>
-                                      <p:cBhvr>
-                                        <p:cTn id="46" dur="1" fill="hold">
-                                          <p:stCondLst>
-                                            <p:cond delay="0"/>
-                                          </p:stCondLst>
-                                        </p:cTn>
-                                        <p:tgtEl>
-                                          <p:spTgt spid="3">
-                                            <p:txEl>
-                                              <p:pRg st="10" end="10"/>
-                                            </p:txEl>
-                                          </p:spTgt>
-                                        </p:tgtEl>
-                                        <p:attrNameLst>
-                                          <p:attrName>style.visibility</p:attrName>
-                                        </p:attrNameLst>
-                                      </p:cBhvr>
-                                      <p:to>
-                                        <p:strVal val="visible"/>
-                                      </p:to>
-                                    </p:set>
-                                    <p:animEffect transition="in" filter="fade">
-                                      <p:cBhvr>
-                                        <p:cTn id="47" dur="100"/>
-                                        <p:tgtEl>
-                                          <p:spTgt spid="3">
-                                            <p:txEl>
-                                              <p:pRg st="10" end="10"/>
-                                            </p:txEl>
-                                          </p:spTgt>
-                                        </p:tgtEl>
-                                      </p:cBhvr>
-                                    </p:animEffect>
-                                  </p:childTnLst>
-                                </p:cTn>
-                              </p:par>
-                            </p:childTnLst>
-                          </p:cTn>
-                        </p:par>
-                      </p:childTnLst>
-                    </p:cTn>
-                  </p:par>
-                </p:childTnLst>
-              </p:cTn>
-              <p:prevCondLst>
-                <p:cond evt="onPrev" delay="0">
-                  <p:tgtEl>
-                    <p:sldTgt/>
-                  </p:tgtEl>
-                </p:cond>
-              </p:prevCondLst>
-              <p:nextCondLst>
-                <p:cond evt="onNext" delay="0">
-                  <p:tgtEl>
-                    <p:sldTgt/>
-                  </p:tgtEl>
-                </p:cond>
-              </p:nextCondLst>
-            </p:seq>
-          </p:childTnLst>
-        </p:cTn>
+        <p:cTn id="1" dur="indefinite" restart="never" nodeType="tmRoot"/>
       </p:par>
     </p:tnLst>
-    <p:bldLst>
-      <p:bldP spid="3" grpId="0" build="p"/>
-    </p:bldLst>
   </p:timing>
 </p:sld>
 </file>
@@ -14622,24 +13835,28 @@
           <a:lstStyle/>
           <a:p>
             <a:r>
-              <a:rPr lang="hr-HR" sz="3200" dirty="0"/>
-              <a:t>Ugostiteljstvo i </a:t>
-            </a:r>
-            <a:r>
-              <a:rPr lang="hr-HR" sz="3200" dirty="0" smtClean="0"/>
-              <a:t>trgovina, obrti i industrija</a:t>
-            </a:r>
-            <a:r>
-              <a:rPr lang="hr-HR" sz="2800" dirty="0" smtClean="0"/>
+              <a:rPr lang="hr-HR" sz="2600" b="1" dirty="0">
+                <a:solidFill>
+                  <a:srgbClr val="FF0000"/>
+                </a:solidFill>
+              </a:rPr>
+              <a:t>UGOSTITELJSTVO I TRGOVINA, OBRTI I INDUSTRIJA</a:t>
+            </a:r>
+            <a:r>
+              <a:rPr lang="hr-HR" sz="2800" dirty="0">
+                <a:solidFill>
+                  <a:prstClr val="black"/>
+                </a:solidFill>
+              </a:rPr>
               <a:t>	 </a:t>
             </a:r>
             <a:r>
-              <a:rPr lang="hr-HR" sz="2000" dirty="0" smtClean="0"/>
-              <a:t>(</a:t>
-            </a:r>
-            <a:r>
-              <a:rPr lang="hr-HR" sz="2000" dirty="0" smtClean="0"/>
-              <a:t>plan ploče)</a:t>
+              <a:rPr lang="hr-HR" sz="2000" i="1" dirty="0">
+                <a:solidFill>
+                  <a:prstClr val="black"/>
+                </a:solidFill>
+              </a:rPr>
+              <a:t>(plan ploče)</a:t>
             </a:r>
             <a:endParaRPr lang="hr-HR" sz="2800" dirty="0"/>
           </a:p>
@@ -14809,12 +14026,12 @@
   </p:clrMapOvr>
   <mc:AlternateContent xmlns:mc="http://schemas.openxmlformats.org/markup-compatibility/2006">
     <mc:Choice xmlns:p14="http://schemas.microsoft.com/office/powerpoint/2010/main" Requires="p14">
-      <p:transition spd="med" p14:dur="700">
-        <p:fade/>
+      <p:transition>
+        <p14:reveal/>
       </p:transition>
     </mc:Choice>
     <mc:Fallback>
-      <p:transition spd="med">
+      <p:transition>
         <p:fade/>
       </p:transition>
     </mc:Fallback>
@@ -14822,255 +14039,9 @@
   <p:timing>
     <p:tnLst>
       <p:par>
-        <p:cTn id="1" dur="indefinite" restart="never" nodeType="tmRoot">
-          <p:childTnLst>
-            <p:seq concurrent="1" nextAc="seek">
-              <p:cTn id="2" dur="indefinite" nodeType="mainSeq">
-                <p:childTnLst>
-                  <p:par>
-                    <p:cTn id="3" fill="hold">
-                      <p:stCondLst>
-                        <p:cond delay="indefinite"/>
-                        <p:cond evt="onBegin" delay="0">
-                          <p:tn val="2"/>
-                        </p:cond>
-                      </p:stCondLst>
-                      <p:childTnLst>
-                        <p:par>
-                          <p:cTn id="4" fill="hold">
-                            <p:stCondLst>
-                              <p:cond delay="0"/>
-                            </p:stCondLst>
-                            <p:childTnLst>
-                              <p:par>
-                                <p:cTn id="5" presetID="10" presetClass="entr" presetSubtype="0" fill="hold" grpId="0" nodeType="afterEffect">
-                                  <p:stCondLst>
-                                    <p:cond delay="0"/>
-                                  </p:stCondLst>
-                                  <p:childTnLst>
-                                    <p:set>
-                                      <p:cBhvr>
-                                        <p:cTn id="6" dur="1" fill="hold">
-                                          <p:stCondLst>
-                                            <p:cond delay="0"/>
-                                          </p:stCondLst>
-                                        </p:cTn>
-                                        <p:tgtEl>
-                                          <p:spTgt spid="3">
-                                            <p:txEl>
-                                              <p:pRg st="0" end="0"/>
-                                            </p:txEl>
-                                          </p:spTgt>
-                                        </p:tgtEl>
-                                        <p:attrNameLst>
-                                          <p:attrName>style.visibility</p:attrName>
-                                        </p:attrNameLst>
-                                      </p:cBhvr>
-                                      <p:to>
-                                        <p:strVal val="visible"/>
-                                      </p:to>
-                                    </p:set>
-                                    <p:animEffect transition="in" filter="fade">
-                                      <p:cBhvr>
-                                        <p:cTn id="7" dur="100"/>
-                                        <p:tgtEl>
-                                          <p:spTgt spid="3">
-                                            <p:txEl>
-                                              <p:pRg st="0" end="0"/>
-                                            </p:txEl>
-                                          </p:spTgt>
-                                        </p:tgtEl>
-                                      </p:cBhvr>
-                                    </p:animEffect>
-                                  </p:childTnLst>
-                                </p:cTn>
-                              </p:par>
-                            </p:childTnLst>
-                          </p:cTn>
-                        </p:par>
-                        <p:par>
-                          <p:cTn id="8" fill="hold">
-                            <p:stCondLst>
-                              <p:cond delay="100"/>
-                            </p:stCondLst>
-                            <p:childTnLst>
-                              <p:par>
-                                <p:cTn id="9" presetID="10" presetClass="entr" presetSubtype="0" fill="hold" grpId="0" nodeType="afterEffect">
-                                  <p:stCondLst>
-                                    <p:cond delay="0"/>
-                                  </p:stCondLst>
-                                  <p:childTnLst>
-                                    <p:set>
-                                      <p:cBhvr>
-                                        <p:cTn id="10" dur="1" fill="hold">
-                                          <p:stCondLst>
-                                            <p:cond delay="0"/>
-                                          </p:stCondLst>
-                                        </p:cTn>
-                                        <p:tgtEl>
-                                          <p:spTgt spid="3">
-                                            <p:txEl>
-                                              <p:pRg st="1" end="1"/>
-                                            </p:txEl>
-                                          </p:spTgt>
-                                        </p:tgtEl>
-                                        <p:attrNameLst>
-                                          <p:attrName>style.visibility</p:attrName>
-                                        </p:attrNameLst>
-                                      </p:cBhvr>
-                                      <p:to>
-                                        <p:strVal val="visible"/>
-                                      </p:to>
-                                    </p:set>
-                                    <p:animEffect transition="in" filter="fade">
-                                      <p:cBhvr>
-                                        <p:cTn id="11" dur="100"/>
-                                        <p:tgtEl>
-                                          <p:spTgt spid="3">
-                                            <p:txEl>
-                                              <p:pRg st="1" end="1"/>
-                                            </p:txEl>
-                                          </p:spTgt>
-                                        </p:tgtEl>
-                                      </p:cBhvr>
-                                    </p:animEffect>
-                                  </p:childTnLst>
-                                </p:cTn>
-                              </p:par>
-                            </p:childTnLst>
-                          </p:cTn>
-                        </p:par>
-                        <p:par>
-                          <p:cTn id="12" fill="hold">
-                            <p:stCondLst>
-                              <p:cond delay="200"/>
-                            </p:stCondLst>
-                            <p:childTnLst>
-                              <p:par>
-                                <p:cTn id="13" presetID="10" presetClass="entr" presetSubtype="0" fill="hold" grpId="0" nodeType="afterEffect">
-                                  <p:stCondLst>
-                                    <p:cond delay="0"/>
-                                  </p:stCondLst>
-                                  <p:childTnLst>
-                                    <p:set>
-                                      <p:cBhvr>
-                                        <p:cTn id="14" dur="1" fill="hold">
-                                          <p:stCondLst>
-                                            <p:cond delay="0"/>
-                                          </p:stCondLst>
-                                        </p:cTn>
-                                        <p:tgtEl>
-                                          <p:spTgt spid="3">
-                                            <p:txEl>
-                                              <p:pRg st="2" end="2"/>
-                                            </p:txEl>
-                                          </p:spTgt>
-                                        </p:tgtEl>
-                                        <p:attrNameLst>
-                                          <p:attrName>style.visibility</p:attrName>
-                                        </p:attrNameLst>
-                                      </p:cBhvr>
-                                      <p:to>
-                                        <p:strVal val="visible"/>
-                                      </p:to>
-                                    </p:set>
-                                    <p:animEffect transition="in" filter="fade">
-                                      <p:cBhvr>
-                                        <p:cTn id="15" dur="100"/>
-                                        <p:tgtEl>
-                                          <p:spTgt spid="3">
-                                            <p:txEl>
-                                              <p:pRg st="2" end="2"/>
-                                            </p:txEl>
-                                          </p:spTgt>
-                                        </p:tgtEl>
-                                      </p:cBhvr>
-                                    </p:animEffect>
-                                  </p:childTnLst>
-                                </p:cTn>
-                              </p:par>
-                            </p:childTnLst>
-                          </p:cTn>
-                        </p:par>
-                        <p:par>
-                          <p:cTn id="16" fill="hold">
-                            <p:stCondLst>
-                              <p:cond delay="300"/>
-                            </p:stCondLst>
-                            <p:childTnLst>
-                              <p:par>
-                                <p:cTn id="17" presetID="10" presetClass="entr" presetSubtype="0" fill="hold" grpId="0" nodeType="afterEffect">
-                                  <p:stCondLst>
-                                    <p:cond delay="0"/>
-                                  </p:stCondLst>
-                                  <p:childTnLst>
-                                    <p:set>
-                                      <p:cBhvr>
-                                        <p:cTn id="18" dur="1" fill="hold">
-                                          <p:stCondLst>
-                                            <p:cond delay="0"/>
-                                          </p:stCondLst>
-                                        </p:cTn>
-                                        <p:tgtEl>
-                                          <p:spTgt spid="3">
-                                            <p:txEl>
-                                              <p:pRg st="3" end="3"/>
-                                            </p:txEl>
-                                          </p:spTgt>
-                                        </p:tgtEl>
-                                        <p:attrNameLst>
-                                          <p:attrName>style.visibility</p:attrName>
-                                        </p:attrNameLst>
-                                      </p:cBhvr>
-                                      <p:to>
-                                        <p:strVal val="visible"/>
-                                      </p:to>
-                                    </p:set>
-                                    <p:animEffect transition="in" filter="fade">
-                                      <p:cBhvr>
-                                        <p:cTn id="19" dur="100"/>
-                                        <p:tgtEl>
-                                          <p:spTgt spid="3">
-                                            <p:txEl>
-                                              <p:pRg st="3" end="3"/>
-                                            </p:txEl>
-                                          </p:spTgt>
-                                        </p:tgtEl>
-                                      </p:cBhvr>
-                                    </p:animEffect>
-                                  </p:childTnLst>
-                                </p:cTn>
-                              </p:par>
-                            </p:childTnLst>
-                          </p:cTn>
-                        </p:par>
-                      </p:childTnLst>
-                    </p:cTn>
-                  </p:par>
-                </p:childTnLst>
-              </p:cTn>
-              <p:prevCondLst>
-                <p:cond evt="onPrev" delay="0">
-                  <p:tgtEl>
-                    <p:sldTgt/>
-                  </p:tgtEl>
-                </p:cond>
-              </p:prevCondLst>
-              <p:nextCondLst>
-                <p:cond evt="onNext" delay="0">
-                  <p:tgtEl>
-                    <p:sldTgt/>
-                  </p:tgtEl>
-                </p:cond>
-              </p:nextCondLst>
-            </p:seq>
-          </p:childTnLst>
-        </p:cTn>
+        <p:cTn id="1" dur="indefinite" restart="never" nodeType="tmRoot"/>
       </p:par>
     </p:tnLst>
-    <p:bldLst>
-      <p:bldP spid="3" grpId="0" build="p"/>
-    </p:bldLst>
   </p:timing>
 </p:sld>
 </file>
@@ -15179,15 +14150,7 @@
             <a:pPr lvl="0"/>
             <a:r>
               <a:rPr lang="hr-HR" dirty="0" smtClean="0"/>
-              <a:t>Koja industrija je </a:t>
-            </a:r>
-            <a:r>
-              <a:rPr lang="hr-HR" dirty="0" err="1" smtClean="0"/>
-              <a:t>najbitnija</a:t>
-            </a:r>
-            <a:r>
-              <a:rPr lang="hr-HR" dirty="0" smtClean="0"/>
-              <a:t> za ugostiteljstvo?</a:t>
+              <a:t>Koja industrija je najbitnija za ugostiteljstvo?</a:t>
             </a:r>
           </a:p>
           <a:p>
@@ -15243,12 +14206,12 @@
   </p:clrMapOvr>
   <mc:AlternateContent xmlns:mc="http://schemas.openxmlformats.org/markup-compatibility/2006">
     <mc:Choice xmlns:p14="http://schemas.microsoft.com/office/powerpoint/2010/main" Requires="p14">
-      <p:transition spd="med" p14:dur="700">
-        <p:fade/>
+      <p:transition>
+        <p14:reveal/>
       </p:transition>
     </mc:Choice>
     <mc:Fallback>
-      <p:transition spd="med">
+      <p:transition>
         <p:fade/>
       </p:transition>
     </mc:Fallback>
@@ -15265,9 +14228,6 @@
                     <p:cTn id="3" fill="hold">
                       <p:stCondLst>
                         <p:cond delay="indefinite"/>
-                        <p:cond evt="onBegin" delay="0">
-                          <p:tn val="2"/>
-                        </p:cond>
                       </p:stCondLst>
                       <p:childTnLst>
                         <p:par>
@@ -15277,7 +14237,7 @@
                             </p:stCondLst>
                             <p:childTnLst>
                               <p:par>
-                                <p:cTn id="5" presetID="10" presetClass="entr" presetSubtype="0" fill="hold" grpId="0" nodeType="afterEffect">
+                                <p:cTn id="5" presetID="10" presetClass="entr" presetSubtype="0" fill="hold" grpId="0" nodeType="clickEffect">
                                   <p:stCondLst>
                                     <p:cond delay="0"/>
                                   </p:stCondLst>
@@ -15322,21 +14282,30 @@
                             </p:childTnLst>
                           </p:cTn>
                         </p:par>
+                      </p:childTnLst>
+                    </p:cTn>
+                  </p:par>
+                  <p:par>
+                    <p:cTn id="8" fill="hold">
+                      <p:stCondLst>
+                        <p:cond delay="indefinite"/>
+                      </p:stCondLst>
+                      <p:childTnLst>
                         <p:par>
-                          <p:cTn id="8" fill="hold">
+                          <p:cTn id="9" fill="hold">
                             <p:stCondLst>
-                              <p:cond delay="250"/>
+                              <p:cond delay="0"/>
                             </p:stCondLst>
                             <p:childTnLst>
                               <p:par>
-                                <p:cTn id="9" presetID="10" presetClass="entr" presetSubtype="0" fill="hold" grpId="0" nodeType="afterEffect">
+                                <p:cTn id="10" presetID="10" presetClass="entr" presetSubtype="0" fill="hold" grpId="0" nodeType="clickEffect">
                                   <p:stCondLst>
                                     <p:cond delay="0"/>
                                   </p:stCondLst>
                                   <p:childTnLst>
                                     <p:set>
                                       <p:cBhvr>
-                                        <p:cTn id="10" dur="1" fill="hold">
+                                        <p:cTn id="11" dur="1" fill="hold">
                                           <p:stCondLst>
                                             <p:cond delay="0"/>
                                           </p:stCondLst>
@@ -15358,7 +14327,7 @@
                                     </p:set>
                                     <p:animEffect transition="in" filter="fade">
                                       <p:cBhvr>
-                                        <p:cTn id="11" dur="250"/>
+                                        <p:cTn id="12" dur="250"/>
                                         <p:tgtEl>
                                           <p:spTgt spid="3">
                                             <p:txEl>
@@ -15374,21 +14343,30 @@
                             </p:childTnLst>
                           </p:cTn>
                         </p:par>
+                      </p:childTnLst>
+                    </p:cTn>
+                  </p:par>
+                  <p:par>
+                    <p:cTn id="13" fill="hold">
+                      <p:stCondLst>
+                        <p:cond delay="indefinite"/>
+                      </p:stCondLst>
+                      <p:childTnLst>
                         <p:par>
-                          <p:cTn id="12" fill="hold">
+                          <p:cTn id="14" fill="hold">
                             <p:stCondLst>
-                              <p:cond delay="500"/>
+                              <p:cond delay="0"/>
                             </p:stCondLst>
                             <p:childTnLst>
                               <p:par>
-                                <p:cTn id="13" presetID="10" presetClass="entr" presetSubtype="0" fill="hold" grpId="0" nodeType="afterEffect">
+                                <p:cTn id="15" presetID="10" presetClass="entr" presetSubtype="0" fill="hold" grpId="0" nodeType="clickEffect">
                                   <p:stCondLst>
                                     <p:cond delay="0"/>
                                   </p:stCondLst>
                                   <p:childTnLst>
                                     <p:set>
                                       <p:cBhvr>
-                                        <p:cTn id="14" dur="1" fill="hold">
+                                        <p:cTn id="16" dur="1" fill="hold">
                                           <p:stCondLst>
                                             <p:cond delay="0"/>
                                           </p:stCondLst>
@@ -15410,7 +14388,7 @@
                                     </p:set>
                                     <p:animEffect transition="in" filter="fade">
                                       <p:cBhvr>
-                                        <p:cTn id="15" dur="250"/>
+                                        <p:cTn id="17" dur="250"/>
                                         <p:tgtEl>
                                           <p:spTgt spid="3">
                                             <p:txEl>
@@ -15426,21 +14404,30 @@
                             </p:childTnLst>
                           </p:cTn>
                         </p:par>
+                      </p:childTnLst>
+                    </p:cTn>
+                  </p:par>
+                  <p:par>
+                    <p:cTn id="18" fill="hold">
+                      <p:stCondLst>
+                        <p:cond delay="indefinite"/>
+                      </p:stCondLst>
+                      <p:childTnLst>
                         <p:par>
-                          <p:cTn id="16" fill="hold">
+                          <p:cTn id="19" fill="hold">
                             <p:stCondLst>
-                              <p:cond delay="750"/>
+                              <p:cond delay="0"/>
                             </p:stCondLst>
                             <p:childTnLst>
                               <p:par>
-                                <p:cTn id="17" presetID="10" presetClass="entr" presetSubtype="0" fill="hold" grpId="0" nodeType="afterEffect">
+                                <p:cTn id="20" presetID="10" presetClass="entr" presetSubtype="0" fill="hold" grpId="0" nodeType="clickEffect">
                                   <p:stCondLst>
                                     <p:cond delay="0"/>
                                   </p:stCondLst>
                                   <p:childTnLst>
                                     <p:set>
                                       <p:cBhvr>
-                                        <p:cTn id="18" dur="1" fill="hold">
+                                        <p:cTn id="21" dur="1" fill="hold">
                                           <p:stCondLst>
                                             <p:cond delay="0"/>
                                           </p:stCondLst>
@@ -15462,7 +14449,7 @@
                                     </p:set>
                                     <p:animEffect transition="in" filter="fade">
                                       <p:cBhvr>
-                                        <p:cTn id="19" dur="250"/>
+                                        <p:cTn id="22" dur="250"/>
                                         <p:tgtEl>
                                           <p:spTgt spid="3">
                                             <p:txEl>
@@ -15478,21 +14465,30 @@
                             </p:childTnLst>
                           </p:cTn>
                         </p:par>
+                      </p:childTnLst>
+                    </p:cTn>
+                  </p:par>
+                  <p:par>
+                    <p:cTn id="23" fill="hold">
+                      <p:stCondLst>
+                        <p:cond delay="indefinite"/>
+                      </p:stCondLst>
+                      <p:childTnLst>
                         <p:par>
-                          <p:cTn id="20" fill="hold">
+                          <p:cTn id="24" fill="hold">
                             <p:stCondLst>
-                              <p:cond delay="1000"/>
+                              <p:cond delay="0"/>
                             </p:stCondLst>
                             <p:childTnLst>
                               <p:par>
-                                <p:cTn id="21" presetID="10" presetClass="entr" presetSubtype="0" fill="hold" grpId="0" nodeType="afterEffect">
+                                <p:cTn id="25" presetID="10" presetClass="entr" presetSubtype="0" fill="hold" grpId="0" nodeType="clickEffect">
                                   <p:stCondLst>
                                     <p:cond delay="0"/>
                                   </p:stCondLst>
                                   <p:childTnLst>
                                     <p:set>
                                       <p:cBhvr>
-                                        <p:cTn id="22" dur="1" fill="hold">
+                                        <p:cTn id="26" dur="1" fill="hold">
                                           <p:stCondLst>
                                             <p:cond delay="0"/>
                                           </p:stCondLst>
@@ -15514,7 +14510,7 @@
                                     </p:set>
                                     <p:animEffect transition="in" filter="fade">
                                       <p:cBhvr>
-                                        <p:cTn id="23" dur="250"/>
+                                        <p:cTn id="27" dur="250"/>
                                         <p:tgtEl>
                                           <p:spTgt spid="3">
                                             <p:txEl>
@@ -15530,21 +14526,30 @@
                             </p:childTnLst>
                           </p:cTn>
                         </p:par>
+                      </p:childTnLst>
+                    </p:cTn>
+                  </p:par>
+                  <p:par>
+                    <p:cTn id="28" fill="hold">
+                      <p:stCondLst>
+                        <p:cond delay="indefinite"/>
+                      </p:stCondLst>
+                      <p:childTnLst>
                         <p:par>
-                          <p:cTn id="24" fill="hold">
+                          <p:cTn id="29" fill="hold">
                             <p:stCondLst>
-                              <p:cond delay="1250"/>
+                              <p:cond delay="0"/>
                             </p:stCondLst>
                             <p:childTnLst>
                               <p:par>
-                                <p:cTn id="25" presetID="10" presetClass="entr" presetSubtype="0" fill="hold" grpId="0" nodeType="afterEffect">
+                                <p:cTn id="30" presetID="10" presetClass="entr" presetSubtype="0" fill="hold" grpId="0" nodeType="clickEffect">
                                   <p:stCondLst>
                                     <p:cond delay="0"/>
                                   </p:stCondLst>
                                   <p:childTnLst>
                                     <p:set>
                                       <p:cBhvr>
-                                        <p:cTn id="26" dur="1" fill="hold">
+                                        <p:cTn id="31" dur="1" fill="hold">
                                           <p:stCondLst>
                                             <p:cond delay="0"/>
                                           </p:stCondLst>
@@ -15566,7 +14571,7 @@
                                     </p:set>
                                     <p:animEffect transition="in" filter="fade">
                                       <p:cBhvr>
-                                        <p:cTn id="27" dur="250"/>
+                                        <p:cTn id="32" dur="250"/>
                                         <p:tgtEl>
                                           <p:spTgt spid="3">
                                             <p:txEl>
@@ -15582,21 +14587,30 @@
                             </p:childTnLst>
                           </p:cTn>
                         </p:par>
+                      </p:childTnLst>
+                    </p:cTn>
+                  </p:par>
+                  <p:par>
+                    <p:cTn id="33" fill="hold">
+                      <p:stCondLst>
+                        <p:cond delay="indefinite"/>
+                      </p:stCondLst>
+                      <p:childTnLst>
                         <p:par>
-                          <p:cTn id="28" fill="hold">
+                          <p:cTn id="34" fill="hold">
                             <p:stCondLst>
-                              <p:cond delay="1500"/>
+                              <p:cond delay="0"/>
                             </p:stCondLst>
                             <p:childTnLst>
                               <p:par>
-                                <p:cTn id="29" presetID="10" presetClass="entr" presetSubtype="0" fill="hold" grpId="0" nodeType="afterEffect">
+                                <p:cTn id="35" presetID="10" presetClass="entr" presetSubtype="0" fill="hold" grpId="0" nodeType="clickEffect">
                                   <p:stCondLst>
                                     <p:cond delay="0"/>
                                   </p:stCondLst>
                                   <p:childTnLst>
                                     <p:set>
                                       <p:cBhvr>
-                                        <p:cTn id="30" dur="1" fill="hold">
+                                        <p:cTn id="36" dur="1" fill="hold">
                                           <p:stCondLst>
                                             <p:cond delay="0"/>
                                           </p:stCondLst>
@@ -15618,7 +14632,7 @@
                                     </p:set>
                                     <p:animEffect transition="in" filter="fade">
                                       <p:cBhvr>
-                                        <p:cTn id="31" dur="250"/>
+                                        <p:cTn id="37" dur="250"/>
                                         <p:tgtEl>
                                           <p:spTgt spid="3">
                                             <p:txEl>
@@ -15659,14 +14673,14 @@
       </p:par>
     </p:tnLst>
     <p:bldLst>
-      <p:bldP spid="3" grpId="0" build="p"/>
+      <p:bldP spid="3" grpId="0" uiExpand="1" build="p"/>
     </p:bldLst>
   </p:timing>
 </p:sld>
 </file>
 
 <file path=ppt/slides/slide4.xml><?xml version="1.0" encoding="utf-8"?>
-<p:sld xmlns:a="http://schemas.openxmlformats.org/drawingml/2006/main" xmlns:r="http://schemas.openxmlformats.org/officeDocument/2006/relationships" xmlns:p="http://schemas.openxmlformats.org/presentationml/2006/main" show="0">
+<p:sld xmlns:a="http://schemas.openxmlformats.org/drawingml/2006/main" xmlns:r="http://schemas.openxmlformats.org/officeDocument/2006/relationships" xmlns:p="http://schemas.openxmlformats.org/presentationml/2006/main">
   <p:cSld>
     <p:spTree>
       <p:nvGrpSpPr>
@@ -15698,10 +14712,18 @@
           <a:lstStyle/>
           <a:p>
             <a:r>
-              <a:rPr lang="hr-HR" dirty="0" smtClean="0"/>
-              <a:t>Ugostiteljstvo - pojam</a:t>
-            </a:r>
-            <a:endParaRPr lang="hr-HR" dirty="0"/>
+              <a:rPr lang="hr-HR" b="1" dirty="0" smtClean="0">
+                <a:solidFill>
+                  <a:srgbClr val="FF0000"/>
+                </a:solidFill>
+              </a:rPr>
+              <a:t>UGOSTITELJSTVO - POJAM</a:t>
+            </a:r>
+            <a:endParaRPr lang="hr-HR" b="1" dirty="0">
+              <a:solidFill>
+                <a:srgbClr val="FF0000"/>
+              </a:solidFill>
+            </a:endParaRPr>
           </a:p>
         </p:txBody>
       </p:sp>
@@ -16045,12 +15067,12 @@
   </p:clrMapOvr>
   <mc:AlternateContent xmlns:mc="http://schemas.openxmlformats.org/markup-compatibility/2006">
     <mc:Choice xmlns:p14="http://schemas.microsoft.com/office/powerpoint/2010/main" Requires="p14">
-      <p:transition spd="med" p14:dur="700">
-        <p:fade/>
+      <p:transition>
+        <p14:reveal/>
       </p:transition>
     </mc:Choice>
     <mc:Fallback>
-      <p:transition spd="med">
+      <p:transition>
         <p:fade/>
       </p:transition>
     </mc:Fallback>
@@ -16104,7 +15126,7 @@
                                     </p:set>
                                     <p:animEffect transition="in" filter="fade">
                                       <p:cBhvr>
-                                        <p:cTn id="7" dur="500"/>
+                                        <p:cTn id="7" dur="250"/>
                                         <p:tgtEl>
                                           <p:spTgt spid="10"/>
                                         </p:tgtEl>
@@ -16119,7 +15141,7 @@
                         <p:par>
                           <p:cTn id="8" fill="hold">
                             <p:stCondLst>
-                              <p:cond delay="500"/>
+                              <p:cond delay="250"/>
                             </p:stCondLst>
                             <p:childTnLst>
                               <p:par>
@@ -16148,7 +15170,7 @@
                                     </p:set>
                                     <p:animEffect transition="in" filter="fade">
                                       <p:cBhvr>
-                                        <p:cTn id="11" dur="500"/>
+                                        <p:cTn id="11" dur="250"/>
                                         <p:tgtEl>
                                           <p:spTgt spid="13"/>
                                         </p:tgtEl>
@@ -16205,7 +15227,7 @@
                                     </p:set>
                                     <p:animEffect transition="in" filter="fade">
                                       <p:cBhvr>
-                                        <p:cTn id="16" dur="500"/>
+                                        <p:cTn id="16" dur="250"/>
                                         <p:tgtEl>
                                           <p:spTgt spid="3">
                                             <p:txEl>
@@ -16253,7 +15275,7 @@
 </file>
 
 <file path=ppt/slides/slide5.xml><?xml version="1.0" encoding="utf-8"?>
-<p:sld xmlns:a="http://schemas.openxmlformats.org/drawingml/2006/main" xmlns:r="http://schemas.openxmlformats.org/officeDocument/2006/relationships" xmlns:p="http://schemas.openxmlformats.org/presentationml/2006/main" show="0">
+<p:sld xmlns:a="http://schemas.openxmlformats.org/drawingml/2006/main" xmlns:r="http://schemas.openxmlformats.org/officeDocument/2006/relationships" xmlns:p="http://schemas.openxmlformats.org/presentationml/2006/main">
   <p:cSld>
     <p:spTree>
       <p:nvGrpSpPr>
@@ -16861,12 +15883,12 @@
   </p:clrMapOvr>
   <mc:AlternateContent xmlns:mc="http://schemas.openxmlformats.org/markup-compatibility/2006">
     <mc:Choice xmlns:p14="http://schemas.microsoft.com/office/powerpoint/2010/main" Requires="p14">
-      <p:transition spd="med" p14:dur="700">
-        <p:fade/>
+      <p:transition>
+        <p14:reveal/>
       </p:transition>
     </mc:Choice>
     <mc:Fallback>
-      <p:transition spd="med">
+      <p:transition>
         <p:fade/>
       </p:transition>
     </mc:Fallback>
@@ -16920,7 +15942,7 @@
                                     </p:set>
                                     <p:animEffect transition="in" filter="fade">
                                       <p:cBhvr>
-                                        <p:cTn id="7" dur="500"/>
+                                        <p:cTn id="7" dur="250"/>
                                         <p:tgtEl>
                                           <p:spTgt spid="11"/>
                                         </p:tgtEl>
@@ -16935,7 +15957,7 @@
                         <p:par>
                           <p:cTn id="8" fill="hold">
                             <p:stCondLst>
-                              <p:cond delay="500"/>
+                              <p:cond delay="250"/>
                             </p:stCondLst>
                             <p:childTnLst>
                               <p:par>
@@ -16964,7 +15986,7 @@
                                     </p:set>
                                     <p:animEffect transition="in" filter="wipe(up)">
                                       <p:cBhvr>
-                                        <p:cTn id="11" dur="500"/>
+                                        <p:cTn id="11" dur="250"/>
                                         <p:tgtEl>
                                           <p:spTgt spid="12"/>
                                         </p:tgtEl>
@@ -16979,7 +16001,7 @@
                         <p:par>
                           <p:cTn id="12" fill="hold">
                             <p:stCondLst>
-                              <p:cond delay="1000"/>
+                              <p:cond delay="500"/>
                             </p:stCondLst>
                             <p:childTnLst>
                               <p:par>
@@ -17008,7 +16030,7 @@
                                     </p:set>
                                     <p:animEffect transition="in" filter="wipe(left)">
                                       <p:cBhvr>
-                                        <p:cTn id="15" dur="500"/>
+                                        <p:cTn id="15" dur="250"/>
                                         <p:tgtEl>
                                           <p:spTgt spid="4"/>
                                         </p:tgtEl>
@@ -17023,7 +16045,7 @@
                         <p:par>
                           <p:cTn id="16" fill="hold">
                             <p:stCondLst>
-                              <p:cond delay="1500"/>
+                              <p:cond delay="750"/>
                             </p:stCondLst>
                             <p:childTnLst>
                               <p:par>
@@ -17052,7 +16074,7 @@
                                     </p:set>
                                     <p:animEffect transition="in" filter="wipe(left)">
                                       <p:cBhvr>
-                                        <p:cTn id="19" dur="500"/>
+                                        <p:cTn id="19" dur="250"/>
                                         <p:tgtEl>
                                           <p:spTgt spid="8"/>
                                         </p:tgtEl>
@@ -17067,7 +16089,7 @@
                         <p:par>
                           <p:cTn id="20" fill="hold">
                             <p:stCondLst>
-                              <p:cond delay="2000"/>
+                              <p:cond delay="1000"/>
                             </p:stCondLst>
                             <p:childTnLst>
                               <p:par>
@@ -17096,7 +16118,7 @@
                                     </p:set>
                                     <p:animEffect transition="in" filter="wipe(left)">
                                       <p:cBhvr>
-                                        <p:cTn id="23" dur="500"/>
+                                        <p:cTn id="23" dur="250"/>
                                         <p:tgtEl>
                                           <p:spTgt spid="5"/>
                                         </p:tgtEl>
@@ -17111,7 +16133,7 @@
                         <p:par>
                           <p:cTn id="24" fill="hold">
                             <p:stCondLst>
-                              <p:cond delay="2500"/>
+                              <p:cond delay="1250"/>
                             </p:stCondLst>
                             <p:childTnLst>
                               <p:par>
@@ -17140,7 +16162,7 @@
                                     </p:set>
                                     <p:animEffect transition="in" filter="wipe(left)">
                                       <p:cBhvr>
-                                        <p:cTn id="27" dur="500"/>
+                                        <p:cTn id="27" dur="250"/>
                                         <p:tgtEl>
                                           <p:spTgt spid="10"/>
                                         </p:tgtEl>
@@ -17155,7 +16177,7 @@
                         <p:par>
                           <p:cTn id="28" fill="hold">
                             <p:stCondLst>
-                              <p:cond delay="3000"/>
+                              <p:cond delay="1500"/>
                             </p:stCondLst>
                             <p:childTnLst>
                               <p:par>
@@ -17184,7 +16206,7 @@
                                     </p:set>
                                     <p:animEffect transition="in" filter="wipe(left)">
                                       <p:cBhvr>
-                                        <p:cTn id="31" dur="500"/>
+                                        <p:cTn id="31" dur="250"/>
                                         <p:tgtEl>
                                           <p:spTgt spid="6"/>
                                         </p:tgtEl>
@@ -17241,7 +16263,7 @@
                                     </p:set>
                                     <p:animEffect transition="in" filter="fade">
                                       <p:cBhvr>
-                                        <p:cTn id="36" dur="500"/>
+                                        <p:cTn id="36" dur="250"/>
                                         <p:tgtEl>
                                           <p:spTgt spid="14">
                                             <p:txEl>
@@ -17302,7 +16324,7 @@
                                     </p:set>
                                     <p:animEffect transition="in" filter="fade">
                                       <p:cBhvr>
-                                        <p:cTn id="41" dur="500"/>
+                                        <p:cTn id="41" dur="250"/>
                                         <p:tgtEl>
                                           <p:spTgt spid="14">
                                             <p:txEl>
@@ -17363,7 +16385,7 @@
                                     </p:set>
                                     <p:animEffect transition="in" filter="fade">
                                       <p:cBhvr>
-                                        <p:cTn id="46" dur="500"/>
+                                        <p:cTn id="46" dur="250"/>
                                         <p:tgtEl>
                                           <p:spTgt spid="14">
                                             <p:txEl>
@@ -17411,14 +16433,14 @@
       <p:bldP spid="8" grpId="0" animBg="1"/>
       <p:bldP spid="10" grpId="0" animBg="1"/>
       <p:bldP spid="11" grpId="0" animBg="1"/>
-      <p:bldP spid="14" grpId="0" build="p"/>
+      <p:bldP spid="14" grpId="0" uiExpand="1" build="p"/>
     </p:bldLst>
   </p:timing>
 </p:sld>
 </file>
 
 <file path=ppt/slides/slide6.xml><?xml version="1.0" encoding="utf-8"?>
-<p:sld xmlns:a="http://schemas.openxmlformats.org/drawingml/2006/main" xmlns:r="http://schemas.openxmlformats.org/officeDocument/2006/relationships" xmlns:p="http://schemas.openxmlformats.org/presentationml/2006/main" show="0">
+<p:sld xmlns:a="http://schemas.openxmlformats.org/drawingml/2006/main" xmlns:r="http://schemas.openxmlformats.org/officeDocument/2006/relationships" xmlns:p="http://schemas.openxmlformats.org/presentationml/2006/main">
   <p:cSld>
     <p:spTree>
       <p:nvGrpSpPr>
@@ -17444,16 +16466,29 @@
             <p:ph type="title"/>
           </p:nvPr>
         </p:nvSpPr>
-        <p:spPr/>
+        <p:spPr>
+          <a:xfrm>
+            <a:off x="142844" y="142852"/>
+            <a:ext cx="9001156" cy="642942"/>
+          </a:xfrm>
+        </p:spPr>
         <p:txBody>
           <a:bodyPr/>
           <a:lstStyle/>
           <a:p>
             <a:r>
-              <a:rPr lang="hr-HR" sz="3500" dirty="0" smtClean="0"/>
-              <a:t>Ugostiteljstvo – proizvodna ili uslužna djelatnost</a:t>
-            </a:r>
-            <a:endParaRPr lang="hr-HR" sz="3500" dirty="0"/>
+              <a:rPr lang="hr-HR" sz="2800" b="1" dirty="0" smtClean="0">
+                <a:solidFill>
+                  <a:srgbClr val="FF0000"/>
+                </a:solidFill>
+              </a:rPr>
+              <a:t>UGOSTITELJSTVO – PROIZVODNA ILI USLUŽNA DJELATNOST</a:t>
+            </a:r>
+            <a:endParaRPr lang="hr-HR" sz="2800" b="1" dirty="0">
+              <a:solidFill>
+                <a:srgbClr val="FF0000"/>
+              </a:solidFill>
+            </a:endParaRPr>
           </a:p>
         </p:txBody>
       </p:sp>
@@ -17620,12 +16655,12 @@
   </p:clrMapOvr>
   <mc:AlternateContent xmlns:mc="http://schemas.openxmlformats.org/markup-compatibility/2006">
     <mc:Choice xmlns:p14="http://schemas.microsoft.com/office/powerpoint/2010/main" Requires="p14">
-      <p:transition spd="med" p14:dur="700">
-        <p:fade/>
+      <p:transition>
+        <p14:reveal/>
       </p:transition>
     </mc:Choice>
     <mc:Fallback>
-      <p:transition spd="med">
+      <p:transition>
         <p:fade/>
       </p:transition>
     </mc:Fallback>
@@ -17680,7 +16715,7 @@
                                     </p:set>
                                     <p:animEffect transition="in" filter="fade">
                                       <p:cBhvr>
-                                        <p:cTn id="7" dur="500"/>
+                                        <p:cTn id="7" dur="250"/>
                                         <p:tgtEl>
                                           <p:spTgt spid="3">
                                             <p:txEl>
@@ -17741,7 +16776,7 @@
                                     </p:set>
                                     <p:animEffect transition="in" filter="fade">
                                       <p:cBhvr>
-                                        <p:cTn id="12" dur="500"/>
+                                        <p:cTn id="12" dur="250"/>
                                         <p:tgtEl>
                                           <p:spTgt spid="3">
                                             <p:txEl>
@@ -17802,7 +16837,7 @@
                                     </p:set>
                                     <p:animEffect transition="in" filter="fade">
                                       <p:cBhvr>
-                                        <p:cTn id="17" dur="500"/>
+                                        <p:cTn id="17" dur="250"/>
                                         <p:tgtEl>
                                           <p:spTgt spid="3">
                                             <p:txEl>
@@ -17863,7 +16898,7 @@
                                     </p:set>
                                     <p:animEffect transition="in" filter="fade">
                                       <p:cBhvr>
-                                        <p:cTn id="22" dur="500"/>
+                                        <p:cTn id="22" dur="250"/>
                                         <p:tgtEl>
                                           <p:spTgt spid="3">
                                             <p:txEl>
@@ -17904,14 +16939,14 @@
       </p:par>
     </p:tnLst>
     <p:bldLst>
-      <p:bldP spid="3" grpId="0" build="p"/>
+      <p:bldP spid="3" grpId="0" uiExpand="1" build="p"/>
     </p:bldLst>
   </p:timing>
 </p:sld>
 </file>
 
 <file path=ppt/slides/slide7.xml><?xml version="1.0" encoding="utf-8"?>
-<p:sld xmlns:a="http://schemas.openxmlformats.org/drawingml/2006/main" xmlns:r="http://schemas.openxmlformats.org/officeDocument/2006/relationships" xmlns:p="http://schemas.openxmlformats.org/presentationml/2006/main" show="0">
+<p:sld xmlns:a="http://schemas.openxmlformats.org/drawingml/2006/main" xmlns:r="http://schemas.openxmlformats.org/officeDocument/2006/relationships" xmlns:p="http://schemas.openxmlformats.org/presentationml/2006/main">
   <p:cSld>
     <p:spTree>
       <p:nvGrpSpPr>
@@ -17943,10 +16978,18 @@
           <a:lstStyle/>
           <a:p>
             <a:r>
-              <a:rPr lang="hr-HR" sz="3500" dirty="0" smtClean="0"/>
-              <a:t>Ugostiteljske djelatnosti</a:t>
-            </a:r>
-            <a:endParaRPr lang="hr-HR" sz="3500" dirty="0"/>
+              <a:rPr lang="hr-HR" b="1" dirty="0" smtClean="0">
+                <a:solidFill>
+                  <a:srgbClr val="FF0000"/>
+                </a:solidFill>
+              </a:rPr>
+              <a:t>UGOSTITELJSKE DJELATNOSTI</a:t>
+            </a:r>
+            <a:endParaRPr lang="hr-HR" b="1" dirty="0">
+              <a:solidFill>
+                <a:srgbClr val="FF0000"/>
+              </a:solidFill>
+            </a:endParaRPr>
           </a:p>
         </p:txBody>
       </p:sp>
@@ -18126,12 +17169,12 @@
   </p:clrMapOvr>
   <mc:AlternateContent xmlns:mc="http://schemas.openxmlformats.org/markup-compatibility/2006">
     <mc:Choice xmlns:p14="http://schemas.microsoft.com/office/powerpoint/2010/main" Requires="p14">
-      <p:transition spd="med" p14:dur="700">
-        <p:fade/>
+      <p:transition>
+        <p14:reveal/>
       </p:transition>
     </mc:Choice>
     <mc:Fallback>
-      <p:transition spd="med">
+      <p:transition>
         <p:fade/>
       </p:transition>
     </mc:Fallback>
@@ -18189,7 +17232,7 @@
                                     </p:set>
                                     <p:animEffect transition="in" filter="fade">
                                       <p:cBhvr>
-                                        <p:cTn id="7" dur="500"/>
+                                        <p:cTn id="7" dur="250"/>
                                         <p:tgtEl>
                                           <p:spTgt spid="3">
                                             <p:txEl>
@@ -18208,7 +17251,7 @@
                         <p:par>
                           <p:cTn id="8" fill="hold">
                             <p:stCondLst>
-                              <p:cond delay="500"/>
+                              <p:cond delay="250"/>
                             </p:stCondLst>
                             <p:childTnLst>
                               <p:par>
@@ -18241,7 +17284,7 @@
                                     </p:set>
                                     <p:animEffect transition="in" filter="fade">
                                       <p:cBhvr>
-                                        <p:cTn id="11" dur="500"/>
+                                        <p:cTn id="11" dur="250"/>
                                         <p:tgtEl>
                                           <p:spTgt spid="3">
                                             <p:txEl>
@@ -18260,7 +17303,7 @@
                         <p:par>
                           <p:cTn id="12" fill="hold">
                             <p:stCondLst>
-                              <p:cond delay="1000"/>
+                              <p:cond delay="500"/>
                             </p:stCondLst>
                             <p:childTnLst>
                               <p:par>
@@ -18293,7 +17336,7 @@
                                     </p:set>
                                     <p:animEffect transition="in" filter="fade">
                                       <p:cBhvr>
-                                        <p:cTn id="15" dur="500"/>
+                                        <p:cTn id="15" dur="250"/>
                                         <p:tgtEl>
                                           <p:spTgt spid="3">
                                             <p:txEl>
@@ -18312,7 +17355,7 @@
                         <p:par>
                           <p:cTn id="16" fill="hold">
                             <p:stCondLst>
-                              <p:cond delay="1500"/>
+                              <p:cond delay="750"/>
                             </p:stCondLst>
                             <p:childTnLst>
                               <p:par>
@@ -18345,7 +17388,7 @@
                                     </p:set>
                                     <p:animEffect transition="in" filter="fade">
                                       <p:cBhvr>
-                                        <p:cTn id="19" dur="500"/>
+                                        <p:cTn id="19" dur="250"/>
                                         <p:tgtEl>
                                           <p:spTgt spid="3">
                                             <p:txEl>
@@ -18364,7 +17407,7 @@
                         <p:par>
                           <p:cTn id="20" fill="hold">
                             <p:stCondLst>
-                              <p:cond delay="2000"/>
+                              <p:cond delay="1000"/>
                             </p:stCondLst>
                             <p:childTnLst>
                               <p:par>
@@ -18397,7 +17440,7 @@
                                     </p:set>
                                     <p:animEffect transition="in" filter="fade">
                                       <p:cBhvr>
-                                        <p:cTn id="23" dur="500"/>
+                                        <p:cTn id="23" dur="250"/>
                                         <p:tgtEl>
                                           <p:spTgt spid="3">
                                             <p:txEl>
@@ -18416,7 +17459,7 @@
                         <p:par>
                           <p:cTn id="24" fill="hold">
                             <p:stCondLst>
-                              <p:cond delay="2500"/>
+                              <p:cond delay="1250"/>
                             </p:stCondLst>
                             <p:childTnLst>
                               <p:par>
@@ -18449,7 +17492,7 @@
                                     </p:set>
                                     <p:animEffect transition="in" filter="fade">
                                       <p:cBhvr>
-                                        <p:cTn id="27" dur="500"/>
+                                        <p:cTn id="27" dur="250"/>
                                         <p:tgtEl>
                                           <p:spTgt spid="3">
                                             <p:txEl>
@@ -18468,7 +17511,7 @@
                         <p:par>
                           <p:cTn id="28" fill="hold">
                             <p:stCondLst>
-                              <p:cond delay="3000"/>
+                              <p:cond delay="1500"/>
                             </p:stCondLst>
                             <p:childTnLst>
                               <p:par>
@@ -18501,7 +17544,7 @@
                                     </p:set>
                                     <p:animEffect transition="in" filter="fade">
                                       <p:cBhvr>
-                                        <p:cTn id="31" dur="500"/>
+                                        <p:cTn id="31" dur="250"/>
                                         <p:tgtEl>
                                           <p:spTgt spid="3">
                                             <p:txEl>
@@ -18520,7 +17563,7 @@
                         <p:par>
                           <p:cTn id="32" fill="hold">
                             <p:stCondLst>
-                              <p:cond delay="3500"/>
+                              <p:cond delay="1750"/>
                             </p:stCondLst>
                             <p:childTnLst>
                               <p:par>
@@ -18553,7 +17596,7 @@
                                     </p:set>
                                     <p:animEffect transition="in" filter="fade">
                                       <p:cBhvr>
-                                        <p:cTn id="35" dur="500"/>
+                                        <p:cTn id="35" dur="250"/>
                                         <p:tgtEl>
                                           <p:spTgt spid="3">
                                             <p:txEl>
@@ -18572,7 +17615,7 @@
                         <p:par>
                           <p:cTn id="36" fill="hold">
                             <p:stCondLst>
-                              <p:cond delay="4000"/>
+                              <p:cond delay="2000"/>
                             </p:stCondLst>
                             <p:childTnLst>
                               <p:par>
@@ -18605,7 +17648,7 @@
                                     </p:set>
                                     <p:animEffect transition="in" filter="fade">
                                       <p:cBhvr>
-                                        <p:cTn id="39" dur="500"/>
+                                        <p:cTn id="39" dur="250"/>
                                         <p:tgtEl>
                                           <p:spTgt spid="3">
                                             <p:txEl>
@@ -18653,7 +17696,7 @@
 </file>
 
 <file path=ppt/slides/slide8.xml><?xml version="1.0" encoding="utf-8"?>
-<p:sld xmlns:a="http://schemas.openxmlformats.org/drawingml/2006/main" xmlns:r="http://schemas.openxmlformats.org/officeDocument/2006/relationships" xmlns:p="http://schemas.openxmlformats.org/presentationml/2006/main" show="0">
+<p:sld xmlns:a="http://schemas.openxmlformats.org/drawingml/2006/main" xmlns:r="http://schemas.openxmlformats.org/officeDocument/2006/relationships" xmlns:p="http://schemas.openxmlformats.org/presentationml/2006/main">
   <p:cSld>
     <p:spTree>
       <p:nvGrpSpPr>
@@ -18685,14 +17728,22 @@
           <a:lstStyle/>
           <a:p>
             <a:r>
+              <a:rPr lang="hr-HR" b="1" dirty="0" smtClean="0">
+                <a:solidFill>
+                  <a:srgbClr val="FF0000"/>
+                </a:solidFill>
+              </a:rPr>
+              <a:t>UGOSTITELJSTVO</a:t>
+            </a:r>
+            <a:r>
               <a:rPr lang="hr-HR" sz="3500" dirty="0" smtClean="0"/>
-              <a:t>Ugostiteljstvo					     </a:t>
-            </a:r>
-            <a:r>
-              <a:rPr lang="hr-HR" sz="2800" dirty="0" smtClean="0"/>
+              <a:t>				     </a:t>
+            </a:r>
+            <a:r>
+              <a:rPr lang="hr-HR" sz="2800" i="1" dirty="0" smtClean="0"/>
               <a:t>(plan ploče)</a:t>
             </a:r>
-            <a:endParaRPr lang="hr-HR" sz="3500" dirty="0"/>
+            <a:endParaRPr lang="hr-HR" sz="3500" i="1" dirty="0"/>
           </a:p>
         </p:txBody>
       </p:sp>
@@ -19047,12 +18098,12 @@
   </p:clrMapOvr>
   <mc:AlternateContent xmlns:mc="http://schemas.openxmlformats.org/markup-compatibility/2006">
     <mc:Choice xmlns:p14="http://schemas.microsoft.com/office/powerpoint/2010/main" Requires="p14">
-      <p:transition spd="med" p14:dur="700">
-        <p:fade/>
+      <p:transition>
+        <p14:reveal/>
       </p:transition>
     </mc:Choice>
     <mc:Fallback>
-      <p:transition spd="med">
+      <p:transition>
         <p:fade/>
       </p:transition>
     </mc:Fallback>
@@ -19068,7 +18119,7 @@
 </file>
 
 <file path=ppt/slides/slide9.xml><?xml version="1.0" encoding="utf-8"?>
-<p:sld xmlns:a="http://schemas.openxmlformats.org/drawingml/2006/main" xmlns:r="http://schemas.openxmlformats.org/officeDocument/2006/relationships" xmlns:p="http://schemas.openxmlformats.org/presentationml/2006/main" show="0">
+<p:sld xmlns:a="http://schemas.openxmlformats.org/drawingml/2006/main" xmlns:r="http://schemas.openxmlformats.org/officeDocument/2006/relationships" xmlns:p="http://schemas.openxmlformats.org/presentationml/2006/main">
   <p:cSld>
     <p:spTree>
       <p:nvGrpSpPr>
@@ -19100,10 +18151,18 @@
           <a:lstStyle/>
           <a:p>
             <a:r>
-              <a:rPr lang="hr-HR" sz="3500" dirty="0" smtClean="0"/>
-              <a:t>Ugostiteljstvo i turizam</a:t>
-            </a:r>
-            <a:endParaRPr lang="hr-HR" sz="3500" dirty="0"/>
+              <a:rPr lang="hr-HR" b="1" dirty="0" smtClean="0">
+                <a:solidFill>
+                  <a:srgbClr val="FF0000"/>
+                </a:solidFill>
+              </a:rPr>
+              <a:t>UGOSTITELJSTVO I TURIZAM</a:t>
+            </a:r>
+            <a:endParaRPr lang="hr-HR" b="1" dirty="0">
+              <a:solidFill>
+                <a:srgbClr val="FF0000"/>
+              </a:solidFill>
+            </a:endParaRPr>
           </a:p>
         </p:txBody>
       </p:sp>
@@ -19218,12 +18277,12 @@
   </p:clrMapOvr>
   <mc:AlternateContent xmlns:mc="http://schemas.openxmlformats.org/markup-compatibility/2006">
     <mc:Choice xmlns:p14="http://schemas.microsoft.com/office/powerpoint/2010/main" Requires="p14">
-      <p:transition spd="med" p14:dur="700">
-        <p:fade/>
+      <p:transition>
+        <p14:reveal/>
       </p:transition>
     </mc:Choice>
     <mc:Fallback>
-      <p:transition spd="med">
+      <p:transition>
         <p:fade/>
       </p:transition>
     </mc:Fallback>

--- a/data/organizacija/002_Ugostiteljstvo_kao_gosp_djelatnost.pptx
+++ b/data/organizacija/002_Ugostiteljstvo_kao_gosp_djelatnost.pptx
@@ -226,7 +226,7 @@
           <a:p>
             <a:fld id="{FCB922A3-0C2E-4D94-AFF5-90A2C0AB44AC}" type="datetimeFigureOut">
               <a:rPr lang="hr-HR" smtClean="0"/>
-              <a:t>23.9.2019.</a:t>
+              <a:t>24.9.2019.</a:t>
             </a:fld>
             <a:endParaRPr lang="hr-HR"/>
           </a:p>
@@ -392,7 +392,7 @@
             <a:fld id="{1542121D-D7BC-4175-A702-9B7BBD6019B1}" type="datetimeFigureOut">
               <a:rPr lang="sr-Latn-CS" smtClean="0"/>
               <a:pPr/>
-              <a:t>23.9.2019.</a:t>
+              <a:t>24.9.2019.</a:t>
             </a:fld>
             <a:endParaRPr lang="hr-HR"/>
           </a:p>
@@ -853,7 +853,7 @@
             <a:fld id="{FDC1A071-2A74-455A-A49A-8BB21E4AC2F6}" type="datetimeFigureOut">
               <a:rPr lang="sr-Latn-CS" smtClean="0"/>
               <a:pPr/>
-              <a:t>23.9.2019.</a:t>
+              <a:t>24.9.2019.</a:t>
             </a:fld>
             <a:endParaRPr lang="hr-HR"/>
           </a:p>
@@ -1044,7 +1044,7 @@
             <a:fld id="{FDC1A071-2A74-455A-A49A-8BB21E4AC2F6}" type="datetimeFigureOut">
               <a:rPr lang="sr-Latn-CS" smtClean="0"/>
               <a:pPr/>
-              <a:t>23.9.2019.</a:t>
+              <a:t>24.9.2019.</a:t>
             </a:fld>
             <a:endParaRPr lang="hr-HR"/>
           </a:p>
@@ -1245,7 +1245,7 @@
             <a:fld id="{FDC1A071-2A74-455A-A49A-8BB21E4AC2F6}" type="datetimeFigureOut">
               <a:rPr lang="sr-Latn-CS" smtClean="0"/>
               <a:pPr/>
-              <a:t>23.9.2019.</a:t>
+              <a:t>24.9.2019.</a:t>
             </a:fld>
             <a:endParaRPr lang="hr-HR"/>
           </a:p>
@@ -1690,7 +1690,7 @@
             <a:fld id="{FDC1A071-2A74-455A-A49A-8BB21E4AC2F6}" type="datetimeFigureOut">
               <a:rPr lang="sr-Latn-CS" smtClean="0"/>
               <a:pPr/>
-              <a:t>23.9.2019.</a:t>
+              <a:t>24.9.2019.</a:t>
             </a:fld>
             <a:endParaRPr lang="hr-HR"/>
           </a:p>
@@ -1999,7 +1999,7 @@
             <a:fld id="{FDC1A071-2A74-455A-A49A-8BB21E4AC2F6}" type="datetimeFigureOut">
               <a:rPr lang="sr-Latn-CS" smtClean="0"/>
               <a:pPr/>
-              <a:t>23.9.2019.</a:t>
+              <a:t>24.9.2019.</a:t>
             </a:fld>
             <a:endParaRPr lang="hr-HR"/>
           </a:p>
@@ -2442,7 +2442,7 @@
             <a:fld id="{FDC1A071-2A74-455A-A49A-8BB21E4AC2F6}" type="datetimeFigureOut">
               <a:rPr lang="sr-Latn-CS" smtClean="0"/>
               <a:pPr/>
-              <a:t>23.9.2019.</a:t>
+              <a:t>24.9.2019.</a:t>
             </a:fld>
             <a:endParaRPr lang="hr-HR"/>
           </a:p>
@@ -2581,7 +2581,7 @@
             <a:fld id="{FDC1A071-2A74-455A-A49A-8BB21E4AC2F6}" type="datetimeFigureOut">
               <a:rPr lang="sr-Latn-CS" smtClean="0"/>
               <a:pPr/>
-              <a:t>23.9.2019.</a:t>
+              <a:t>24.9.2019.</a:t>
             </a:fld>
             <a:endParaRPr lang="hr-HR"/>
           </a:p>
@@ -2697,7 +2697,7 @@
             <a:fld id="{FDC1A071-2A74-455A-A49A-8BB21E4AC2F6}" type="datetimeFigureOut">
               <a:rPr lang="sr-Latn-CS" smtClean="0"/>
               <a:pPr/>
-              <a:t>23.9.2019.</a:t>
+              <a:t>24.9.2019.</a:t>
             </a:fld>
             <a:endParaRPr lang="hr-HR"/>
           </a:p>
@@ -2995,7 +2995,7 @@
             <a:fld id="{FDC1A071-2A74-455A-A49A-8BB21E4AC2F6}" type="datetimeFigureOut">
               <a:rPr lang="sr-Latn-CS" smtClean="0"/>
               <a:pPr/>
-              <a:t>23.9.2019.</a:t>
+              <a:t>24.9.2019.</a:t>
             </a:fld>
             <a:endParaRPr lang="hr-HR"/>
           </a:p>
@@ -3273,7 +3273,7 @@
             <a:fld id="{FDC1A071-2A74-455A-A49A-8BB21E4AC2F6}" type="datetimeFigureOut">
               <a:rPr lang="sr-Latn-CS" smtClean="0"/>
               <a:pPr/>
-              <a:t>23.9.2019.</a:t>
+              <a:t>24.9.2019.</a:t>
             </a:fld>
             <a:endParaRPr lang="hr-HR"/>
           </a:p>
@@ -3900,43 +3900,16 @@
           <a:p>
             <a:pPr lvl="0">
               <a:spcBef>
-                <a:spcPts val="1200"/>
-              </a:spcBef>
-            </a:pPr>
-            <a:r>
-              <a:rPr lang="hr-HR" sz="2200" dirty="0" smtClean="0"/>
-              <a:t>Na čemu se zasniva organizacija poslovanja poduzeća?</a:t>
-            </a:r>
-          </a:p>
-          <a:p>
-            <a:pPr lvl="1">
-              <a:spcBef>
-                <a:spcPts val="0"/>
-              </a:spcBef>
-            </a:pPr>
-            <a:r>
-              <a:rPr lang="hr-HR" sz="1800" dirty="0" smtClean="0"/>
-              <a:t>na organizaciji rada na koju se nadovezuju druge funkcije poduzeća – </a:t>
-            </a:r>
-            <a:r>
-              <a:rPr lang="hr-HR" sz="1800" dirty="0"/>
-              <a:t>proizvodna, uslužna, nabavna, financijska, kadrovska, razvojna, rukovodna, kontrolna i dr</a:t>
-            </a:r>
-            <a:r>
-              <a:rPr lang="hr-HR" sz="1800" dirty="0" smtClean="0"/>
-              <a:t>. </a:t>
-            </a:r>
-            <a:endParaRPr lang="hr-HR" sz="2400" dirty="0" smtClean="0"/>
-          </a:p>
-          <a:p>
-            <a:pPr lvl="0">
-              <a:spcBef>
                 <a:spcPts val="600"/>
               </a:spcBef>
             </a:pPr>
             <a:r>
               <a:rPr lang="hr-HR" sz="2200" dirty="0" smtClean="0"/>
-              <a:t>Što je formalna a što neformalna organizacija?</a:t>
+              <a:t>Što </a:t>
+            </a:r>
+            <a:r>
+              <a:rPr lang="hr-HR" sz="2200" dirty="0" smtClean="0"/>
+              <a:t>je formalna a što neformalna organizacija?</a:t>
             </a:r>
           </a:p>
           <a:p>
@@ -4017,11 +3990,7 @@
               <a:pPr algn="ctr"/>
               <a:r>
                 <a:rPr lang="hr-HR" sz="2000" b="1" dirty="0" smtClean="0"/>
-                <a:t>ORGANIZIRANJE SVAKOG RADNOG </a:t>
-              </a:r>
-              <a:r>
-                <a:rPr lang="hr-HR" sz="2000" b="1" dirty="0" smtClean="0"/>
-                <a:t>MJESTA U ODJELU</a:t>
+                <a:t>ORGANIZIRANJE SVAKOG RADNOG MJESTA U ODJELU</a:t>
               </a:r>
               <a:endParaRPr lang="hr-HR" sz="2000" b="1" dirty="0"/>
             </a:p>
@@ -4253,13 +4222,13 @@
   <p:clrMapOvr>
     <a:masterClrMapping/>
   </p:clrMapOvr>
-  <mc:AlternateContent xmlns:mc="http://schemas.openxmlformats.org/markup-compatibility/2006">
-    <mc:Choice xmlns:p14="http://schemas.microsoft.com/office/powerpoint/2010/main" Requires="p14">
+  <mc:AlternateContent xmlns:mc="http://schemas.openxmlformats.org/markup-compatibility/2006" xmlns:p14="http://schemas.microsoft.com/office/powerpoint/2010/main">
+    <mc:Choice Requires="p14">
       <p:transition>
         <p14:reveal/>
       </p:transition>
     </mc:Choice>
-    <mc:Fallback>
+    <mc:Fallback xmlns="">
       <p:transition>
         <p:fade/>
       </p:transition>
@@ -5030,128 +4999,6 @@
                                           <p:spTgt spid="3">
                                             <p:txEl>
                                               <p:pRg st="10" end="10"/>
-                                            </p:txEl>
-                                          </p:spTgt>
-                                        </p:tgtEl>
-                                      </p:cBhvr>
-                                    </p:animEffect>
-                                  </p:childTnLst>
-                                </p:cTn>
-                              </p:par>
-                            </p:childTnLst>
-                          </p:cTn>
-                        </p:par>
-                      </p:childTnLst>
-                    </p:cTn>
-                  </p:par>
-                  <p:par>
-                    <p:cTn id="67" fill="hold">
-                      <p:stCondLst>
-                        <p:cond delay="indefinite"/>
-                      </p:stCondLst>
-                      <p:childTnLst>
-                        <p:par>
-                          <p:cTn id="68" fill="hold">
-                            <p:stCondLst>
-                              <p:cond delay="0"/>
-                            </p:stCondLst>
-                            <p:childTnLst>
-                              <p:par>
-                                <p:cTn id="69" presetID="10" presetClass="entr" presetSubtype="0" fill="hold" nodeType="clickEffect">
-                                  <p:stCondLst>
-                                    <p:cond delay="0"/>
-                                  </p:stCondLst>
-                                  <p:childTnLst>
-                                    <p:set>
-                                      <p:cBhvr>
-                                        <p:cTn id="70" dur="1" fill="hold">
-                                          <p:stCondLst>
-                                            <p:cond delay="0"/>
-                                          </p:stCondLst>
-                                        </p:cTn>
-                                        <p:tgtEl>
-                                          <p:spTgt spid="3">
-                                            <p:txEl>
-                                              <p:pRg st="11" end="11"/>
-                                            </p:txEl>
-                                          </p:spTgt>
-                                        </p:tgtEl>
-                                        <p:attrNameLst>
-                                          <p:attrName>style.visibility</p:attrName>
-                                        </p:attrNameLst>
-                                      </p:cBhvr>
-                                      <p:to>
-                                        <p:strVal val="visible"/>
-                                      </p:to>
-                                    </p:set>
-                                    <p:animEffect transition="in" filter="fade">
-                                      <p:cBhvr>
-                                        <p:cTn id="71" dur="250"/>
-                                        <p:tgtEl>
-                                          <p:spTgt spid="3">
-                                            <p:txEl>
-                                              <p:pRg st="11" end="11"/>
-                                            </p:txEl>
-                                          </p:spTgt>
-                                        </p:tgtEl>
-                                      </p:cBhvr>
-                                    </p:animEffect>
-                                  </p:childTnLst>
-                                </p:cTn>
-                              </p:par>
-                            </p:childTnLst>
-                          </p:cTn>
-                        </p:par>
-                      </p:childTnLst>
-                    </p:cTn>
-                  </p:par>
-                  <p:par>
-                    <p:cTn id="72" fill="hold">
-                      <p:stCondLst>
-                        <p:cond delay="indefinite"/>
-                      </p:stCondLst>
-                      <p:childTnLst>
-                        <p:par>
-                          <p:cTn id="73" fill="hold">
-                            <p:stCondLst>
-                              <p:cond delay="0"/>
-                            </p:stCondLst>
-                            <p:childTnLst>
-                              <p:par>
-                                <p:cTn id="74" presetID="10" presetClass="entr" presetSubtype="0" fill="hold" nodeType="clickEffect">
-                                  <p:stCondLst>
-                                    <p:cond delay="0"/>
-                                  </p:stCondLst>
-                                  <p:childTnLst>
-                                    <p:set>
-                                      <p:cBhvr>
-                                        <p:cTn id="75" dur="1" fill="hold">
-                                          <p:stCondLst>
-                                            <p:cond delay="0"/>
-                                          </p:stCondLst>
-                                        </p:cTn>
-                                        <p:tgtEl>
-                                          <p:spTgt spid="3">
-                                            <p:txEl>
-                                              <p:pRg st="12" end="12"/>
-                                            </p:txEl>
-                                          </p:spTgt>
-                                        </p:tgtEl>
-                                        <p:attrNameLst>
-                                          <p:attrName>style.visibility</p:attrName>
-                                        </p:attrNameLst>
-                                      </p:cBhvr>
-                                      <p:to>
-                                        <p:strVal val="visible"/>
-                                      </p:to>
-                                    </p:set>
-                                    <p:animEffect transition="in" filter="fade">
-                                      <p:cBhvr>
-                                        <p:cTn id="76" dur="250"/>
-                                        <p:tgtEl>
-                                          <p:spTgt spid="3">
-                                            <p:txEl>
-                                              <p:pRg st="12" end="12"/>
                                             </p:txEl>
                                           </p:spTgt>
                                         </p:tgtEl>
@@ -5517,13 +5364,13 @@
   <p:clrMapOvr>
     <a:masterClrMapping/>
   </p:clrMapOvr>
-  <mc:AlternateContent xmlns:mc="http://schemas.openxmlformats.org/markup-compatibility/2006">
-    <mc:Choice xmlns:p14="http://schemas.microsoft.com/office/powerpoint/2010/main" Requires="p14">
+  <mc:AlternateContent xmlns:mc="http://schemas.openxmlformats.org/markup-compatibility/2006" xmlns:p14="http://schemas.microsoft.com/office/powerpoint/2010/main">
+    <mc:Choice Requires="p14">
       <p:transition>
         <p14:reveal/>
       </p:transition>
     </mc:Choice>
-    <mc:Fallback>
+    <mc:Fallback xmlns="">
       <p:transition>
         <p:fade/>
       </p:transition>
@@ -6173,13 +6020,13 @@
   <p:clrMapOvr>
     <a:masterClrMapping/>
   </p:clrMapOvr>
-  <mc:AlternateContent xmlns:mc="http://schemas.openxmlformats.org/markup-compatibility/2006">
-    <mc:Choice xmlns:p14="http://schemas.microsoft.com/office/powerpoint/2010/main" Requires="p14">
+  <mc:AlternateContent xmlns:mc="http://schemas.openxmlformats.org/markup-compatibility/2006" xmlns:p14="http://schemas.microsoft.com/office/powerpoint/2010/main">
+    <mc:Choice Requires="p14">
       <p:transition>
         <p14:reveal/>
       </p:transition>
     </mc:Choice>
-    <mc:Fallback>
+    <mc:Fallback xmlns="">
       <p:transition>
         <p:fade/>
       </p:transition>
@@ -6367,13 +6214,13 @@
   <p:clrMapOvr>
     <a:masterClrMapping/>
   </p:clrMapOvr>
-  <mc:AlternateContent xmlns:mc="http://schemas.openxmlformats.org/markup-compatibility/2006">
-    <mc:Choice xmlns:p14="http://schemas.microsoft.com/office/powerpoint/2010/main" Requires="p14">
+  <mc:AlternateContent xmlns:mc="http://schemas.openxmlformats.org/markup-compatibility/2006" xmlns:p14="http://schemas.microsoft.com/office/powerpoint/2010/main">
+    <mc:Choice Requires="p14">
       <p:transition>
         <p14:reveal/>
       </p:transition>
     </mc:Choice>
-    <mc:Fallback>
+    <mc:Fallback xmlns="">
       <p:transition>
         <p:fade/>
       </p:transition>
@@ -6746,13 +6593,13 @@
   <p:clrMapOvr>
     <a:masterClrMapping/>
   </p:clrMapOvr>
-  <mc:AlternateContent xmlns:mc="http://schemas.openxmlformats.org/markup-compatibility/2006">
-    <mc:Choice xmlns:p14="http://schemas.microsoft.com/office/powerpoint/2010/main" Requires="p14">
+  <mc:AlternateContent xmlns:mc="http://schemas.openxmlformats.org/markup-compatibility/2006" xmlns:p14="http://schemas.microsoft.com/office/powerpoint/2010/main">
+    <mc:Choice Requires="p14">
       <p:transition>
         <p14:reveal/>
       </p:transition>
     </mc:Choice>
-    <mc:Fallback>
+    <mc:Fallback xmlns="">
       <p:transition>
         <p:fade/>
       </p:transition>
@@ -7185,13 +7032,13 @@
   <p:clrMapOvr>
     <a:masterClrMapping/>
   </p:clrMapOvr>
-  <mc:AlternateContent xmlns:mc="http://schemas.openxmlformats.org/markup-compatibility/2006">
-    <mc:Choice xmlns:p14="http://schemas.microsoft.com/office/powerpoint/2010/main" Requires="p14">
+  <mc:AlternateContent xmlns:mc="http://schemas.openxmlformats.org/markup-compatibility/2006" xmlns:p14="http://schemas.microsoft.com/office/powerpoint/2010/main">
+    <mc:Choice Requires="p14">
       <p:transition>
         <p14:reveal/>
       </p:transition>
     </mc:Choice>
-    <mc:Fallback>
+    <mc:Fallback xmlns="">
       <p:transition>
         <p:fade/>
       </p:transition>
@@ -7611,13 +7458,13 @@
   <p:clrMapOvr>
     <a:masterClrMapping/>
   </p:clrMapOvr>
-  <mc:AlternateContent xmlns:mc="http://schemas.openxmlformats.org/markup-compatibility/2006">
-    <mc:Choice xmlns:p14="http://schemas.microsoft.com/office/powerpoint/2010/main" Requires="p14">
+  <mc:AlternateContent xmlns:mc="http://schemas.openxmlformats.org/markup-compatibility/2006" xmlns:p14="http://schemas.microsoft.com/office/powerpoint/2010/main">
+    <mc:Choice Requires="p14">
       <p:transition>
         <p14:reveal/>
       </p:transition>
     </mc:Choice>
-    <mc:Fallback>
+    <mc:Fallback xmlns="">
       <p:transition>
         <p:fade/>
       </p:transition>
@@ -7904,13 +7751,13 @@
   <p:clrMapOvr>
     <a:masterClrMapping/>
   </p:clrMapOvr>
-  <mc:AlternateContent xmlns:mc="http://schemas.openxmlformats.org/markup-compatibility/2006">
-    <mc:Choice xmlns:p14="http://schemas.microsoft.com/office/powerpoint/2010/main" Requires="p14">
+  <mc:AlternateContent xmlns:mc="http://schemas.openxmlformats.org/markup-compatibility/2006" xmlns:p14="http://schemas.microsoft.com/office/powerpoint/2010/main">
+    <mc:Choice Requires="p14">
       <p:transition>
         <p14:reveal/>
       </p:transition>
     </mc:Choice>
-    <mc:Fallback>
+    <mc:Fallback xmlns="">
       <p:transition>
         <p:fade/>
       </p:transition>
@@ -8316,13 +8163,13 @@
   <p:clrMapOvr>
     <a:masterClrMapping/>
   </p:clrMapOvr>
-  <mc:AlternateContent xmlns:mc="http://schemas.openxmlformats.org/markup-compatibility/2006">
-    <mc:Choice xmlns:p14="http://schemas.microsoft.com/office/powerpoint/2010/main" Requires="p14">
+  <mc:AlternateContent xmlns:mc="http://schemas.openxmlformats.org/markup-compatibility/2006" xmlns:p14="http://schemas.microsoft.com/office/powerpoint/2010/main">
+    <mc:Choice Requires="p14">
       <p:transition>
         <p14:reveal/>
       </p:transition>
     </mc:Choice>
-    <mc:Fallback>
+    <mc:Fallback xmlns="">
       <p:transition>
         <p:fade/>
       </p:transition>
@@ -8925,13 +8772,13 @@
   <p:clrMapOvr>
     <a:masterClrMapping/>
   </p:clrMapOvr>
-  <mc:AlternateContent xmlns:mc="http://schemas.openxmlformats.org/markup-compatibility/2006">
-    <mc:Choice xmlns:p14="http://schemas.microsoft.com/office/powerpoint/2010/main" Requires="p14">
+  <mc:AlternateContent xmlns:mc="http://schemas.openxmlformats.org/markup-compatibility/2006" xmlns:p14="http://schemas.microsoft.com/office/powerpoint/2010/main">
+    <mc:Choice Requires="p14">
       <p:transition>
         <p14:reveal/>
       </p:transition>
     </mc:Choice>
-    <mc:Fallback>
+    <mc:Fallback xmlns="">
       <p:transition>
         <p:fade/>
       </p:transition>
@@ -9159,13 +9006,13 @@
   <p:clrMapOvr>
     <a:masterClrMapping/>
   </p:clrMapOvr>
-  <mc:AlternateContent xmlns:mc="http://schemas.openxmlformats.org/markup-compatibility/2006">
-    <mc:Choice xmlns:p14="http://schemas.microsoft.com/office/powerpoint/2010/main" Requires="p14">
+  <mc:AlternateContent xmlns:mc="http://schemas.openxmlformats.org/markup-compatibility/2006" xmlns:p14="http://schemas.microsoft.com/office/powerpoint/2010/main">
+    <mc:Choice Requires="p14">
       <p:transition>
         <p14:reveal/>
       </p:transition>
     </mc:Choice>
-    <mc:Fallback>
+    <mc:Fallback xmlns="">
       <p:transition>
         <p:fade/>
       </p:transition>
@@ -9249,7 +9096,7 @@
         </p:nvSpPr>
         <p:spPr>
           <a:xfrm>
-            <a:off x="685800" y="2060848"/>
+            <a:off x="685800" y="1700808"/>
             <a:ext cx="7772400" cy="1470025"/>
           </a:xfrm>
         </p:spPr>
@@ -9261,17 +9108,17 @@
           <a:p>
             <a:pPr algn="ctr"/>
             <a:r>
-              <a:rPr lang="hr-HR" sz="4800" b="1" dirty="0" smtClean="0"/>
+              <a:rPr lang="hr-HR" sz="5400" b="1" dirty="0" smtClean="0"/>
               <a:t>Ugostiteljstvo kao </a:t>
             </a:r>
             <a:br>
-              <a:rPr lang="hr-HR" sz="4800" b="1" dirty="0" smtClean="0"/>
+              <a:rPr lang="hr-HR" sz="5400" b="1" dirty="0" smtClean="0"/>
             </a:br>
             <a:r>
-              <a:rPr lang="hr-HR" sz="4800" b="1" dirty="0" smtClean="0"/>
+              <a:rPr lang="hr-HR" sz="5400" b="1" dirty="0" smtClean="0"/>
               <a:t>gospodarska djelatnost</a:t>
             </a:r>
-            <a:endParaRPr lang="hr-HR" sz="4800" b="1" dirty="0"/>
+            <a:endParaRPr lang="hr-HR" sz="5400" b="1" dirty="0"/>
           </a:p>
         </p:txBody>
       </p:sp>
@@ -9300,7 +9147,6 @@
               <a:rPr lang="hr-HR" dirty="0" smtClean="0"/>
               <a:t>ugostiteljskih poduzeća</a:t>
             </a:r>
-            <a:endParaRPr lang="hr-HR" dirty="0" smtClean="0"/>
           </a:p>
           <a:p>
             <a:endParaRPr lang="hr-HR" dirty="0"/>
@@ -9351,13 +9197,13 @@
   <p:clrMapOvr>
     <a:masterClrMapping/>
   </p:clrMapOvr>
-  <mc:AlternateContent xmlns:mc="http://schemas.openxmlformats.org/markup-compatibility/2006">
-    <mc:Choice xmlns:p14="http://schemas.microsoft.com/office/powerpoint/2010/main" Requires="p14">
+  <mc:AlternateContent xmlns:mc="http://schemas.openxmlformats.org/markup-compatibility/2006" xmlns:p14="http://schemas.microsoft.com/office/powerpoint/2010/main">
+    <mc:Choice Requires="p14">
       <p:transition>
         <p14:reveal/>
       </p:transition>
     </mc:Choice>
-    <mc:Fallback>
+    <mc:Fallback xmlns="">
       <p:transition>
         <p:fade/>
       </p:transition>
@@ -9548,13 +9394,13 @@
   <p:clrMapOvr>
     <a:masterClrMapping/>
   </p:clrMapOvr>
-  <mc:AlternateContent xmlns:mc="http://schemas.openxmlformats.org/markup-compatibility/2006">
-    <mc:Choice xmlns:p14="http://schemas.microsoft.com/office/powerpoint/2010/main" Requires="p14">
+  <mc:AlternateContent xmlns:mc="http://schemas.openxmlformats.org/markup-compatibility/2006" xmlns:p14="http://schemas.microsoft.com/office/powerpoint/2010/main">
+    <mc:Choice Requires="p14">
       <p:transition>
         <p14:reveal/>
       </p:transition>
     </mc:Choice>
-    <mc:Fallback>
+    <mc:Fallback xmlns="">
       <p:transition>
         <p:fade/>
       </p:transition>
@@ -9732,13 +9578,13 @@
   <p:clrMapOvr>
     <a:masterClrMapping/>
   </p:clrMapOvr>
-  <mc:AlternateContent xmlns:mc="http://schemas.openxmlformats.org/markup-compatibility/2006">
-    <mc:Choice xmlns:p14="http://schemas.microsoft.com/office/powerpoint/2010/main" Requires="p14">
+  <mc:AlternateContent xmlns:mc="http://schemas.openxmlformats.org/markup-compatibility/2006" xmlns:p14="http://schemas.microsoft.com/office/powerpoint/2010/main">
+    <mc:Choice Requires="p14">
       <p:transition>
         <p14:reveal/>
       </p:transition>
     </mc:Choice>
-    <mc:Fallback>
+    <mc:Fallback xmlns="">
       <p:transition>
         <p:fade/>
       </p:transition>
@@ -10642,13 +10488,13 @@
   <p:clrMapOvr>
     <a:masterClrMapping/>
   </p:clrMapOvr>
-  <mc:AlternateContent xmlns:mc="http://schemas.openxmlformats.org/markup-compatibility/2006">
-    <mc:Choice xmlns:p14="http://schemas.microsoft.com/office/powerpoint/2010/main" Requires="p14">
+  <mc:AlternateContent xmlns:mc="http://schemas.openxmlformats.org/markup-compatibility/2006" xmlns:p14="http://schemas.microsoft.com/office/powerpoint/2010/main">
+    <mc:Choice Requires="p14">
       <p:transition>
         <p14:reveal/>
       </p:transition>
     </mc:Choice>
-    <mc:Fallback>
+    <mc:Fallback xmlns="">
       <p:transition>
         <p:fade/>
       </p:transition>
@@ -11359,13 +11205,13 @@
   <p:clrMapOvr>
     <a:masterClrMapping/>
   </p:clrMapOvr>
-  <mc:AlternateContent xmlns:mc="http://schemas.openxmlformats.org/markup-compatibility/2006">
-    <mc:Choice xmlns:p14="http://schemas.microsoft.com/office/powerpoint/2010/main" Requires="p14">
+  <mc:AlternateContent xmlns:mc="http://schemas.openxmlformats.org/markup-compatibility/2006" xmlns:p14="http://schemas.microsoft.com/office/powerpoint/2010/main">
+    <mc:Choice Requires="p14">
       <p:transition>
         <p14:reveal/>
       </p:transition>
     </mc:Choice>
-    <mc:Fallback>
+    <mc:Fallback xmlns="">
       <p:transition>
         <p:fade/>
       </p:transition>
@@ -11863,13 +11709,13 @@
   <p:clrMapOvr>
     <a:masterClrMapping/>
   </p:clrMapOvr>
-  <mc:AlternateContent xmlns:mc="http://schemas.openxmlformats.org/markup-compatibility/2006">
-    <mc:Choice xmlns:p14="http://schemas.microsoft.com/office/powerpoint/2010/main" Requires="p14">
+  <mc:AlternateContent xmlns:mc="http://schemas.openxmlformats.org/markup-compatibility/2006" xmlns:p14="http://schemas.microsoft.com/office/powerpoint/2010/main">
+    <mc:Choice Requires="p14">
       <p:transition>
         <p14:reveal/>
       </p:transition>
     </mc:Choice>
-    <mc:Fallback>
+    <mc:Fallback xmlns="">
       <p:transition>
         <p:fade/>
       </p:transition>
@@ -12263,13 +12109,13 @@
   <p:clrMapOvr>
     <a:masterClrMapping/>
   </p:clrMapOvr>
-  <mc:AlternateContent xmlns:mc="http://schemas.openxmlformats.org/markup-compatibility/2006">
-    <mc:Choice xmlns:p14="http://schemas.microsoft.com/office/powerpoint/2010/main" Requires="p14">
+  <mc:AlternateContent xmlns:mc="http://schemas.openxmlformats.org/markup-compatibility/2006" xmlns:p14="http://schemas.microsoft.com/office/powerpoint/2010/main">
+    <mc:Choice Requires="p14">
       <p:transition>
         <p14:reveal/>
       </p:transition>
     </mc:Choice>
-    <mc:Fallback>
+    <mc:Fallback xmlns="">
       <p:transition>
         <p:fade/>
       </p:transition>
@@ -12559,13 +12405,13 @@
   <p:clrMapOvr>
     <a:masterClrMapping/>
   </p:clrMapOvr>
-  <mc:AlternateContent xmlns:mc="http://schemas.openxmlformats.org/markup-compatibility/2006">
-    <mc:Choice xmlns:p14="http://schemas.microsoft.com/office/powerpoint/2010/main" Requires="p14">
+  <mc:AlternateContent xmlns:mc="http://schemas.openxmlformats.org/markup-compatibility/2006" xmlns:p14="http://schemas.microsoft.com/office/powerpoint/2010/main">
+    <mc:Choice Requires="p14">
       <p:transition>
         <p14:reveal/>
       </p:transition>
     </mc:Choice>
-    <mc:Fallback>
+    <mc:Fallback xmlns="">
       <p:transition>
         <p:fade/>
       </p:transition>
@@ -12842,13 +12688,13 @@
   <p:clrMapOvr>
     <a:masterClrMapping/>
   </p:clrMapOvr>
-  <mc:AlternateContent xmlns:mc="http://schemas.openxmlformats.org/markup-compatibility/2006">
-    <mc:Choice xmlns:p14="http://schemas.microsoft.com/office/powerpoint/2010/main" Requires="p14">
+  <mc:AlternateContent xmlns:mc="http://schemas.openxmlformats.org/markup-compatibility/2006" xmlns:p14="http://schemas.microsoft.com/office/powerpoint/2010/main">
+    <mc:Choice Requires="p14">
       <p:transition>
         <p14:reveal/>
       </p:transition>
     </mc:Choice>
-    <mc:Fallback>
+    <mc:Fallback xmlns="">
       <p:transition>
         <p:fade/>
       </p:transition>
@@ -13113,13 +12959,13 @@
   <p:clrMapOvr>
     <a:masterClrMapping/>
   </p:clrMapOvr>
-  <mc:AlternateContent xmlns:mc="http://schemas.openxmlformats.org/markup-compatibility/2006">
-    <mc:Choice xmlns:p14="http://schemas.microsoft.com/office/powerpoint/2010/main" Requires="p14">
+  <mc:AlternateContent xmlns:mc="http://schemas.openxmlformats.org/markup-compatibility/2006" xmlns:p14="http://schemas.microsoft.com/office/powerpoint/2010/main">
+    <mc:Choice Requires="p14">
       <p:transition>
         <p14:reveal/>
       </p:transition>
     </mc:Choice>
-    <mc:Fallback>
+    <mc:Fallback xmlns="">
       <p:transition>
         <p:fade/>
       </p:transition>
@@ -13316,13 +13162,13 @@
   <p:clrMapOvr>
     <a:masterClrMapping/>
   </p:clrMapOvr>
-  <mc:AlternateContent xmlns:mc="http://schemas.openxmlformats.org/markup-compatibility/2006">
-    <mc:Choice xmlns:p14="http://schemas.microsoft.com/office/powerpoint/2010/main" Requires="p14">
+  <mc:AlternateContent xmlns:mc="http://schemas.openxmlformats.org/markup-compatibility/2006" xmlns:p14="http://schemas.microsoft.com/office/powerpoint/2010/main">
+    <mc:Choice Requires="p14">
       <p:transition>
         <p14:reveal/>
       </p:transition>
     </mc:Choice>
-    <mc:Fallback>
+    <mc:Fallback xmlns="">
       <p:transition>
         <p:fade/>
       </p:transition>
@@ -13470,13 +13316,13 @@
   <p:clrMapOvr>
     <a:masterClrMapping/>
   </p:clrMapOvr>
-  <mc:AlternateContent xmlns:mc="http://schemas.openxmlformats.org/markup-compatibility/2006">
-    <mc:Choice xmlns:p14="http://schemas.microsoft.com/office/powerpoint/2010/main" Requires="p14">
+  <mc:AlternateContent xmlns:mc="http://schemas.openxmlformats.org/markup-compatibility/2006" xmlns:p14="http://schemas.microsoft.com/office/powerpoint/2010/main">
+    <mc:Choice Requires="p14">
       <p:transition>
         <p14:reveal/>
       </p:transition>
     </mc:Choice>
-    <mc:Fallback>
+    <mc:Fallback xmlns="">
       <p:transition>
         <p:fade/>
       </p:transition>
@@ -13780,13 +13626,13 @@
   <p:clrMapOvr>
     <a:masterClrMapping/>
   </p:clrMapOvr>
-  <mc:AlternateContent xmlns:mc="http://schemas.openxmlformats.org/markup-compatibility/2006">
-    <mc:Choice xmlns:p14="http://schemas.microsoft.com/office/powerpoint/2010/main" Requires="p14">
+  <mc:AlternateContent xmlns:mc="http://schemas.openxmlformats.org/markup-compatibility/2006" xmlns:p14="http://schemas.microsoft.com/office/powerpoint/2010/main">
+    <mc:Choice Requires="p14">
       <p:transition>
         <p14:reveal/>
       </p:transition>
     </mc:Choice>
-    <mc:Fallback>
+    <mc:Fallback xmlns="">
       <p:transition>
         <p:fade/>
       </p:transition>
@@ -14024,13 +13870,13 @@
   <p:clrMapOvr>
     <a:masterClrMapping/>
   </p:clrMapOvr>
-  <mc:AlternateContent xmlns:mc="http://schemas.openxmlformats.org/markup-compatibility/2006">
-    <mc:Choice xmlns:p14="http://schemas.microsoft.com/office/powerpoint/2010/main" Requires="p14">
+  <mc:AlternateContent xmlns:mc="http://schemas.openxmlformats.org/markup-compatibility/2006" xmlns:p14="http://schemas.microsoft.com/office/powerpoint/2010/main">
+    <mc:Choice Requires="p14">
       <p:transition>
         <p14:reveal/>
       </p:transition>
     </mc:Choice>
-    <mc:Fallback>
+    <mc:Fallback xmlns="">
       <p:transition>
         <p:fade/>
       </p:transition>
@@ -14204,13 +14050,13 @@
   <p:clrMapOvr>
     <a:masterClrMapping/>
   </p:clrMapOvr>
-  <mc:AlternateContent xmlns:mc="http://schemas.openxmlformats.org/markup-compatibility/2006">
-    <mc:Choice xmlns:p14="http://schemas.microsoft.com/office/powerpoint/2010/main" Requires="p14">
+  <mc:AlternateContent xmlns:mc="http://schemas.openxmlformats.org/markup-compatibility/2006" xmlns:p14="http://schemas.microsoft.com/office/powerpoint/2010/main">
+    <mc:Choice Requires="p14">
       <p:transition>
         <p14:reveal/>
       </p:transition>
     </mc:Choice>
-    <mc:Fallback>
+    <mc:Fallback xmlns="">
       <p:transition>
         <p:fade/>
       </p:transition>
@@ -14828,7 +14674,11 @@
             </a:r>
             <a:r>
               <a:rPr lang="hr-HR" dirty="0" smtClean="0"/>
-              <a:t> raznovrsne hrane, napitaka i pića te  pružanjem </a:t>
+              <a:t> raznovrsne hrane, napitaka i pića </a:t>
+            </a:r>
+            <a:r>
+              <a:rPr lang="hr-HR" dirty="0" smtClean="0"/>
+              <a:t>te pružanjem </a:t>
             </a:r>
             <a:r>
               <a:rPr lang="hr-HR" b="1" dirty="0" smtClean="0">
@@ -15065,13 +14915,13 @@
   <p:clrMapOvr>
     <a:masterClrMapping/>
   </p:clrMapOvr>
-  <mc:AlternateContent xmlns:mc="http://schemas.openxmlformats.org/markup-compatibility/2006">
-    <mc:Choice xmlns:p14="http://schemas.microsoft.com/office/powerpoint/2010/main" Requires="p14">
+  <mc:AlternateContent xmlns:mc="http://schemas.openxmlformats.org/markup-compatibility/2006" xmlns:p14="http://schemas.microsoft.com/office/powerpoint/2010/main">
+    <mc:Choice Requires="p14">
       <p:transition>
         <p14:reveal/>
       </p:transition>
     </mc:Choice>
-    <mc:Fallback>
+    <mc:Fallback xmlns="">
       <p:transition>
         <p:fade/>
       </p:transition>
@@ -15804,7 +15654,11 @@
             </a:pPr>
             <a:r>
               <a:rPr lang="hr-HR" sz="2600" dirty="0" smtClean="0"/>
-              <a:t>usluge se u istom objektu prodaju, naručuju, pripremaju za goste koji ih po završetku korištenja plaćaju</a:t>
+              <a:t>usluge se u istom objektu prodaju, naručuju, pripremaju za goste koji ih </a:t>
+            </a:r>
+            <a:r>
+              <a:rPr lang="hr-HR" sz="2600" b="1" dirty="0" smtClean="0"/>
+              <a:t>po završetku korištenja plaćaju</a:t>
             </a:r>
           </a:p>
           <a:p>
@@ -15881,13 +15735,13 @@
   <p:clrMapOvr>
     <a:masterClrMapping/>
   </p:clrMapOvr>
-  <mc:AlternateContent xmlns:mc="http://schemas.openxmlformats.org/markup-compatibility/2006">
-    <mc:Choice xmlns:p14="http://schemas.microsoft.com/office/powerpoint/2010/main" Requires="p14">
+  <mc:AlternateContent xmlns:mc="http://schemas.openxmlformats.org/markup-compatibility/2006" xmlns:p14="http://schemas.microsoft.com/office/powerpoint/2010/main">
+    <mc:Choice Requires="p14">
       <p:transition>
         <p14:reveal/>
       </p:transition>
     </mc:Choice>
-    <mc:Fallback>
+    <mc:Fallback xmlns="">
       <p:transition>
         <p:fade/>
       </p:transition>
@@ -16653,13 +16507,13 @@
   <p:clrMapOvr>
     <a:masterClrMapping/>
   </p:clrMapOvr>
-  <mc:AlternateContent xmlns:mc="http://schemas.openxmlformats.org/markup-compatibility/2006">
-    <mc:Choice xmlns:p14="http://schemas.microsoft.com/office/powerpoint/2010/main" Requires="p14">
+  <mc:AlternateContent xmlns:mc="http://schemas.openxmlformats.org/markup-compatibility/2006" xmlns:p14="http://schemas.microsoft.com/office/powerpoint/2010/main">
+    <mc:Choice Requires="p14">
       <p:transition>
         <p14:reveal/>
       </p:transition>
     </mc:Choice>
-    <mc:Fallback>
+    <mc:Fallback xmlns="">
       <p:transition>
         <p:fade/>
       </p:transition>
@@ -17046,7 +16900,19 @@
             </a:pPr>
             <a:r>
               <a:rPr lang="hr-HR" dirty="0" smtClean="0"/>
-              <a:t>pružanje usluga smještaja u hotelima, motelima, pansionima…</a:t>
+              <a:t>pružanje usluga </a:t>
+            </a:r>
+            <a:r>
+              <a:rPr lang="hr-HR" b="1" dirty="0" smtClean="0">
+                <a:solidFill>
+                  <a:srgbClr val="FF0000"/>
+                </a:solidFill>
+              </a:rPr>
+              <a:t>smještaja</a:t>
+            </a:r>
+            <a:r>
+              <a:rPr lang="hr-HR" dirty="0" smtClean="0"/>
+              <a:t> u hotelima, motelima, pansionima…</a:t>
             </a:r>
           </a:p>
           <a:p>
@@ -17077,7 +16943,19 @@
             </a:pPr>
             <a:r>
               <a:rPr lang="hr-HR" dirty="0" smtClean="0"/>
-              <a:t>pružanje usluga prehrane, napitaka i pića u restoranima, gostionicama, zdravljacima, slastičarnicama i sl.</a:t>
+              <a:t>pružanje usluga </a:t>
+            </a:r>
+            <a:r>
+              <a:rPr lang="hr-HR" b="1" dirty="0" smtClean="0">
+                <a:solidFill>
+                  <a:srgbClr val="FF0000"/>
+                </a:solidFill>
+              </a:rPr>
+              <a:t>prehrane, napitaka i pića </a:t>
+            </a:r>
+            <a:r>
+              <a:rPr lang="hr-HR" dirty="0" smtClean="0"/>
+              <a:t>u restoranima, gostionicama, zdravljacima, slastičarnicama i sl.</a:t>
             </a:r>
           </a:p>
           <a:p>
@@ -17119,7 +16997,19 @@
             </a:pPr>
             <a:r>
               <a:rPr lang="hr-HR" dirty="0" smtClean="0"/>
-              <a:t>pružanja usluga pića, zabave, hrane i napitaka u barovima, kavanama, pivnicama, konobama i sl.</a:t>
+              <a:t>pružanja usluga </a:t>
+            </a:r>
+            <a:r>
+              <a:rPr lang="hr-HR" b="1" dirty="0" smtClean="0">
+                <a:solidFill>
+                  <a:srgbClr val="FF0000"/>
+                </a:solidFill>
+              </a:rPr>
+              <a:t>pića, zabave, hrane i napitaka </a:t>
+            </a:r>
+            <a:r>
+              <a:rPr lang="hr-HR" dirty="0" smtClean="0"/>
+              <a:t>u barovima, kavanama, pivnicama, konobama i sl.</a:t>
             </a:r>
           </a:p>
           <a:p>
@@ -17153,7 +17043,19 @@
             </a:pPr>
             <a:r>
               <a:rPr lang="hr-HR" dirty="0" smtClean="0"/>
-              <a:t>organiziranje usluga aktivne rekreacije u hotelima, hotelskim naseljima, apartmanskim naseljima i sl.</a:t>
+              <a:t>organiziranje usluga </a:t>
+            </a:r>
+            <a:r>
+              <a:rPr lang="hr-HR" b="1" dirty="0" smtClean="0">
+                <a:solidFill>
+                  <a:srgbClr val="FF0000"/>
+                </a:solidFill>
+              </a:rPr>
+              <a:t>aktivne rekreacije </a:t>
+            </a:r>
+            <a:r>
+              <a:rPr lang="hr-HR" dirty="0" smtClean="0"/>
+              <a:t>u hotelima, hotelskim naseljima, apartmanskim naseljima i sl.</a:t>
             </a:r>
           </a:p>
           <a:p>
@@ -17167,13 +17069,13 @@
   <p:clrMapOvr>
     <a:masterClrMapping/>
   </p:clrMapOvr>
-  <mc:AlternateContent xmlns:mc="http://schemas.openxmlformats.org/markup-compatibility/2006">
-    <mc:Choice xmlns:p14="http://schemas.microsoft.com/office/powerpoint/2010/main" Requires="p14">
+  <mc:AlternateContent xmlns:mc="http://schemas.openxmlformats.org/markup-compatibility/2006" xmlns:p14="http://schemas.microsoft.com/office/powerpoint/2010/main">
+    <mc:Choice Requires="p14">
       <p:transition>
         <p14:reveal/>
       </p:transition>
     </mc:Choice>
-    <mc:Fallback>
+    <mc:Fallback xmlns="">
       <p:transition>
         <p:fade/>
       </p:transition>
@@ -17322,7 +17224,7 @@
                                         <p:tgtEl>
                                           <p:spTgt spid="3">
                                             <p:txEl>
-                                              <p:pRg st="2" end="2"/>
+                                              <p:pRg st="3" end="3"/>
                                             </p:txEl>
                                           </p:spTgt>
                                         </p:tgtEl>
@@ -17340,7 +17242,7 @@
                                         <p:tgtEl>
                                           <p:spTgt spid="3">
                                             <p:txEl>
-                                              <p:pRg st="2" end="2"/>
+                                              <p:pRg st="3" end="3"/>
                                             </p:txEl>
                                           </p:spTgt>
                                         </p:tgtEl>
@@ -17374,7 +17276,7 @@
                                         <p:tgtEl>
                                           <p:spTgt spid="3">
                                             <p:txEl>
-                                              <p:pRg st="3" end="3"/>
+                                              <p:pRg st="5" end="5"/>
                                             </p:txEl>
                                           </p:spTgt>
                                         </p:tgtEl>
@@ -17392,7 +17294,7 @@
                                         <p:tgtEl>
                                           <p:spTgt spid="3">
                                             <p:txEl>
-                                              <p:pRg st="3" end="3"/>
+                                              <p:pRg st="5" end="5"/>
                                             </p:txEl>
                                           </p:spTgt>
                                         </p:tgtEl>
@@ -17426,7 +17328,7 @@
                                         <p:tgtEl>
                                           <p:spTgt spid="3">
                                             <p:txEl>
-                                              <p:pRg st="4" end="4"/>
+                                              <p:pRg st="7" end="7"/>
                                             </p:txEl>
                                           </p:spTgt>
                                         </p:tgtEl>
@@ -17444,7 +17346,7 @@
                                         <p:tgtEl>
                                           <p:spTgt spid="3">
                                             <p:txEl>
-                                              <p:pRg st="4" end="4"/>
+                                              <p:pRg st="7" end="7"/>
                                             </p:txEl>
                                           </p:spTgt>
                                         </p:tgtEl>
@@ -17456,21 +17358,30 @@
                             </p:childTnLst>
                           </p:cTn>
                         </p:par>
+                      </p:childTnLst>
+                    </p:cTn>
+                  </p:par>
+                  <p:par>
+                    <p:cTn id="24" fill="hold">
+                      <p:stCondLst>
+                        <p:cond delay="indefinite"/>
+                      </p:stCondLst>
+                      <p:childTnLst>
                         <p:par>
-                          <p:cTn id="24" fill="hold">
+                          <p:cTn id="25" fill="hold">
                             <p:stCondLst>
-                              <p:cond delay="1250"/>
+                              <p:cond delay="0"/>
                             </p:stCondLst>
                             <p:childTnLst>
                               <p:par>
-                                <p:cTn id="25" presetID="10" presetClass="entr" presetSubtype="0" fill="hold" grpId="0" nodeType="afterEffect">
+                                <p:cTn id="26" presetID="10" presetClass="entr" presetSubtype="0" fill="hold" grpId="0" nodeType="clickEffect">
                                   <p:stCondLst>
                                     <p:cond delay="0"/>
                                   </p:stCondLst>
                                   <p:childTnLst>
                                     <p:set>
                                       <p:cBhvr>
-                                        <p:cTn id="26" dur="1" fill="hold">
+                                        <p:cTn id="27" dur="1" fill="hold">
                                           <p:stCondLst>
                                             <p:cond delay="0"/>
                                           </p:stCondLst>
@@ -17478,7 +17389,7 @@
                                         <p:tgtEl>
                                           <p:spTgt spid="3">
                                             <p:txEl>
-                                              <p:pRg st="5" end="5"/>
+                                              <p:pRg st="2" end="2"/>
                                             </p:txEl>
                                           </p:spTgt>
                                         </p:tgtEl>
@@ -17492,11 +17403,11 @@
                                     </p:set>
                                     <p:animEffect transition="in" filter="fade">
                                       <p:cBhvr>
-                                        <p:cTn id="27" dur="250"/>
+                                        <p:cTn id="28" dur="250"/>
                                         <p:tgtEl>
                                           <p:spTgt spid="3">
                                             <p:txEl>
-                                              <p:pRg st="5" end="5"/>
+                                              <p:pRg st="2" end="2"/>
                                             </p:txEl>
                                           </p:spTgt>
                                         </p:tgtEl>
@@ -17508,21 +17419,30 @@
                             </p:childTnLst>
                           </p:cTn>
                         </p:par>
+                      </p:childTnLst>
+                    </p:cTn>
+                  </p:par>
+                  <p:par>
+                    <p:cTn id="29" fill="hold">
+                      <p:stCondLst>
+                        <p:cond delay="indefinite"/>
+                      </p:stCondLst>
+                      <p:childTnLst>
                         <p:par>
-                          <p:cTn id="28" fill="hold">
+                          <p:cTn id="30" fill="hold">
                             <p:stCondLst>
-                              <p:cond delay="1500"/>
+                              <p:cond delay="0"/>
                             </p:stCondLst>
                             <p:childTnLst>
                               <p:par>
-                                <p:cTn id="29" presetID="10" presetClass="entr" presetSubtype="0" fill="hold" grpId="0" nodeType="afterEffect">
+                                <p:cTn id="31" presetID="10" presetClass="entr" presetSubtype="0" fill="hold" grpId="0" nodeType="clickEffect">
                                   <p:stCondLst>
                                     <p:cond delay="0"/>
                                   </p:stCondLst>
                                   <p:childTnLst>
                                     <p:set>
                                       <p:cBhvr>
-                                        <p:cTn id="30" dur="1" fill="hold">
+                                        <p:cTn id="32" dur="1" fill="hold">
                                           <p:stCondLst>
                                             <p:cond delay="0"/>
                                           </p:stCondLst>
@@ -17530,7 +17450,7 @@
                                         <p:tgtEl>
                                           <p:spTgt spid="3">
                                             <p:txEl>
-                                              <p:pRg st="6" end="6"/>
+                                              <p:pRg st="4" end="4"/>
                                             </p:txEl>
                                           </p:spTgt>
                                         </p:tgtEl>
@@ -17544,11 +17464,11 @@
                                     </p:set>
                                     <p:animEffect transition="in" filter="fade">
                                       <p:cBhvr>
-                                        <p:cTn id="31" dur="250"/>
+                                        <p:cTn id="33" dur="250"/>
                                         <p:tgtEl>
                                           <p:spTgt spid="3">
                                             <p:txEl>
-                                              <p:pRg st="6" end="6"/>
+                                              <p:pRg st="4" end="4"/>
                                             </p:txEl>
                                           </p:spTgt>
                                         </p:tgtEl>
@@ -17560,21 +17480,30 @@
                             </p:childTnLst>
                           </p:cTn>
                         </p:par>
+                      </p:childTnLst>
+                    </p:cTn>
+                  </p:par>
+                  <p:par>
+                    <p:cTn id="34" fill="hold">
+                      <p:stCondLst>
+                        <p:cond delay="indefinite"/>
+                      </p:stCondLst>
+                      <p:childTnLst>
                         <p:par>
-                          <p:cTn id="32" fill="hold">
+                          <p:cTn id="35" fill="hold">
                             <p:stCondLst>
-                              <p:cond delay="1750"/>
+                              <p:cond delay="0"/>
                             </p:stCondLst>
                             <p:childTnLst>
                               <p:par>
-                                <p:cTn id="33" presetID="10" presetClass="entr" presetSubtype="0" fill="hold" grpId="0" nodeType="afterEffect">
+                                <p:cTn id="36" presetID="10" presetClass="entr" presetSubtype="0" fill="hold" grpId="0" nodeType="clickEffect">
                                   <p:stCondLst>
                                     <p:cond delay="0"/>
                                   </p:stCondLst>
                                   <p:childTnLst>
                                     <p:set>
                                       <p:cBhvr>
-                                        <p:cTn id="34" dur="1" fill="hold">
+                                        <p:cTn id="37" dur="1" fill="hold">
                                           <p:stCondLst>
                                             <p:cond delay="0"/>
                                           </p:stCondLst>
@@ -17582,7 +17511,7 @@
                                         <p:tgtEl>
                                           <p:spTgt spid="3">
                                             <p:txEl>
-                                              <p:pRg st="7" end="7"/>
+                                              <p:pRg st="6" end="6"/>
                                             </p:txEl>
                                           </p:spTgt>
                                         </p:tgtEl>
@@ -17596,11 +17525,11 @@
                                     </p:set>
                                     <p:animEffect transition="in" filter="fade">
                                       <p:cBhvr>
-                                        <p:cTn id="35" dur="250"/>
+                                        <p:cTn id="38" dur="250"/>
                                         <p:tgtEl>
                                           <p:spTgt spid="3">
                                             <p:txEl>
-                                              <p:pRg st="7" end="7"/>
+                                              <p:pRg st="6" end="6"/>
                                             </p:txEl>
                                           </p:spTgt>
                                         </p:tgtEl>
@@ -17612,21 +17541,30 @@
                             </p:childTnLst>
                           </p:cTn>
                         </p:par>
+                      </p:childTnLst>
+                    </p:cTn>
+                  </p:par>
+                  <p:par>
+                    <p:cTn id="39" fill="hold">
+                      <p:stCondLst>
+                        <p:cond delay="indefinite"/>
+                      </p:stCondLst>
+                      <p:childTnLst>
                         <p:par>
-                          <p:cTn id="36" fill="hold">
+                          <p:cTn id="40" fill="hold">
                             <p:stCondLst>
-                              <p:cond delay="2000"/>
+                              <p:cond delay="0"/>
                             </p:stCondLst>
                             <p:childTnLst>
                               <p:par>
-                                <p:cTn id="37" presetID="10" presetClass="entr" presetSubtype="0" fill="hold" grpId="0" nodeType="afterEffect">
+                                <p:cTn id="41" presetID="10" presetClass="entr" presetSubtype="0" fill="hold" grpId="0" nodeType="clickEffect">
                                   <p:stCondLst>
                                     <p:cond delay="0"/>
                                   </p:stCondLst>
                                   <p:childTnLst>
                                     <p:set>
                                       <p:cBhvr>
-                                        <p:cTn id="38" dur="1" fill="hold">
+                                        <p:cTn id="42" dur="1" fill="hold">
                                           <p:stCondLst>
                                             <p:cond delay="0"/>
                                           </p:stCondLst>
@@ -17648,7 +17586,7 @@
                                     </p:set>
                                     <p:animEffect transition="in" filter="fade">
                                       <p:cBhvr>
-                                        <p:cTn id="39" dur="250"/>
+                                        <p:cTn id="43" dur="250"/>
                                         <p:tgtEl>
                                           <p:spTgt spid="3">
                                             <p:txEl>
@@ -17759,7 +17697,7 @@
         </p:nvSpPr>
         <p:spPr>
           <a:xfrm>
-            <a:off x="0" y="908720"/>
+            <a:off x="0" y="790354"/>
             <a:ext cx="9144000" cy="5734990"/>
           </a:xfrm>
         </p:spPr>
@@ -18096,13 +18034,13 @@
   <p:clrMapOvr>
     <a:masterClrMapping/>
   </p:clrMapOvr>
-  <mc:AlternateContent xmlns:mc="http://schemas.openxmlformats.org/markup-compatibility/2006">
-    <mc:Choice xmlns:p14="http://schemas.microsoft.com/office/powerpoint/2010/main" Requires="p14">
+  <mc:AlternateContent xmlns:mc="http://schemas.openxmlformats.org/markup-compatibility/2006" xmlns:p14="http://schemas.microsoft.com/office/powerpoint/2010/main">
+    <mc:Choice Requires="p14">
       <p:transition>
         <p14:reveal/>
       </p:transition>
     </mc:Choice>
-    <mc:Fallback>
+    <mc:Fallback xmlns="">
       <p:transition>
         <p:fade/>
       </p:transition>
@@ -18275,13 +18213,13 @@
   <p:clrMapOvr>
     <a:masterClrMapping/>
   </p:clrMapOvr>
-  <mc:AlternateContent xmlns:mc="http://schemas.openxmlformats.org/markup-compatibility/2006">
-    <mc:Choice xmlns:p14="http://schemas.microsoft.com/office/powerpoint/2010/main" Requires="p14">
+  <mc:AlternateContent xmlns:mc="http://schemas.openxmlformats.org/markup-compatibility/2006" xmlns:p14="http://schemas.microsoft.com/office/powerpoint/2010/main">
+    <mc:Choice Requires="p14">
       <p:transition>
         <p14:reveal/>
       </p:transition>
     </mc:Choice>
-    <mc:Fallback>
+    <mc:Fallback xmlns="">
       <p:transition>
         <p:fade/>
       </p:transition>

--- a/data/organizacija/002_Ugostiteljstvo_kao_gosp_djelatnost.pptx
+++ b/data/organizacija/002_Ugostiteljstvo_kao_gosp_djelatnost.pptx
@@ -5,10 +5,10 @@
     <p:sldMasterId id="2147483660" r:id="rId1"/>
   </p:sldMasterIdLst>
   <p:notesMasterIdLst>
-    <p:notesMasterId r:id="rId34"/>
+    <p:notesMasterId r:id="rId36"/>
   </p:notesMasterIdLst>
   <p:handoutMasterIdLst>
-    <p:handoutMasterId r:id="rId35"/>
+    <p:handoutMasterId r:id="rId37"/>
   </p:handoutMasterIdLst>
   <p:sldIdLst>
     <p:sldId id="267" r:id="rId2"/>
@@ -25,24 +25,26 @@
     <p:sldId id="273" r:id="rId13"/>
     <p:sldId id="275" r:id="rId14"/>
     <p:sldId id="276" r:id="rId15"/>
-    <p:sldId id="277" r:id="rId16"/>
-    <p:sldId id="278" r:id="rId17"/>
-    <p:sldId id="279" r:id="rId18"/>
-    <p:sldId id="282" r:id="rId19"/>
-    <p:sldId id="284" r:id="rId20"/>
-    <p:sldId id="283" r:id="rId21"/>
-    <p:sldId id="274" r:id="rId22"/>
-    <p:sldId id="285" r:id="rId23"/>
-    <p:sldId id="286" r:id="rId24"/>
-    <p:sldId id="287" r:id="rId25"/>
-    <p:sldId id="288" r:id="rId26"/>
-    <p:sldId id="290" r:id="rId27"/>
-    <p:sldId id="293" r:id="rId28"/>
-    <p:sldId id="291" r:id="rId29"/>
-    <p:sldId id="289" r:id="rId30"/>
-    <p:sldId id="294" r:id="rId31"/>
-    <p:sldId id="295" r:id="rId32"/>
-    <p:sldId id="296" r:id="rId33"/>
+    <p:sldId id="298" r:id="rId16"/>
+    <p:sldId id="277" r:id="rId17"/>
+    <p:sldId id="278" r:id="rId18"/>
+    <p:sldId id="279" r:id="rId19"/>
+    <p:sldId id="297" r:id="rId20"/>
+    <p:sldId id="282" r:id="rId21"/>
+    <p:sldId id="284" r:id="rId22"/>
+    <p:sldId id="283" r:id="rId23"/>
+    <p:sldId id="274" r:id="rId24"/>
+    <p:sldId id="285" r:id="rId25"/>
+    <p:sldId id="286" r:id="rId26"/>
+    <p:sldId id="287" r:id="rId27"/>
+    <p:sldId id="288" r:id="rId28"/>
+    <p:sldId id="290" r:id="rId29"/>
+    <p:sldId id="293" r:id="rId30"/>
+    <p:sldId id="291" r:id="rId31"/>
+    <p:sldId id="289" r:id="rId32"/>
+    <p:sldId id="294" r:id="rId33"/>
+    <p:sldId id="295" r:id="rId34"/>
+    <p:sldId id="296" r:id="rId35"/>
   </p:sldIdLst>
   <p:sldSz cx="9144000" cy="6858000" type="screen4x3"/>
   <p:notesSz cx="6858000" cy="9144000"/>
@@ -226,7 +228,7 @@
           <a:p>
             <a:fld id="{FCB922A3-0C2E-4D94-AFF5-90A2C0AB44AC}" type="datetimeFigureOut">
               <a:rPr lang="hr-HR" smtClean="0"/>
-              <a:t>24.9.2019.</a:t>
+              <a:t>30.9.2019.</a:t>
             </a:fld>
             <a:endParaRPr lang="hr-HR"/>
           </a:p>
@@ -392,7 +394,7 @@
             <a:fld id="{1542121D-D7BC-4175-A702-9B7BBD6019B1}" type="datetimeFigureOut">
               <a:rPr lang="sr-Latn-CS" smtClean="0"/>
               <a:pPr/>
-              <a:t>24.9.2019.</a:t>
+              <a:t>30.9.2019.</a:t>
             </a:fld>
             <a:endParaRPr lang="hr-HR"/>
           </a:p>
@@ -853,7 +855,7 @@
             <a:fld id="{FDC1A071-2A74-455A-A49A-8BB21E4AC2F6}" type="datetimeFigureOut">
               <a:rPr lang="sr-Latn-CS" smtClean="0"/>
               <a:pPr/>
-              <a:t>24.9.2019.</a:t>
+              <a:t>30.9.2019.</a:t>
             </a:fld>
             <a:endParaRPr lang="hr-HR"/>
           </a:p>
@@ -1044,7 +1046,7 @@
             <a:fld id="{FDC1A071-2A74-455A-A49A-8BB21E4AC2F6}" type="datetimeFigureOut">
               <a:rPr lang="sr-Latn-CS" smtClean="0"/>
               <a:pPr/>
-              <a:t>24.9.2019.</a:t>
+              <a:t>30.9.2019.</a:t>
             </a:fld>
             <a:endParaRPr lang="hr-HR"/>
           </a:p>
@@ -1245,7 +1247,7 @@
             <a:fld id="{FDC1A071-2A74-455A-A49A-8BB21E4AC2F6}" type="datetimeFigureOut">
               <a:rPr lang="sr-Latn-CS" smtClean="0"/>
               <a:pPr/>
-              <a:t>24.9.2019.</a:t>
+              <a:t>30.9.2019.</a:t>
             </a:fld>
             <a:endParaRPr lang="hr-HR"/>
           </a:p>
@@ -1690,7 +1692,7 @@
             <a:fld id="{FDC1A071-2A74-455A-A49A-8BB21E4AC2F6}" type="datetimeFigureOut">
               <a:rPr lang="sr-Latn-CS" smtClean="0"/>
               <a:pPr/>
-              <a:t>24.9.2019.</a:t>
+              <a:t>30.9.2019.</a:t>
             </a:fld>
             <a:endParaRPr lang="hr-HR"/>
           </a:p>
@@ -1999,7 +2001,7 @@
             <a:fld id="{FDC1A071-2A74-455A-A49A-8BB21E4AC2F6}" type="datetimeFigureOut">
               <a:rPr lang="sr-Latn-CS" smtClean="0"/>
               <a:pPr/>
-              <a:t>24.9.2019.</a:t>
+              <a:t>30.9.2019.</a:t>
             </a:fld>
             <a:endParaRPr lang="hr-HR"/>
           </a:p>
@@ -2442,7 +2444,7 @@
             <a:fld id="{FDC1A071-2A74-455A-A49A-8BB21E4AC2F6}" type="datetimeFigureOut">
               <a:rPr lang="sr-Latn-CS" smtClean="0"/>
               <a:pPr/>
-              <a:t>24.9.2019.</a:t>
+              <a:t>30.9.2019.</a:t>
             </a:fld>
             <a:endParaRPr lang="hr-HR"/>
           </a:p>
@@ -2581,7 +2583,7 @@
             <a:fld id="{FDC1A071-2A74-455A-A49A-8BB21E4AC2F6}" type="datetimeFigureOut">
               <a:rPr lang="sr-Latn-CS" smtClean="0"/>
               <a:pPr/>
-              <a:t>24.9.2019.</a:t>
+              <a:t>30.9.2019.</a:t>
             </a:fld>
             <a:endParaRPr lang="hr-HR"/>
           </a:p>
@@ -2697,7 +2699,7 @@
             <a:fld id="{FDC1A071-2A74-455A-A49A-8BB21E4AC2F6}" type="datetimeFigureOut">
               <a:rPr lang="sr-Latn-CS" smtClean="0"/>
               <a:pPr/>
-              <a:t>24.9.2019.</a:t>
+              <a:t>30.9.2019.</a:t>
             </a:fld>
             <a:endParaRPr lang="hr-HR"/>
           </a:p>
@@ -2995,7 +2997,7 @@
             <a:fld id="{FDC1A071-2A74-455A-A49A-8BB21E4AC2F6}" type="datetimeFigureOut">
               <a:rPr lang="sr-Latn-CS" smtClean="0"/>
               <a:pPr/>
-              <a:t>24.9.2019.</a:t>
+              <a:t>30.9.2019.</a:t>
             </a:fld>
             <a:endParaRPr lang="hr-HR"/>
           </a:p>
@@ -3273,7 +3275,7 @@
             <a:fld id="{FDC1A071-2A74-455A-A49A-8BB21E4AC2F6}" type="datetimeFigureOut">
               <a:rPr lang="sr-Latn-CS" smtClean="0"/>
               <a:pPr/>
-              <a:t>24.9.2019.</a:t>
+              <a:t>30.9.2019.</a:t>
             </a:fld>
             <a:endParaRPr lang="hr-HR"/>
           </a:p>
@@ -3905,11 +3907,7 @@
             </a:pPr>
             <a:r>
               <a:rPr lang="hr-HR" sz="2200" dirty="0" smtClean="0"/>
-              <a:t>Što </a:t>
-            </a:r>
-            <a:r>
-              <a:rPr lang="hr-HR" sz="2200" dirty="0" smtClean="0"/>
-              <a:t>je formalna a što neformalna organizacija?</a:t>
+              <a:t>Što je formalna a što neformalna organizacija?</a:t>
             </a:r>
           </a:p>
           <a:p>
@@ -4222,13 +4220,13 @@
   <p:clrMapOvr>
     <a:masterClrMapping/>
   </p:clrMapOvr>
-  <mc:AlternateContent xmlns:mc="http://schemas.openxmlformats.org/markup-compatibility/2006" xmlns:p14="http://schemas.microsoft.com/office/powerpoint/2010/main">
-    <mc:Choice Requires="p14">
+  <mc:AlternateContent xmlns:mc="http://schemas.openxmlformats.org/markup-compatibility/2006">
+    <mc:Choice xmlns:p14="http://schemas.microsoft.com/office/powerpoint/2010/main" Requires="p14">
       <p:transition>
         <p14:reveal/>
       </p:transition>
     </mc:Choice>
-    <mc:Fallback xmlns="">
+    <mc:Fallback>
       <p:transition>
         <p:fade/>
       </p:transition>
@@ -5118,7 +5116,15 @@
             </a:r>
             <a:r>
               <a:rPr lang="hr-HR" dirty="0" smtClean="0"/>
-              <a:t> (sposobnost prihvaćanja gostiju) turizma nekog mjesta – </a:t>
+              <a:t> </a:t>
+            </a:r>
+            <a:r>
+              <a:rPr lang="hr-HR" i="1" dirty="0" smtClean="0"/>
+              <a:t>(sposobnost prihvaćanja gostiju)</a:t>
+            </a:r>
+            <a:r>
+              <a:rPr lang="hr-HR" dirty="0" smtClean="0"/>
+              <a:t> turizma nekog mjesta – </a:t>
             </a:r>
             <a:r>
               <a:rPr lang="hr-HR" b="1" dirty="0" smtClean="0">
@@ -5135,7 +5141,11 @@
             </a:endParaRPr>
           </a:p>
           <a:p>
-            <a:pPr lvl="0"/>
+            <a:pPr lvl="0">
+              <a:spcBef>
+                <a:spcPts val="1800"/>
+              </a:spcBef>
+            </a:pPr>
             <a:r>
               <a:rPr lang="hr-HR" b="1" dirty="0" smtClean="0">
                 <a:solidFill>
@@ -5150,7 +5160,15 @@
             </a:r>
             <a:r>
               <a:rPr lang="hr-HR" dirty="0" smtClean="0"/>
-              <a:t> – zemlje koje primaju goste</a:t>
+              <a:t> – zemlje koje </a:t>
+            </a:r>
+            <a:r>
+              <a:rPr lang="hr-HR" b="1" dirty="0" smtClean="0">
+                <a:solidFill>
+                  <a:srgbClr val="FF0000"/>
+                </a:solidFill>
+              </a:rPr>
+              <a:t>primaju goste</a:t>
             </a:r>
           </a:p>
           <a:p>
@@ -5169,10 +5187,23 @@
             </a:r>
             <a:r>
               <a:rPr lang="hr-HR" dirty="0" smtClean="0"/>
-              <a:t> – zemlje iz kojih dolaze gosti</a:t>
-            </a:r>
-          </a:p>
-          <a:p>
+              <a:t> – zemlje iz kojih </a:t>
+            </a:r>
+            <a:r>
+              <a:rPr lang="hr-HR" b="1" dirty="0" smtClean="0">
+                <a:solidFill>
+                  <a:srgbClr val="FF0000"/>
+                </a:solidFill>
+              </a:rPr>
+              <a:t>dolaze gosti</a:t>
+            </a:r>
+          </a:p>
+          <a:p>
+            <a:pPr>
+              <a:spcBef>
+                <a:spcPts val="1800"/>
+              </a:spcBef>
+            </a:pPr>
             <a:r>
               <a:rPr lang="hr-HR" b="1" dirty="0" smtClean="0">
                 <a:solidFill>
@@ -5311,8 +5342,8 @@
         </p:nvSpPr>
         <p:spPr>
           <a:xfrm>
-            <a:off x="3946918" y="5048633"/>
-            <a:ext cx="1107289" cy="971111"/>
+            <a:off x="4044005" y="5048633"/>
+            <a:ext cx="913114" cy="971111"/>
           </a:xfrm>
           <a:prstGeom prst="rightArrow">
             <a:avLst>
@@ -5364,13 +5395,13 @@
   <p:clrMapOvr>
     <a:masterClrMapping/>
   </p:clrMapOvr>
-  <mc:AlternateContent xmlns:mc="http://schemas.openxmlformats.org/markup-compatibility/2006" xmlns:p14="http://schemas.microsoft.com/office/powerpoint/2010/main">
-    <mc:Choice Requires="p14">
+  <mc:AlternateContent xmlns:mc="http://schemas.openxmlformats.org/markup-compatibility/2006">
+    <mc:Choice xmlns:p14="http://schemas.microsoft.com/office/powerpoint/2010/main" Requires="p14">
       <p:transition>
         <p14:reveal/>
       </p:transition>
     </mc:Choice>
-    <mc:Fallback xmlns="">
+    <mc:Fallback>
       <p:transition>
         <p:fade/>
       </p:transition>
@@ -6020,13 +6051,13 @@
   <p:clrMapOvr>
     <a:masterClrMapping/>
   </p:clrMapOvr>
-  <mc:AlternateContent xmlns:mc="http://schemas.openxmlformats.org/markup-compatibility/2006" xmlns:p14="http://schemas.microsoft.com/office/powerpoint/2010/main">
-    <mc:Choice Requires="p14">
+  <mc:AlternateContent xmlns:mc="http://schemas.openxmlformats.org/markup-compatibility/2006">
+    <mc:Choice xmlns:p14="http://schemas.microsoft.com/office/powerpoint/2010/main" Requires="p14">
       <p:transition>
         <p14:reveal/>
       </p:transition>
     </mc:Choice>
-    <mc:Fallback xmlns="">
+    <mc:Fallback>
       <p:transition>
         <p:fade/>
       </p:transition>
@@ -6100,7 +6131,12 @@
             <p:ph idx="1"/>
           </p:nvPr>
         </p:nvSpPr>
-        <p:spPr/>
+        <p:spPr>
+          <a:xfrm>
+            <a:off x="107504" y="1000108"/>
+            <a:ext cx="8893652" cy="5643602"/>
+          </a:xfrm>
+        </p:spPr>
         <p:txBody>
           <a:bodyPr>
             <a:noAutofit/>
@@ -6114,7 +6150,15 @@
             </a:pPr>
             <a:r>
               <a:rPr lang="hr-HR" dirty="0" smtClean="0"/>
-              <a:t>većina gostiju (osobito stranih) smještaj u hotelima rezervira preko </a:t>
+              <a:t>većina gostiju </a:t>
+            </a:r>
+            <a:r>
+              <a:rPr lang="hr-HR" i="1" dirty="0" smtClean="0"/>
+              <a:t>(osobito stranih) </a:t>
+            </a:r>
+            <a:r>
+              <a:rPr lang="hr-HR" dirty="0" smtClean="0"/>
+              <a:t>smještaj u hotelima rezervira preko </a:t>
             </a:r>
             <a:r>
               <a:rPr lang="hr-HR" b="1" dirty="0" smtClean="0">
@@ -6214,13 +6258,13 @@
   <p:clrMapOvr>
     <a:masterClrMapping/>
   </p:clrMapOvr>
-  <mc:AlternateContent xmlns:mc="http://schemas.openxmlformats.org/markup-compatibility/2006" xmlns:p14="http://schemas.microsoft.com/office/powerpoint/2010/main">
-    <mc:Choice Requires="p14">
+  <mc:AlternateContent xmlns:mc="http://schemas.openxmlformats.org/markup-compatibility/2006">
+    <mc:Choice xmlns:p14="http://schemas.microsoft.com/office/powerpoint/2010/main" Requires="p14">
       <p:transition>
         <p14:reveal/>
       </p:transition>
     </mc:Choice>
-    <mc:Fallback xmlns="">
+    <mc:Fallback>
       <p:transition>
         <p:fade/>
       </p:transition>
@@ -6506,10 +6550,12 @@
             </a:r>
           </a:p>
           <a:p>
-            <a:pPr lvl="1">
+            <a:pPr marL="971550" lvl="1" indent="-514350">
               <a:spcBef>
                 <a:spcPts val="1200"/>
               </a:spcBef>
+              <a:buFont typeface="+mj-lt"/>
+              <a:buAutoNum type="arabicPeriod"/>
             </a:pPr>
             <a:r>
               <a:rPr lang="hr-HR" b="1" dirty="0" smtClean="0">
@@ -6533,10 +6579,12 @@
             </a:r>
           </a:p>
           <a:p>
-            <a:pPr lvl="1">
+            <a:pPr marL="971550" lvl="1" indent="-514350">
               <a:spcBef>
                 <a:spcPts val="1200"/>
               </a:spcBef>
+              <a:buFont typeface="+mj-lt"/>
+              <a:buAutoNum type="arabicPeriod"/>
             </a:pPr>
             <a:r>
               <a:rPr lang="hr-HR" b="1" dirty="0" smtClean="0">
@@ -6560,10 +6608,12 @@
             </a:r>
           </a:p>
           <a:p>
-            <a:pPr lvl="1">
+            <a:pPr marL="971550" lvl="1" indent="-514350">
               <a:spcBef>
                 <a:spcPts val="1200"/>
               </a:spcBef>
+              <a:buFont typeface="+mj-lt"/>
+              <a:buAutoNum type="arabicPeriod"/>
             </a:pPr>
             <a:r>
               <a:rPr lang="hr-HR" b="1" dirty="0" smtClean="0">
@@ -6593,13 +6643,13 @@
   <p:clrMapOvr>
     <a:masterClrMapping/>
   </p:clrMapOvr>
-  <mc:AlternateContent xmlns:mc="http://schemas.openxmlformats.org/markup-compatibility/2006" xmlns:p14="http://schemas.microsoft.com/office/powerpoint/2010/main">
-    <mc:Choice Requires="p14">
+  <mc:AlternateContent xmlns:mc="http://schemas.openxmlformats.org/markup-compatibility/2006">
+    <mc:Choice xmlns:p14="http://schemas.microsoft.com/office/powerpoint/2010/main" Requires="p14">
       <p:transition>
         <p14:reveal/>
       </p:transition>
     </mc:Choice>
-    <mc:Fallback xmlns="">
+    <mc:Fallback>
       <p:transition>
         <p:fade/>
       </p:transition>
@@ -7032,13 +7082,13 @@
   <p:clrMapOvr>
     <a:masterClrMapping/>
   </p:clrMapOvr>
-  <mc:AlternateContent xmlns:mc="http://schemas.openxmlformats.org/markup-compatibility/2006" xmlns:p14="http://schemas.microsoft.com/office/powerpoint/2010/main">
-    <mc:Choice Requires="p14">
+  <mc:AlternateContent xmlns:mc="http://schemas.openxmlformats.org/markup-compatibility/2006">
+    <mc:Choice xmlns:p14="http://schemas.microsoft.com/office/powerpoint/2010/main" Requires="p14">
       <p:transition>
         <p14:reveal/>
       </p:transition>
     </mc:Choice>
-    <mc:Fallback xmlns="">
+    <mc:Fallback>
       <p:transition>
         <p:fade/>
       </p:transition>
@@ -7369,102 +7419,290 @@
           <a:chExt cx="0" cy="0"/>
         </a:xfrm>
       </p:grpSpPr>
+      <p:pic>
+        <p:nvPicPr>
+          <p:cNvPr id="3" name="Picture 4" descr="http://3.bp.blogspot.com/-eedPvgFrxhE/UYC3xFU1VwI/AAAAAAAAHbY/P7OtZAmvH6M/s1600/Travel+Voucher.jpg"/>
+          <p:cNvPicPr>
+            <a:picLocks noChangeAspect="1" noChangeArrowheads="1"/>
+          </p:cNvPicPr>
+          <p:nvPr/>
+        </p:nvPicPr>
+        <p:blipFill>
+          <a:blip r:embed="rId2">
+            <a:extLst>
+              <a:ext uri="{28A0092B-C50C-407E-A947-70E740481C1C}">
+                <a14:useLocalDpi xmlns:a14="http://schemas.microsoft.com/office/drawing/2010/main" val="0"/>
+              </a:ext>
+            </a:extLst>
+          </a:blip>
+          <a:srcRect/>
+          <a:stretch>
+            <a:fillRect/>
+          </a:stretch>
+        </p:blipFill>
+        <p:spPr bwMode="auto">
+          <a:xfrm>
+            <a:off x="-83689" y="-26232"/>
+            <a:ext cx="5443667" cy="7044746"/>
+          </a:xfrm>
+          <a:prstGeom prst="rect">
+            <a:avLst/>
+          </a:prstGeom>
+          <a:noFill/>
+          <a:extLst>
+            <a:ext uri="{909E8E84-426E-40DD-AFC4-6F175D3DCCD1}">
+              <a14:hiddenFill xmlns:a14="http://schemas.microsoft.com/office/drawing/2010/main">
+                <a:solidFill>
+                  <a:srgbClr val="FFFFFF"/>
+                </a:solidFill>
+              </a14:hiddenFill>
+            </a:ext>
+          </a:extLst>
+        </p:spPr>
+      </p:pic>
       <p:sp>
         <p:nvSpPr>
-          <p:cNvPr id="2" name="Title 1"/>
-          <p:cNvSpPr>
-            <a:spLocks noGrp="1"/>
-          </p:cNvSpPr>
-          <p:nvPr>
-            <p:ph type="title"/>
-          </p:nvPr>
+          <p:cNvPr id="4" name="Rectangle 3"/>
+          <p:cNvSpPr/>
+          <p:nvPr/>
         </p:nvSpPr>
-        <p:spPr/>
+        <p:spPr>
+          <a:xfrm>
+            <a:off x="179512" y="2236951"/>
+            <a:ext cx="4896544" cy="3136265"/>
+          </a:xfrm>
+          <a:prstGeom prst="rect">
+            <a:avLst/>
+          </a:prstGeom>
+          <a:noFill/>
+          <a:ln w="38100">
+            <a:solidFill>
+              <a:srgbClr val="FF0000"/>
+            </a:solidFill>
+          </a:ln>
+        </p:spPr>
+        <p:style>
+          <a:lnRef idx="2">
+            <a:schemeClr val="accent1">
+              <a:shade val="50000"/>
+            </a:schemeClr>
+          </a:lnRef>
+          <a:fillRef idx="1">
+            <a:schemeClr val="accent1"/>
+          </a:fillRef>
+          <a:effectRef idx="0">
+            <a:schemeClr val="accent1"/>
+          </a:effectRef>
+          <a:fontRef idx="minor">
+            <a:schemeClr val="lt1"/>
+          </a:fontRef>
+        </p:style>
         <p:txBody>
-          <a:bodyPr/>
+          <a:bodyPr rtlCol="0" anchor="ctr"/>
           <a:lstStyle/>
           <a:p>
-            <a:r>
-              <a:rPr lang="hr-HR" b="1" dirty="0" smtClean="0">
-                <a:solidFill>
-                  <a:srgbClr val="FF0000"/>
-                </a:solidFill>
-              </a:rPr>
-              <a:t>UGOVOR O ALOTMANU</a:t>
-            </a:r>
-            <a:endParaRPr lang="hr-HR" b="1" dirty="0">
-              <a:solidFill>
-                <a:srgbClr val="FF0000"/>
-              </a:solidFill>
-            </a:endParaRPr>
+            <a:pPr algn="ctr"/>
+            <a:endParaRPr lang="hr-HR"/>
           </a:p>
         </p:txBody>
       </p:sp>
-      <p:sp>
-        <p:nvSpPr>
-          <p:cNvPr id="3" name="Content Placeholder 2"/>
-          <p:cNvSpPr>
-            <a:spLocks noGrp="1"/>
-          </p:cNvSpPr>
-          <p:nvPr>
-            <p:ph idx="1"/>
-          </p:nvPr>
-        </p:nvSpPr>
-        <p:spPr/>
-        <p:txBody>
-          <a:bodyPr>
-            <a:noAutofit/>
-          </a:bodyPr>
-          <a:lstStyle/>
-          <a:p>
-            <a:pPr lvl="0">
-              <a:spcBef>
-                <a:spcPts val="1200"/>
-              </a:spcBef>
-            </a:pPr>
-            <a:r>
-              <a:rPr lang="hr-HR" dirty="0" smtClean="0"/>
-              <a:t>hotelijer se obvezuje da će u ugovorenom vremenu </a:t>
-            </a:r>
-            <a:r>
-              <a:rPr lang="hr-HR" b="1" dirty="0" smtClean="0">
-                <a:solidFill>
-                  <a:srgbClr val="FF0000"/>
-                </a:solidFill>
-              </a:rPr>
-              <a:t>dati agenciji na raspolaganje</a:t>
-            </a:r>
-            <a:r>
-              <a:rPr lang="hr-HR" dirty="0" smtClean="0"/>
-              <a:t> određeni broj soba i traženih usluga na raspolaganje uz ugovorenu proviziju</a:t>
-            </a:r>
-          </a:p>
-          <a:p>
-            <a:pPr lvl="0">
-              <a:spcBef>
-                <a:spcPts val="1200"/>
-              </a:spcBef>
-            </a:pPr>
-            <a:r>
-              <a:rPr lang="hr-HR" dirty="0" smtClean="0"/>
-              <a:t>ako agencija ne uspije popuniti sobe, dužna je javiti do određenog vremena hotelu, kako bi hotel mogao raspolagati tim sobama</a:t>
-            </a:r>
-            <a:endParaRPr lang="hr-HR" dirty="0"/>
-          </a:p>
-        </p:txBody>
-      </p:sp>
+      <p:pic>
+        <p:nvPicPr>
+          <p:cNvPr id="5" name="Picture 4" descr="http://3.bp.blogspot.com/-eedPvgFrxhE/UYC3xFU1VwI/AAAAAAAAHbY/P7OtZAmvH6M/s1600/Travel+Voucher.jpg"/>
+          <p:cNvPicPr>
+            <a:picLocks noChangeAspect="1" noChangeArrowheads="1"/>
+          </p:cNvPicPr>
+          <p:nvPr/>
+        </p:nvPicPr>
+        <p:blipFill rotWithShape="1">
+          <a:blip r:embed="rId3">
+            <a:extLst>
+              <a:ext uri="{BEBA8EAE-BF5A-486C-A8C5-ECC9F3942E4B}">
+                <a14:imgProps xmlns:a14="http://schemas.microsoft.com/office/drawing/2010/main">
+                  <a14:imgLayer r:embed="rId4">
+                    <a14:imgEffect>
+                      <a14:sharpenSoften amount="25000"/>
+                    </a14:imgEffect>
+                  </a14:imgLayer>
+                </a14:imgProps>
+              </a:ext>
+              <a:ext uri="{28A0092B-C50C-407E-A947-70E740481C1C}">
+                <a14:useLocalDpi xmlns:a14="http://schemas.microsoft.com/office/drawing/2010/main" val="0"/>
+              </a:ext>
+            </a:extLst>
+          </a:blip>
+          <a:srcRect l="4057" t="32786" r="4132" b="22803"/>
+          <a:stretch/>
+        </p:blipFill>
+        <p:spPr bwMode="auto">
+          <a:xfrm>
+            <a:off x="89212" y="721807"/>
+            <a:ext cx="8854068" cy="5542735"/>
+          </a:xfrm>
+          <a:prstGeom prst="rect">
+            <a:avLst/>
+          </a:prstGeom>
+          <a:noFill/>
+          <a:ln>
+            <a:solidFill>
+              <a:schemeClr val="bg1">
+                <a:lumMod val="75000"/>
+              </a:schemeClr>
+            </a:solidFill>
+          </a:ln>
+          <a:effectLst>
+            <a:outerShdw blurRad="50800" dist="38100" dir="2700000" algn="tl" rotWithShape="0">
+              <a:prstClr val="black">
+                <a:alpha val="40000"/>
+              </a:prstClr>
+            </a:outerShdw>
+          </a:effectLst>
+          <a:extLst>
+            <a:ext uri="{909E8E84-426E-40DD-AFC4-6F175D3DCCD1}">
+              <a14:hiddenFill xmlns:a14="http://schemas.microsoft.com/office/drawing/2010/main">
+                <a:solidFill>
+                  <a:srgbClr val="FFFFFF"/>
+                </a:solidFill>
+              </a14:hiddenFill>
+            </a:ext>
+          </a:extLst>
+        </p:spPr>
+      </p:pic>
+      <p:grpSp>
+        <p:nvGrpSpPr>
+          <p:cNvPr id="7" name="Group 6"/>
+          <p:cNvGrpSpPr/>
+          <p:nvPr/>
+        </p:nvGrpSpPr>
+        <p:grpSpPr>
+          <a:xfrm>
+            <a:off x="5184777" y="444500"/>
+            <a:ext cx="3960507" cy="5566665"/>
+            <a:chOff x="5184777" y="444500"/>
+            <a:chExt cx="3960507" cy="5566665"/>
+          </a:xfrm>
+        </p:grpSpPr>
+        <p:pic>
+          <p:nvPicPr>
+            <p:cNvPr id="2" name="Picture 2" descr="http://www.voucherline.com/user/products/large/Voucher%20Image.jpg"/>
+            <p:cNvPicPr>
+              <a:picLocks noChangeAspect="1" noChangeArrowheads="1"/>
+            </p:cNvPicPr>
+            <p:nvPr/>
+          </p:nvPicPr>
+          <p:blipFill rotWithShape="1">
+            <a:blip r:embed="rId5">
+              <a:extLst>
+                <a:ext uri="{28A0092B-C50C-407E-A947-70E740481C1C}">
+                  <a14:useLocalDpi xmlns:a14="http://schemas.microsoft.com/office/drawing/2010/main" val="0"/>
+                </a:ext>
+              </a:extLst>
+            </a:blip>
+            <a:srcRect t="-32894"/>
+            <a:stretch/>
+          </p:blipFill>
+          <p:spPr bwMode="auto">
+            <a:xfrm>
+              <a:off x="5214473" y="444500"/>
+              <a:ext cx="3901114" cy="3338879"/>
+            </a:xfrm>
+            <a:prstGeom prst="rect">
+              <a:avLst/>
+            </a:prstGeom>
+            <a:solidFill>
+              <a:schemeClr val="bg1"/>
+            </a:solidFill>
+          </p:spPr>
+        </p:pic>
+        <p:pic>
+          <p:nvPicPr>
+            <p:cNvPr id="2050" name="Picture 2" descr="http://s3.amazonaws.com/s3.timetoast.com/public/uploads/photos/8849086/0__16958271_303_00.jpg?1474507995"/>
+            <p:cNvPicPr>
+              <a:picLocks noChangeAspect="1" noChangeArrowheads="1"/>
+            </p:cNvPicPr>
+            <p:nvPr/>
+          </p:nvPicPr>
+          <p:blipFill>
+            <a:blip r:embed="rId6">
+              <a:extLst>
+                <a:ext uri="{28A0092B-C50C-407E-A947-70E740481C1C}">
+                  <a14:useLocalDpi xmlns:a14="http://schemas.microsoft.com/office/drawing/2010/main" val="0"/>
+                </a:ext>
+              </a:extLst>
+            </a:blip>
+            <a:srcRect/>
+            <a:stretch>
+              <a:fillRect/>
+            </a:stretch>
+          </p:blipFill>
+          <p:spPr bwMode="auto">
+            <a:xfrm>
+              <a:off x="5184777" y="3783379"/>
+              <a:ext cx="3960507" cy="2227786"/>
+            </a:xfrm>
+            <a:prstGeom prst="rect">
+              <a:avLst/>
+            </a:prstGeom>
+            <a:noFill/>
+            <a:extLst>
+              <a:ext uri="{909E8E84-426E-40DD-AFC4-6F175D3DCCD1}">
+                <a14:hiddenFill xmlns:a14="http://schemas.microsoft.com/office/drawing/2010/main">
+                  <a:solidFill>
+                    <a:srgbClr val="FFFFFF"/>
+                  </a:solidFill>
+                </a14:hiddenFill>
+              </a:ext>
+            </a:extLst>
+          </p:spPr>
+        </p:pic>
+        <p:sp>
+          <p:nvSpPr>
+            <p:cNvPr id="6" name="TextBox 5"/>
+            <p:cNvSpPr txBox="1"/>
+            <p:nvPr/>
+          </p:nvSpPr>
+          <p:spPr>
+            <a:xfrm>
+              <a:off x="5652120" y="721807"/>
+              <a:ext cx="3087739" cy="523220"/>
+            </a:xfrm>
+            <a:prstGeom prst="rect">
+              <a:avLst/>
+            </a:prstGeom>
+            <a:noFill/>
+          </p:spPr>
+          <p:txBody>
+            <a:bodyPr wrap="square" rtlCol="0">
+              <a:spAutoFit/>
+            </a:bodyPr>
+            <a:lstStyle/>
+            <a:p>
+              <a:r>
+                <a:rPr lang="hr-HR" sz="2800" b="1" dirty="0" smtClean="0"/>
+                <a:t>TURISTIČKI KUPONI</a:t>
+              </a:r>
+              <a:endParaRPr lang="hr-HR" sz="2800" b="1" dirty="0"/>
+            </a:p>
+          </p:txBody>
+        </p:sp>
+      </p:grpSp>
     </p:spTree>
+    <p:extLst>
+      <p:ext uri="{BB962C8B-B14F-4D97-AF65-F5344CB8AC3E}">
+        <p14:creationId xmlns:p14="http://schemas.microsoft.com/office/powerpoint/2010/main" val="249133547"/>
+      </p:ext>
+    </p:extLst>
   </p:cSld>
   <p:clrMapOvr>
     <a:masterClrMapping/>
   </p:clrMapOvr>
-  <mc:AlternateContent xmlns:mc="http://schemas.openxmlformats.org/markup-compatibility/2006" xmlns:p14="http://schemas.microsoft.com/office/powerpoint/2010/main">
-    <mc:Choice Requires="p14">
+  <mc:AlternateContent xmlns:mc="http://schemas.openxmlformats.org/markup-compatibility/2006">
+    <mc:Choice xmlns:p14="http://schemas.microsoft.com/office/powerpoint/2010/main" Requires="p14">
       <p:transition>
         <p14:reveal/>
       </p:transition>
     </mc:Choice>
-    <mc:Fallback xmlns="">
+    <mc:Fallback>
       <p:transition>
         <p:fade/>
       </p:transition>
@@ -7482,9 +7720,6 @@
                     <p:cTn id="3" fill="hold">
                       <p:stCondLst>
                         <p:cond delay="indefinite"/>
-                        <p:cond evt="onBegin" delay="0">
-                          <p:tn val="2"/>
-                        </p:cond>
                       </p:stCondLst>
                       <p:childTnLst>
                         <p:par>
@@ -7494,7 +7729,7 @@
                             </p:stCondLst>
                             <p:childTnLst>
                               <p:par>
-                                <p:cTn id="5" presetID="10" presetClass="entr" presetSubtype="0" fill="hold" grpId="0" nodeType="afterEffect">
+                                <p:cTn id="5" presetID="22" presetClass="entr" presetSubtype="8" fill="hold" grpId="0" nodeType="clickEffect">
                                   <p:stCondLst>
                                     <p:cond delay="0"/>
                                   </p:stCondLst>
@@ -7507,11 +7742,7 @@
                                           </p:stCondLst>
                                         </p:cTn>
                                         <p:tgtEl>
-                                          <p:spTgt spid="3">
-                                            <p:txEl>
-                                              <p:pRg st="0" end="0"/>
-                                            </p:txEl>
-                                          </p:spTgt>
+                                          <p:spTgt spid="4"/>
                                         </p:tgtEl>
                                         <p:attrNameLst>
                                           <p:attrName>style.visibility</p:attrName>
@@ -7521,15 +7752,11 @@
                                         <p:strVal val="visible"/>
                                       </p:to>
                                     </p:set>
-                                    <p:animEffect transition="in" filter="fade">
+                                    <p:animEffect transition="in" filter="wipe(left)">
                                       <p:cBhvr>
                                         <p:cTn id="7" dur="250"/>
                                         <p:tgtEl>
-                                          <p:spTgt spid="3">
-                                            <p:txEl>
-                                              <p:pRg st="0" end="0"/>
-                                            </p:txEl>
-                                          </p:spTgt>
+                                          <p:spTgt spid="4"/>
                                         </p:tgtEl>
                                       </p:cBhvr>
                                     </p:animEffect>
@@ -7546,7 +7773,7 @@
                             </p:stCondLst>
                             <p:childTnLst>
                               <p:par>
-                                <p:cTn id="9" presetID="10" presetClass="entr" presetSubtype="0" fill="hold" grpId="0" nodeType="afterEffect">
+                                <p:cTn id="9" presetID="10" presetClass="entr" presetSubtype="0" fill="hold" nodeType="afterEffect">
                                   <p:stCondLst>
                                     <p:cond delay="0"/>
                                   </p:stCondLst>
@@ -7559,11 +7786,7 @@
                                           </p:stCondLst>
                                         </p:cTn>
                                         <p:tgtEl>
-                                          <p:spTgt spid="3">
-                                            <p:txEl>
-                                              <p:pRg st="1" end="1"/>
-                                            </p:txEl>
-                                          </p:spTgt>
+                                          <p:spTgt spid="5"/>
                                         </p:tgtEl>
                                         <p:attrNameLst>
                                           <p:attrName>style.visibility</p:attrName>
@@ -7577,11 +7800,139 @@
                                       <p:cBhvr>
                                         <p:cTn id="11" dur="250"/>
                                         <p:tgtEl>
-                                          <p:spTgt spid="3">
-                                            <p:txEl>
-                                              <p:pRg st="1" end="1"/>
-                                            </p:txEl>
-                                          </p:spTgt>
+                                          <p:spTgt spid="5"/>
+                                        </p:tgtEl>
+                                      </p:cBhvr>
+                                    </p:animEffect>
+                                  </p:childTnLst>
+                                </p:cTn>
+                              </p:par>
+                            </p:childTnLst>
+                          </p:cTn>
+                        </p:par>
+                      </p:childTnLst>
+                    </p:cTn>
+                  </p:par>
+                  <p:par>
+                    <p:cTn id="12" fill="hold">
+                      <p:stCondLst>
+                        <p:cond delay="indefinite"/>
+                      </p:stCondLst>
+                      <p:childTnLst>
+                        <p:par>
+                          <p:cTn id="13" fill="hold">
+                            <p:stCondLst>
+                              <p:cond delay="0"/>
+                            </p:stCondLst>
+                            <p:childTnLst>
+                              <p:par>
+                                <p:cTn id="14" presetID="10" presetClass="exit" presetSubtype="0" fill="hold" nodeType="clickEffect">
+                                  <p:stCondLst>
+                                    <p:cond delay="0"/>
+                                  </p:stCondLst>
+                                  <p:childTnLst>
+                                    <p:animEffect transition="out" filter="fade">
+                                      <p:cBhvr>
+                                        <p:cTn id="15" dur="250"/>
+                                        <p:tgtEl>
+                                          <p:spTgt spid="5"/>
+                                        </p:tgtEl>
+                                      </p:cBhvr>
+                                    </p:animEffect>
+                                    <p:set>
+                                      <p:cBhvr>
+                                        <p:cTn id="16" dur="1" fill="hold">
+                                          <p:stCondLst>
+                                            <p:cond delay="249"/>
+                                          </p:stCondLst>
+                                        </p:cTn>
+                                        <p:tgtEl>
+                                          <p:spTgt spid="5"/>
+                                        </p:tgtEl>
+                                        <p:attrNameLst>
+                                          <p:attrName>style.visibility</p:attrName>
+                                        </p:attrNameLst>
+                                      </p:cBhvr>
+                                      <p:to>
+                                        <p:strVal val="hidden"/>
+                                      </p:to>
+                                    </p:set>
+                                  </p:childTnLst>
+                                </p:cTn>
+                              </p:par>
+                              <p:par>
+                                <p:cTn id="17" presetID="10" presetClass="exit" presetSubtype="0" fill="hold" grpId="1" nodeType="withEffect">
+                                  <p:stCondLst>
+                                    <p:cond delay="0"/>
+                                  </p:stCondLst>
+                                  <p:childTnLst>
+                                    <p:animEffect transition="out" filter="fade">
+                                      <p:cBhvr>
+                                        <p:cTn id="18" dur="250"/>
+                                        <p:tgtEl>
+                                          <p:spTgt spid="4"/>
+                                        </p:tgtEl>
+                                      </p:cBhvr>
+                                    </p:animEffect>
+                                    <p:set>
+                                      <p:cBhvr>
+                                        <p:cTn id="19" dur="1" fill="hold">
+                                          <p:stCondLst>
+                                            <p:cond delay="249"/>
+                                          </p:stCondLst>
+                                        </p:cTn>
+                                        <p:tgtEl>
+                                          <p:spTgt spid="4"/>
+                                        </p:tgtEl>
+                                        <p:attrNameLst>
+                                          <p:attrName>style.visibility</p:attrName>
+                                        </p:attrNameLst>
+                                      </p:cBhvr>
+                                      <p:to>
+                                        <p:strVal val="hidden"/>
+                                      </p:to>
+                                    </p:set>
+                                  </p:childTnLst>
+                                </p:cTn>
+                              </p:par>
+                            </p:childTnLst>
+                          </p:cTn>
+                        </p:par>
+                        <p:par>
+                          <p:cTn id="20" fill="hold">
+                            <p:stCondLst>
+                              <p:cond delay="250"/>
+                            </p:stCondLst>
+                            <p:childTnLst>
+                              <p:par>
+                                <p:cTn id="21" presetID="10" presetClass="entr" presetSubtype="0" fill="hold" nodeType="afterEffect">
+                                  <p:stCondLst>
+                                    <p:cond delay="0"/>
+                                  </p:stCondLst>
+                                  <p:childTnLst>
+                                    <p:set>
+                                      <p:cBhvr>
+                                        <p:cTn id="22" dur="1" fill="hold">
+                                          <p:stCondLst>
+                                            <p:cond delay="0"/>
+                                          </p:stCondLst>
+                                        </p:cTn>
+                                        <p:tgtEl>
+                                          <p:spTgt spid="7"/>
+                                        </p:tgtEl>
+                                        <p:attrNameLst>
+                                          <p:attrName>style.visibility</p:attrName>
+                                        </p:attrNameLst>
+                                      </p:cBhvr>
+                                      <p:to>
+                                        <p:strVal val="visible"/>
+                                      </p:to>
+                                    </p:set>
+                                    <p:animEffect transition="in" filter="fade">
+                                      <p:cBhvr>
+                                        <p:cTn id="23" dur="250"/>
+                                        <p:tgtEl>
+                                          <p:spTgt spid="7"/>
                                         </p:tgtEl>
                                       </p:cBhvr>
                                     </p:animEffect>
@@ -7616,7 +7967,8 @@
       </p:par>
     </p:tnLst>
     <p:bldLst>
-      <p:bldP spid="3" grpId="0" build="p"/>
+      <p:bldP spid="4" grpId="0" animBg="1"/>
+      <p:bldP spid="4" grpId="1" animBg="1"/>
     </p:bldLst>
   </p:timing>
 </p:sld>
@@ -7660,7 +8012,7 @@
                   <a:srgbClr val="FF0000"/>
                 </a:solidFill>
               </a:rPr>
-              <a:t>UGOVOR O ZAKUPU KAPACITETA</a:t>
+              <a:t>UGOVOR O ALOTMANU</a:t>
             </a:r>
             <a:endParaRPr lang="hr-HR" b="1" dirty="0">
               <a:solidFill>
@@ -7680,12 +8032,7 @@
             <p:ph idx="1"/>
           </p:nvPr>
         </p:nvSpPr>
-        <p:spPr>
-          <a:xfrm>
-            <a:off x="107504" y="1000108"/>
-            <a:ext cx="8929718" cy="5643602"/>
-          </a:xfrm>
-        </p:spPr>
+        <p:spPr/>
         <p:txBody>
           <a:bodyPr>
             <a:noAutofit/>
@@ -7699,7 +8046,19 @@
             </a:pPr>
             <a:r>
               <a:rPr lang="hr-HR" dirty="0" smtClean="0"/>
-              <a:t>„fiksni ugovor“ ili „ugovor puno za prazno“</a:t>
+              <a:t>hotelijer se obvezuje da će </a:t>
+            </a:r>
+            <a:r>
+              <a:rPr lang="hr-HR" b="1" dirty="0" smtClean="0">
+                <a:solidFill>
+                  <a:srgbClr val="FF0000"/>
+                </a:solidFill>
+              </a:rPr>
+              <a:t>u ugovorenom vremenu dati agenciji na raspolaganje</a:t>
+            </a:r>
+            <a:r>
+              <a:rPr lang="hr-HR" dirty="0" smtClean="0"/>
+              <a:t> određeni broj soba i traženih usluga na raspolaganje uz ugovorenu proviziju</a:t>
             </a:r>
           </a:p>
           <a:p>
@@ -7710,37 +8069,19 @@
             </a:pPr>
             <a:r>
               <a:rPr lang="hr-HR" dirty="0" smtClean="0"/>
-              <a:t>agencija uzima u zakup cijeli hotel ili samo određeni broj soba na neko vrijeme</a:t>
-            </a:r>
-          </a:p>
-          <a:p>
-            <a:pPr lvl="0">
-              <a:spcBef>
-                <a:spcPts val="1200"/>
-              </a:spcBef>
-            </a:pPr>
+              <a:t>ako agencija ne uspije popuniti sobe, </a:t>
+            </a:r>
             <a:r>
               <a:rPr lang="hr-HR" b="1" dirty="0" smtClean="0">
                 <a:solidFill>
                   <a:srgbClr val="FF0000"/>
                 </a:solidFill>
               </a:rPr>
-              <a:t>agencija plaća zakupljene kapacitete bez obzira jesu bili korišteni</a:t>
-            </a:r>
-          </a:p>
-          <a:p>
-            <a:pPr lvl="0">
-              <a:spcBef>
-                <a:spcPts val="1200"/>
-              </a:spcBef>
-            </a:pPr>
+              <a:t>dužna je javiti do određenog vremena</a:t>
+            </a:r>
             <a:r>
               <a:rPr lang="hr-HR" dirty="0" smtClean="0"/>
-              <a:t>ovaj ugovor se najčešće sklapa kada je agencija sigurna da će popuniti sve kapacitete – </a:t>
-            </a:r>
-            <a:r>
-              <a:rPr lang="hr-HR" i="1" dirty="0" smtClean="0"/>
-              <a:t>npr. za vrijeme održavanja kongresa, u vrhuncu turističke sezone, za vrijeme sportskih događaja i sl.</a:t>
+              <a:t> hotelu, kako bi hotel mogao raspolagati tim sobama</a:t>
             </a:r>
             <a:endParaRPr lang="hr-HR" dirty="0"/>
           </a:p>
@@ -7751,13 +8092,13 @@
   <p:clrMapOvr>
     <a:masterClrMapping/>
   </p:clrMapOvr>
-  <mc:AlternateContent xmlns:mc="http://schemas.openxmlformats.org/markup-compatibility/2006" xmlns:p14="http://schemas.microsoft.com/office/powerpoint/2010/main">
-    <mc:Choice Requires="p14">
+  <mc:AlternateContent xmlns:mc="http://schemas.openxmlformats.org/markup-compatibility/2006">
+    <mc:Choice xmlns:p14="http://schemas.microsoft.com/office/powerpoint/2010/main" Requires="p14">
       <p:transition>
         <p14:reveal/>
       </p:transition>
     </mc:Choice>
-    <mc:Fallback xmlns="">
+    <mc:Fallback>
       <p:transition>
         <p:fade/>
       </p:transition>
@@ -7873,110 +8214,6 @@
                                           <p:spTgt spid="3">
                                             <p:txEl>
                                               <p:pRg st="1" end="1"/>
-                                            </p:txEl>
-                                          </p:spTgt>
-                                        </p:tgtEl>
-                                      </p:cBhvr>
-                                    </p:animEffect>
-                                  </p:childTnLst>
-                                </p:cTn>
-                              </p:par>
-                            </p:childTnLst>
-                          </p:cTn>
-                        </p:par>
-                        <p:par>
-                          <p:cTn id="12" fill="hold">
-                            <p:stCondLst>
-                              <p:cond delay="500"/>
-                            </p:stCondLst>
-                            <p:childTnLst>
-                              <p:par>
-                                <p:cTn id="13" presetID="10" presetClass="entr" presetSubtype="0" fill="hold" grpId="0" nodeType="afterEffect">
-                                  <p:stCondLst>
-                                    <p:cond delay="0"/>
-                                  </p:stCondLst>
-                                  <p:childTnLst>
-                                    <p:set>
-                                      <p:cBhvr>
-                                        <p:cTn id="14" dur="1" fill="hold">
-                                          <p:stCondLst>
-                                            <p:cond delay="0"/>
-                                          </p:stCondLst>
-                                        </p:cTn>
-                                        <p:tgtEl>
-                                          <p:spTgt spid="3">
-                                            <p:txEl>
-                                              <p:pRg st="2" end="2"/>
-                                            </p:txEl>
-                                          </p:spTgt>
-                                        </p:tgtEl>
-                                        <p:attrNameLst>
-                                          <p:attrName>style.visibility</p:attrName>
-                                        </p:attrNameLst>
-                                      </p:cBhvr>
-                                      <p:to>
-                                        <p:strVal val="visible"/>
-                                      </p:to>
-                                    </p:set>
-                                    <p:animEffect transition="in" filter="fade">
-                                      <p:cBhvr>
-                                        <p:cTn id="15" dur="250"/>
-                                        <p:tgtEl>
-                                          <p:spTgt spid="3">
-                                            <p:txEl>
-                                              <p:pRg st="2" end="2"/>
-                                            </p:txEl>
-                                          </p:spTgt>
-                                        </p:tgtEl>
-                                      </p:cBhvr>
-                                    </p:animEffect>
-                                  </p:childTnLst>
-                                </p:cTn>
-                              </p:par>
-                            </p:childTnLst>
-                          </p:cTn>
-                        </p:par>
-                        <p:par>
-                          <p:cTn id="16" fill="hold">
-                            <p:stCondLst>
-                              <p:cond delay="750"/>
-                            </p:stCondLst>
-                            <p:childTnLst>
-                              <p:par>
-                                <p:cTn id="17" presetID="10" presetClass="entr" presetSubtype="0" fill="hold" grpId="0" nodeType="afterEffect">
-                                  <p:stCondLst>
-                                    <p:cond delay="0"/>
-                                  </p:stCondLst>
-                                  <p:childTnLst>
-                                    <p:set>
-                                      <p:cBhvr>
-                                        <p:cTn id="18" dur="1" fill="hold">
-                                          <p:stCondLst>
-                                            <p:cond delay="0"/>
-                                          </p:stCondLst>
-                                        </p:cTn>
-                                        <p:tgtEl>
-                                          <p:spTgt spid="3">
-                                            <p:txEl>
-                                              <p:pRg st="3" end="3"/>
-                                            </p:txEl>
-                                          </p:spTgt>
-                                        </p:tgtEl>
-                                        <p:attrNameLst>
-                                          <p:attrName>style.visibility</p:attrName>
-                                        </p:attrNameLst>
-                                      </p:cBhvr>
-                                      <p:to>
-                                        <p:strVal val="visible"/>
-                                      </p:to>
-                                    </p:set>
-                                    <p:animEffect transition="in" filter="fade">
-                                      <p:cBhvr>
-                                        <p:cTn id="19" dur="250"/>
-                                        <p:tgtEl>
-                                          <p:spTgt spid="3">
-                                            <p:txEl>
-                                              <p:pRg st="3" end="3"/>
                                             </p:txEl>
                                           </p:spTgt>
                                         </p:tgtEl>
@@ -8057,7 +8294,7 @@
                   <a:srgbClr val="FF0000"/>
                 </a:solidFill>
               </a:rPr>
-              <a:t>PROVIZIJA PUTNIČKE AGENCIJE</a:t>
+              <a:t>UGOVOR O ZAKUPU KAPACITETA</a:t>
             </a:r>
             <a:endParaRPr lang="hr-HR" b="1" dirty="0">
               <a:solidFill>
@@ -8077,7 +8314,12 @@
             <p:ph idx="1"/>
           </p:nvPr>
         </p:nvSpPr>
-        <p:spPr/>
+        <p:spPr>
+          <a:xfrm>
+            <a:off x="107504" y="1000108"/>
+            <a:ext cx="8929718" cy="5643602"/>
+          </a:xfrm>
+        </p:spPr>
         <p:txBody>
           <a:bodyPr>
             <a:noAutofit/>
@@ -8090,24 +8332,8 @@
               </a:spcBef>
             </a:pPr>
             <a:r>
-              <a:rPr lang="hr-HR" b="1" dirty="0" smtClean="0">
-                <a:solidFill>
-                  <a:srgbClr val="FF0000"/>
-                </a:solidFill>
-              </a:rPr>
-              <a:t>provizija</a:t>
-            </a:r>
-            <a:r>
               <a:rPr lang="hr-HR" dirty="0" smtClean="0"/>
-              <a:t> je svota koju ugostiteljski objekt odobrava </a:t>
-            </a:r>
-            <a:r>
-              <a:rPr lang="hr-HR" b="1" dirty="0" smtClean="0"/>
-              <a:t>u postotku ili fiksnom iznosu</a:t>
-            </a:r>
-            <a:r>
-              <a:rPr lang="hr-HR" dirty="0" smtClean="0"/>
-              <a:t> za vrijednost pruženih usluga gostima koje je u ugostiteljski objekt uputila agencija</a:t>
+              <a:t>„fiksni ugovor“ ili „ugovor puno za prazno“</a:t>
             </a:r>
           </a:p>
           <a:p>
@@ -8118,7 +8344,19 @@
             </a:pPr>
             <a:r>
               <a:rPr lang="hr-HR" dirty="0" smtClean="0"/>
-              <a:t>za neke usluge je uobičajena, a za druge se ugovara</a:t>
+              <a:t>agencija </a:t>
+            </a:r>
+            <a:r>
+              <a:rPr lang="hr-HR" b="1" dirty="0" smtClean="0">
+                <a:solidFill>
+                  <a:srgbClr val="FF0000"/>
+                </a:solidFill>
+              </a:rPr>
+              <a:t>uzima u zakup </a:t>
+            </a:r>
+            <a:r>
+              <a:rPr lang="hr-HR" dirty="0" smtClean="0"/>
+              <a:t>cijeli hotel ili samo određeni broj soba na neko vrijeme</a:t>
             </a:r>
           </a:p>
           <a:p>
@@ -8128,8 +8366,12 @@
               </a:spcBef>
             </a:pPr>
             <a:r>
-              <a:rPr lang="hr-HR" dirty="0" smtClean="0"/>
-              <a:t>iznosi od 3% do 15% (nekad i više)</a:t>
+              <a:rPr lang="hr-HR" b="1" dirty="0" smtClean="0">
+                <a:solidFill>
+                  <a:srgbClr val="FF0000"/>
+                </a:solidFill>
+              </a:rPr>
+              <a:t>agencija plaća zakupljene kapacitete bez obzira jesu li bili korišteni</a:t>
             </a:r>
           </a:p>
           <a:p>
@@ -8140,21 +8382,13 @@
             </a:pPr>
             <a:r>
               <a:rPr lang="hr-HR" dirty="0" smtClean="0"/>
-              <a:t>poslovni odnos između turističke agencije i ugostiteljskog objekta naziva se </a:t>
-            </a:r>
-            <a:r>
-              <a:rPr lang="hr-HR" b="1" dirty="0" smtClean="0">
-                <a:solidFill>
-                  <a:srgbClr val="FF0000"/>
-                </a:solidFill>
-              </a:rPr>
-              <a:t>turističko posredovanje</a:t>
-            </a:r>
-            <a:endParaRPr lang="hr-HR" dirty="0">
-              <a:solidFill>
-                <a:srgbClr val="FF0000"/>
-              </a:solidFill>
-            </a:endParaRPr>
+              <a:t>ovaj ugovor se najčešće sklapa kada je agencija sigurna da će popuniti sve kapacitete – </a:t>
+            </a:r>
+            <a:r>
+              <a:rPr lang="hr-HR" i="1" dirty="0" smtClean="0"/>
+              <a:t>npr. za vrijeme održavanja kongresa, u vrhuncu turističke sezone, za vrijeme sportskih događaja i sl.</a:t>
+            </a:r>
+            <a:endParaRPr lang="hr-HR" dirty="0"/>
           </a:p>
         </p:txBody>
       </p:sp>
@@ -8163,13 +8397,13 @@
   <p:clrMapOvr>
     <a:masterClrMapping/>
   </p:clrMapOvr>
-  <mc:AlternateContent xmlns:mc="http://schemas.openxmlformats.org/markup-compatibility/2006" xmlns:p14="http://schemas.microsoft.com/office/powerpoint/2010/main">
-    <mc:Choice Requires="p14">
+  <mc:AlternateContent xmlns:mc="http://schemas.openxmlformats.org/markup-compatibility/2006">
+    <mc:Choice xmlns:p14="http://schemas.microsoft.com/office/powerpoint/2010/main" Requires="p14">
       <p:transition>
         <p14:reveal/>
       </p:transition>
     </mc:Choice>
-    <mc:Fallback xmlns="">
+    <mc:Fallback>
       <p:transition>
         <p:fade/>
       </p:transition>
@@ -8464,26 +8698,18 @@
           <a:lstStyle/>
           <a:p>
             <a:r>
-              <a:rPr lang="hr-HR" sz="3200" b="1" dirty="0" smtClean="0">
+              <a:rPr lang="hr-HR" b="1" dirty="0" smtClean="0">
                 <a:solidFill>
                   <a:srgbClr val="FF0000"/>
                 </a:solidFill>
               </a:rPr>
-              <a:t>UGOSTITELJSTVO I PUTNIČKE AGENCIJE</a:t>
-            </a:r>
-            <a:r>
-              <a:rPr lang="hr-HR" sz="3500" dirty="0" smtClean="0"/>
-              <a:t>      </a:t>
-            </a:r>
-            <a:r>
-              <a:rPr lang="hr-HR" sz="2400" i="1" dirty="0" smtClean="0"/>
-              <a:t>(</a:t>
-            </a:r>
-            <a:r>
-              <a:rPr lang="hr-HR" sz="2400" i="1" dirty="0"/>
-              <a:t>plan ploče)</a:t>
-            </a:r>
-            <a:endParaRPr lang="hr-HR" sz="3500" i="1" dirty="0"/>
+              <a:t>PROVIZIJA PUTNIČKE AGENCIJE</a:t>
+            </a:r>
+            <a:endParaRPr lang="hr-HR" b="1" dirty="0">
+              <a:solidFill>
+                <a:srgbClr val="FF0000"/>
+              </a:solidFill>
+            </a:endParaRPr>
           </a:p>
         </p:txBody>
       </p:sp>
@@ -8497,288 +8723,111 @@
             <p:ph idx="1"/>
           </p:nvPr>
         </p:nvSpPr>
-        <p:spPr>
-          <a:xfrm>
-            <a:off x="0" y="908720"/>
-            <a:ext cx="9144000" cy="5734990"/>
-          </a:xfrm>
-        </p:spPr>
+        <p:spPr/>
         <p:txBody>
           <a:bodyPr>
             <a:noAutofit/>
           </a:bodyPr>
           <a:lstStyle/>
           <a:p>
-            <a:pPr>
+            <a:pPr lvl="0">
               <a:spcBef>
-                <a:spcPts val="600"/>
+                <a:spcPts val="1200"/>
               </a:spcBef>
             </a:pPr>
             <a:r>
-              <a:rPr lang="hr-HR" sz="2200" b="1" dirty="0">
+              <a:rPr lang="hr-HR" b="1" dirty="0" smtClean="0">
                 <a:solidFill>
                   <a:srgbClr val="FF0000"/>
                 </a:solidFill>
               </a:rPr>
-              <a:t>putničke agencije</a:t>
-            </a:r>
-            <a:r>
-              <a:rPr lang="hr-HR" sz="2200" dirty="0">
-                <a:solidFill>
-                  <a:srgbClr val="FF0000"/>
-                </a:solidFill>
-              </a:rPr>
-              <a:t> </a:t>
-            </a:r>
-            <a:r>
-              <a:rPr lang="hr-HR" sz="2200" dirty="0"/>
-              <a:t>su </a:t>
-            </a:r>
-            <a:r>
-              <a:rPr lang="hr-HR" sz="2200" u="sng" dirty="0"/>
-              <a:t>posrednici</a:t>
-            </a:r>
-            <a:r>
-              <a:rPr lang="hr-HR" sz="2200" dirty="0"/>
-              <a:t> između ugostiteljskih poslovnih jedinica (hotela, pansiona, hotelskih naselja, apartmana…) i potencijalnih </a:t>
-            </a:r>
-            <a:r>
-              <a:rPr lang="hr-HR" sz="2200" dirty="0" smtClean="0"/>
-              <a:t>gostiju</a:t>
-            </a:r>
-          </a:p>
-          <a:p>
-            <a:pPr>
+              <a:t>provizija</a:t>
+            </a:r>
+            <a:r>
+              <a:rPr lang="hr-HR" dirty="0" smtClean="0"/>
+              <a:t> je svota koju ugostiteljski objekt odobrava </a:t>
+            </a:r>
+            <a:r>
+              <a:rPr lang="hr-HR" b="1" dirty="0" smtClean="0"/>
+              <a:t>u postotku ili fiksnom iznosu</a:t>
+            </a:r>
+            <a:r>
+              <a:rPr lang="hr-HR" dirty="0" smtClean="0"/>
+              <a:t> za vrijednost pruženih usluga gostima koje je u ugostiteljski objekt uputila agencija</a:t>
+            </a:r>
+          </a:p>
+          <a:p>
+            <a:pPr lvl="0">
               <a:spcBef>
-                <a:spcPts val="600"/>
+                <a:spcPts val="1200"/>
               </a:spcBef>
             </a:pPr>
             <a:r>
-              <a:rPr lang="hr-HR" sz="2200" dirty="0" smtClean="0"/>
-              <a:t>vrste ugovora između agencija i ugostitelja:</a:t>
-            </a:r>
-          </a:p>
-          <a:p>
-            <a:pPr lvl="1">
+              <a:rPr lang="hr-HR" dirty="0" smtClean="0"/>
+              <a:t>za neke usluge je uobičajena, a za druge se ugovara</a:t>
+            </a:r>
+          </a:p>
+          <a:p>
+            <a:pPr lvl="0">
               <a:spcBef>
-                <a:spcPts val="600"/>
+                <a:spcPts val="1200"/>
               </a:spcBef>
             </a:pPr>
             <a:r>
-              <a:rPr lang="hr-HR" sz="2200" b="1" dirty="0">
+              <a:rPr lang="hr-HR" dirty="0"/>
+              <a:t>ovisno o vrsti usluge iznosi </a:t>
+            </a:r>
+            <a:r>
+              <a:rPr lang="hr-HR" b="1" dirty="0" smtClean="0">
                 <a:solidFill>
                   <a:srgbClr val="FF0000"/>
                 </a:solidFill>
               </a:rPr>
-              <a:t>okvirni ugovor</a:t>
-            </a:r>
-            <a:r>
-              <a:rPr lang="hr-HR" sz="2200" dirty="0">
-                <a:solidFill>
-                  <a:srgbClr val="FF0000"/>
-                </a:solidFill>
-              </a:rPr>
-              <a:t> </a:t>
-            </a:r>
-            <a:r>
-              <a:rPr lang="hr-HR" sz="2200" dirty="0"/>
-              <a:t>(„ugovor na osnovi zatražene i potvrđene rezervacije“)</a:t>
-            </a:r>
-          </a:p>
-          <a:p>
-            <a:pPr lvl="1">
+              <a:t>od 3% do 15% </a:t>
+            </a:r>
+            <a:r>
+              <a:rPr lang="hr-HR" dirty="0" smtClean="0"/>
+              <a:t>(nekad i više)</a:t>
+            </a:r>
+          </a:p>
+          <a:p>
+            <a:pPr lvl="0">
               <a:spcBef>
-                <a:spcPts val="600"/>
+                <a:spcPts val="1200"/>
               </a:spcBef>
             </a:pPr>
             <a:r>
-              <a:rPr lang="hr-HR" sz="2200" b="1" dirty="0">
+              <a:rPr lang="hr-HR" dirty="0" smtClean="0"/>
+              <a:t>poslovni odnos između turističke agencije i ugostiteljskog objekta naziva se </a:t>
+            </a:r>
+            <a:r>
+              <a:rPr lang="hr-HR" b="1" dirty="0" smtClean="0">
                 <a:solidFill>
                   <a:srgbClr val="FF0000"/>
                 </a:solidFill>
               </a:rPr>
-              <a:t>ugovor o alotmanu</a:t>
-            </a:r>
-            <a:r>
-              <a:rPr lang="hr-HR" sz="2200" dirty="0">
-                <a:solidFill>
-                  <a:srgbClr val="FF0000"/>
-                </a:solidFill>
-              </a:rPr>
-              <a:t> </a:t>
-            </a:r>
-            <a:r>
-              <a:rPr lang="hr-HR" sz="2200" dirty="0"/>
-              <a:t>(</a:t>
-            </a:r>
-            <a:r>
-              <a:rPr lang="hr-HR" sz="2200" dirty="0" err="1"/>
-              <a:t>alotmanski</a:t>
-            </a:r>
-            <a:r>
-              <a:rPr lang="hr-HR" sz="2200" dirty="0"/>
-              <a:t> ugovor)</a:t>
-            </a:r>
-          </a:p>
-          <a:p>
-            <a:pPr lvl="1">
-              <a:spcBef>
-                <a:spcPts val="600"/>
-              </a:spcBef>
-            </a:pPr>
-            <a:r>
-              <a:rPr lang="hr-HR" sz="2200" b="1" dirty="0">
-                <a:solidFill>
-                  <a:srgbClr val="FF0000"/>
-                </a:solidFill>
-              </a:rPr>
-              <a:t>ugovor o zakupu kapaciteta</a:t>
-            </a:r>
-            <a:r>
-              <a:rPr lang="hr-HR" sz="2200" dirty="0">
-                <a:solidFill>
-                  <a:srgbClr val="FF0000"/>
-                </a:solidFill>
-              </a:rPr>
-              <a:t> </a:t>
-            </a:r>
-            <a:r>
-              <a:rPr lang="hr-HR" sz="2200" dirty="0"/>
-              <a:t>(„fiksni ugovor“ i „ugovor puno za prazno“)</a:t>
-            </a:r>
-          </a:p>
-          <a:p>
-            <a:pPr marL="0" indent="0">
-              <a:spcBef>
-                <a:spcPts val="1800"/>
-              </a:spcBef>
-              <a:buNone/>
-            </a:pPr>
-            <a:r>
-              <a:rPr lang="hr-HR" sz="2200" b="1" dirty="0" smtClean="0"/>
-              <a:t>OKVIRNI UGOVOR</a:t>
-            </a:r>
-          </a:p>
-          <a:p>
-            <a:pPr lvl="1">
-              <a:spcBef>
-                <a:spcPts val="0"/>
-              </a:spcBef>
-            </a:pPr>
-            <a:r>
-              <a:rPr lang="hr-HR" sz="2400" b="1" dirty="0">
-                <a:solidFill>
-                  <a:srgbClr val="FF0000"/>
-                </a:solidFill>
-              </a:rPr>
-              <a:t>agencija nalazi goste</a:t>
-            </a:r>
-            <a:r>
-              <a:rPr lang="hr-HR" sz="2400" dirty="0"/>
-              <a:t>, uzima </a:t>
-            </a:r>
-            <a:r>
-              <a:rPr lang="hr-HR" sz="2400" b="1" dirty="0">
-                <a:solidFill>
-                  <a:srgbClr val="FF0000"/>
-                </a:solidFill>
-              </a:rPr>
-              <a:t>proviziju</a:t>
-            </a:r>
-            <a:r>
-              <a:rPr lang="hr-HR" sz="2400" dirty="0"/>
-              <a:t> i naplaćuje gostima boravak u hotelu</a:t>
-            </a:r>
-          </a:p>
-          <a:p>
-            <a:pPr lvl="1">
-              <a:spcBef>
-                <a:spcPts val="0"/>
-              </a:spcBef>
-            </a:pPr>
-            <a:r>
-              <a:rPr lang="hr-HR" sz="2400" dirty="0"/>
-              <a:t>nakon plaćanja gostu izdaje </a:t>
-            </a:r>
-            <a:r>
-              <a:rPr lang="hr-HR" sz="2400" b="1" dirty="0">
-                <a:solidFill>
-                  <a:srgbClr val="FF0000"/>
-                </a:solidFill>
-              </a:rPr>
-              <a:t>vaučer</a:t>
-            </a:r>
-            <a:r>
-              <a:rPr lang="hr-HR" sz="2400" dirty="0"/>
-              <a:t> – dokument o uplaćenoj rezervaciji, a kopiju šalje hotelu</a:t>
-            </a:r>
-          </a:p>
-          <a:p>
-            <a:pPr lvl="1">
-              <a:spcBef>
-                <a:spcPts val="0"/>
-              </a:spcBef>
-            </a:pPr>
-            <a:r>
-              <a:rPr lang="hr-HR" sz="2400" dirty="0"/>
-              <a:t>gost pri dolasku u hotel predaje vaučer hotelu i na taj način „plaća“ uslugu</a:t>
-            </a:r>
-          </a:p>
-          <a:p>
-            <a:pPr lvl="1">
-              <a:spcBef>
-                <a:spcPts val="0"/>
-              </a:spcBef>
-            </a:pPr>
-            <a:r>
-              <a:rPr lang="hr-HR" sz="2400" dirty="0"/>
-              <a:t>nakon iskorištene usluge (odlaska gostiju) </a:t>
-            </a:r>
-            <a:r>
-              <a:rPr lang="hr-HR" sz="2400" b="1" dirty="0">
-                <a:solidFill>
-                  <a:srgbClr val="FF0000"/>
-                </a:solidFill>
-              </a:rPr>
-              <a:t>hotel šalje agenciji račun vaučer na naplatu</a:t>
-            </a:r>
-          </a:p>
-          <a:p>
-            <a:pPr marL="0" indent="0">
-              <a:spcBef>
-                <a:spcPts val="600"/>
-              </a:spcBef>
-              <a:buNone/>
-            </a:pPr>
-            <a:endParaRPr lang="hr-HR" sz="2200" dirty="0"/>
-          </a:p>
-          <a:p>
-            <a:pPr lvl="0">
-              <a:spcBef>
-                <a:spcPts val="600"/>
-              </a:spcBef>
-            </a:pPr>
-            <a:endParaRPr lang="hr-HR" sz="2200" dirty="0" smtClean="0"/>
+              <a:t>turističko posredovanje</a:t>
+            </a:r>
+            <a:endParaRPr lang="hr-HR" dirty="0">
+              <a:solidFill>
+                <a:srgbClr val="FF0000"/>
+              </a:solidFill>
+            </a:endParaRPr>
           </a:p>
         </p:txBody>
       </p:sp>
     </p:spTree>
-    <p:extLst>
-      <p:ext uri="{BB962C8B-B14F-4D97-AF65-F5344CB8AC3E}">
-        <p14:creationId xmlns:p14="http://schemas.microsoft.com/office/powerpoint/2010/main" val="3322780467"/>
-      </p:ext>
-    </p:extLst>
   </p:cSld>
   <p:clrMapOvr>
     <a:masterClrMapping/>
   </p:clrMapOvr>
-  <mc:AlternateContent xmlns:mc="http://schemas.openxmlformats.org/markup-compatibility/2006" xmlns:p14="http://schemas.microsoft.com/office/powerpoint/2010/main">
-    <mc:Choice Requires="p14">
+  <mc:AlternateContent xmlns:mc="http://schemas.openxmlformats.org/markup-compatibility/2006">
+    <mc:Choice xmlns:p14="http://schemas.microsoft.com/office/powerpoint/2010/main" Requires="p14">
       <p:transition>
         <p14:reveal/>
       </p:transition>
     </mc:Choice>
-    <mc:Fallback xmlns="">
+    <mc:Fallback>
       <p:transition>
         <p:fade/>
       </p:transition>
@@ -8787,9 +8836,255 @@
   <p:timing>
     <p:tnLst>
       <p:par>
-        <p:cTn id="1" dur="indefinite" restart="never" nodeType="tmRoot"/>
+        <p:cTn id="1" dur="indefinite" restart="never" nodeType="tmRoot">
+          <p:childTnLst>
+            <p:seq concurrent="1" nextAc="seek">
+              <p:cTn id="2" dur="indefinite" nodeType="mainSeq">
+                <p:childTnLst>
+                  <p:par>
+                    <p:cTn id="3" fill="hold">
+                      <p:stCondLst>
+                        <p:cond delay="indefinite"/>
+                        <p:cond evt="onBegin" delay="0">
+                          <p:tn val="2"/>
+                        </p:cond>
+                      </p:stCondLst>
+                      <p:childTnLst>
+                        <p:par>
+                          <p:cTn id="4" fill="hold">
+                            <p:stCondLst>
+                              <p:cond delay="0"/>
+                            </p:stCondLst>
+                            <p:childTnLst>
+                              <p:par>
+                                <p:cTn id="5" presetID="10" presetClass="entr" presetSubtype="0" fill="hold" grpId="0" nodeType="afterEffect">
+                                  <p:stCondLst>
+                                    <p:cond delay="0"/>
+                                  </p:stCondLst>
+                                  <p:childTnLst>
+                                    <p:set>
+                                      <p:cBhvr>
+                                        <p:cTn id="6" dur="1" fill="hold">
+                                          <p:stCondLst>
+                                            <p:cond delay="0"/>
+                                          </p:stCondLst>
+                                        </p:cTn>
+                                        <p:tgtEl>
+                                          <p:spTgt spid="3">
+                                            <p:txEl>
+                                              <p:pRg st="0" end="0"/>
+                                            </p:txEl>
+                                          </p:spTgt>
+                                        </p:tgtEl>
+                                        <p:attrNameLst>
+                                          <p:attrName>style.visibility</p:attrName>
+                                        </p:attrNameLst>
+                                      </p:cBhvr>
+                                      <p:to>
+                                        <p:strVal val="visible"/>
+                                      </p:to>
+                                    </p:set>
+                                    <p:animEffect transition="in" filter="fade">
+                                      <p:cBhvr>
+                                        <p:cTn id="7" dur="250"/>
+                                        <p:tgtEl>
+                                          <p:spTgt spid="3">
+                                            <p:txEl>
+                                              <p:pRg st="0" end="0"/>
+                                            </p:txEl>
+                                          </p:spTgt>
+                                        </p:tgtEl>
+                                      </p:cBhvr>
+                                    </p:animEffect>
+                                  </p:childTnLst>
+                                </p:cTn>
+                              </p:par>
+                            </p:childTnLst>
+                          </p:cTn>
+                        </p:par>
+                        <p:par>
+                          <p:cTn id="8" fill="hold">
+                            <p:stCondLst>
+                              <p:cond delay="250"/>
+                            </p:stCondLst>
+                            <p:childTnLst>
+                              <p:par>
+                                <p:cTn id="9" presetID="10" presetClass="entr" presetSubtype="0" fill="hold" grpId="0" nodeType="afterEffect">
+                                  <p:stCondLst>
+                                    <p:cond delay="0"/>
+                                  </p:stCondLst>
+                                  <p:childTnLst>
+                                    <p:set>
+                                      <p:cBhvr>
+                                        <p:cTn id="10" dur="1" fill="hold">
+                                          <p:stCondLst>
+                                            <p:cond delay="0"/>
+                                          </p:stCondLst>
+                                        </p:cTn>
+                                        <p:tgtEl>
+                                          <p:spTgt spid="3">
+                                            <p:txEl>
+                                              <p:pRg st="1" end="1"/>
+                                            </p:txEl>
+                                          </p:spTgt>
+                                        </p:tgtEl>
+                                        <p:attrNameLst>
+                                          <p:attrName>style.visibility</p:attrName>
+                                        </p:attrNameLst>
+                                      </p:cBhvr>
+                                      <p:to>
+                                        <p:strVal val="visible"/>
+                                      </p:to>
+                                    </p:set>
+                                    <p:animEffect transition="in" filter="fade">
+                                      <p:cBhvr>
+                                        <p:cTn id="11" dur="250"/>
+                                        <p:tgtEl>
+                                          <p:spTgt spid="3">
+                                            <p:txEl>
+                                              <p:pRg st="1" end="1"/>
+                                            </p:txEl>
+                                          </p:spTgt>
+                                        </p:tgtEl>
+                                      </p:cBhvr>
+                                    </p:animEffect>
+                                  </p:childTnLst>
+                                </p:cTn>
+                              </p:par>
+                            </p:childTnLst>
+                          </p:cTn>
+                        </p:par>
+                        <p:par>
+                          <p:cTn id="12" fill="hold">
+                            <p:stCondLst>
+                              <p:cond delay="500"/>
+                            </p:stCondLst>
+                            <p:childTnLst>
+                              <p:par>
+                                <p:cTn id="13" presetID="10" presetClass="entr" presetSubtype="0" fill="hold" grpId="0" nodeType="afterEffect">
+                                  <p:stCondLst>
+                                    <p:cond delay="0"/>
+                                  </p:stCondLst>
+                                  <p:childTnLst>
+                                    <p:set>
+                                      <p:cBhvr>
+                                        <p:cTn id="14" dur="1" fill="hold">
+                                          <p:stCondLst>
+                                            <p:cond delay="0"/>
+                                          </p:stCondLst>
+                                        </p:cTn>
+                                        <p:tgtEl>
+                                          <p:spTgt spid="3">
+                                            <p:txEl>
+                                              <p:pRg st="2" end="2"/>
+                                            </p:txEl>
+                                          </p:spTgt>
+                                        </p:tgtEl>
+                                        <p:attrNameLst>
+                                          <p:attrName>style.visibility</p:attrName>
+                                        </p:attrNameLst>
+                                      </p:cBhvr>
+                                      <p:to>
+                                        <p:strVal val="visible"/>
+                                      </p:to>
+                                    </p:set>
+                                    <p:animEffect transition="in" filter="fade">
+                                      <p:cBhvr>
+                                        <p:cTn id="15" dur="250"/>
+                                        <p:tgtEl>
+                                          <p:spTgt spid="3">
+                                            <p:txEl>
+                                              <p:pRg st="2" end="2"/>
+                                            </p:txEl>
+                                          </p:spTgt>
+                                        </p:tgtEl>
+                                      </p:cBhvr>
+                                    </p:animEffect>
+                                  </p:childTnLst>
+                                </p:cTn>
+                              </p:par>
+                            </p:childTnLst>
+                          </p:cTn>
+                        </p:par>
+                        <p:par>
+                          <p:cTn id="16" fill="hold">
+                            <p:stCondLst>
+                              <p:cond delay="750"/>
+                            </p:stCondLst>
+                            <p:childTnLst>
+                              <p:par>
+                                <p:cTn id="17" presetID="10" presetClass="entr" presetSubtype="0" fill="hold" grpId="0" nodeType="afterEffect">
+                                  <p:stCondLst>
+                                    <p:cond delay="0"/>
+                                  </p:stCondLst>
+                                  <p:childTnLst>
+                                    <p:set>
+                                      <p:cBhvr>
+                                        <p:cTn id="18" dur="1" fill="hold">
+                                          <p:stCondLst>
+                                            <p:cond delay="0"/>
+                                          </p:stCondLst>
+                                        </p:cTn>
+                                        <p:tgtEl>
+                                          <p:spTgt spid="3">
+                                            <p:txEl>
+                                              <p:pRg st="3" end="3"/>
+                                            </p:txEl>
+                                          </p:spTgt>
+                                        </p:tgtEl>
+                                        <p:attrNameLst>
+                                          <p:attrName>style.visibility</p:attrName>
+                                        </p:attrNameLst>
+                                      </p:cBhvr>
+                                      <p:to>
+                                        <p:strVal val="visible"/>
+                                      </p:to>
+                                    </p:set>
+                                    <p:animEffect transition="in" filter="fade">
+                                      <p:cBhvr>
+                                        <p:cTn id="19" dur="250"/>
+                                        <p:tgtEl>
+                                          <p:spTgt spid="3">
+                                            <p:txEl>
+                                              <p:pRg st="3" end="3"/>
+                                            </p:txEl>
+                                          </p:spTgt>
+                                        </p:tgtEl>
+                                      </p:cBhvr>
+                                    </p:animEffect>
+                                  </p:childTnLst>
+                                </p:cTn>
+                              </p:par>
+                            </p:childTnLst>
+                          </p:cTn>
+                        </p:par>
+                      </p:childTnLst>
+                    </p:cTn>
+                  </p:par>
+                </p:childTnLst>
+              </p:cTn>
+              <p:prevCondLst>
+                <p:cond evt="onPrev" delay="0">
+                  <p:tgtEl>
+                    <p:sldTgt/>
+                  </p:tgtEl>
+                </p:cond>
+              </p:prevCondLst>
+              <p:nextCondLst>
+                <p:cond evt="onNext" delay="0">
+                  <p:tgtEl>
+                    <p:sldTgt/>
+                  </p:tgtEl>
+                </p:cond>
+              </p:nextCondLst>
+            </p:seq>
+          </p:childTnLst>
+        </p:cTn>
       </p:par>
     </p:tnLst>
+    <p:bldLst>
+      <p:bldP spid="3" grpId="0" build="p"/>
+    </p:bldLst>
   </p:timing>
 </p:sld>
 </file>
@@ -8813,44 +9108,51 @@
       </p:grpSpPr>
       <p:sp>
         <p:nvSpPr>
-          <p:cNvPr id="2" name="Title 1"/>
-          <p:cNvSpPr>
-            <a:spLocks noGrp="1"/>
-          </p:cNvSpPr>
-          <p:nvPr>
-            <p:ph type="title"/>
-          </p:nvPr>
+          <p:cNvPr id="12" name="Rectangle 11"/>
+          <p:cNvSpPr/>
+          <p:nvPr/>
         </p:nvSpPr>
-        <p:spPr/>
+        <p:spPr>
+          <a:xfrm>
+            <a:off x="956171" y="2804861"/>
+            <a:ext cx="766840" cy="256687"/>
+          </a:xfrm>
+          <a:prstGeom prst="rect">
+            <a:avLst/>
+          </a:prstGeom>
+          <a:solidFill>
+            <a:srgbClr val="FFFF00"/>
+          </a:solidFill>
+          <a:ln w="38100">
+            <a:noFill/>
+          </a:ln>
+        </p:spPr>
+        <p:style>
+          <a:lnRef idx="2">
+            <a:schemeClr val="accent1">
+              <a:shade val="50000"/>
+            </a:schemeClr>
+          </a:lnRef>
+          <a:fillRef idx="1">
+            <a:schemeClr val="accent1"/>
+          </a:fillRef>
+          <a:effectRef idx="0">
+            <a:schemeClr val="accent1"/>
+          </a:effectRef>
+          <a:fontRef idx="minor">
+            <a:schemeClr val="lt1"/>
+          </a:fontRef>
+        </p:style>
         <p:txBody>
-          <a:bodyPr/>
+          <a:bodyPr rtlCol="0" anchor="ctr"/>
           <a:lstStyle/>
           <a:p>
-            <a:r>
-              <a:rPr lang="hr-HR" sz="3200" b="1" dirty="0">
-                <a:solidFill>
-                  <a:srgbClr val="FF0000"/>
-                </a:solidFill>
-              </a:rPr>
-              <a:t>UGOSTITELJSTVO I PUTNIČKE AGENCIJE</a:t>
-            </a:r>
-            <a:r>
-              <a:rPr lang="hr-HR" sz="3500" dirty="0">
-                <a:solidFill>
-                  <a:prstClr val="black"/>
-                </a:solidFill>
-              </a:rPr>
-              <a:t>      </a:t>
-            </a:r>
-            <a:r>
-              <a:rPr lang="hr-HR" sz="2400" i="1" dirty="0">
-                <a:solidFill>
-                  <a:prstClr val="black"/>
-                </a:solidFill>
-              </a:rPr>
-              <a:t>(plan ploče)</a:t>
-            </a:r>
-            <a:endParaRPr lang="hr-HR" sz="3500" dirty="0"/>
+            <a:pPr algn="ctr"/>
+            <a:endParaRPr lang="hr-HR" dirty="0" smtClean="0">
+              <a:solidFill>
+                <a:schemeClr val="tx1"/>
+              </a:solidFill>
+            </a:endParaRPr>
           </a:p>
         </p:txBody>
       </p:sp>
@@ -8861,13 +9163,13 @@
             <a:spLocks noGrp="1"/>
           </p:cNvSpPr>
           <p:nvPr>
-            <p:ph idx="1"/>
+            <p:ph idx="4294967295"/>
           </p:nvPr>
         </p:nvSpPr>
         <p:spPr>
           <a:xfrm>
-            <a:off x="0" y="836712"/>
-            <a:ext cx="9144000" cy="5734990"/>
+            <a:off x="25923" y="1052736"/>
+            <a:ext cx="3060552" cy="5518944"/>
           </a:xfrm>
         </p:spPr>
         <p:txBody>
@@ -8876,33 +9178,514 @@
           </a:bodyPr>
           <a:lstStyle/>
           <a:p>
-            <a:pPr marL="0" lvl="0" indent="0">
+            <a:pPr marL="216000" lvl="1" indent="-216000">
               <a:spcBef>
-                <a:spcPts val="600"/>
-              </a:spcBef>
-              <a:buNone/>
-            </a:pPr>
-            <a:r>
-              <a:rPr lang="hr-HR" sz="2400" b="1" dirty="0" smtClean="0"/>
-              <a:t>UGOVOR O ALOTMANU</a:t>
-            </a:r>
-          </a:p>
-          <a:p>
-            <a:pPr lvl="0">
-              <a:spcBef>
-                <a:spcPts val="600"/>
+                <a:spcPts val="1200"/>
               </a:spcBef>
             </a:pPr>
             <a:r>
-              <a:rPr lang="hr-HR" sz="2400" dirty="0" smtClean="0"/>
-              <a:t>hotelijer </a:t>
-            </a:r>
-            <a:r>
-              <a:rPr lang="hr-HR" sz="2400" dirty="0"/>
-              <a:t>se obvezuje da će u ugovorenom vremenu </a:t>
-            </a:r>
+              <a:rPr lang="hr-HR" sz="2000" b="1" dirty="0" smtClean="0">
+                <a:solidFill>
+                  <a:srgbClr val="FF0000"/>
+                </a:solidFill>
+              </a:rPr>
+              <a:t>agencija </a:t>
+            </a:r>
+            <a:r>
+              <a:rPr lang="hr-HR" sz="2000" b="1" dirty="0">
+                <a:solidFill>
+                  <a:srgbClr val="FF0000"/>
+                </a:solidFill>
+              </a:rPr>
+              <a:t>nalazi goste</a:t>
+            </a:r>
+            <a:r>
+              <a:rPr lang="hr-HR" sz="2000" dirty="0"/>
+              <a:t>, uzima </a:t>
+            </a:r>
+            <a:r>
+              <a:rPr lang="hr-HR" sz="2000" b="1" dirty="0">
+                <a:solidFill>
+                  <a:srgbClr val="FF0000"/>
+                </a:solidFill>
+              </a:rPr>
+              <a:t>proviziju</a:t>
+            </a:r>
+            <a:r>
+              <a:rPr lang="hr-HR" sz="2000" dirty="0"/>
+              <a:t> i naplaćuje gostima boravak u hotelu</a:t>
+            </a:r>
+          </a:p>
+          <a:p>
+            <a:pPr marL="216000" lvl="1" indent="-216000">
+              <a:spcBef>
+                <a:spcPts val="1200"/>
+              </a:spcBef>
+            </a:pPr>
+            <a:r>
+              <a:rPr lang="hr-HR" sz="2000" dirty="0"/>
+              <a:t>nakon plaćanja gostu izdaje </a:t>
+            </a:r>
+            <a:r>
+              <a:rPr lang="hr-HR" sz="2000" b="1" dirty="0">
+                <a:solidFill>
+                  <a:srgbClr val="FF0000"/>
+                </a:solidFill>
+              </a:rPr>
+              <a:t>vaučer</a:t>
+            </a:r>
+            <a:r>
+              <a:rPr lang="hr-HR" sz="2000" dirty="0"/>
+              <a:t> – dokument o uplaćenoj rezervaciji, a kopiju šalje hotelu</a:t>
+            </a:r>
+          </a:p>
+          <a:p>
+            <a:pPr marL="468000" lvl="2" indent="-252000">
+              <a:spcBef>
+                <a:spcPts val="1200"/>
+              </a:spcBef>
+            </a:pPr>
+            <a:r>
+              <a:rPr lang="hr-HR" sz="2000" dirty="0"/>
+              <a:t>gost pri dolasku u hotel predaje vaučer hotelu i na taj način „plaća“ uslugu</a:t>
+            </a:r>
+          </a:p>
+          <a:p>
+            <a:pPr marL="468000" lvl="2" indent="-252000">
+              <a:spcBef>
+                <a:spcPts val="1200"/>
+              </a:spcBef>
+            </a:pPr>
+            <a:r>
+              <a:rPr lang="hr-HR" sz="2000" dirty="0"/>
+              <a:t>nakon iskorištene usluge (odlaska gostiju) </a:t>
+            </a:r>
+            <a:r>
+              <a:rPr lang="hr-HR" sz="2000" b="1" dirty="0">
+                <a:solidFill>
+                  <a:srgbClr val="FF0000"/>
+                </a:solidFill>
+              </a:rPr>
+              <a:t>hotel šalje agenciji račun vaučer na </a:t>
+            </a:r>
+            <a:r>
+              <a:rPr lang="hr-HR" sz="2000" b="1" dirty="0" smtClean="0">
+                <a:solidFill>
+                  <a:srgbClr val="FF0000"/>
+                </a:solidFill>
+              </a:rPr>
+              <a:t>naplatu</a:t>
+            </a:r>
+            <a:endParaRPr lang="hr-HR" sz="2000" dirty="0" smtClean="0"/>
+          </a:p>
+        </p:txBody>
+      </p:sp>
+      <p:sp>
+        <p:nvSpPr>
+          <p:cNvPr id="4" name="Rectangle 3"/>
+          <p:cNvSpPr/>
+          <p:nvPr/>
+        </p:nvSpPr>
+        <p:spPr>
+          <a:xfrm>
+            <a:off x="173751" y="116632"/>
+            <a:ext cx="2788150" cy="858396"/>
+          </a:xfrm>
+          <a:prstGeom prst="rect">
+            <a:avLst/>
+          </a:prstGeom>
+          <a:solidFill>
+            <a:srgbClr val="C00000"/>
+          </a:solidFill>
+          <a:ln w="9525">
+            <a:noFill/>
+          </a:ln>
+        </p:spPr>
+        <p:style>
+          <a:lnRef idx="2">
+            <a:schemeClr val="accent1">
+              <a:shade val="50000"/>
+            </a:schemeClr>
+          </a:lnRef>
+          <a:fillRef idx="1">
+            <a:schemeClr val="accent1"/>
+          </a:fillRef>
+          <a:effectRef idx="0">
+            <a:schemeClr val="accent1"/>
+          </a:effectRef>
+          <a:fontRef idx="minor">
+            <a:schemeClr val="lt1"/>
+          </a:fontRef>
+        </p:style>
+        <p:txBody>
+          <a:bodyPr rtlCol="0" anchor="ctr"/>
+          <a:lstStyle/>
+          <a:p>
+            <a:pPr algn="ctr"/>
+            <a:r>
+              <a:rPr lang="hr-HR" sz="2400" b="1" dirty="0" smtClean="0">
+                <a:solidFill>
+                  <a:schemeClr val="bg1"/>
+                </a:solidFill>
+              </a:rPr>
+              <a:t>OKVIRNI UGOVOR</a:t>
+            </a:r>
+          </a:p>
+        </p:txBody>
+      </p:sp>
+      <p:sp>
+        <p:nvSpPr>
+          <p:cNvPr id="5" name="Rectangle 4"/>
+          <p:cNvSpPr/>
+          <p:nvPr/>
+        </p:nvSpPr>
+        <p:spPr>
+          <a:xfrm>
+            <a:off x="3211049" y="116632"/>
+            <a:ext cx="2788150" cy="858396"/>
+          </a:xfrm>
+          <a:prstGeom prst="rect">
+            <a:avLst/>
+          </a:prstGeom>
+          <a:solidFill>
+            <a:srgbClr val="37870B"/>
+          </a:solidFill>
+          <a:ln w="9525">
+            <a:noFill/>
+          </a:ln>
+        </p:spPr>
+        <p:style>
+          <a:lnRef idx="2">
+            <a:schemeClr val="accent1">
+              <a:shade val="50000"/>
+            </a:schemeClr>
+          </a:lnRef>
+          <a:fillRef idx="1">
+            <a:schemeClr val="accent1"/>
+          </a:fillRef>
+          <a:effectRef idx="0">
+            <a:schemeClr val="accent1"/>
+          </a:effectRef>
+          <a:fontRef idx="minor">
+            <a:schemeClr val="lt1"/>
+          </a:fontRef>
+        </p:style>
+        <p:txBody>
+          <a:bodyPr rtlCol="0" anchor="ctr"/>
+          <a:lstStyle/>
+          <a:p>
+            <a:pPr algn="ctr"/>
             <a:r>
               <a:rPr lang="hr-HR" sz="2400" b="1" dirty="0">
+                <a:solidFill>
+                  <a:schemeClr val="bg1"/>
+                </a:solidFill>
+              </a:rPr>
+              <a:t>UGOVOR O ALOTMANU</a:t>
+            </a:r>
+          </a:p>
+        </p:txBody>
+      </p:sp>
+      <p:sp>
+        <p:nvSpPr>
+          <p:cNvPr id="6" name="Rectangle 5"/>
+          <p:cNvSpPr/>
+          <p:nvPr/>
+        </p:nvSpPr>
+        <p:spPr>
+          <a:xfrm>
+            <a:off x="6248346" y="116632"/>
+            <a:ext cx="2788150" cy="858396"/>
+          </a:xfrm>
+          <a:prstGeom prst="rect">
+            <a:avLst/>
+          </a:prstGeom>
+          <a:solidFill>
+            <a:srgbClr val="0070C0"/>
+          </a:solidFill>
+          <a:ln w="9525">
+            <a:noFill/>
+          </a:ln>
+        </p:spPr>
+        <p:style>
+          <a:lnRef idx="2">
+            <a:schemeClr val="accent1">
+              <a:shade val="50000"/>
+            </a:schemeClr>
+          </a:lnRef>
+          <a:fillRef idx="1">
+            <a:schemeClr val="accent1"/>
+          </a:fillRef>
+          <a:effectRef idx="0">
+            <a:schemeClr val="accent1"/>
+          </a:effectRef>
+          <a:fontRef idx="minor">
+            <a:schemeClr val="lt1"/>
+          </a:fontRef>
+        </p:style>
+        <p:txBody>
+          <a:bodyPr rtlCol="0" anchor="ctr"/>
+          <a:lstStyle/>
+          <a:p>
+            <a:pPr algn="ctr"/>
+            <a:r>
+              <a:rPr lang="hr-HR" sz="2400" b="1" dirty="0">
+                <a:solidFill>
+                  <a:schemeClr val="bg1"/>
+                </a:solidFill>
+              </a:rPr>
+              <a:t>UGOVOR O ZAKUPU KAPACITETA </a:t>
+            </a:r>
+            <a:endParaRPr lang="hr-HR" sz="2400" b="1" dirty="0" smtClean="0">
+              <a:solidFill>
+                <a:schemeClr val="bg1"/>
+              </a:solidFill>
+            </a:endParaRPr>
+          </a:p>
+        </p:txBody>
+      </p:sp>
+      <p:cxnSp>
+        <p:nvCxnSpPr>
+          <p:cNvPr id="8" name="Straight Connector 7"/>
+          <p:cNvCxnSpPr/>
+          <p:nvPr/>
+        </p:nvCxnSpPr>
+        <p:spPr>
+          <a:xfrm>
+            <a:off x="3086475" y="332656"/>
+            <a:ext cx="0" cy="6264696"/>
+          </a:xfrm>
+          <a:prstGeom prst="line">
+            <a:avLst/>
+          </a:prstGeom>
+          <a:ln w="9525">
+            <a:solidFill>
+              <a:schemeClr val="tx1"/>
+            </a:solidFill>
+            <a:prstDash val="lgDash"/>
+          </a:ln>
+        </p:spPr>
+        <p:style>
+          <a:lnRef idx="1">
+            <a:schemeClr val="accent1"/>
+          </a:lnRef>
+          <a:fillRef idx="0">
+            <a:schemeClr val="accent1"/>
+          </a:fillRef>
+          <a:effectRef idx="0">
+            <a:schemeClr val="accent1"/>
+          </a:effectRef>
+          <a:fontRef idx="minor">
+            <a:schemeClr val="tx1"/>
+          </a:fontRef>
+        </p:style>
+      </p:cxnSp>
+      <p:cxnSp>
+        <p:nvCxnSpPr>
+          <p:cNvPr id="9" name="Straight Connector 8"/>
+          <p:cNvCxnSpPr/>
+          <p:nvPr/>
+        </p:nvCxnSpPr>
+        <p:spPr>
+          <a:xfrm>
+            <a:off x="6123773" y="332656"/>
+            <a:ext cx="0" cy="6264696"/>
+          </a:xfrm>
+          <a:prstGeom prst="line">
+            <a:avLst/>
+          </a:prstGeom>
+          <a:ln w="9525">
+            <a:solidFill>
+              <a:schemeClr val="tx1"/>
+            </a:solidFill>
+            <a:prstDash val="lgDash"/>
+          </a:ln>
+        </p:spPr>
+        <p:style>
+          <a:lnRef idx="1">
+            <a:schemeClr val="accent1"/>
+          </a:lnRef>
+          <a:fillRef idx="0">
+            <a:schemeClr val="accent1"/>
+          </a:fillRef>
+          <a:effectRef idx="0">
+            <a:schemeClr val="accent1"/>
+          </a:effectRef>
+          <a:fontRef idx="minor">
+            <a:schemeClr val="tx1"/>
+          </a:fontRef>
+        </p:style>
+      </p:cxnSp>
+      <p:sp>
+        <p:nvSpPr>
+          <p:cNvPr id="10" name="Content Placeholder 2"/>
+          <p:cNvSpPr txBox="1">
+            <a:spLocks/>
+          </p:cNvSpPr>
+          <p:nvPr/>
+        </p:nvSpPr>
+        <p:spPr>
+          <a:xfrm>
+            <a:off x="3177262" y="1052736"/>
+            <a:ext cx="2906906" cy="5518944"/>
+          </a:xfrm>
+          <a:prstGeom prst="rect">
+            <a:avLst/>
+          </a:prstGeom>
+        </p:spPr>
+        <p:txBody>
+          <a:bodyPr vert="horz" lIns="91440" tIns="45720" rIns="91440" bIns="45720" rtlCol="0">
+            <a:noAutofit/>
+          </a:bodyPr>
+          <a:lstStyle>
+            <a:lvl1pPr marL="342900" indent="-342900" algn="l" defTabSz="914400" rtl="0" eaLnBrk="1" latinLnBrk="0" hangingPunct="1">
+              <a:spcBef>
+                <a:spcPct val="20000"/>
+              </a:spcBef>
+              <a:buFont typeface="Calibri" pitchFamily="34" charset="0"/>
+              <a:buChar char="–"/>
+              <a:defRPr sz="3200" kern="1200">
+                <a:solidFill>
+                  <a:schemeClr val="tx1"/>
+                </a:solidFill>
+                <a:latin typeface="+mn-lt"/>
+                <a:ea typeface="+mn-ea"/>
+                <a:cs typeface="+mn-cs"/>
+              </a:defRPr>
+            </a:lvl1pPr>
+            <a:lvl2pPr marL="742950" indent="-285750" algn="l" defTabSz="914400" rtl="0" eaLnBrk="1" latinLnBrk="0" hangingPunct="1">
+              <a:spcBef>
+                <a:spcPct val="20000"/>
+              </a:spcBef>
+              <a:buFont typeface="Calibri" pitchFamily="34" charset="0"/>
+              <a:buChar char="–"/>
+              <a:defRPr sz="2800" kern="1200">
+                <a:solidFill>
+                  <a:schemeClr val="tx1"/>
+                </a:solidFill>
+                <a:latin typeface="+mn-lt"/>
+                <a:ea typeface="+mn-ea"/>
+                <a:cs typeface="+mn-cs"/>
+              </a:defRPr>
+            </a:lvl2pPr>
+            <a:lvl3pPr marL="1143000" indent="-228600" algn="l" defTabSz="914400" rtl="0" eaLnBrk="1" latinLnBrk="0" hangingPunct="1">
+              <a:spcBef>
+                <a:spcPct val="20000"/>
+              </a:spcBef>
+              <a:buFont typeface="Calibri" pitchFamily="34" charset="0"/>
+              <a:buChar char="–"/>
+              <a:defRPr sz="2400" kern="1200">
+                <a:solidFill>
+                  <a:schemeClr val="tx1"/>
+                </a:solidFill>
+                <a:latin typeface="+mn-lt"/>
+                <a:ea typeface="+mn-ea"/>
+                <a:cs typeface="+mn-cs"/>
+              </a:defRPr>
+            </a:lvl3pPr>
+            <a:lvl4pPr marL="1600200" indent="-228600" algn="l" defTabSz="914400" rtl="0" eaLnBrk="1" latinLnBrk="0" hangingPunct="1">
+              <a:spcBef>
+                <a:spcPct val="20000"/>
+              </a:spcBef>
+              <a:buFont typeface="Calibri" pitchFamily="34" charset="0"/>
+              <a:buChar char="–"/>
+              <a:defRPr sz="2000" kern="1200">
+                <a:solidFill>
+                  <a:schemeClr val="tx1"/>
+                </a:solidFill>
+                <a:latin typeface="+mn-lt"/>
+                <a:ea typeface="+mn-ea"/>
+                <a:cs typeface="+mn-cs"/>
+              </a:defRPr>
+            </a:lvl4pPr>
+            <a:lvl5pPr marL="2057400" indent="-228600" algn="l" defTabSz="914400" rtl="0" eaLnBrk="1" latinLnBrk="0" hangingPunct="1">
+              <a:spcBef>
+                <a:spcPct val="20000"/>
+              </a:spcBef>
+              <a:buFont typeface="Calibri" pitchFamily="34" charset="0"/>
+              <a:buChar char="–"/>
+              <a:defRPr sz="2000" kern="1200">
+                <a:solidFill>
+                  <a:schemeClr val="tx1"/>
+                </a:solidFill>
+                <a:latin typeface="+mn-lt"/>
+                <a:ea typeface="+mn-ea"/>
+                <a:cs typeface="+mn-cs"/>
+              </a:defRPr>
+            </a:lvl5pPr>
+            <a:lvl6pPr marL="2514600" indent="-228600" algn="l" defTabSz="914400" rtl="0" eaLnBrk="1" latinLnBrk="0" hangingPunct="1">
+              <a:spcBef>
+                <a:spcPct val="20000"/>
+              </a:spcBef>
+              <a:buFont typeface="Arial" pitchFamily="34" charset="0"/>
+              <a:buChar char="•"/>
+              <a:defRPr sz="2000" kern="1200">
+                <a:solidFill>
+                  <a:schemeClr val="tx1"/>
+                </a:solidFill>
+                <a:latin typeface="+mn-lt"/>
+                <a:ea typeface="+mn-ea"/>
+                <a:cs typeface="+mn-cs"/>
+              </a:defRPr>
+            </a:lvl6pPr>
+            <a:lvl7pPr marL="2971800" indent="-228600" algn="l" defTabSz="914400" rtl="0" eaLnBrk="1" latinLnBrk="0" hangingPunct="1">
+              <a:spcBef>
+                <a:spcPct val="20000"/>
+              </a:spcBef>
+              <a:buFont typeface="Arial" pitchFamily="34" charset="0"/>
+              <a:buChar char="•"/>
+              <a:defRPr sz="2000" kern="1200">
+                <a:solidFill>
+                  <a:schemeClr val="tx1"/>
+                </a:solidFill>
+                <a:latin typeface="+mn-lt"/>
+                <a:ea typeface="+mn-ea"/>
+                <a:cs typeface="+mn-cs"/>
+              </a:defRPr>
+            </a:lvl7pPr>
+            <a:lvl8pPr marL="3429000" indent="-228600" algn="l" defTabSz="914400" rtl="0" eaLnBrk="1" latinLnBrk="0" hangingPunct="1">
+              <a:spcBef>
+                <a:spcPct val="20000"/>
+              </a:spcBef>
+              <a:buFont typeface="Arial" pitchFamily="34" charset="0"/>
+              <a:buChar char="•"/>
+              <a:defRPr sz="2000" kern="1200">
+                <a:solidFill>
+                  <a:schemeClr val="tx1"/>
+                </a:solidFill>
+                <a:latin typeface="+mn-lt"/>
+                <a:ea typeface="+mn-ea"/>
+                <a:cs typeface="+mn-cs"/>
+              </a:defRPr>
+            </a:lvl8pPr>
+            <a:lvl9pPr marL="3886200" indent="-228600" algn="l" defTabSz="914400" rtl="0" eaLnBrk="1" latinLnBrk="0" hangingPunct="1">
+              <a:spcBef>
+                <a:spcPct val="20000"/>
+              </a:spcBef>
+              <a:buFont typeface="Arial" pitchFamily="34" charset="0"/>
+              <a:buChar char="•"/>
+              <a:defRPr sz="2000" kern="1200">
+                <a:solidFill>
+                  <a:schemeClr val="tx1"/>
+                </a:solidFill>
+                <a:latin typeface="+mn-lt"/>
+                <a:ea typeface="+mn-ea"/>
+                <a:cs typeface="+mn-cs"/>
+              </a:defRPr>
+            </a:lvl9pPr>
+          </a:lstStyle>
+          <a:p>
+            <a:pPr marL="216000" lvl="0" indent="-216000">
+              <a:spcBef>
+                <a:spcPts val="1200"/>
+              </a:spcBef>
+            </a:pPr>
+            <a:r>
+              <a:rPr lang="hr-HR" sz="2000" dirty="0"/>
+              <a:t>hotelijer se obvezuje da će u ugovorenom vremenu </a:t>
+            </a:r>
+            <a:r>
+              <a:rPr lang="hr-HR" sz="2000" b="1" dirty="0">
                 <a:solidFill>
                   <a:srgbClr val="FF0000"/>
                 </a:solidFill>
@@ -8910,64 +9693,216 @@
               <a:t>dati agenciji na raspolaganje</a:t>
             </a:r>
             <a:r>
-              <a:rPr lang="hr-HR" sz="2400" dirty="0"/>
-              <a:t> određeni broj soba i traženih usluga na raspolaganje uz ugovorenu </a:t>
-            </a:r>
-            <a:r>
-              <a:rPr lang="hr-HR" sz="2400" dirty="0" smtClean="0"/>
-              <a:t>proviziju</a:t>
-            </a:r>
-          </a:p>
-          <a:p>
-            <a:pPr lvl="0">
+              <a:rPr lang="hr-HR" sz="2000" dirty="0"/>
+              <a:t> određeni broj soba i traženih usluga na raspolaganje uz ugovorenu proviziju</a:t>
+            </a:r>
+          </a:p>
+          <a:p>
+            <a:pPr marL="216000" lvl="0" indent="-216000">
               <a:spcBef>
-                <a:spcPts val="600"/>
+                <a:spcPts val="1200"/>
               </a:spcBef>
             </a:pPr>
             <a:r>
-              <a:rPr lang="hr-HR" sz="2400" u="sng" dirty="0" smtClean="0"/>
+              <a:rPr lang="hr-HR" sz="2000" u="sng" dirty="0"/>
               <a:t>agencija može neke sobe ne popunit, ali treba na vrijeme obavijestiti hotel</a:t>
             </a:r>
           </a:p>
-          <a:p>
-            <a:pPr marL="0" lvl="0" indent="0">
+        </p:txBody>
+      </p:sp>
+      <p:sp>
+        <p:nvSpPr>
+          <p:cNvPr id="11" name="Content Placeholder 2"/>
+          <p:cNvSpPr txBox="1">
+            <a:spLocks/>
+          </p:cNvSpPr>
+          <p:nvPr/>
+        </p:nvSpPr>
+        <p:spPr>
+          <a:xfrm>
+            <a:off x="6232293" y="1052736"/>
+            <a:ext cx="3020227" cy="5518944"/>
+          </a:xfrm>
+          <a:prstGeom prst="rect">
+            <a:avLst/>
+          </a:prstGeom>
+        </p:spPr>
+        <p:txBody>
+          <a:bodyPr vert="horz" lIns="91440" tIns="45720" rIns="91440" bIns="45720" rtlCol="0">
+            <a:noAutofit/>
+          </a:bodyPr>
+          <a:lstStyle>
+            <a:lvl1pPr marL="342900" indent="-342900" algn="l" defTabSz="914400" rtl="0" eaLnBrk="1" latinLnBrk="0" hangingPunct="1">
               <a:spcBef>
-                <a:spcPts val="1800"/>
+                <a:spcPct val="20000"/>
               </a:spcBef>
-              <a:buNone/>
-            </a:pPr>
-            <a:r>
-              <a:rPr lang="hr-HR" sz="2400" b="1" dirty="0" smtClean="0"/>
-              <a:t>UGOVOR O ZAKUPU KAPACITETA </a:t>
-            </a:r>
-            <a:r>
-              <a:rPr lang="hr-HR" sz="2400" dirty="0" smtClean="0"/>
-              <a:t>(FIKSNI UGOVOR ili PUNO ZA PRAZNO)</a:t>
-            </a:r>
-          </a:p>
-          <a:p>
-            <a:pPr lvl="0">
+              <a:buFont typeface="Calibri" pitchFamily="34" charset="0"/>
+              <a:buChar char="–"/>
+              <a:defRPr sz="3200" kern="1200">
+                <a:solidFill>
+                  <a:schemeClr val="tx1"/>
+                </a:solidFill>
+                <a:latin typeface="+mn-lt"/>
+                <a:ea typeface="+mn-ea"/>
+                <a:cs typeface="+mn-cs"/>
+              </a:defRPr>
+            </a:lvl1pPr>
+            <a:lvl2pPr marL="742950" indent="-285750" algn="l" defTabSz="914400" rtl="0" eaLnBrk="1" latinLnBrk="0" hangingPunct="1">
               <a:spcBef>
-                <a:spcPts val="600"/>
+                <a:spcPct val="20000"/>
+              </a:spcBef>
+              <a:buFont typeface="Calibri" pitchFamily="34" charset="0"/>
+              <a:buChar char="–"/>
+              <a:defRPr sz="2800" kern="1200">
+                <a:solidFill>
+                  <a:schemeClr val="tx1"/>
+                </a:solidFill>
+                <a:latin typeface="+mn-lt"/>
+                <a:ea typeface="+mn-ea"/>
+                <a:cs typeface="+mn-cs"/>
+              </a:defRPr>
+            </a:lvl2pPr>
+            <a:lvl3pPr marL="1143000" indent="-228600" algn="l" defTabSz="914400" rtl="0" eaLnBrk="1" latinLnBrk="0" hangingPunct="1">
+              <a:spcBef>
+                <a:spcPct val="20000"/>
+              </a:spcBef>
+              <a:buFont typeface="Calibri" pitchFamily="34" charset="0"/>
+              <a:buChar char="–"/>
+              <a:defRPr sz="2400" kern="1200">
+                <a:solidFill>
+                  <a:schemeClr val="tx1"/>
+                </a:solidFill>
+                <a:latin typeface="+mn-lt"/>
+                <a:ea typeface="+mn-ea"/>
+                <a:cs typeface="+mn-cs"/>
+              </a:defRPr>
+            </a:lvl3pPr>
+            <a:lvl4pPr marL="1600200" indent="-228600" algn="l" defTabSz="914400" rtl="0" eaLnBrk="1" latinLnBrk="0" hangingPunct="1">
+              <a:spcBef>
+                <a:spcPct val="20000"/>
+              </a:spcBef>
+              <a:buFont typeface="Calibri" pitchFamily="34" charset="0"/>
+              <a:buChar char="–"/>
+              <a:defRPr sz="2000" kern="1200">
+                <a:solidFill>
+                  <a:schemeClr val="tx1"/>
+                </a:solidFill>
+                <a:latin typeface="+mn-lt"/>
+                <a:ea typeface="+mn-ea"/>
+                <a:cs typeface="+mn-cs"/>
+              </a:defRPr>
+            </a:lvl4pPr>
+            <a:lvl5pPr marL="2057400" indent="-228600" algn="l" defTabSz="914400" rtl="0" eaLnBrk="1" latinLnBrk="0" hangingPunct="1">
+              <a:spcBef>
+                <a:spcPct val="20000"/>
+              </a:spcBef>
+              <a:buFont typeface="Calibri" pitchFamily="34" charset="0"/>
+              <a:buChar char="–"/>
+              <a:defRPr sz="2000" kern="1200">
+                <a:solidFill>
+                  <a:schemeClr val="tx1"/>
+                </a:solidFill>
+                <a:latin typeface="+mn-lt"/>
+                <a:ea typeface="+mn-ea"/>
+                <a:cs typeface="+mn-cs"/>
+              </a:defRPr>
+            </a:lvl5pPr>
+            <a:lvl6pPr marL="2514600" indent="-228600" algn="l" defTabSz="914400" rtl="0" eaLnBrk="1" latinLnBrk="0" hangingPunct="1">
+              <a:spcBef>
+                <a:spcPct val="20000"/>
+              </a:spcBef>
+              <a:buFont typeface="Arial" pitchFamily="34" charset="0"/>
+              <a:buChar char="•"/>
+              <a:defRPr sz="2000" kern="1200">
+                <a:solidFill>
+                  <a:schemeClr val="tx1"/>
+                </a:solidFill>
+                <a:latin typeface="+mn-lt"/>
+                <a:ea typeface="+mn-ea"/>
+                <a:cs typeface="+mn-cs"/>
+              </a:defRPr>
+            </a:lvl6pPr>
+            <a:lvl7pPr marL="2971800" indent="-228600" algn="l" defTabSz="914400" rtl="0" eaLnBrk="1" latinLnBrk="0" hangingPunct="1">
+              <a:spcBef>
+                <a:spcPct val="20000"/>
+              </a:spcBef>
+              <a:buFont typeface="Arial" pitchFamily="34" charset="0"/>
+              <a:buChar char="•"/>
+              <a:defRPr sz="2000" kern="1200">
+                <a:solidFill>
+                  <a:schemeClr val="tx1"/>
+                </a:solidFill>
+                <a:latin typeface="+mn-lt"/>
+                <a:ea typeface="+mn-ea"/>
+                <a:cs typeface="+mn-cs"/>
+              </a:defRPr>
+            </a:lvl7pPr>
+            <a:lvl8pPr marL="3429000" indent="-228600" algn="l" defTabSz="914400" rtl="0" eaLnBrk="1" latinLnBrk="0" hangingPunct="1">
+              <a:spcBef>
+                <a:spcPct val="20000"/>
+              </a:spcBef>
+              <a:buFont typeface="Arial" pitchFamily="34" charset="0"/>
+              <a:buChar char="•"/>
+              <a:defRPr sz="2000" kern="1200">
+                <a:solidFill>
+                  <a:schemeClr val="tx1"/>
+                </a:solidFill>
+                <a:latin typeface="+mn-lt"/>
+                <a:ea typeface="+mn-ea"/>
+                <a:cs typeface="+mn-cs"/>
+              </a:defRPr>
+            </a:lvl8pPr>
+            <a:lvl9pPr marL="3886200" indent="-228600" algn="l" defTabSz="914400" rtl="0" eaLnBrk="1" latinLnBrk="0" hangingPunct="1">
+              <a:spcBef>
+                <a:spcPct val="20000"/>
+              </a:spcBef>
+              <a:buFont typeface="Arial" pitchFamily="34" charset="0"/>
+              <a:buChar char="•"/>
+              <a:defRPr sz="2000" kern="1200">
+                <a:solidFill>
+                  <a:schemeClr val="tx1"/>
+                </a:solidFill>
+                <a:latin typeface="+mn-lt"/>
+                <a:ea typeface="+mn-ea"/>
+                <a:cs typeface="+mn-cs"/>
+              </a:defRPr>
+            </a:lvl9pPr>
+          </a:lstStyle>
+          <a:p>
+            <a:pPr marL="216000" lvl="0" indent="-216000">
+              <a:spcBef>
+                <a:spcPts val="1200"/>
               </a:spcBef>
             </a:pPr>
             <a:r>
-              <a:rPr lang="hr-HR" sz="2400" dirty="0" smtClean="0"/>
+              <a:rPr lang="hr-HR" sz="2000" dirty="0"/>
               <a:t>agencija </a:t>
             </a:r>
             <a:r>
-              <a:rPr lang="hr-HR" sz="2400" dirty="0"/>
-              <a:t>uzima u zakup cijeli hotel ili samo određeni broj soba na neko vrijeme</a:t>
-            </a:r>
-          </a:p>
-          <a:p>
-            <a:pPr lvl="0">
+              <a:rPr lang="hr-HR" sz="2000" b="1" dirty="0" smtClean="0">
+                <a:solidFill>
+                  <a:srgbClr val="FF0000"/>
+                </a:solidFill>
+              </a:rPr>
+              <a:t>uzima u zakup </a:t>
+            </a:r>
+            <a:r>
+              <a:rPr lang="hr-HR" sz="2000" dirty="0" smtClean="0"/>
+              <a:t>cijeli </a:t>
+            </a:r>
+            <a:r>
+              <a:rPr lang="hr-HR" sz="2000" dirty="0"/>
+              <a:t>hotel ili samo određeni broj soba na neko vrijeme</a:t>
+            </a:r>
+          </a:p>
+          <a:p>
+            <a:pPr marL="216000" lvl="0" indent="-216000">
               <a:spcBef>
-                <a:spcPts val="600"/>
+                <a:spcPts val="1200"/>
               </a:spcBef>
             </a:pPr>
             <a:r>
-              <a:rPr lang="hr-HR" sz="2400" b="1" dirty="0">
+              <a:rPr lang="hr-HR" sz="2000" b="1" dirty="0">
                 <a:solidFill>
                   <a:srgbClr val="FF0000"/>
                 </a:solidFill>
@@ -8976,21 +9911,25 @@
             </a:r>
           </a:p>
           <a:p>
-            <a:pPr lvl="0">
+            <a:pPr marL="216000" lvl="0" indent="-216000">
               <a:spcBef>
-                <a:spcPts val="600"/>
+                <a:spcPts val="1200"/>
               </a:spcBef>
             </a:pPr>
             <a:r>
-              <a:rPr lang="hr-HR" sz="2400" dirty="0"/>
+              <a:rPr lang="hr-HR" sz="2000" dirty="0"/>
               <a:t>ovaj ugovor se najčešće sklapa kada je agencija sigurna da će popuniti sve kapacitete – </a:t>
             </a:r>
             <a:r>
-              <a:rPr lang="hr-HR" sz="2400" i="1" dirty="0"/>
-              <a:t>npr. za vrijeme održavanja kongresa, u vrhuncu turističke sezone, za vrijeme sportskih događaja i sl</a:t>
-            </a:r>
-            <a:r>
-              <a:rPr lang="hr-HR" sz="2400" i="1" dirty="0" smtClean="0"/>
+              <a:rPr lang="hr-HR" sz="2000" i="1" dirty="0"/>
+              <a:t>npr. za vrijeme održavanja kongresa, u vrhuncu turističke sezone, za vrijeme sportskih događaja i </a:t>
+            </a:r>
+            <a:r>
+              <a:rPr lang="hr-HR" sz="2000" i="1" dirty="0" err="1"/>
+              <a:t>sl</a:t>
+            </a:r>
+            <a:r>
+              <a:rPr lang="hr-HR" sz="2000" i="1" dirty="0"/>
               <a:t>.</a:t>
             </a:r>
           </a:p>
@@ -8999,20 +9938,20 @@
     </p:spTree>
     <p:extLst>
       <p:ext uri="{BB962C8B-B14F-4D97-AF65-F5344CB8AC3E}">
-        <p14:creationId xmlns:p14="http://schemas.microsoft.com/office/powerpoint/2010/main" val="209994220"/>
+        <p14:creationId xmlns:p14="http://schemas.microsoft.com/office/powerpoint/2010/main" val="2684657238"/>
       </p:ext>
     </p:extLst>
   </p:cSld>
   <p:clrMapOvr>
     <a:masterClrMapping/>
   </p:clrMapOvr>
-  <mc:AlternateContent xmlns:mc="http://schemas.openxmlformats.org/markup-compatibility/2006" xmlns:p14="http://schemas.microsoft.com/office/powerpoint/2010/main">
-    <mc:Choice Requires="p14">
+  <mc:AlternateContent xmlns:mc="http://schemas.openxmlformats.org/markup-compatibility/2006">
+    <mc:Choice xmlns:p14="http://schemas.microsoft.com/office/powerpoint/2010/main" Requires="p14">
       <p:transition>
         <p14:reveal/>
       </p:transition>
     </mc:Choice>
-    <mc:Fallback xmlns="">
+    <mc:Fallback>
       <p:transition>
         <p:fade/>
       </p:transition>
@@ -9021,9 +9960,631 @@
   <p:timing>
     <p:tnLst>
       <p:par>
-        <p:cTn id="1" dur="indefinite" restart="never" nodeType="tmRoot"/>
+        <p:cTn id="1" dur="indefinite" restart="never" nodeType="tmRoot">
+          <p:childTnLst>
+            <p:seq concurrent="1" nextAc="seek">
+              <p:cTn id="2" dur="indefinite" nodeType="mainSeq">
+                <p:childTnLst>
+                  <p:par>
+                    <p:cTn id="3" fill="hold">
+                      <p:stCondLst>
+                        <p:cond delay="indefinite"/>
+                        <p:cond evt="onBegin" delay="0">
+                          <p:tn val="2"/>
+                        </p:cond>
+                      </p:stCondLst>
+                      <p:childTnLst>
+                        <p:par>
+                          <p:cTn id="4" fill="hold">
+                            <p:stCondLst>
+                              <p:cond delay="0"/>
+                            </p:stCondLst>
+                            <p:childTnLst>
+                              <p:par>
+                                <p:cTn id="5" presetID="10" presetClass="entr" presetSubtype="0" fill="hold" grpId="0" nodeType="afterEffect">
+                                  <p:stCondLst>
+                                    <p:cond delay="0"/>
+                                  </p:stCondLst>
+                                  <p:childTnLst>
+                                    <p:set>
+                                      <p:cBhvr>
+                                        <p:cTn id="6" dur="1" fill="hold">
+                                          <p:stCondLst>
+                                            <p:cond delay="0"/>
+                                          </p:stCondLst>
+                                        </p:cTn>
+                                        <p:tgtEl>
+                                          <p:spTgt spid="4"/>
+                                        </p:tgtEl>
+                                        <p:attrNameLst>
+                                          <p:attrName>style.visibility</p:attrName>
+                                        </p:attrNameLst>
+                                      </p:cBhvr>
+                                      <p:to>
+                                        <p:strVal val="visible"/>
+                                      </p:to>
+                                    </p:set>
+                                    <p:animEffect transition="in" filter="fade">
+                                      <p:cBhvr>
+                                        <p:cTn id="7" dur="250"/>
+                                        <p:tgtEl>
+                                          <p:spTgt spid="4"/>
+                                        </p:tgtEl>
+                                      </p:cBhvr>
+                                    </p:animEffect>
+                                  </p:childTnLst>
+                                </p:cTn>
+                              </p:par>
+                            </p:childTnLst>
+                          </p:cTn>
+                        </p:par>
+                        <p:par>
+                          <p:cTn id="8" fill="hold">
+                            <p:stCondLst>
+                              <p:cond delay="250"/>
+                            </p:stCondLst>
+                            <p:childTnLst>
+                              <p:par>
+                                <p:cTn id="9" presetID="10" presetClass="entr" presetSubtype="0" fill="hold" grpId="0" nodeType="afterEffect">
+                                  <p:stCondLst>
+                                    <p:cond delay="0"/>
+                                  </p:stCondLst>
+                                  <p:childTnLst>
+                                    <p:set>
+                                      <p:cBhvr>
+                                        <p:cTn id="10" dur="1" fill="hold">
+                                          <p:stCondLst>
+                                            <p:cond delay="0"/>
+                                          </p:stCondLst>
+                                        </p:cTn>
+                                        <p:tgtEl>
+                                          <p:spTgt spid="5"/>
+                                        </p:tgtEl>
+                                        <p:attrNameLst>
+                                          <p:attrName>style.visibility</p:attrName>
+                                        </p:attrNameLst>
+                                      </p:cBhvr>
+                                      <p:to>
+                                        <p:strVal val="visible"/>
+                                      </p:to>
+                                    </p:set>
+                                    <p:animEffect transition="in" filter="fade">
+                                      <p:cBhvr>
+                                        <p:cTn id="11" dur="250"/>
+                                        <p:tgtEl>
+                                          <p:spTgt spid="5"/>
+                                        </p:tgtEl>
+                                      </p:cBhvr>
+                                    </p:animEffect>
+                                  </p:childTnLst>
+                                </p:cTn>
+                              </p:par>
+                            </p:childTnLst>
+                          </p:cTn>
+                        </p:par>
+                        <p:par>
+                          <p:cTn id="12" fill="hold">
+                            <p:stCondLst>
+                              <p:cond delay="500"/>
+                            </p:stCondLst>
+                            <p:childTnLst>
+                              <p:par>
+                                <p:cTn id="13" presetID="10" presetClass="entr" presetSubtype="0" fill="hold" grpId="0" nodeType="afterEffect">
+                                  <p:stCondLst>
+                                    <p:cond delay="0"/>
+                                  </p:stCondLst>
+                                  <p:childTnLst>
+                                    <p:set>
+                                      <p:cBhvr>
+                                        <p:cTn id="14" dur="1" fill="hold">
+                                          <p:stCondLst>
+                                            <p:cond delay="0"/>
+                                          </p:stCondLst>
+                                        </p:cTn>
+                                        <p:tgtEl>
+                                          <p:spTgt spid="6"/>
+                                        </p:tgtEl>
+                                        <p:attrNameLst>
+                                          <p:attrName>style.visibility</p:attrName>
+                                        </p:attrNameLst>
+                                      </p:cBhvr>
+                                      <p:to>
+                                        <p:strVal val="visible"/>
+                                      </p:to>
+                                    </p:set>
+                                    <p:animEffect transition="in" filter="fade">
+                                      <p:cBhvr>
+                                        <p:cTn id="15" dur="250"/>
+                                        <p:tgtEl>
+                                          <p:spTgt spid="6"/>
+                                        </p:tgtEl>
+                                      </p:cBhvr>
+                                    </p:animEffect>
+                                  </p:childTnLst>
+                                </p:cTn>
+                              </p:par>
+                            </p:childTnLst>
+                          </p:cTn>
+                        </p:par>
+                        <p:par>
+                          <p:cTn id="16" fill="hold">
+                            <p:stCondLst>
+                              <p:cond delay="750"/>
+                            </p:stCondLst>
+                            <p:childTnLst>
+                              <p:par>
+                                <p:cTn id="17" presetID="22" presetClass="entr" presetSubtype="1" fill="hold" nodeType="afterEffect">
+                                  <p:stCondLst>
+                                    <p:cond delay="0"/>
+                                  </p:stCondLst>
+                                  <p:childTnLst>
+                                    <p:set>
+                                      <p:cBhvr>
+                                        <p:cTn id="18" dur="1" fill="hold">
+                                          <p:stCondLst>
+                                            <p:cond delay="0"/>
+                                          </p:stCondLst>
+                                        </p:cTn>
+                                        <p:tgtEl>
+                                          <p:spTgt spid="8"/>
+                                        </p:tgtEl>
+                                        <p:attrNameLst>
+                                          <p:attrName>style.visibility</p:attrName>
+                                        </p:attrNameLst>
+                                      </p:cBhvr>
+                                      <p:to>
+                                        <p:strVal val="visible"/>
+                                      </p:to>
+                                    </p:set>
+                                    <p:animEffect transition="in" filter="wipe(up)">
+                                      <p:cBhvr>
+                                        <p:cTn id="19" dur="250"/>
+                                        <p:tgtEl>
+                                          <p:spTgt spid="8"/>
+                                        </p:tgtEl>
+                                      </p:cBhvr>
+                                    </p:animEffect>
+                                  </p:childTnLst>
+                                </p:cTn>
+                              </p:par>
+                            </p:childTnLst>
+                          </p:cTn>
+                        </p:par>
+                        <p:par>
+                          <p:cTn id="20" fill="hold">
+                            <p:stCondLst>
+                              <p:cond delay="1000"/>
+                            </p:stCondLst>
+                            <p:childTnLst>
+                              <p:par>
+                                <p:cTn id="21" presetID="22" presetClass="entr" presetSubtype="1" fill="hold" nodeType="afterEffect">
+                                  <p:stCondLst>
+                                    <p:cond delay="0"/>
+                                  </p:stCondLst>
+                                  <p:childTnLst>
+                                    <p:set>
+                                      <p:cBhvr>
+                                        <p:cTn id="22" dur="1" fill="hold">
+                                          <p:stCondLst>
+                                            <p:cond delay="0"/>
+                                          </p:stCondLst>
+                                        </p:cTn>
+                                        <p:tgtEl>
+                                          <p:spTgt spid="9"/>
+                                        </p:tgtEl>
+                                        <p:attrNameLst>
+                                          <p:attrName>style.visibility</p:attrName>
+                                        </p:attrNameLst>
+                                      </p:cBhvr>
+                                      <p:to>
+                                        <p:strVal val="visible"/>
+                                      </p:to>
+                                    </p:set>
+                                    <p:animEffect transition="in" filter="wipe(up)">
+                                      <p:cBhvr>
+                                        <p:cTn id="23" dur="250"/>
+                                        <p:tgtEl>
+                                          <p:spTgt spid="9"/>
+                                        </p:tgtEl>
+                                      </p:cBhvr>
+                                    </p:animEffect>
+                                  </p:childTnLst>
+                                </p:cTn>
+                              </p:par>
+                            </p:childTnLst>
+                          </p:cTn>
+                        </p:par>
+                      </p:childTnLst>
+                    </p:cTn>
+                  </p:par>
+                  <p:par>
+                    <p:cTn id="24" fill="hold">
+                      <p:stCondLst>
+                        <p:cond delay="indefinite"/>
+                      </p:stCondLst>
+                      <p:childTnLst>
+                        <p:par>
+                          <p:cTn id="25" fill="hold">
+                            <p:stCondLst>
+                              <p:cond delay="0"/>
+                            </p:stCondLst>
+                            <p:childTnLst>
+                              <p:par>
+                                <p:cTn id="26" presetID="10" presetClass="entr" presetSubtype="0" fill="hold" grpId="0" nodeType="clickEffect">
+                                  <p:stCondLst>
+                                    <p:cond delay="0"/>
+                                  </p:stCondLst>
+                                  <p:childTnLst>
+                                    <p:set>
+                                      <p:cBhvr>
+                                        <p:cTn id="27" dur="1" fill="hold">
+                                          <p:stCondLst>
+                                            <p:cond delay="0"/>
+                                          </p:stCondLst>
+                                        </p:cTn>
+                                        <p:tgtEl>
+                                          <p:spTgt spid="3">
+                                            <p:txEl>
+                                              <p:pRg st="0" end="0"/>
+                                            </p:txEl>
+                                          </p:spTgt>
+                                        </p:tgtEl>
+                                        <p:attrNameLst>
+                                          <p:attrName>style.visibility</p:attrName>
+                                        </p:attrNameLst>
+                                      </p:cBhvr>
+                                      <p:to>
+                                        <p:strVal val="visible"/>
+                                      </p:to>
+                                    </p:set>
+                                    <p:animEffect transition="in" filter="fade">
+                                      <p:cBhvr>
+                                        <p:cTn id="28" dur="250"/>
+                                        <p:tgtEl>
+                                          <p:spTgt spid="3">
+                                            <p:txEl>
+                                              <p:pRg st="0" end="0"/>
+                                            </p:txEl>
+                                          </p:spTgt>
+                                        </p:tgtEl>
+                                      </p:cBhvr>
+                                    </p:animEffect>
+                                  </p:childTnLst>
+                                </p:cTn>
+                              </p:par>
+                              <p:par>
+                                <p:cTn id="29" presetID="10" presetClass="entr" presetSubtype="0" fill="hold" grpId="0" nodeType="withEffect">
+                                  <p:stCondLst>
+                                    <p:cond delay="0"/>
+                                  </p:stCondLst>
+                                  <p:childTnLst>
+                                    <p:set>
+                                      <p:cBhvr>
+                                        <p:cTn id="30" dur="1" fill="hold">
+                                          <p:stCondLst>
+                                            <p:cond delay="0"/>
+                                          </p:stCondLst>
+                                        </p:cTn>
+                                        <p:tgtEl>
+                                          <p:spTgt spid="3">
+                                            <p:txEl>
+                                              <p:pRg st="1" end="1"/>
+                                            </p:txEl>
+                                          </p:spTgt>
+                                        </p:tgtEl>
+                                        <p:attrNameLst>
+                                          <p:attrName>style.visibility</p:attrName>
+                                        </p:attrNameLst>
+                                      </p:cBhvr>
+                                      <p:to>
+                                        <p:strVal val="visible"/>
+                                      </p:to>
+                                    </p:set>
+                                    <p:animEffect transition="in" filter="fade">
+                                      <p:cBhvr>
+                                        <p:cTn id="31" dur="250"/>
+                                        <p:tgtEl>
+                                          <p:spTgt spid="3">
+                                            <p:txEl>
+                                              <p:pRg st="1" end="1"/>
+                                            </p:txEl>
+                                          </p:spTgt>
+                                        </p:tgtEl>
+                                      </p:cBhvr>
+                                    </p:animEffect>
+                                  </p:childTnLst>
+                                </p:cTn>
+                              </p:par>
+                            </p:childTnLst>
+                          </p:cTn>
+                        </p:par>
+                      </p:childTnLst>
+                    </p:cTn>
+                  </p:par>
+                  <p:par>
+                    <p:cTn id="32" fill="hold">
+                      <p:stCondLst>
+                        <p:cond delay="indefinite"/>
+                      </p:stCondLst>
+                      <p:childTnLst>
+                        <p:par>
+                          <p:cTn id="33" fill="hold">
+                            <p:stCondLst>
+                              <p:cond delay="0"/>
+                            </p:stCondLst>
+                            <p:childTnLst>
+                              <p:par>
+                                <p:cTn id="34" presetID="22" presetClass="entr" presetSubtype="8" fill="hold" grpId="0" nodeType="clickEffect">
+                                  <p:stCondLst>
+                                    <p:cond delay="0"/>
+                                  </p:stCondLst>
+                                  <p:childTnLst>
+                                    <p:set>
+                                      <p:cBhvr>
+                                        <p:cTn id="35" dur="1" fill="hold">
+                                          <p:stCondLst>
+                                            <p:cond delay="0"/>
+                                          </p:stCondLst>
+                                        </p:cTn>
+                                        <p:tgtEl>
+                                          <p:spTgt spid="12"/>
+                                        </p:tgtEl>
+                                        <p:attrNameLst>
+                                          <p:attrName>style.visibility</p:attrName>
+                                        </p:attrNameLst>
+                                      </p:cBhvr>
+                                      <p:to>
+                                        <p:strVal val="visible"/>
+                                      </p:to>
+                                    </p:set>
+                                    <p:animEffect transition="in" filter="wipe(left)">
+                                      <p:cBhvr>
+                                        <p:cTn id="36" dur="500"/>
+                                        <p:tgtEl>
+                                          <p:spTgt spid="12"/>
+                                        </p:tgtEl>
+                                      </p:cBhvr>
+                                    </p:animEffect>
+                                  </p:childTnLst>
+                                </p:cTn>
+                              </p:par>
+                            </p:childTnLst>
+                          </p:cTn>
+                        </p:par>
+                        <p:par>
+                          <p:cTn id="37" fill="hold">
+                            <p:stCondLst>
+                              <p:cond delay="500"/>
+                            </p:stCondLst>
+                            <p:childTnLst>
+                              <p:par>
+                                <p:cTn id="38" presetID="10" presetClass="entr" presetSubtype="0" fill="hold" grpId="0" nodeType="afterEffect">
+                                  <p:stCondLst>
+                                    <p:cond delay="0"/>
+                                  </p:stCondLst>
+                                  <p:childTnLst>
+                                    <p:set>
+                                      <p:cBhvr>
+                                        <p:cTn id="39" dur="1" fill="hold">
+                                          <p:stCondLst>
+                                            <p:cond delay="0"/>
+                                          </p:stCondLst>
+                                        </p:cTn>
+                                        <p:tgtEl>
+                                          <p:spTgt spid="3">
+                                            <p:txEl>
+                                              <p:pRg st="2" end="2"/>
+                                            </p:txEl>
+                                          </p:spTgt>
+                                        </p:tgtEl>
+                                        <p:attrNameLst>
+                                          <p:attrName>style.visibility</p:attrName>
+                                        </p:attrNameLst>
+                                      </p:cBhvr>
+                                      <p:to>
+                                        <p:strVal val="visible"/>
+                                      </p:to>
+                                    </p:set>
+                                    <p:animEffect transition="in" filter="fade">
+                                      <p:cBhvr>
+                                        <p:cTn id="40" dur="250"/>
+                                        <p:tgtEl>
+                                          <p:spTgt spid="3">
+                                            <p:txEl>
+                                              <p:pRg st="2" end="2"/>
+                                            </p:txEl>
+                                          </p:spTgt>
+                                        </p:tgtEl>
+                                      </p:cBhvr>
+                                    </p:animEffect>
+                                  </p:childTnLst>
+                                </p:cTn>
+                              </p:par>
+                              <p:par>
+                                <p:cTn id="41" presetID="10" presetClass="entr" presetSubtype="0" fill="hold" grpId="0" nodeType="withEffect">
+                                  <p:stCondLst>
+                                    <p:cond delay="0"/>
+                                  </p:stCondLst>
+                                  <p:childTnLst>
+                                    <p:set>
+                                      <p:cBhvr>
+                                        <p:cTn id="42" dur="1" fill="hold">
+                                          <p:stCondLst>
+                                            <p:cond delay="0"/>
+                                          </p:stCondLst>
+                                        </p:cTn>
+                                        <p:tgtEl>
+                                          <p:spTgt spid="3">
+                                            <p:txEl>
+                                              <p:pRg st="3" end="3"/>
+                                            </p:txEl>
+                                          </p:spTgt>
+                                        </p:tgtEl>
+                                        <p:attrNameLst>
+                                          <p:attrName>style.visibility</p:attrName>
+                                        </p:attrNameLst>
+                                      </p:cBhvr>
+                                      <p:to>
+                                        <p:strVal val="visible"/>
+                                      </p:to>
+                                    </p:set>
+                                    <p:animEffect transition="in" filter="fade">
+                                      <p:cBhvr>
+                                        <p:cTn id="43" dur="250"/>
+                                        <p:tgtEl>
+                                          <p:spTgt spid="3">
+                                            <p:txEl>
+                                              <p:pRg st="3" end="3"/>
+                                            </p:txEl>
+                                          </p:spTgt>
+                                        </p:tgtEl>
+                                      </p:cBhvr>
+                                    </p:animEffect>
+                                  </p:childTnLst>
+                                </p:cTn>
+                              </p:par>
+                            </p:childTnLst>
+                          </p:cTn>
+                        </p:par>
+                      </p:childTnLst>
+                    </p:cTn>
+                  </p:par>
+                  <p:par>
+                    <p:cTn id="44" fill="hold">
+                      <p:stCondLst>
+                        <p:cond delay="indefinite"/>
+                      </p:stCondLst>
+                      <p:childTnLst>
+                        <p:par>
+                          <p:cTn id="45" fill="hold">
+                            <p:stCondLst>
+                              <p:cond delay="0"/>
+                            </p:stCondLst>
+                            <p:childTnLst>
+                              <p:par>
+                                <p:cTn id="46" presetID="10" presetClass="entr" presetSubtype="0" fill="hold" grpId="0" nodeType="clickEffect">
+                                  <p:stCondLst>
+                                    <p:cond delay="0"/>
+                                  </p:stCondLst>
+                                  <p:childTnLst>
+                                    <p:set>
+                                      <p:cBhvr>
+                                        <p:cTn id="47" dur="1" fill="hold">
+                                          <p:stCondLst>
+                                            <p:cond delay="0"/>
+                                          </p:stCondLst>
+                                        </p:cTn>
+                                        <p:tgtEl>
+                                          <p:spTgt spid="10"/>
+                                        </p:tgtEl>
+                                        <p:attrNameLst>
+                                          <p:attrName>style.visibility</p:attrName>
+                                        </p:attrNameLst>
+                                      </p:cBhvr>
+                                      <p:to>
+                                        <p:strVal val="visible"/>
+                                      </p:to>
+                                    </p:set>
+                                    <p:animEffect transition="in" filter="fade">
+                                      <p:cBhvr>
+                                        <p:cTn id="48" dur="250"/>
+                                        <p:tgtEl>
+                                          <p:spTgt spid="10"/>
+                                        </p:tgtEl>
+                                      </p:cBhvr>
+                                    </p:animEffect>
+                                  </p:childTnLst>
+                                </p:cTn>
+                              </p:par>
+                            </p:childTnLst>
+                          </p:cTn>
+                        </p:par>
+                      </p:childTnLst>
+                    </p:cTn>
+                  </p:par>
+                  <p:par>
+                    <p:cTn id="49" fill="hold">
+                      <p:stCondLst>
+                        <p:cond delay="indefinite"/>
+                      </p:stCondLst>
+                      <p:childTnLst>
+                        <p:par>
+                          <p:cTn id="50" fill="hold">
+                            <p:stCondLst>
+                              <p:cond delay="0"/>
+                            </p:stCondLst>
+                            <p:childTnLst>
+                              <p:par>
+                                <p:cTn id="51" presetID="10" presetClass="entr" presetSubtype="0" fill="hold" grpId="0" nodeType="clickEffect">
+                                  <p:stCondLst>
+                                    <p:cond delay="0"/>
+                                  </p:stCondLst>
+                                  <p:childTnLst>
+                                    <p:set>
+                                      <p:cBhvr>
+                                        <p:cTn id="52" dur="1" fill="hold">
+                                          <p:stCondLst>
+                                            <p:cond delay="0"/>
+                                          </p:stCondLst>
+                                        </p:cTn>
+                                        <p:tgtEl>
+                                          <p:spTgt spid="11"/>
+                                        </p:tgtEl>
+                                        <p:attrNameLst>
+                                          <p:attrName>style.visibility</p:attrName>
+                                        </p:attrNameLst>
+                                      </p:cBhvr>
+                                      <p:to>
+                                        <p:strVal val="visible"/>
+                                      </p:to>
+                                    </p:set>
+                                    <p:animEffect transition="in" filter="fade">
+                                      <p:cBhvr>
+                                        <p:cTn id="53" dur="250"/>
+                                        <p:tgtEl>
+                                          <p:spTgt spid="11"/>
+                                        </p:tgtEl>
+                                      </p:cBhvr>
+                                    </p:animEffect>
+                                  </p:childTnLst>
+                                </p:cTn>
+                              </p:par>
+                            </p:childTnLst>
+                          </p:cTn>
+                        </p:par>
+                      </p:childTnLst>
+                    </p:cTn>
+                  </p:par>
+                </p:childTnLst>
+              </p:cTn>
+              <p:prevCondLst>
+                <p:cond evt="onPrev" delay="0">
+                  <p:tgtEl>
+                    <p:sldTgt/>
+                  </p:tgtEl>
+                </p:cond>
+              </p:prevCondLst>
+              <p:nextCondLst>
+                <p:cond evt="onNext" delay="0">
+                  <p:tgtEl>
+                    <p:sldTgt/>
+                  </p:tgtEl>
+                </p:cond>
+              </p:nextCondLst>
+            </p:seq>
+          </p:childTnLst>
+        </p:cTn>
       </p:par>
     </p:tnLst>
+    <p:bldLst>
+      <p:bldP spid="12" grpId="0" animBg="1"/>
+      <p:bldP spid="3" grpId="0" build="p"/>
+      <p:bldP spid="4" grpId="0" animBg="1"/>
+      <p:bldP spid="5" grpId="0" animBg="1"/>
+      <p:bldP spid="6" grpId="0" animBg="1"/>
+      <p:bldP spid="10" grpId="0"/>
+      <p:bldP spid="11" grpId="0"/>
+    </p:bldLst>
   </p:timing>
 </p:sld>
 </file>
@@ -9108,17 +10669,33 @@
           <a:p>
             <a:pPr algn="ctr"/>
             <a:r>
-              <a:rPr lang="hr-HR" sz="5400" b="1" dirty="0" smtClean="0"/>
+              <a:rPr lang="hr-HR" sz="5400" b="1" dirty="0" smtClean="0">
+                <a:solidFill>
+                  <a:srgbClr val="FF0000"/>
+                </a:solidFill>
+              </a:rPr>
               <a:t>Ugostiteljstvo kao </a:t>
             </a:r>
             <a:br>
-              <a:rPr lang="hr-HR" sz="5400" b="1" dirty="0" smtClean="0"/>
+              <a:rPr lang="hr-HR" sz="5400" b="1" dirty="0" smtClean="0">
+                <a:solidFill>
+                  <a:srgbClr val="FF0000"/>
+                </a:solidFill>
+              </a:rPr>
             </a:br>
             <a:r>
-              <a:rPr lang="hr-HR" sz="5400" b="1" dirty="0" smtClean="0"/>
+              <a:rPr lang="hr-HR" sz="5400" b="1" dirty="0" smtClean="0">
+                <a:solidFill>
+                  <a:srgbClr val="FF0000"/>
+                </a:solidFill>
+              </a:rPr>
               <a:t>gospodarska djelatnost</a:t>
             </a:r>
-            <a:endParaRPr lang="hr-HR" sz="5400" b="1" dirty="0"/>
+            <a:endParaRPr lang="hr-HR" sz="5400" b="1" dirty="0">
+              <a:solidFill>
+                <a:srgbClr val="FF0000"/>
+              </a:solidFill>
+            </a:endParaRPr>
           </a:p>
         </p:txBody>
       </p:sp>
@@ -9197,13 +10774,13 @@
   <p:clrMapOvr>
     <a:masterClrMapping/>
   </p:clrMapOvr>
-  <mc:AlternateContent xmlns:mc="http://schemas.openxmlformats.org/markup-compatibility/2006" xmlns:p14="http://schemas.microsoft.com/office/powerpoint/2010/main">
-    <mc:Choice Requires="p14">
+  <mc:AlternateContent xmlns:mc="http://schemas.openxmlformats.org/markup-compatibility/2006">
+    <mc:Choice xmlns:p14="http://schemas.microsoft.com/office/powerpoint/2010/main" Requires="p14">
       <p:transition>
         <p14:reveal/>
       </p:transition>
     </mc:Choice>
-    <mc:Fallback xmlns="">
+    <mc:Fallback>
       <p:transition>
         <p:fade/>
       </p:transition>
@@ -9252,7 +10829,7 @@
           <a:lstStyle/>
           <a:p>
             <a:r>
-              <a:rPr lang="hr-HR" sz="3200" b="1" dirty="0">
+              <a:rPr lang="hr-HR" sz="3200" b="1" dirty="0" smtClean="0">
                 <a:solidFill>
                   <a:srgbClr val="FF0000"/>
                 </a:solidFill>
@@ -9260,22 +10837,18 @@
               <a:t>UGOSTITELJSTVO I PUTNIČKE AGENCIJE</a:t>
             </a:r>
             <a:r>
-              <a:rPr lang="hr-HR" sz="3500" dirty="0">
-                <a:solidFill>
-                  <a:prstClr val="black"/>
-                </a:solidFill>
-              </a:rPr>
+              <a:rPr lang="hr-HR" sz="3500" dirty="0" smtClean="0"/>
               <a:t>      </a:t>
             </a:r>
             <a:r>
-              <a:rPr lang="hr-HR" sz="2400" i="1" dirty="0">
-                <a:solidFill>
-                  <a:prstClr val="black"/>
-                </a:solidFill>
-              </a:rPr>
-              <a:t>(plan ploče)</a:t>
-            </a:r>
-            <a:endParaRPr lang="hr-HR" sz="3500" dirty="0"/>
+              <a:rPr lang="hr-HR" sz="2400" i="1" dirty="0" smtClean="0"/>
+              <a:t>(</a:t>
+            </a:r>
+            <a:r>
+              <a:rPr lang="hr-HR" sz="2400" i="1" dirty="0"/>
+              <a:t>plan ploče)</a:t>
+            </a:r>
+            <a:endParaRPr lang="hr-HR" sz="3500" i="1" dirty="0"/>
           </a:p>
         </p:txBody>
       </p:sp>
@@ -9291,7 +10864,7 @@
         </p:nvSpPr>
         <p:spPr>
           <a:xfrm>
-            <a:off x="35496" y="836712"/>
+            <a:off x="0" y="908720"/>
             <a:ext cx="9144000" cy="5734990"/>
           </a:xfrm>
         </p:spPr>
@@ -9307,29 +10880,242 @@
               </a:spcBef>
             </a:pPr>
             <a:r>
+              <a:rPr lang="hr-HR" sz="2200" b="1" dirty="0">
+                <a:solidFill>
+                  <a:srgbClr val="FF0000"/>
+                </a:solidFill>
+              </a:rPr>
+              <a:t>putničke agencije</a:t>
+            </a:r>
+            <a:r>
+              <a:rPr lang="hr-HR" sz="2200" dirty="0">
+                <a:solidFill>
+                  <a:srgbClr val="FF0000"/>
+                </a:solidFill>
+              </a:rPr>
+              <a:t> </a:t>
+            </a:r>
+            <a:r>
+              <a:rPr lang="hr-HR" sz="2200" dirty="0"/>
+              <a:t>su </a:t>
+            </a:r>
+            <a:r>
+              <a:rPr lang="hr-HR" sz="2200" u="sng" dirty="0"/>
+              <a:t>posrednici</a:t>
+            </a:r>
+            <a:r>
+              <a:rPr lang="hr-HR" sz="2200" dirty="0"/>
+              <a:t> između ugostiteljskih poslovnih jedinica (hotela, pansiona, hotelskih naselja, apartmana…) i potencijalnih </a:t>
+            </a:r>
+            <a:r>
+              <a:rPr lang="hr-HR" sz="2200" dirty="0" smtClean="0"/>
+              <a:t>gostiju</a:t>
+            </a:r>
+          </a:p>
+          <a:p>
+            <a:pPr>
+              <a:spcBef>
+                <a:spcPts val="600"/>
+              </a:spcBef>
+            </a:pPr>
+            <a:r>
+              <a:rPr lang="hr-HR" sz="2200" dirty="0" smtClean="0"/>
+              <a:t>vrste ugovora između agencija i ugostitelja:</a:t>
+            </a:r>
+          </a:p>
+          <a:p>
+            <a:pPr lvl="1">
+              <a:spcBef>
+                <a:spcPts val="600"/>
+              </a:spcBef>
+            </a:pPr>
+            <a:r>
+              <a:rPr lang="hr-HR" sz="2200" b="1" dirty="0">
+                <a:solidFill>
+                  <a:srgbClr val="FF0000"/>
+                </a:solidFill>
+              </a:rPr>
+              <a:t>okvirni ugovor</a:t>
+            </a:r>
+            <a:r>
+              <a:rPr lang="hr-HR" sz="2200" dirty="0">
+                <a:solidFill>
+                  <a:srgbClr val="FF0000"/>
+                </a:solidFill>
+              </a:rPr>
+              <a:t> </a:t>
+            </a:r>
+            <a:r>
+              <a:rPr lang="hr-HR" sz="2200" dirty="0"/>
+              <a:t>(„ugovor na osnovi zatražene i potvrđene rezervacije“)</a:t>
+            </a:r>
+          </a:p>
+          <a:p>
+            <a:pPr lvl="1">
+              <a:spcBef>
+                <a:spcPts val="600"/>
+              </a:spcBef>
+            </a:pPr>
+            <a:r>
+              <a:rPr lang="hr-HR" sz="2200" b="1" dirty="0">
+                <a:solidFill>
+                  <a:srgbClr val="FF0000"/>
+                </a:solidFill>
+              </a:rPr>
+              <a:t>ugovor o alotmanu</a:t>
+            </a:r>
+            <a:r>
+              <a:rPr lang="hr-HR" sz="2200" dirty="0">
+                <a:solidFill>
+                  <a:srgbClr val="FF0000"/>
+                </a:solidFill>
+              </a:rPr>
+              <a:t> </a:t>
+            </a:r>
+            <a:r>
+              <a:rPr lang="hr-HR" sz="2200" dirty="0"/>
+              <a:t>(</a:t>
+            </a:r>
+            <a:r>
+              <a:rPr lang="hr-HR" sz="2200" dirty="0" err="1"/>
+              <a:t>alotmanski</a:t>
+            </a:r>
+            <a:r>
+              <a:rPr lang="hr-HR" sz="2200" dirty="0"/>
+              <a:t> ugovor)</a:t>
+            </a:r>
+          </a:p>
+          <a:p>
+            <a:pPr lvl="1">
+              <a:spcBef>
+                <a:spcPts val="600"/>
+              </a:spcBef>
+            </a:pPr>
+            <a:r>
+              <a:rPr lang="hr-HR" sz="2200" b="1" dirty="0">
+                <a:solidFill>
+                  <a:srgbClr val="FF0000"/>
+                </a:solidFill>
+              </a:rPr>
+              <a:t>ugovor o zakupu kapaciteta</a:t>
+            </a:r>
+            <a:r>
+              <a:rPr lang="hr-HR" sz="2200" dirty="0">
+                <a:solidFill>
+                  <a:srgbClr val="FF0000"/>
+                </a:solidFill>
+              </a:rPr>
+              <a:t> </a:t>
+            </a:r>
+            <a:r>
+              <a:rPr lang="hr-HR" sz="2200" dirty="0"/>
+              <a:t>(„fiksni ugovor“ i „ugovor puno za prazno“)</a:t>
+            </a:r>
+          </a:p>
+          <a:p>
+            <a:pPr marL="0" indent="0">
+              <a:spcBef>
+                <a:spcPts val="1800"/>
+              </a:spcBef>
+              <a:buNone/>
+            </a:pPr>
+            <a:r>
+              <a:rPr lang="hr-HR" sz="2200" b="1" dirty="0" smtClean="0"/>
+              <a:t>OKVIRNI UGOVOR</a:t>
+            </a:r>
+          </a:p>
+          <a:p>
+            <a:pPr lvl="1">
+              <a:spcBef>
+                <a:spcPts val="0"/>
+              </a:spcBef>
+            </a:pPr>
+            <a:r>
               <a:rPr lang="hr-HR" sz="2400" b="1" dirty="0">
                 <a:solidFill>
                   <a:srgbClr val="FF0000"/>
                 </a:solidFill>
               </a:rPr>
-              <a:t>provizija</a:t>
+              <a:t>agencija nalazi goste</a:t>
             </a:r>
             <a:r>
               <a:rPr lang="hr-HR" sz="2400" dirty="0"/>
-              <a:t> je svota koju ugostiteljski objekt odobrava </a:t>
-            </a:r>
-            <a:r>
-              <a:rPr lang="hr-HR" sz="2400" b="1" dirty="0"/>
-              <a:t>u postotku ili fiksnom iznosu</a:t>
+              <a:t>, uzima </a:t>
+            </a:r>
+            <a:r>
+              <a:rPr lang="hr-HR" sz="2400" b="1" dirty="0">
+                <a:solidFill>
+                  <a:srgbClr val="FF0000"/>
+                </a:solidFill>
+              </a:rPr>
+              <a:t>proviziju</a:t>
             </a:r>
             <a:r>
               <a:rPr lang="hr-HR" sz="2400" dirty="0"/>
-              <a:t> za vrijednost pruženih usluga gostima koje je u ugostiteljski objekt uputila </a:t>
-            </a:r>
-            <a:r>
-              <a:rPr lang="hr-HR" sz="2400" dirty="0" smtClean="0"/>
-              <a:t>agencija</a:t>
-            </a:r>
+              <a:t> i naplaćuje gostima boravak u hotelu</a:t>
+            </a:r>
+          </a:p>
+          <a:p>
+            <a:pPr lvl="1">
+              <a:spcBef>
+                <a:spcPts val="0"/>
+              </a:spcBef>
+            </a:pPr>
+            <a:r>
+              <a:rPr lang="hr-HR" sz="2400" dirty="0"/>
+              <a:t>nakon plaćanja gostu izdaje </a:t>
+            </a:r>
+            <a:r>
+              <a:rPr lang="hr-HR" sz="2400" b="1" dirty="0">
+                <a:solidFill>
+                  <a:srgbClr val="FF0000"/>
+                </a:solidFill>
+              </a:rPr>
+              <a:t>vaučer</a:t>
+            </a:r>
+            <a:r>
+              <a:rPr lang="hr-HR" sz="2400" dirty="0"/>
+              <a:t> – dokument o uplaćenoj rezervaciji, a kopiju šalje hotelu</a:t>
+            </a:r>
+          </a:p>
+          <a:p>
+            <a:pPr lvl="1">
+              <a:spcBef>
+                <a:spcPts val="0"/>
+              </a:spcBef>
+            </a:pPr>
+            <a:r>
+              <a:rPr lang="hr-HR" sz="2400" dirty="0"/>
+              <a:t>gost pri dolasku u hotel predaje vaučer hotelu i na taj način „plaća“ uslugu</a:t>
+            </a:r>
+          </a:p>
+          <a:p>
+            <a:pPr lvl="1">
+              <a:spcBef>
+                <a:spcPts val="0"/>
+              </a:spcBef>
+            </a:pPr>
+            <a:r>
+              <a:rPr lang="hr-HR" sz="2400" dirty="0"/>
+              <a:t>nakon iskorištene usluge (odlaska gostiju) </a:t>
+            </a:r>
+            <a:r>
+              <a:rPr lang="hr-HR" sz="2400" b="1" dirty="0">
+                <a:solidFill>
+                  <a:srgbClr val="FF0000"/>
+                </a:solidFill>
+              </a:rPr>
+              <a:t>hotel šalje agenciji račun vaučer na naplatu</a:t>
+            </a:r>
+          </a:p>
+          <a:p>
+            <a:pPr marL="0" indent="0">
+              <a:spcBef>
+                <a:spcPts val="600"/>
+              </a:spcBef>
+              <a:buNone/>
+            </a:pPr>
+            <a:endParaRPr lang="hr-HR" sz="2200" dirty="0"/>
           </a:p>
           <a:p>
             <a:pPr lvl="0">
@@ -9337,70 +11123,27 @@
                 <a:spcPts val="600"/>
               </a:spcBef>
             </a:pPr>
-            <a:r>
-              <a:rPr lang="hr-HR" sz="2400" dirty="0"/>
-              <a:t>iznosi od 3% do 15% (nekad i više)</a:t>
-            </a:r>
-          </a:p>
-          <a:p>
-            <a:pPr>
-              <a:spcBef>
-                <a:spcPts val="600"/>
-              </a:spcBef>
-            </a:pPr>
-            <a:endParaRPr lang="hr-HR" sz="2400" dirty="0"/>
-          </a:p>
-          <a:p>
-            <a:pPr>
-              <a:spcBef>
-                <a:spcPts val="600"/>
-              </a:spcBef>
-            </a:pPr>
-            <a:r>
-              <a:rPr lang="hr-HR" sz="2400" dirty="0"/>
-              <a:t>poslovni odnos između turističke agencije i ugostiteljskog objekta naziva se </a:t>
-            </a:r>
-            <a:r>
-              <a:rPr lang="hr-HR" sz="2400" b="1" dirty="0">
-                <a:solidFill>
-                  <a:srgbClr val="FF0000"/>
-                </a:solidFill>
-              </a:rPr>
-              <a:t>turističko posredovanje</a:t>
-            </a:r>
-            <a:endParaRPr lang="hr-HR" sz="2400" dirty="0">
-              <a:solidFill>
-                <a:srgbClr val="FF0000"/>
-              </a:solidFill>
-            </a:endParaRPr>
-          </a:p>
-          <a:p>
-            <a:pPr lvl="0">
-              <a:spcBef>
-                <a:spcPts val="600"/>
-              </a:spcBef>
-            </a:pPr>
-            <a:endParaRPr lang="hr-HR" sz="2400" dirty="0" smtClean="0"/>
+            <a:endParaRPr lang="hr-HR" sz="2200" dirty="0" smtClean="0"/>
           </a:p>
         </p:txBody>
       </p:sp>
     </p:spTree>
     <p:extLst>
       <p:ext uri="{BB962C8B-B14F-4D97-AF65-F5344CB8AC3E}">
-        <p14:creationId xmlns:p14="http://schemas.microsoft.com/office/powerpoint/2010/main" val="3691680002"/>
+        <p14:creationId xmlns:p14="http://schemas.microsoft.com/office/powerpoint/2010/main" val="3322780467"/>
       </p:ext>
     </p:extLst>
   </p:cSld>
   <p:clrMapOvr>
     <a:masterClrMapping/>
   </p:clrMapOvr>
-  <mc:AlternateContent xmlns:mc="http://schemas.openxmlformats.org/markup-compatibility/2006" xmlns:p14="http://schemas.microsoft.com/office/powerpoint/2010/main">
-    <mc:Choice Requires="p14">
+  <mc:AlternateContent xmlns:mc="http://schemas.openxmlformats.org/markup-compatibility/2006">
+    <mc:Choice xmlns:p14="http://schemas.microsoft.com/office/powerpoint/2010/main" Requires="p14">
       <p:transition>
         <p14:reveal/>
       </p:transition>
     </mc:Choice>
-    <mc:Fallback xmlns="">
+    <mc:Fallback>
       <p:transition>
         <p:fade/>
       </p:transition>
@@ -9449,6 +11192,453 @@
           <a:lstStyle/>
           <a:p>
             <a:r>
+              <a:rPr lang="hr-HR" sz="3200" b="1" dirty="0">
+                <a:solidFill>
+                  <a:srgbClr val="FF0000"/>
+                </a:solidFill>
+              </a:rPr>
+              <a:t>UGOSTITELJSTVO I PUTNIČKE AGENCIJE</a:t>
+            </a:r>
+            <a:r>
+              <a:rPr lang="hr-HR" sz="3500" dirty="0">
+                <a:solidFill>
+                  <a:prstClr val="black"/>
+                </a:solidFill>
+              </a:rPr>
+              <a:t>      </a:t>
+            </a:r>
+            <a:r>
+              <a:rPr lang="hr-HR" sz="2400" i="1" dirty="0">
+                <a:solidFill>
+                  <a:prstClr val="black"/>
+                </a:solidFill>
+              </a:rPr>
+              <a:t>(plan ploče)</a:t>
+            </a:r>
+            <a:endParaRPr lang="hr-HR" sz="3500" dirty="0"/>
+          </a:p>
+        </p:txBody>
+      </p:sp>
+      <p:sp>
+        <p:nvSpPr>
+          <p:cNvPr id="3" name="Content Placeholder 2"/>
+          <p:cNvSpPr>
+            <a:spLocks noGrp="1"/>
+          </p:cNvSpPr>
+          <p:nvPr>
+            <p:ph idx="1"/>
+          </p:nvPr>
+        </p:nvSpPr>
+        <p:spPr>
+          <a:xfrm>
+            <a:off x="0" y="836712"/>
+            <a:ext cx="9144000" cy="5734990"/>
+          </a:xfrm>
+        </p:spPr>
+        <p:txBody>
+          <a:bodyPr>
+            <a:noAutofit/>
+          </a:bodyPr>
+          <a:lstStyle/>
+          <a:p>
+            <a:pPr marL="0" lvl="0" indent="0">
+              <a:spcBef>
+                <a:spcPts val="600"/>
+              </a:spcBef>
+              <a:buNone/>
+            </a:pPr>
+            <a:r>
+              <a:rPr lang="hr-HR" sz="2400" b="1" dirty="0" smtClean="0"/>
+              <a:t>UGOVOR O ALOTMANU</a:t>
+            </a:r>
+          </a:p>
+          <a:p>
+            <a:pPr lvl="0">
+              <a:spcBef>
+                <a:spcPts val="600"/>
+              </a:spcBef>
+            </a:pPr>
+            <a:r>
+              <a:rPr lang="hr-HR" sz="2400" dirty="0" smtClean="0"/>
+              <a:t>hotelijer </a:t>
+            </a:r>
+            <a:r>
+              <a:rPr lang="hr-HR" sz="2400" dirty="0"/>
+              <a:t>se obvezuje da će u ugovorenom vremenu </a:t>
+            </a:r>
+            <a:r>
+              <a:rPr lang="hr-HR" sz="2400" b="1" dirty="0">
+                <a:solidFill>
+                  <a:srgbClr val="FF0000"/>
+                </a:solidFill>
+              </a:rPr>
+              <a:t>dati agenciji na raspolaganje</a:t>
+            </a:r>
+            <a:r>
+              <a:rPr lang="hr-HR" sz="2400" dirty="0"/>
+              <a:t> određeni broj soba i traženih usluga na raspolaganje uz ugovorenu </a:t>
+            </a:r>
+            <a:r>
+              <a:rPr lang="hr-HR" sz="2400" dirty="0" smtClean="0"/>
+              <a:t>proviziju</a:t>
+            </a:r>
+          </a:p>
+          <a:p>
+            <a:pPr lvl="0">
+              <a:spcBef>
+                <a:spcPts val="600"/>
+              </a:spcBef>
+            </a:pPr>
+            <a:r>
+              <a:rPr lang="hr-HR" sz="2400" u="sng" dirty="0" smtClean="0"/>
+              <a:t>agencija može neke sobe ne popunit, ali treba na vrijeme obavijestiti hotel</a:t>
+            </a:r>
+          </a:p>
+          <a:p>
+            <a:pPr marL="0" lvl="0" indent="0">
+              <a:spcBef>
+                <a:spcPts val="1800"/>
+              </a:spcBef>
+              <a:buNone/>
+            </a:pPr>
+            <a:r>
+              <a:rPr lang="hr-HR" sz="2400" b="1" dirty="0" smtClean="0"/>
+              <a:t>UGOVOR O ZAKUPU KAPACITETA </a:t>
+            </a:r>
+            <a:r>
+              <a:rPr lang="hr-HR" sz="2400" dirty="0" smtClean="0"/>
+              <a:t>(FIKSNI UGOVOR ili PUNO ZA PRAZNO)</a:t>
+            </a:r>
+          </a:p>
+          <a:p>
+            <a:pPr lvl="0">
+              <a:spcBef>
+                <a:spcPts val="600"/>
+              </a:spcBef>
+            </a:pPr>
+            <a:r>
+              <a:rPr lang="hr-HR" sz="2400" dirty="0" smtClean="0"/>
+              <a:t>agencija </a:t>
+            </a:r>
+            <a:r>
+              <a:rPr lang="hr-HR" sz="2400" dirty="0"/>
+              <a:t>uzima u zakup cijeli hotel ili samo određeni broj soba na neko vrijeme</a:t>
+            </a:r>
+          </a:p>
+          <a:p>
+            <a:pPr lvl="0">
+              <a:spcBef>
+                <a:spcPts val="600"/>
+              </a:spcBef>
+            </a:pPr>
+            <a:r>
+              <a:rPr lang="hr-HR" sz="2400" b="1" dirty="0">
+                <a:solidFill>
+                  <a:srgbClr val="FF0000"/>
+                </a:solidFill>
+              </a:rPr>
+              <a:t>agencija plaća zakupljene kapacitete bez obzira jesu </a:t>
+            </a:r>
+            <a:r>
+              <a:rPr lang="hr-HR" sz="2400" b="1" dirty="0" smtClean="0">
+                <a:solidFill>
+                  <a:srgbClr val="FF0000"/>
+                </a:solidFill>
+              </a:rPr>
+              <a:t>li bili </a:t>
+            </a:r>
+            <a:r>
+              <a:rPr lang="hr-HR" sz="2400" b="1" dirty="0">
+                <a:solidFill>
+                  <a:srgbClr val="FF0000"/>
+                </a:solidFill>
+              </a:rPr>
+              <a:t>korišteni</a:t>
+            </a:r>
+          </a:p>
+          <a:p>
+            <a:pPr lvl="0">
+              <a:spcBef>
+                <a:spcPts val="600"/>
+              </a:spcBef>
+            </a:pPr>
+            <a:r>
+              <a:rPr lang="hr-HR" sz="2400" dirty="0"/>
+              <a:t>ovaj ugovor se najčešće sklapa kada je agencija sigurna da će popuniti sve kapacitete – </a:t>
+            </a:r>
+            <a:r>
+              <a:rPr lang="hr-HR" sz="2400" i="1" dirty="0"/>
+              <a:t>npr. za vrijeme održavanja kongresa, u vrhuncu turističke sezone, za vrijeme sportskih događaja i sl</a:t>
+            </a:r>
+            <a:r>
+              <a:rPr lang="hr-HR" sz="2400" i="1" dirty="0" smtClean="0"/>
+              <a:t>.</a:t>
+            </a:r>
+          </a:p>
+        </p:txBody>
+      </p:sp>
+    </p:spTree>
+    <p:extLst>
+      <p:ext uri="{BB962C8B-B14F-4D97-AF65-F5344CB8AC3E}">
+        <p14:creationId xmlns:p14="http://schemas.microsoft.com/office/powerpoint/2010/main" val="209994220"/>
+      </p:ext>
+    </p:extLst>
+  </p:cSld>
+  <p:clrMapOvr>
+    <a:masterClrMapping/>
+  </p:clrMapOvr>
+  <mc:AlternateContent xmlns:mc="http://schemas.openxmlformats.org/markup-compatibility/2006">
+    <mc:Choice xmlns:p14="http://schemas.microsoft.com/office/powerpoint/2010/main" Requires="p14">
+      <p:transition>
+        <p14:reveal/>
+      </p:transition>
+    </mc:Choice>
+    <mc:Fallback>
+      <p:transition>
+        <p:fade/>
+      </p:transition>
+    </mc:Fallback>
+  </mc:AlternateContent>
+  <p:timing>
+    <p:tnLst>
+      <p:par>
+        <p:cTn id="1" dur="indefinite" restart="never" nodeType="tmRoot"/>
+      </p:par>
+    </p:tnLst>
+  </p:timing>
+</p:sld>
+</file>
+
+<file path=ppt/slides/slide22.xml><?xml version="1.0" encoding="utf-8"?>
+<p:sld xmlns:a="http://schemas.openxmlformats.org/drawingml/2006/main" xmlns:r="http://schemas.openxmlformats.org/officeDocument/2006/relationships" xmlns:p="http://schemas.openxmlformats.org/presentationml/2006/main">
+  <p:cSld>
+    <p:spTree>
+      <p:nvGrpSpPr>
+        <p:cNvPr id="1" name=""/>
+        <p:cNvGrpSpPr/>
+        <p:nvPr/>
+      </p:nvGrpSpPr>
+      <p:grpSpPr>
+        <a:xfrm>
+          <a:off x="0" y="0"/>
+          <a:ext cx="0" cy="0"/>
+          <a:chOff x="0" y="0"/>
+          <a:chExt cx="0" cy="0"/>
+        </a:xfrm>
+      </p:grpSpPr>
+      <p:sp>
+        <p:nvSpPr>
+          <p:cNvPr id="2" name="Title 1"/>
+          <p:cNvSpPr>
+            <a:spLocks noGrp="1"/>
+          </p:cNvSpPr>
+          <p:nvPr>
+            <p:ph type="title"/>
+          </p:nvPr>
+        </p:nvSpPr>
+        <p:spPr/>
+        <p:txBody>
+          <a:bodyPr/>
+          <a:lstStyle/>
+          <a:p>
+            <a:r>
+              <a:rPr lang="hr-HR" sz="3200" b="1" dirty="0">
+                <a:solidFill>
+                  <a:srgbClr val="FF0000"/>
+                </a:solidFill>
+              </a:rPr>
+              <a:t>UGOSTITELJSTVO I PUTNIČKE AGENCIJE</a:t>
+            </a:r>
+            <a:r>
+              <a:rPr lang="hr-HR" sz="3500" dirty="0">
+                <a:solidFill>
+                  <a:prstClr val="black"/>
+                </a:solidFill>
+              </a:rPr>
+              <a:t>      </a:t>
+            </a:r>
+            <a:r>
+              <a:rPr lang="hr-HR" sz="2400" i="1" dirty="0">
+                <a:solidFill>
+                  <a:prstClr val="black"/>
+                </a:solidFill>
+              </a:rPr>
+              <a:t>(plan ploče)</a:t>
+            </a:r>
+            <a:endParaRPr lang="hr-HR" sz="3500" dirty="0"/>
+          </a:p>
+        </p:txBody>
+      </p:sp>
+      <p:sp>
+        <p:nvSpPr>
+          <p:cNvPr id="3" name="Content Placeholder 2"/>
+          <p:cNvSpPr>
+            <a:spLocks noGrp="1"/>
+          </p:cNvSpPr>
+          <p:nvPr>
+            <p:ph idx="1"/>
+          </p:nvPr>
+        </p:nvSpPr>
+        <p:spPr>
+          <a:xfrm>
+            <a:off x="35496" y="836712"/>
+            <a:ext cx="9144000" cy="5734990"/>
+          </a:xfrm>
+        </p:spPr>
+        <p:txBody>
+          <a:bodyPr>
+            <a:noAutofit/>
+          </a:bodyPr>
+          <a:lstStyle/>
+          <a:p>
+            <a:pPr>
+              <a:spcBef>
+                <a:spcPts val="600"/>
+              </a:spcBef>
+            </a:pPr>
+            <a:r>
+              <a:rPr lang="hr-HR" sz="2400" b="1" dirty="0">
+                <a:solidFill>
+                  <a:srgbClr val="FF0000"/>
+                </a:solidFill>
+              </a:rPr>
+              <a:t>provizija</a:t>
+            </a:r>
+            <a:r>
+              <a:rPr lang="hr-HR" sz="2400" dirty="0"/>
+              <a:t> je svota koju ugostiteljski objekt odobrava </a:t>
+            </a:r>
+            <a:r>
+              <a:rPr lang="hr-HR" sz="2400" b="1" dirty="0"/>
+              <a:t>u postotku ili fiksnom iznosu</a:t>
+            </a:r>
+            <a:r>
+              <a:rPr lang="hr-HR" sz="2400" dirty="0"/>
+              <a:t> za vrijednost pruženih usluga gostima koje je u ugostiteljski objekt uputila </a:t>
+            </a:r>
+            <a:r>
+              <a:rPr lang="hr-HR" sz="2400" dirty="0" smtClean="0"/>
+              <a:t>agencija</a:t>
+            </a:r>
+          </a:p>
+          <a:p>
+            <a:pPr lvl="0">
+              <a:spcBef>
+                <a:spcPts val="600"/>
+              </a:spcBef>
+            </a:pPr>
+            <a:r>
+              <a:rPr lang="hr-HR" sz="2400" dirty="0"/>
+              <a:t>iznosi od 3% do 15% (nekad i više)</a:t>
+            </a:r>
+          </a:p>
+          <a:p>
+            <a:pPr>
+              <a:spcBef>
+                <a:spcPts val="600"/>
+              </a:spcBef>
+            </a:pPr>
+            <a:endParaRPr lang="hr-HR" sz="2400" dirty="0"/>
+          </a:p>
+          <a:p>
+            <a:pPr>
+              <a:spcBef>
+                <a:spcPts val="600"/>
+              </a:spcBef>
+            </a:pPr>
+            <a:r>
+              <a:rPr lang="hr-HR" sz="2400" dirty="0"/>
+              <a:t>poslovni odnos između turističke agencije i ugostiteljskog objekta naziva se </a:t>
+            </a:r>
+            <a:r>
+              <a:rPr lang="hr-HR" sz="2400" b="1" dirty="0">
+                <a:solidFill>
+                  <a:srgbClr val="FF0000"/>
+                </a:solidFill>
+              </a:rPr>
+              <a:t>turističko posredovanje</a:t>
+            </a:r>
+            <a:endParaRPr lang="hr-HR" sz="2400" dirty="0">
+              <a:solidFill>
+                <a:srgbClr val="FF0000"/>
+              </a:solidFill>
+            </a:endParaRPr>
+          </a:p>
+          <a:p>
+            <a:pPr lvl="0">
+              <a:spcBef>
+                <a:spcPts val="600"/>
+              </a:spcBef>
+            </a:pPr>
+            <a:endParaRPr lang="hr-HR" sz="2400" dirty="0" smtClean="0"/>
+          </a:p>
+        </p:txBody>
+      </p:sp>
+    </p:spTree>
+    <p:extLst>
+      <p:ext uri="{BB962C8B-B14F-4D97-AF65-F5344CB8AC3E}">
+        <p14:creationId xmlns:p14="http://schemas.microsoft.com/office/powerpoint/2010/main" val="3691680002"/>
+      </p:ext>
+    </p:extLst>
+  </p:cSld>
+  <p:clrMapOvr>
+    <a:masterClrMapping/>
+  </p:clrMapOvr>
+  <mc:AlternateContent xmlns:mc="http://schemas.openxmlformats.org/markup-compatibility/2006">
+    <mc:Choice xmlns:p14="http://schemas.microsoft.com/office/powerpoint/2010/main" Requires="p14">
+      <p:transition>
+        <p14:reveal/>
+      </p:transition>
+    </mc:Choice>
+    <mc:Fallback>
+      <p:transition>
+        <p:fade/>
+      </p:transition>
+    </mc:Fallback>
+  </mc:AlternateContent>
+  <p:timing>
+    <p:tnLst>
+      <p:par>
+        <p:cTn id="1" dur="indefinite" restart="never" nodeType="tmRoot"/>
+      </p:par>
+    </p:tnLst>
+  </p:timing>
+</p:sld>
+</file>
+
+<file path=ppt/slides/slide23.xml><?xml version="1.0" encoding="utf-8"?>
+<p:sld xmlns:a="http://schemas.openxmlformats.org/drawingml/2006/main" xmlns:r="http://schemas.openxmlformats.org/officeDocument/2006/relationships" xmlns:p="http://schemas.openxmlformats.org/presentationml/2006/main">
+  <p:cSld>
+    <p:spTree>
+      <p:nvGrpSpPr>
+        <p:cNvPr id="1" name=""/>
+        <p:cNvGrpSpPr/>
+        <p:nvPr/>
+      </p:nvGrpSpPr>
+      <p:grpSpPr>
+        <a:xfrm>
+          <a:off x="0" y="0"/>
+          <a:ext cx="0" cy="0"/>
+          <a:chOff x="0" y="0"/>
+          <a:chExt cx="0" cy="0"/>
+        </a:xfrm>
+      </p:grpSpPr>
+      <p:sp>
+        <p:nvSpPr>
+          <p:cNvPr id="2" name="Title 1"/>
+          <p:cNvSpPr>
+            <a:spLocks noGrp="1"/>
+          </p:cNvSpPr>
+          <p:nvPr>
+            <p:ph type="title"/>
+          </p:nvPr>
+        </p:nvSpPr>
+        <p:spPr/>
+        <p:txBody>
+          <a:bodyPr/>
+          <a:lstStyle/>
+          <a:p>
+            <a:r>
               <a:rPr lang="hr-HR" dirty="0" smtClean="0"/>
               <a:t>Ponovimo </a:t>
             </a:r>
@@ -9578,13 +11768,13 @@
   <p:clrMapOvr>
     <a:masterClrMapping/>
   </p:clrMapOvr>
-  <mc:AlternateContent xmlns:mc="http://schemas.openxmlformats.org/markup-compatibility/2006" xmlns:p14="http://schemas.microsoft.com/office/powerpoint/2010/main">
-    <mc:Choice Requires="p14">
+  <mc:AlternateContent xmlns:mc="http://schemas.openxmlformats.org/markup-compatibility/2006">
+    <mc:Choice xmlns:p14="http://schemas.microsoft.com/office/powerpoint/2010/main" Requires="p14">
       <p:transition>
         <p14:reveal/>
       </p:transition>
     </mc:Choice>
-    <mc:Fallback xmlns="">
+    <mc:Fallback>
       <p:transition>
         <p:fade/>
       </p:transition>
@@ -10236,7 +12426,7 @@
 </p:sld>
 </file>
 
-<file path=ppt/slides/slide22.xml><?xml version="1.0" encoding="utf-8"?>
+<file path=ppt/slides/slide24.xml><?xml version="1.0" encoding="utf-8"?>
 <p:sld xmlns:a="http://schemas.openxmlformats.org/drawingml/2006/main" xmlns:r="http://schemas.openxmlformats.org/officeDocument/2006/relationships" xmlns:p="http://schemas.openxmlformats.org/presentationml/2006/main">
   <p:cSld>
     <p:spTree>
@@ -10488,13 +12678,13 @@
   <p:clrMapOvr>
     <a:masterClrMapping/>
   </p:clrMapOvr>
-  <mc:AlternateContent xmlns:mc="http://schemas.openxmlformats.org/markup-compatibility/2006" xmlns:p14="http://schemas.microsoft.com/office/powerpoint/2010/main">
-    <mc:Choice Requires="p14">
+  <mc:AlternateContent xmlns:mc="http://schemas.openxmlformats.org/markup-compatibility/2006">
+    <mc:Choice xmlns:p14="http://schemas.microsoft.com/office/powerpoint/2010/main" Requires="p14">
       <p:transition>
         <p14:reveal/>
       </p:transition>
     </mc:Choice>
-    <mc:Fallback xmlns="">
+    <mc:Fallback>
       <p:transition>
         <p:fade/>
       </p:transition>
@@ -10983,958 +13173,6 @@
                                           <p:spTgt spid="5">
                                             <p:txEl>
                                               <p:pRg st="8" end="8"/>
-                                            </p:txEl>
-                                          </p:spTgt>
-                                        </p:tgtEl>
-                                      </p:cBhvr>
-                                    </p:animEffect>
-                                  </p:childTnLst>
-                                </p:cTn>
-                              </p:par>
-                            </p:childTnLst>
-                          </p:cTn>
-                        </p:par>
-                      </p:childTnLst>
-                    </p:cTn>
-                  </p:par>
-                </p:childTnLst>
-              </p:cTn>
-              <p:prevCondLst>
-                <p:cond evt="onPrev" delay="0">
-                  <p:tgtEl>
-                    <p:sldTgt/>
-                  </p:tgtEl>
-                </p:cond>
-              </p:prevCondLst>
-              <p:nextCondLst>
-                <p:cond evt="onNext" delay="0">
-                  <p:tgtEl>
-                    <p:sldTgt/>
-                  </p:tgtEl>
-                </p:cond>
-              </p:nextCondLst>
-            </p:seq>
-          </p:childTnLst>
-        </p:cTn>
-      </p:par>
-    </p:tnLst>
-    <p:bldLst>
-      <p:bldP spid="5" grpId="0" build="p"/>
-    </p:bldLst>
-  </p:timing>
-</p:sld>
-</file>
-
-<file path=ppt/slides/slide23.xml><?xml version="1.0" encoding="utf-8"?>
-<p:sld xmlns:a="http://schemas.openxmlformats.org/drawingml/2006/main" xmlns:r="http://schemas.openxmlformats.org/officeDocument/2006/relationships" xmlns:p="http://schemas.openxmlformats.org/presentationml/2006/main">
-  <p:cSld>
-    <p:spTree>
-      <p:nvGrpSpPr>
-        <p:cNvPr id="1" name=""/>
-        <p:cNvGrpSpPr/>
-        <p:nvPr/>
-      </p:nvGrpSpPr>
-      <p:grpSpPr>
-        <a:xfrm>
-          <a:off x="0" y="0"/>
-          <a:ext cx="0" cy="0"/>
-          <a:chOff x="0" y="0"/>
-          <a:chExt cx="0" cy="0"/>
-        </a:xfrm>
-      </p:grpSpPr>
-      <p:sp>
-        <p:nvSpPr>
-          <p:cNvPr id="2" name="Title 1"/>
-          <p:cNvSpPr>
-            <a:spLocks noGrp="1"/>
-          </p:cNvSpPr>
-          <p:nvPr>
-            <p:ph type="title"/>
-          </p:nvPr>
-        </p:nvSpPr>
-        <p:spPr/>
-        <p:txBody>
-          <a:bodyPr/>
-          <a:lstStyle/>
-          <a:p>
-            <a:r>
-              <a:rPr lang="hr-HR" sz="3500" b="1" dirty="0" smtClean="0">
-                <a:solidFill>
-                  <a:srgbClr val="FF0000"/>
-                </a:solidFill>
-              </a:rPr>
-              <a:t>UGOSTITELJSTVO I OBRT</a:t>
-            </a:r>
-            <a:endParaRPr lang="hr-HR" sz="3500" b="1" dirty="0">
-              <a:solidFill>
-                <a:srgbClr val="FF0000"/>
-              </a:solidFill>
-            </a:endParaRPr>
-          </a:p>
-        </p:txBody>
-      </p:sp>
-      <p:sp>
-        <p:nvSpPr>
-          <p:cNvPr id="5" name="Content Placeholder 2"/>
-          <p:cNvSpPr>
-            <a:spLocks noGrp="1"/>
-          </p:cNvSpPr>
-          <p:nvPr>
-            <p:ph idx="1"/>
-          </p:nvPr>
-        </p:nvSpPr>
-        <p:spPr>
-          <a:xfrm>
-            <a:off x="0" y="836712"/>
-            <a:ext cx="9144000" cy="5643602"/>
-          </a:xfrm>
-        </p:spPr>
-        <p:txBody>
-          <a:bodyPr>
-            <a:noAutofit/>
-          </a:bodyPr>
-          <a:lstStyle/>
-          <a:p>
-            <a:pPr lvl="0">
-              <a:spcBef>
-                <a:spcPts val="1800"/>
-              </a:spcBef>
-            </a:pPr>
-            <a:r>
-              <a:rPr lang="hr-HR" sz="2400" b="1" dirty="0">
-                <a:solidFill>
-                  <a:srgbClr val="FF0000"/>
-                </a:solidFill>
-              </a:rPr>
-              <a:t>obrt</a:t>
-            </a:r>
-            <a:r>
-              <a:rPr lang="hr-HR" sz="2400" dirty="0"/>
-              <a:t> – djelatnost koja može biti proizvodna, prometna i uslužna</a:t>
-            </a:r>
-          </a:p>
-          <a:p>
-            <a:pPr lvl="0">
-              <a:spcBef>
-                <a:spcPts val="1800"/>
-              </a:spcBef>
-            </a:pPr>
-            <a:r>
-              <a:rPr lang="hr-HR" sz="2400" dirty="0"/>
-              <a:t>obrtničke djelatnosti se </a:t>
-            </a:r>
-            <a:r>
-              <a:rPr lang="hr-HR" sz="2400" b="1" dirty="0">
-                <a:solidFill>
-                  <a:srgbClr val="FF0000"/>
-                </a:solidFill>
-              </a:rPr>
-              <a:t>pretežno obavljaju ručno uz pomoć alata ili s manje strojeva </a:t>
-            </a:r>
-            <a:r>
-              <a:rPr lang="hr-HR" sz="2400" dirty="0"/>
-              <a:t>(nije industrijska proizvodnja), manji broj zaposlenih i manja proizvodnja (nije serijska kao u tvornicama)</a:t>
-            </a:r>
-          </a:p>
-          <a:p>
-            <a:pPr lvl="0">
-              <a:spcBef>
-                <a:spcPts val="1800"/>
-              </a:spcBef>
-            </a:pPr>
-            <a:r>
-              <a:rPr lang="hr-HR" sz="2400" dirty="0"/>
-              <a:t>obrtnici su bitni za ugostiteljstvo radi raznovrsnih usluga – od popravka vodoinstalacija, elektroinstalacija, do slastičara, pekara i dr., uglavnom vezanim za održavanje ugostiteljskih objekata i dobavljanje namirnica</a:t>
-            </a:r>
-          </a:p>
-          <a:p>
-            <a:pPr lvl="0">
-              <a:spcBef>
-                <a:spcPts val="1800"/>
-              </a:spcBef>
-            </a:pPr>
-            <a:r>
-              <a:rPr lang="hr-HR" sz="2400" dirty="0"/>
-              <a:t>neki obrti mogu biti </a:t>
-            </a:r>
-            <a:r>
-              <a:rPr lang="hr-HR" sz="2400" b="1" dirty="0">
-                <a:solidFill>
-                  <a:srgbClr val="FF0000"/>
-                </a:solidFill>
-              </a:rPr>
-              <a:t>u sklopu ugostiteljskog </a:t>
-            </a:r>
-            <a:r>
-              <a:rPr lang="hr-HR" sz="2400" b="1" dirty="0" smtClean="0">
-                <a:solidFill>
-                  <a:srgbClr val="FF0000"/>
-                </a:solidFill>
-              </a:rPr>
-              <a:t>objekta</a:t>
-            </a:r>
-            <a:r>
-              <a:rPr lang="hr-HR" sz="2400" dirty="0" smtClean="0"/>
-              <a:t> </a:t>
-            </a:r>
-          </a:p>
-          <a:p>
-            <a:pPr lvl="1">
-              <a:spcBef>
-                <a:spcPts val="1800"/>
-              </a:spcBef>
-            </a:pPr>
-            <a:r>
-              <a:rPr lang="hr-HR" sz="2400" i="1" dirty="0" smtClean="0"/>
-              <a:t>npr</a:t>
-            </a:r>
-            <a:r>
-              <a:rPr lang="hr-HR" sz="2400" i="1" dirty="0"/>
-              <a:t>. hotel u sklopu ima frizerski salon, pedikera, brijača, fotografa, pekaru i dr.</a:t>
-            </a:r>
-          </a:p>
-        </p:txBody>
-      </p:sp>
-    </p:spTree>
-    <p:extLst>
-      <p:ext uri="{BB962C8B-B14F-4D97-AF65-F5344CB8AC3E}">
-        <p14:creationId xmlns:p14="http://schemas.microsoft.com/office/powerpoint/2010/main" val="4052793245"/>
-      </p:ext>
-    </p:extLst>
-  </p:cSld>
-  <p:clrMapOvr>
-    <a:masterClrMapping/>
-  </p:clrMapOvr>
-  <mc:AlternateContent xmlns:mc="http://schemas.openxmlformats.org/markup-compatibility/2006" xmlns:p14="http://schemas.microsoft.com/office/powerpoint/2010/main">
-    <mc:Choice Requires="p14">
-      <p:transition>
-        <p14:reveal/>
-      </p:transition>
-    </mc:Choice>
-    <mc:Fallback xmlns="">
-      <p:transition>
-        <p:fade/>
-      </p:transition>
-    </mc:Fallback>
-  </mc:AlternateContent>
-  <p:timing>
-    <p:tnLst>
-      <p:par>
-        <p:cTn id="1" dur="indefinite" restart="never" nodeType="tmRoot">
-          <p:childTnLst>
-            <p:seq concurrent="1" nextAc="seek">
-              <p:cTn id="2" dur="indefinite" nodeType="mainSeq">
-                <p:childTnLst>
-                  <p:par>
-                    <p:cTn id="3" fill="hold">
-                      <p:stCondLst>
-                        <p:cond delay="indefinite"/>
-                        <p:cond evt="onBegin" delay="0">
-                          <p:tn val="2"/>
-                        </p:cond>
-                      </p:stCondLst>
-                      <p:childTnLst>
-                        <p:par>
-                          <p:cTn id="4" fill="hold">
-                            <p:stCondLst>
-                              <p:cond delay="0"/>
-                            </p:stCondLst>
-                            <p:childTnLst>
-                              <p:par>
-                                <p:cTn id="5" presetID="10" presetClass="entr" presetSubtype="0" fill="hold" grpId="0" nodeType="afterEffect">
-                                  <p:stCondLst>
-                                    <p:cond delay="0"/>
-                                  </p:stCondLst>
-                                  <p:childTnLst>
-                                    <p:set>
-                                      <p:cBhvr>
-                                        <p:cTn id="6" dur="1" fill="hold">
-                                          <p:stCondLst>
-                                            <p:cond delay="0"/>
-                                          </p:stCondLst>
-                                        </p:cTn>
-                                        <p:tgtEl>
-                                          <p:spTgt spid="5">
-                                            <p:txEl>
-                                              <p:pRg st="0" end="0"/>
-                                            </p:txEl>
-                                          </p:spTgt>
-                                        </p:tgtEl>
-                                        <p:attrNameLst>
-                                          <p:attrName>style.visibility</p:attrName>
-                                        </p:attrNameLst>
-                                      </p:cBhvr>
-                                      <p:to>
-                                        <p:strVal val="visible"/>
-                                      </p:to>
-                                    </p:set>
-                                    <p:animEffect transition="in" filter="fade">
-                                      <p:cBhvr>
-                                        <p:cTn id="7" dur="250"/>
-                                        <p:tgtEl>
-                                          <p:spTgt spid="5">
-                                            <p:txEl>
-                                              <p:pRg st="0" end="0"/>
-                                            </p:txEl>
-                                          </p:spTgt>
-                                        </p:tgtEl>
-                                      </p:cBhvr>
-                                    </p:animEffect>
-                                  </p:childTnLst>
-                                </p:cTn>
-                              </p:par>
-                            </p:childTnLst>
-                          </p:cTn>
-                        </p:par>
-                        <p:par>
-                          <p:cTn id="8" fill="hold">
-                            <p:stCondLst>
-                              <p:cond delay="250"/>
-                            </p:stCondLst>
-                            <p:childTnLst>
-                              <p:par>
-                                <p:cTn id="9" presetID="10" presetClass="entr" presetSubtype="0" fill="hold" grpId="0" nodeType="afterEffect">
-                                  <p:stCondLst>
-                                    <p:cond delay="0"/>
-                                  </p:stCondLst>
-                                  <p:childTnLst>
-                                    <p:set>
-                                      <p:cBhvr>
-                                        <p:cTn id="10" dur="1" fill="hold">
-                                          <p:stCondLst>
-                                            <p:cond delay="0"/>
-                                          </p:stCondLst>
-                                        </p:cTn>
-                                        <p:tgtEl>
-                                          <p:spTgt spid="5">
-                                            <p:txEl>
-                                              <p:pRg st="1" end="1"/>
-                                            </p:txEl>
-                                          </p:spTgt>
-                                        </p:tgtEl>
-                                        <p:attrNameLst>
-                                          <p:attrName>style.visibility</p:attrName>
-                                        </p:attrNameLst>
-                                      </p:cBhvr>
-                                      <p:to>
-                                        <p:strVal val="visible"/>
-                                      </p:to>
-                                    </p:set>
-                                    <p:animEffect transition="in" filter="fade">
-                                      <p:cBhvr>
-                                        <p:cTn id="11" dur="250"/>
-                                        <p:tgtEl>
-                                          <p:spTgt spid="5">
-                                            <p:txEl>
-                                              <p:pRg st="1" end="1"/>
-                                            </p:txEl>
-                                          </p:spTgt>
-                                        </p:tgtEl>
-                                      </p:cBhvr>
-                                    </p:animEffect>
-                                  </p:childTnLst>
-                                </p:cTn>
-                              </p:par>
-                            </p:childTnLst>
-                          </p:cTn>
-                        </p:par>
-                        <p:par>
-                          <p:cTn id="12" fill="hold">
-                            <p:stCondLst>
-                              <p:cond delay="500"/>
-                            </p:stCondLst>
-                            <p:childTnLst>
-                              <p:par>
-                                <p:cTn id="13" presetID="10" presetClass="entr" presetSubtype="0" fill="hold" grpId="0" nodeType="afterEffect">
-                                  <p:stCondLst>
-                                    <p:cond delay="0"/>
-                                  </p:stCondLst>
-                                  <p:childTnLst>
-                                    <p:set>
-                                      <p:cBhvr>
-                                        <p:cTn id="14" dur="1" fill="hold">
-                                          <p:stCondLst>
-                                            <p:cond delay="0"/>
-                                          </p:stCondLst>
-                                        </p:cTn>
-                                        <p:tgtEl>
-                                          <p:spTgt spid="5">
-                                            <p:txEl>
-                                              <p:pRg st="2" end="2"/>
-                                            </p:txEl>
-                                          </p:spTgt>
-                                        </p:tgtEl>
-                                        <p:attrNameLst>
-                                          <p:attrName>style.visibility</p:attrName>
-                                        </p:attrNameLst>
-                                      </p:cBhvr>
-                                      <p:to>
-                                        <p:strVal val="visible"/>
-                                      </p:to>
-                                    </p:set>
-                                    <p:animEffect transition="in" filter="fade">
-                                      <p:cBhvr>
-                                        <p:cTn id="15" dur="250"/>
-                                        <p:tgtEl>
-                                          <p:spTgt spid="5">
-                                            <p:txEl>
-                                              <p:pRg st="2" end="2"/>
-                                            </p:txEl>
-                                          </p:spTgt>
-                                        </p:tgtEl>
-                                      </p:cBhvr>
-                                    </p:animEffect>
-                                  </p:childTnLst>
-                                </p:cTn>
-                              </p:par>
-                            </p:childTnLst>
-                          </p:cTn>
-                        </p:par>
-                        <p:par>
-                          <p:cTn id="16" fill="hold">
-                            <p:stCondLst>
-                              <p:cond delay="750"/>
-                            </p:stCondLst>
-                            <p:childTnLst>
-                              <p:par>
-                                <p:cTn id="17" presetID="10" presetClass="entr" presetSubtype="0" fill="hold" grpId="0" nodeType="afterEffect">
-                                  <p:stCondLst>
-                                    <p:cond delay="0"/>
-                                  </p:stCondLst>
-                                  <p:childTnLst>
-                                    <p:set>
-                                      <p:cBhvr>
-                                        <p:cTn id="18" dur="1" fill="hold">
-                                          <p:stCondLst>
-                                            <p:cond delay="0"/>
-                                          </p:stCondLst>
-                                        </p:cTn>
-                                        <p:tgtEl>
-                                          <p:spTgt spid="5">
-                                            <p:txEl>
-                                              <p:pRg st="3" end="3"/>
-                                            </p:txEl>
-                                          </p:spTgt>
-                                        </p:tgtEl>
-                                        <p:attrNameLst>
-                                          <p:attrName>style.visibility</p:attrName>
-                                        </p:attrNameLst>
-                                      </p:cBhvr>
-                                      <p:to>
-                                        <p:strVal val="visible"/>
-                                      </p:to>
-                                    </p:set>
-                                    <p:animEffect transition="in" filter="fade">
-                                      <p:cBhvr>
-                                        <p:cTn id="19" dur="250"/>
-                                        <p:tgtEl>
-                                          <p:spTgt spid="5">
-                                            <p:txEl>
-                                              <p:pRg st="3" end="3"/>
-                                            </p:txEl>
-                                          </p:spTgt>
-                                        </p:tgtEl>
-                                      </p:cBhvr>
-                                    </p:animEffect>
-                                  </p:childTnLst>
-                                </p:cTn>
-                              </p:par>
-                              <p:par>
-                                <p:cTn id="20" presetID="10" presetClass="entr" presetSubtype="0" fill="hold" grpId="0" nodeType="withEffect">
-                                  <p:stCondLst>
-                                    <p:cond delay="0"/>
-                                  </p:stCondLst>
-                                  <p:childTnLst>
-                                    <p:set>
-                                      <p:cBhvr>
-                                        <p:cTn id="21" dur="1" fill="hold">
-                                          <p:stCondLst>
-                                            <p:cond delay="0"/>
-                                          </p:stCondLst>
-                                        </p:cTn>
-                                        <p:tgtEl>
-                                          <p:spTgt spid="5">
-                                            <p:txEl>
-                                              <p:pRg st="4" end="4"/>
-                                            </p:txEl>
-                                          </p:spTgt>
-                                        </p:tgtEl>
-                                        <p:attrNameLst>
-                                          <p:attrName>style.visibility</p:attrName>
-                                        </p:attrNameLst>
-                                      </p:cBhvr>
-                                      <p:to>
-                                        <p:strVal val="visible"/>
-                                      </p:to>
-                                    </p:set>
-                                    <p:animEffect transition="in" filter="fade">
-                                      <p:cBhvr>
-                                        <p:cTn id="22" dur="250"/>
-                                        <p:tgtEl>
-                                          <p:spTgt spid="5">
-                                            <p:txEl>
-                                              <p:pRg st="4" end="4"/>
-                                            </p:txEl>
-                                          </p:spTgt>
-                                        </p:tgtEl>
-                                      </p:cBhvr>
-                                    </p:animEffect>
-                                  </p:childTnLst>
-                                </p:cTn>
-                              </p:par>
-                            </p:childTnLst>
-                          </p:cTn>
-                        </p:par>
-                      </p:childTnLst>
-                    </p:cTn>
-                  </p:par>
-                </p:childTnLst>
-              </p:cTn>
-              <p:prevCondLst>
-                <p:cond evt="onPrev" delay="0">
-                  <p:tgtEl>
-                    <p:sldTgt/>
-                  </p:tgtEl>
-                </p:cond>
-              </p:prevCondLst>
-              <p:nextCondLst>
-                <p:cond evt="onNext" delay="0">
-                  <p:tgtEl>
-                    <p:sldTgt/>
-                  </p:tgtEl>
-                </p:cond>
-              </p:nextCondLst>
-            </p:seq>
-          </p:childTnLst>
-        </p:cTn>
-      </p:par>
-    </p:tnLst>
-    <p:bldLst>
-      <p:bldP spid="5" grpId="0" build="p"/>
-    </p:bldLst>
-  </p:timing>
-</p:sld>
-</file>
-
-<file path=ppt/slides/slide24.xml><?xml version="1.0" encoding="utf-8"?>
-<p:sld xmlns:a="http://schemas.openxmlformats.org/drawingml/2006/main" xmlns:r="http://schemas.openxmlformats.org/officeDocument/2006/relationships" xmlns:p="http://schemas.openxmlformats.org/presentationml/2006/main">
-  <p:cSld>
-    <p:spTree>
-      <p:nvGrpSpPr>
-        <p:cNvPr id="1" name=""/>
-        <p:cNvGrpSpPr/>
-        <p:nvPr/>
-      </p:nvGrpSpPr>
-      <p:grpSpPr>
-        <a:xfrm>
-          <a:off x="0" y="0"/>
-          <a:ext cx="0" cy="0"/>
-          <a:chOff x="0" y="0"/>
-          <a:chExt cx="0" cy="0"/>
-        </a:xfrm>
-      </p:grpSpPr>
-      <p:sp>
-        <p:nvSpPr>
-          <p:cNvPr id="2" name="Title 1"/>
-          <p:cNvSpPr>
-            <a:spLocks noGrp="1"/>
-          </p:cNvSpPr>
-          <p:nvPr>
-            <p:ph type="title"/>
-          </p:nvPr>
-        </p:nvSpPr>
-        <p:spPr/>
-        <p:txBody>
-          <a:bodyPr/>
-          <a:lstStyle/>
-          <a:p>
-            <a:r>
-              <a:rPr lang="hr-HR" sz="3500" b="1" dirty="0" smtClean="0">
-                <a:solidFill>
-                  <a:srgbClr val="FF0000"/>
-                </a:solidFill>
-              </a:rPr>
-              <a:t>UGOSTITELJSTVO I INDUSTRIJA</a:t>
-            </a:r>
-            <a:endParaRPr lang="hr-HR" sz="3500" b="1" dirty="0">
-              <a:solidFill>
-                <a:srgbClr val="FF0000"/>
-              </a:solidFill>
-            </a:endParaRPr>
-          </a:p>
-        </p:txBody>
-      </p:sp>
-      <p:sp>
-        <p:nvSpPr>
-          <p:cNvPr id="5" name="Content Placeholder 2"/>
-          <p:cNvSpPr>
-            <a:spLocks noGrp="1"/>
-          </p:cNvSpPr>
-          <p:nvPr>
-            <p:ph idx="1"/>
-          </p:nvPr>
-        </p:nvSpPr>
-        <p:spPr>
-          <a:xfrm>
-            <a:off x="0" y="836712"/>
-            <a:ext cx="9144000" cy="5643602"/>
-          </a:xfrm>
-        </p:spPr>
-        <p:txBody>
-          <a:bodyPr>
-            <a:noAutofit/>
-          </a:bodyPr>
-          <a:lstStyle/>
-          <a:p>
-            <a:pPr lvl="0">
-              <a:spcBef>
-                <a:spcPts val="1800"/>
-              </a:spcBef>
-            </a:pPr>
-            <a:r>
-              <a:rPr lang="hr-HR" sz="2400" dirty="0"/>
-              <a:t>obrti se ubrajaju u uslužne i proizvodne djelatnosti, dok je </a:t>
-            </a:r>
-            <a:r>
-              <a:rPr lang="hr-HR" sz="2400" b="1" dirty="0">
-                <a:solidFill>
-                  <a:srgbClr val="FF0000"/>
-                </a:solidFill>
-              </a:rPr>
-              <a:t>industrija čista proizvodna djelatnost</a:t>
-            </a:r>
-          </a:p>
-          <a:p>
-            <a:pPr lvl="0">
-              <a:spcBef>
-                <a:spcPts val="1800"/>
-              </a:spcBef>
-            </a:pPr>
-            <a:r>
-              <a:rPr lang="hr-HR" sz="2400" dirty="0"/>
-              <a:t>za razliku od obrta, industrija zapošljava </a:t>
-            </a:r>
-            <a:r>
-              <a:rPr lang="hr-HR" sz="2400" b="1" dirty="0">
-                <a:solidFill>
-                  <a:srgbClr val="FF0000"/>
-                </a:solidFill>
-              </a:rPr>
-              <a:t>veći broj radnika </a:t>
-            </a:r>
-            <a:r>
-              <a:rPr lang="hr-HR" sz="2400" dirty="0"/>
-              <a:t>i </a:t>
-            </a:r>
-            <a:r>
-              <a:rPr lang="hr-HR" sz="2400" b="1" dirty="0">
-                <a:solidFill>
-                  <a:srgbClr val="FF0000"/>
-                </a:solidFill>
-              </a:rPr>
-              <a:t>proizvodi serijski </a:t>
-            </a:r>
-            <a:r>
-              <a:rPr lang="hr-HR" sz="2400" dirty="0"/>
-              <a:t>veći broj proizvoda</a:t>
-            </a:r>
-          </a:p>
-          <a:p>
-            <a:pPr lvl="0">
-              <a:spcBef>
-                <a:spcPts val="1800"/>
-              </a:spcBef>
-            </a:pPr>
-            <a:r>
-              <a:rPr lang="hr-HR" sz="2400" dirty="0"/>
-              <a:t>za ugostiteljstvo je bitna industrija hrane i pića, drvna, tekstilna, </a:t>
-            </a:r>
-            <a:r>
-              <a:rPr lang="hr-HR" sz="2400" dirty="0" err="1"/>
-              <a:t>ind</a:t>
-            </a:r>
-            <a:r>
-              <a:rPr lang="hr-HR" sz="2400" dirty="0"/>
-              <a:t>. porculana i stakla, elektroindustrija, </a:t>
-            </a:r>
-            <a:r>
-              <a:rPr lang="hr-HR" sz="2400" dirty="0" err="1"/>
-              <a:t>ind</a:t>
-            </a:r>
-            <a:r>
-              <a:rPr lang="hr-HR" sz="2400" dirty="0"/>
-              <a:t>. rashladnih uređaja i dr.</a:t>
-            </a:r>
-          </a:p>
-          <a:p>
-            <a:pPr lvl="0">
-              <a:spcBef>
-                <a:spcPts val="1800"/>
-              </a:spcBef>
-            </a:pPr>
-            <a:r>
-              <a:rPr lang="hr-HR" sz="2400" b="1" dirty="0">
-                <a:solidFill>
-                  <a:srgbClr val="FF0000"/>
-                </a:solidFill>
-              </a:rPr>
-              <a:t>„hotelska industrija“ </a:t>
-            </a:r>
-            <a:r>
-              <a:rPr lang="hr-HR" sz="2400" dirty="0"/>
-              <a:t>i </a:t>
-            </a:r>
-            <a:r>
-              <a:rPr lang="hr-HR" sz="2400" b="1" dirty="0">
-                <a:solidFill>
-                  <a:srgbClr val="FF0000"/>
-                </a:solidFill>
-              </a:rPr>
-              <a:t>„ugostiteljska industrija“ </a:t>
-            </a:r>
-            <a:r>
-              <a:rPr lang="hr-HR" sz="2400" dirty="0"/>
-              <a:t>– hoteli s više od 1000 postelja, restauracije s većim brojem sjedala i dr. – masovni turizam</a:t>
-            </a:r>
-          </a:p>
-        </p:txBody>
-      </p:sp>
-    </p:spTree>
-    <p:extLst>
-      <p:ext uri="{BB962C8B-B14F-4D97-AF65-F5344CB8AC3E}">
-        <p14:creationId xmlns:p14="http://schemas.microsoft.com/office/powerpoint/2010/main" val="2969113701"/>
-      </p:ext>
-    </p:extLst>
-  </p:cSld>
-  <p:clrMapOvr>
-    <a:masterClrMapping/>
-  </p:clrMapOvr>
-  <mc:AlternateContent xmlns:mc="http://schemas.openxmlformats.org/markup-compatibility/2006" xmlns:p14="http://schemas.microsoft.com/office/powerpoint/2010/main">
-    <mc:Choice Requires="p14">
-      <p:transition>
-        <p14:reveal/>
-      </p:transition>
-    </mc:Choice>
-    <mc:Fallback xmlns="">
-      <p:transition>
-        <p:fade/>
-      </p:transition>
-    </mc:Fallback>
-  </mc:AlternateContent>
-  <p:timing>
-    <p:tnLst>
-      <p:par>
-        <p:cTn id="1" dur="indefinite" restart="never" nodeType="tmRoot">
-          <p:childTnLst>
-            <p:seq concurrent="1" nextAc="seek">
-              <p:cTn id="2" dur="indefinite" nodeType="mainSeq">
-                <p:childTnLst>
-                  <p:par>
-                    <p:cTn id="3" fill="hold">
-                      <p:stCondLst>
-                        <p:cond delay="indefinite"/>
-                        <p:cond evt="onBegin" delay="0">
-                          <p:tn val="2"/>
-                        </p:cond>
-                      </p:stCondLst>
-                      <p:childTnLst>
-                        <p:par>
-                          <p:cTn id="4" fill="hold">
-                            <p:stCondLst>
-                              <p:cond delay="0"/>
-                            </p:stCondLst>
-                            <p:childTnLst>
-                              <p:par>
-                                <p:cTn id="5" presetID="10" presetClass="entr" presetSubtype="0" fill="hold" grpId="0" nodeType="afterEffect">
-                                  <p:stCondLst>
-                                    <p:cond delay="0"/>
-                                  </p:stCondLst>
-                                  <p:childTnLst>
-                                    <p:set>
-                                      <p:cBhvr>
-                                        <p:cTn id="6" dur="1" fill="hold">
-                                          <p:stCondLst>
-                                            <p:cond delay="0"/>
-                                          </p:stCondLst>
-                                        </p:cTn>
-                                        <p:tgtEl>
-                                          <p:spTgt spid="5">
-                                            <p:txEl>
-                                              <p:pRg st="0" end="0"/>
-                                            </p:txEl>
-                                          </p:spTgt>
-                                        </p:tgtEl>
-                                        <p:attrNameLst>
-                                          <p:attrName>style.visibility</p:attrName>
-                                        </p:attrNameLst>
-                                      </p:cBhvr>
-                                      <p:to>
-                                        <p:strVal val="visible"/>
-                                      </p:to>
-                                    </p:set>
-                                    <p:animEffect transition="in" filter="fade">
-                                      <p:cBhvr>
-                                        <p:cTn id="7" dur="250"/>
-                                        <p:tgtEl>
-                                          <p:spTgt spid="5">
-                                            <p:txEl>
-                                              <p:pRg st="0" end="0"/>
-                                            </p:txEl>
-                                          </p:spTgt>
-                                        </p:tgtEl>
-                                      </p:cBhvr>
-                                    </p:animEffect>
-                                  </p:childTnLst>
-                                </p:cTn>
-                              </p:par>
-                            </p:childTnLst>
-                          </p:cTn>
-                        </p:par>
-                        <p:par>
-                          <p:cTn id="8" fill="hold">
-                            <p:stCondLst>
-                              <p:cond delay="250"/>
-                            </p:stCondLst>
-                            <p:childTnLst>
-                              <p:par>
-                                <p:cTn id="9" presetID="10" presetClass="entr" presetSubtype="0" fill="hold" grpId="0" nodeType="afterEffect">
-                                  <p:stCondLst>
-                                    <p:cond delay="0"/>
-                                  </p:stCondLst>
-                                  <p:childTnLst>
-                                    <p:set>
-                                      <p:cBhvr>
-                                        <p:cTn id="10" dur="1" fill="hold">
-                                          <p:stCondLst>
-                                            <p:cond delay="0"/>
-                                          </p:stCondLst>
-                                        </p:cTn>
-                                        <p:tgtEl>
-                                          <p:spTgt spid="5">
-                                            <p:txEl>
-                                              <p:pRg st="1" end="1"/>
-                                            </p:txEl>
-                                          </p:spTgt>
-                                        </p:tgtEl>
-                                        <p:attrNameLst>
-                                          <p:attrName>style.visibility</p:attrName>
-                                        </p:attrNameLst>
-                                      </p:cBhvr>
-                                      <p:to>
-                                        <p:strVal val="visible"/>
-                                      </p:to>
-                                    </p:set>
-                                    <p:animEffect transition="in" filter="fade">
-                                      <p:cBhvr>
-                                        <p:cTn id="11" dur="250"/>
-                                        <p:tgtEl>
-                                          <p:spTgt spid="5">
-                                            <p:txEl>
-                                              <p:pRg st="1" end="1"/>
-                                            </p:txEl>
-                                          </p:spTgt>
-                                        </p:tgtEl>
-                                      </p:cBhvr>
-                                    </p:animEffect>
-                                  </p:childTnLst>
-                                </p:cTn>
-                              </p:par>
-                            </p:childTnLst>
-                          </p:cTn>
-                        </p:par>
-                        <p:par>
-                          <p:cTn id="12" fill="hold">
-                            <p:stCondLst>
-                              <p:cond delay="500"/>
-                            </p:stCondLst>
-                            <p:childTnLst>
-                              <p:par>
-                                <p:cTn id="13" presetID="10" presetClass="entr" presetSubtype="0" fill="hold" grpId="0" nodeType="afterEffect">
-                                  <p:stCondLst>
-                                    <p:cond delay="0"/>
-                                  </p:stCondLst>
-                                  <p:childTnLst>
-                                    <p:set>
-                                      <p:cBhvr>
-                                        <p:cTn id="14" dur="1" fill="hold">
-                                          <p:stCondLst>
-                                            <p:cond delay="0"/>
-                                          </p:stCondLst>
-                                        </p:cTn>
-                                        <p:tgtEl>
-                                          <p:spTgt spid="5">
-                                            <p:txEl>
-                                              <p:pRg st="2" end="2"/>
-                                            </p:txEl>
-                                          </p:spTgt>
-                                        </p:tgtEl>
-                                        <p:attrNameLst>
-                                          <p:attrName>style.visibility</p:attrName>
-                                        </p:attrNameLst>
-                                      </p:cBhvr>
-                                      <p:to>
-                                        <p:strVal val="visible"/>
-                                      </p:to>
-                                    </p:set>
-                                    <p:animEffect transition="in" filter="fade">
-                                      <p:cBhvr>
-                                        <p:cTn id="15" dur="250"/>
-                                        <p:tgtEl>
-                                          <p:spTgt spid="5">
-                                            <p:txEl>
-                                              <p:pRg st="2" end="2"/>
-                                            </p:txEl>
-                                          </p:spTgt>
-                                        </p:tgtEl>
-                                      </p:cBhvr>
-                                    </p:animEffect>
-                                  </p:childTnLst>
-                                </p:cTn>
-                              </p:par>
-                            </p:childTnLst>
-                          </p:cTn>
-                        </p:par>
-                        <p:par>
-                          <p:cTn id="16" fill="hold">
-                            <p:stCondLst>
-                              <p:cond delay="750"/>
-                            </p:stCondLst>
-                            <p:childTnLst>
-                              <p:par>
-                                <p:cTn id="17" presetID="10" presetClass="entr" presetSubtype="0" fill="hold" grpId="0" nodeType="afterEffect">
-                                  <p:stCondLst>
-                                    <p:cond delay="0"/>
-                                  </p:stCondLst>
-                                  <p:childTnLst>
-                                    <p:set>
-                                      <p:cBhvr>
-                                        <p:cTn id="18" dur="1" fill="hold">
-                                          <p:stCondLst>
-                                            <p:cond delay="0"/>
-                                          </p:stCondLst>
-                                        </p:cTn>
-                                        <p:tgtEl>
-                                          <p:spTgt spid="5">
-                                            <p:txEl>
-                                              <p:pRg st="3" end="3"/>
-                                            </p:txEl>
-                                          </p:spTgt>
-                                        </p:tgtEl>
-                                        <p:attrNameLst>
-                                          <p:attrName>style.visibility</p:attrName>
-                                        </p:attrNameLst>
-                                      </p:cBhvr>
-                                      <p:to>
-                                        <p:strVal val="visible"/>
-                                      </p:to>
-                                    </p:set>
-                                    <p:animEffect transition="in" filter="fade">
-                                      <p:cBhvr>
-                                        <p:cTn id="19" dur="250"/>
-                                        <p:tgtEl>
-                                          <p:spTgt spid="5">
-                                            <p:txEl>
-                                              <p:pRg st="3" end="3"/>
                                             </p:txEl>
                                           </p:spTgt>
                                         </p:tgtEl>
@@ -11994,6 +13232,958 @@
           <a:chExt cx="0" cy="0"/>
         </a:xfrm>
       </p:grpSpPr>
+      <p:sp>
+        <p:nvSpPr>
+          <p:cNvPr id="2" name="Title 1"/>
+          <p:cNvSpPr>
+            <a:spLocks noGrp="1"/>
+          </p:cNvSpPr>
+          <p:nvPr>
+            <p:ph type="title"/>
+          </p:nvPr>
+        </p:nvSpPr>
+        <p:spPr/>
+        <p:txBody>
+          <a:bodyPr/>
+          <a:lstStyle/>
+          <a:p>
+            <a:r>
+              <a:rPr lang="hr-HR" sz="3500" b="1" dirty="0" smtClean="0">
+                <a:solidFill>
+                  <a:srgbClr val="FF0000"/>
+                </a:solidFill>
+              </a:rPr>
+              <a:t>UGOSTITELJSTVO I OBRT</a:t>
+            </a:r>
+            <a:endParaRPr lang="hr-HR" sz="3500" b="1" dirty="0">
+              <a:solidFill>
+                <a:srgbClr val="FF0000"/>
+              </a:solidFill>
+            </a:endParaRPr>
+          </a:p>
+        </p:txBody>
+      </p:sp>
+      <p:sp>
+        <p:nvSpPr>
+          <p:cNvPr id="5" name="Content Placeholder 2"/>
+          <p:cNvSpPr>
+            <a:spLocks noGrp="1"/>
+          </p:cNvSpPr>
+          <p:nvPr>
+            <p:ph idx="1"/>
+          </p:nvPr>
+        </p:nvSpPr>
+        <p:spPr>
+          <a:xfrm>
+            <a:off x="0" y="836712"/>
+            <a:ext cx="9144000" cy="5643602"/>
+          </a:xfrm>
+        </p:spPr>
+        <p:txBody>
+          <a:bodyPr>
+            <a:noAutofit/>
+          </a:bodyPr>
+          <a:lstStyle/>
+          <a:p>
+            <a:pPr lvl="0">
+              <a:spcBef>
+                <a:spcPts val="1800"/>
+              </a:spcBef>
+            </a:pPr>
+            <a:r>
+              <a:rPr lang="hr-HR" sz="2400" b="1" dirty="0">
+                <a:solidFill>
+                  <a:srgbClr val="FF0000"/>
+                </a:solidFill>
+              </a:rPr>
+              <a:t>obrt</a:t>
+            </a:r>
+            <a:r>
+              <a:rPr lang="hr-HR" sz="2400" dirty="0"/>
+              <a:t> – djelatnost koja može biti proizvodna, prometna i uslužna</a:t>
+            </a:r>
+          </a:p>
+          <a:p>
+            <a:pPr lvl="0">
+              <a:spcBef>
+                <a:spcPts val="1800"/>
+              </a:spcBef>
+            </a:pPr>
+            <a:r>
+              <a:rPr lang="hr-HR" sz="2400" dirty="0"/>
+              <a:t>obrtničke djelatnosti se </a:t>
+            </a:r>
+            <a:r>
+              <a:rPr lang="hr-HR" sz="2400" b="1" dirty="0">
+                <a:solidFill>
+                  <a:srgbClr val="FF0000"/>
+                </a:solidFill>
+              </a:rPr>
+              <a:t>pretežno obavljaju ručno uz pomoć alata ili s manje strojeva </a:t>
+            </a:r>
+            <a:r>
+              <a:rPr lang="hr-HR" sz="2400" dirty="0"/>
+              <a:t>(nije industrijska proizvodnja), manji broj zaposlenih i manja proizvodnja (nije serijska kao u tvornicama)</a:t>
+            </a:r>
+          </a:p>
+          <a:p>
+            <a:pPr lvl="0">
+              <a:spcBef>
+                <a:spcPts val="1800"/>
+              </a:spcBef>
+            </a:pPr>
+            <a:r>
+              <a:rPr lang="hr-HR" sz="2400" dirty="0"/>
+              <a:t>obrtnici su bitni za ugostiteljstvo radi raznovrsnih usluga – od popravka vodoinstalacija, elektroinstalacija, do slastičara, pekara i dr., uglavnom vezanim za održavanje ugostiteljskih objekata i dobavljanje namirnica</a:t>
+            </a:r>
+          </a:p>
+          <a:p>
+            <a:pPr lvl="0">
+              <a:spcBef>
+                <a:spcPts val="1800"/>
+              </a:spcBef>
+            </a:pPr>
+            <a:r>
+              <a:rPr lang="hr-HR" sz="2400" dirty="0"/>
+              <a:t>neki obrti mogu biti </a:t>
+            </a:r>
+            <a:r>
+              <a:rPr lang="hr-HR" sz="2400" b="1" dirty="0">
+                <a:solidFill>
+                  <a:srgbClr val="FF0000"/>
+                </a:solidFill>
+              </a:rPr>
+              <a:t>u sklopu ugostiteljskog </a:t>
+            </a:r>
+            <a:r>
+              <a:rPr lang="hr-HR" sz="2400" b="1" dirty="0" smtClean="0">
+                <a:solidFill>
+                  <a:srgbClr val="FF0000"/>
+                </a:solidFill>
+              </a:rPr>
+              <a:t>objekta</a:t>
+            </a:r>
+            <a:r>
+              <a:rPr lang="hr-HR" sz="2400" dirty="0" smtClean="0"/>
+              <a:t> </a:t>
+            </a:r>
+          </a:p>
+          <a:p>
+            <a:pPr lvl="1">
+              <a:spcBef>
+                <a:spcPts val="1800"/>
+              </a:spcBef>
+            </a:pPr>
+            <a:r>
+              <a:rPr lang="hr-HR" sz="2400" i="1" dirty="0" smtClean="0"/>
+              <a:t>npr</a:t>
+            </a:r>
+            <a:r>
+              <a:rPr lang="hr-HR" sz="2400" i="1" dirty="0"/>
+              <a:t>. hotel u sklopu ima frizerski salon, pedikera, brijača, fotografa, pekaru i dr.</a:t>
+            </a:r>
+          </a:p>
+        </p:txBody>
+      </p:sp>
+    </p:spTree>
+    <p:extLst>
+      <p:ext uri="{BB962C8B-B14F-4D97-AF65-F5344CB8AC3E}">
+        <p14:creationId xmlns:p14="http://schemas.microsoft.com/office/powerpoint/2010/main" val="4052793245"/>
+      </p:ext>
+    </p:extLst>
+  </p:cSld>
+  <p:clrMapOvr>
+    <a:masterClrMapping/>
+  </p:clrMapOvr>
+  <mc:AlternateContent xmlns:mc="http://schemas.openxmlformats.org/markup-compatibility/2006">
+    <mc:Choice xmlns:p14="http://schemas.microsoft.com/office/powerpoint/2010/main" Requires="p14">
+      <p:transition>
+        <p14:reveal/>
+      </p:transition>
+    </mc:Choice>
+    <mc:Fallback>
+      <p:transition>
+        <p:fade/>
+      </p:transition>
+    </mc:Fallback>
+  </mc:AlternateContent>
+  <p:timing>
+    <p:tnLst>
+      <p:par>
+        <p:cTn id="1" dur="indefinite" restart="never" nodeType="tmRoot">
+          <p:childTnLst>
+            <p:seq concurrent="1" nextAc="seek">
+              <p:cTn id="2" dur="indefinite" nodeType="mainSeq">
+                <p:childTnLst>
+                  <p:par>
+                    <p:cTn id="3" fill="hold">
+                      <p:stCondLst>
+                        <p:cond delay="indefinite"/>
+                        <p:cond evt="onBegin" delay="0">
+                          <p:tn val="2"/>
+                        </p:cond>
+                      </p:stCondLst>
+                      <p:childTnLst>
+                        <p:par>
+                          <p:cTn id="4" fill="hold">
+                            <p:stCondLst>
+                              <p:cond delay="0"/>
+                            </p:stCondLst>
+                            <p:childTnLst>
+                              <p:par>
+                                <p:cTn id="5" presetID="10" presetClass="entr" presetSubtype="0" fill="hold" grpId="0" nodeType="afterEffect">
+                                  <p:stCondLst>
+                                    <p:cond delay="0"/>
+                                  </p:stCondLst>
+                                  <p:childTnLst>
+                                    <p:set>
+                                      <p:cBhvr>
+                                        <p:cTn id="6" dur="1" fill="hold">
+                                          <p:stCondLst>
+                                            <p:cond delay="0"/>
+                                          </p:stCondLst>
+                                        </p:cTn>
+                                        <p:tgtEl>
+                                          <p:spTgt spid="5">
+                                            <p:txEl>
+                                              <p:pRg st="0" end="0"/>
+                                            </p:txEl>
+                                          </p:spTgt>
+                                        </p:tgtEl>
+                                        <p:attrNameLst>
+                                          <p:attrName>style.visibility</p:attrName>
+                                        </p:attrNameLst>
+                                      </p:cBhvr>
+                                      <p:to>
+                                        <p:strVal val="visible"/>
+                                      </p:to>
+                                    </p:set>
+                                    <p:animEffect transition="in" filter="fade">
+                                      <p:cBhvr>
+                                        <p:cTn id="7" dur="250"/>
+                                        <p:tgtEl>
+                                          <p:spTgt spid="5">
+                                            <p:txEl>
+                                              <p:pRg st="0" end="0"/>
+                                            </p:txEl>
+                                          </p:spTgt>
+                                        </p:tgtEl>
+                                      </p:cBhvr>
+                                    </p:animEffect>
+                                  </p:childTnLst>
+                                </p:cTn>
+                              </p:par>
+                            </p:childTnLst>
+                          </p:cTn>
+                        </p:par>
+                        <p:par>
+                          <p:cTn id="8" fill="hold">
+                            <p:stCondLst>
+                              <p:cond delay="250"/>
+                            </p:stCondLst>
+                            <p:childTnLst>
+                              <p:par>
+                                <p:cTn id="9" presetID="10" presetClass="entr" presetSubtype="0" fill="hold" grpId="0" nodeType="afterEffect">
+                                  <p:stCondLst>
+                                    <p:cond delay="0"/>
+                                  </p:stCondLst>
+                                  <p:childTnLst>
+                                    <p:set>
+                                      <p:cBhvr>
+                                        <p:cTn id="10" dur="1" fill="hold">
+                                          <p:stCondLst>
+                                            <p:cond delay="0"/>
+                                          </p:stCondLst>
+                                        </p:cTn>
+                                        <p:tgtEl>
+                                          <p:spTgt spid="5">
+                                            <p:txEl>
+                                              <p:pRg st="1" end="1"/>
+                                            </p:txEl>
+                                          </p:spTgt>
+                                        </p:tgtEl>
+                                        <p:attrNameLst>
+                                          <p:attrName>style.visibility</p:attrName>
+                                        </p:attrNameLst>
+                                      </p:cBhvr>
+                                      <p:to>
+                                        <p:strVal val="visible"/>
+                                      </p:to>
+                                    </p:set>
+                                    <p:animEffect transition="in" filter="fade">
+                                      <p:cBhvr>
+                                        <p:cTn id="11" dur="250"/>
+                                        <p:tgtEl>
+                                          <p:spTgt spid="5">
+                                            <p:txEl>
+                                              <p:pRg st="1" end="1"/>
+                                            </p:txEl>
+                                          </p:spTgt>
+                                        </p:tgtEl>
+                                      </p:cBhvr>
+                                    </p:animEffect>
+                                  </p:childTnLst>
+                                </p:cTn>
+                              </p:par>
+                            </p:childTnLst>
+                          </p:cTn>
+                        </p:par>
+                        <p:par>
+                          <p:cTn id="12" fill="hold">
+                            <p:stCondLst>
+                              <p:cond delay="500"/>
+                            </p:stCondLst>
+                            <p:childTnLst>
+                              <p:par>
+                                <p:cTn id="13" presetID="10" presetClass="entr" presetSubtype="0" fill="hold" grpId="0" nodeType="afterEffect">
+                                  <p:stCondLst>
+                                    <p:cond delay="0"/>
+                                  </p:stCondLst>
+                                  <p:childTnLst>
+                                    <p:set>
+                                      <p:cBhvr>
+                                        <p:cTn id="14" dur="1" fill="hold">
+                                          <p:stCondLst>
+                                            <p:cond delay="0"/>
+                                          </p:stCondLst>
+                                        </p:cTn>
+                                        <p:tgtEl>
+                                          <p:spTgt spid="5">
+                                            <p:txEl>
+                                              <p:pRg st="2" end="2"/>
+                                            </p:txEl>
+                                          </p:spTgt>
+                                        </p:tgtEl>
+                                        <p:attrNameLst>
+                                          <p:attrName>style.visibility</p:attrName>
+                                        </p:attrNameLst>
+                                      </p:cBhvr>
+                                      <p:to>
+                                        <p:strVal val="visible"/>
+                                      </p:to>
+                                    </p:set>
+                                    <p:animEffect transition="in" filter="fade">
+                                      <p:cBhvr>
+                                        <p:cTn id="15" dur="250"/>
+                                        <p:tgtEl>
+                                          <p:spTgt spid="5">
+                                            <p:txEl>
+                                              <p:pRg st="2" end="2"/>
+                                            </p:txEl>
+                                          </p:spTgt>
+                                        </p:tgtEl>
+                                      </p:cBhvr>
+                                    </p:animEffect>
+                                  </p:childTnLst>
+                                </p:cTn>
+                              </p:par>
+                            </p:childTnLst>
+                          </p:cTn>
+                        </p:par>
+                        <p:par>
+                          <p:cTn id="16" fill="hold">
+                            <p:stCondLst>
+                              <p:cond delay="750"/>
+                            </p:stCondLst>
+                            <p:childTnLst>
+                              <p:par>
+                                <p:cTn id="17" presetID="10" presetClass="entr" presetSubtype="0" fill="hold" grpId="0" nodeType="afterEffect">
+                                  <p:stCondLst>
+                                    <p:cond delay="0"/>
+                                  </p:stCondLst>
+                                  <p:childTnLst>
+                                    <p:set>
+                                      <p:cBhvr>
+                                        <p:cTn id="18" dur="1" fill="hold">
+                                          <p:stCondLst>
+                                            <p:cond delay="0"/>
+                                          </p:stCondLst>
+                                        </p:cTn>
+                                        <p:tgtEl>
+                                          <p:spTgt spid="5">
+                                            <p:txEl>
+                                              <p:pRg st="3" end="3"/>
+                                            </p:txEl>
+                                          </p:spTgt>
+                                        </p:tgtEl>
+                                        <p:attrNameLst>
+                                          <p:attrName>style.visibility</p:attrName>
+                                        </p:attrNameLst>
+                                      </p:cBhvr>
+                                      <p:to>
+                                        <p:strVal val="visible"/>
+                                      </p:to>
+                                    </p:set>
+                                    <p:animEffect transition="in" filter="fade">
+                                      <p:cBhvr>
+                                        <p:cTn id="19" dur="250"/>
+                                        <p:tgtEl>
+                                          <p:spTgt spid="5">
+                                            <p:txEl>
+                                              <p:pRg st="3" end="3"/>
+                                            </p:txEl>
+                                          </p:spTgt>
+                                        </p:tgtEl>
+                                      </p:cBhvr>
+                                    </p:animEffect>
+                                  </p:childTnLst>
+                                </p:cTn>
+                              </p:par>
+                              <p:par>
+                                <p:cTn id="20" presetID="10" presetClass="entr" presetSubtype="0" fill="hold" grpId="0" nodeType="withEffect">
+                                  <p:stCondLst>
+                                    <p:cond delay="0"/>
+                                  </p:stCondLst>
+                                  <p:childTnLst>
+                                    <p:set>
+                                      <p:cBhvr>
+                                        <p:cTn id="21" dur="1" fill="hold">
+                                          <p:stCondLst>
+                                            <p:cond delay="0"/>
+                                          </p:stCondLst>
+                                        </p:cTn>
+                                        <p:tgtEl>
+                                          <p:spTgt spid="5">
+                                            <p:txEl>
+                                              <p:pRg st="4" end="4"/>
+                                            </p:txEl>
+                                          </p:spTgt>
+                                        </p:tgtEl>
+                                        <p:attrNameLst>
+                                          <p:attrName>style.visibility</p:attrName>
+                                        </p:attrNameLst>
+                                      </p:cBhvr>
+                                      <p:to>
+                                        <p:strVal val="visible"/>
+                                      </p:to>
+                                    </p:set>
+                                    <p:animEffect transition="in" filter="fade">
+                                      <p:cBhvr>
+                                        <p:cTn id="22" dur="250"/>
+                                        <p:tgtEl>
+                                          <p:spTgt spid="5">
+                                            <p:txEl>
+                                              <p:pRg st="4" end="4"/>
+                                            </p:txEl>
+                                          </p:spTgt>
+                                        </p:tgtEl>
+                                      </p:cBhvr>
+                                    </p:animEffect>
+                                  </p:childTnLst>
+                                </p:cTn>
+                              </p:par>
+                            </p:childTnLst>
+                          </p:cTn>
+                        </p:par>
+                      </p:childTnLst>
+                    </p:cTn>
+                  </p:par>
+                </p:childTnLst>
+              </p:cTn>
+              <p:prevCondLst>
+                <p:cond evt="onPrev" delay="0">
+                  <p:tgtEl>
+                    <p:sldTgt/>
+                  </p:tgtEl>
+                </p:cond>
+              </p:prevCondLst>
+              <p:nextCondLst>
+                <p:cond evt="onNext" delay="0">
+                  <p:tgtEl>
+                    <p:sldTgt/>
+                  </p:tgtEl>
+                </p:cond>
+              </p:nextCondLst>
+            </p:seq>
+          </p:childTnLst>
+        </p:cTn>
+      </p:par>
+    </p:tnLst>
+    <p:bldLst>
+      <p:bldP spid="5" grpId="0" build="p"/>
+    </p:bldLst>
+  </p:timing>
+</p:sld>
+</file>
+
+<file path=ppt/slides/slide26.xml><?xml version="1.0" encoding="utf-8"?>
+<p:sld xmlns:a="http://schemas.openxmlformats.org/drawingml/2006/main" xmlns:r="http://schemas.openxmlformats.org/officeDocument/2006/relationships" xmlns:p="http://schemas.openxmlformats.org/presentationml/2006/main">
+  <p:cSld>
+    <p:spTree>
+      <p:nvGrpSpPr>
+        <p:cNvPr id="1" name=""/>
+        <p:cNvGrpSpPr/>
+        <p:nvPr/>
+      </p:nvGrpSpPr>
+      <p:grpSpPr>
+        <a:xfrm>
+          <a:off x="0" y="0"/>
+          <a:ext cx="0" cy="0"/>
+          <a:chOff x="0" y="0"/>
+          <a:chExt cx="0" cy="0"/>
+        </a:xfrm>
+      </p:grpSpPr>
+      <p:sp>
+        <p:nvSpPr>
+          <p:cNvPr id="2" name="Title 1"/>
+          <p:cNvSpPr>
+            <a:spLocks noGrp="1"/>
+          </p:cNvSpPr>
+          <p:nvPr>
+            <p:ph type="title"/>
+          </p:nvPr>
+        </p:nvSpPr>
+        <p:spPr/>
+        <p:txBody>
+          <a:bodyPr/>
+          <a:lstStyle/>
+          <a:p>
+            <a:r>
+              <a:rPr lang="hr-HR" sz="3500" b="1" dirty="0" smtClean="0">
+                <a:solidFill>
+                  <a:srgbClr val="FF0000"/>
+                </a:solidFill>
+              </a:rPr>
+              <a:t>UGOSTITELJSTVO I INDUSTRIJA</a:t>
+            </a:r>
+            <a:endParaRPr lang="hr-HR" sz="3500" b="1" dirty="0">
+              <a:solidFill>
+                <a:srgbClr val="FF0000"/>
+              </a:solidFill>
+            </a:endParaRPr>
+          </a:p>
+        </p:txBody>
+      </p:sp>
+      <p:sp>
+        <p:nvSpPr>
+          <p:cNvPr id="5" name="Content Placeholder 2"/>
+          <p:cNvSpPr>
+            <a:spLocks noGrp="1"/>
+          </p:cNvSpPr>
+          <p:nvPr>
+            <p:ph idx="1"/>
+          </p:nvPr>
+        </p:nvSpPr>
+        <p:spPr>
+          <a:xfrm>
+            <a:off x="0" y="836712"/>
+            <a:ext cx="9144000" cy="5643602"/>
+          </a:xfrm>
+        </p:spPr>
+        <p:txBody>
+          <a:bodyPr>
+            <a:noAutofit/>
+          </a:bodyPr>
+          <a:lstStyle/>
+          <a:p>
+            <a:pPr lvl="0">
+              <a:spcBef>
+                <a:spcPts val="1800"/>
+              </a:spcBef>
+            </a:pPr>
+            <a:r>
+              <a:rPr lang="hr-HR" sz="2400" dirty="0"/>
+              <a:t>obrti se ubrajaju u uslužne i proizvodne djelatnosti, dok je </a:t>
+            </a:r>
+            <a:r>
+              <a:rPr lang="hr-HR" sz="2400" b="1" dirty="0">
+                <a:solidFill>
+                  <a:srgbClr val="FF0000"/>
+                </a:solidFill>
+              </a:rPr>
+              <a:t>industrija čista proizvodna djelatnost</a:t>
+            </a:r>
+          </a:p>
+          <a:p>
+            <a:pPr lvl="0">
+              <a:spcBef>
+                <a:spcPts val="1800"/>
+              </a:spcBef>
+            </a:pPr>
+            <a:r>
+              <a:rPr lang="hr-HR" sz="2400" dirty="0"/>
+              <a:t>za razliku od obrta, industrija zapošljava </a:t>
+            </a:r>
+            <a:r>
+              <a:rPr lang="hr-HR" sz="2400" b="1" dirty="0">
+                <a:solidFill>
+                  <a:srgbClr val="FF0000"/>
+                </a:solidFill>
+              </a:rPr>
+              <a:t>veći broj radnika </a:t>
+            </a:r>
+            <a:r>
+              <a:rPr lang="hr-HR" sz="2400" dirty="0"/>
+              <a:t>i </a:t>
+            </a:r>
+            <a:r>
+              <a:rPr lang="hr-HR" sz="2400" b="1" dirty="0">
+                <a:solidFill>
+                  <a:srgbClr val="FF0000"/>
+                </a:solidFill>
+              </a:rPr>
+              <a:t>proizvodi serijski </a:t>
+            </a:r>
+            <a:r>
+              <a:rPr lang="hr-HR" sz="2400" dirty="0"/>
+              <a:t>veći broj proizvoda</a:t>
+            </a:r>
+          </a:p>
+          <a:p>
+            <a:pPr lvl="0">
+              <a:spcBef>
+                <a:spcPts val="1800"/>
+              </a:spcBef>
+            </a:pPr>
+            <a:r>
+              <a:rPr lang="hr-HR" sz="2400" dirty="0"/>
+              <a:t>za ugostiteljstvo je bitna industrija hrane i pića, drvna, tekstilna, </a:t>
+            </a:r>
+            <a:r>
+              <a:rPr lang="hr-HR" sz="2400" dirty="0" err="1"/>
+              <a:t>ind</a:t>
+            </a:r>
+            <a:r>
+              <a:rPr lang="hr-HR" sz="2400" dirty="0"/>
+              <a:t>. porculana i stakla, elektroindustrija, </a:t>
+            </a:r>
+            <a:r>
+              <a:rPr lang="hr-HR" sz="2400" dirty="0" err="1"/>
+              <a:t>ind</a:t>
+            </a:r>
+            <a:r>
+              <a:rPr lang="hr-HR" sz="2400" dirty="0"/>
+              <a:t>. rashladnih uređaja i dr.</a:t>
+            </a:r>
+          </a:p>
+          <a:p>
+            <a:pPr lvl="0">
+              <a:spcBef>
+                <a:spcPts val="1800"/>
+              </a:spcBef>
+            </a:pPr>
+            <a:r>
+              <a:rPr lang="hr-HR" sz="2400" b="1" dirty="0">
+                <a:solidFill>
+                  <a:srgbClr val="FF0000"/>
+                </a:solidFill>
+              </a:rPr>
+              <a:t>„hotelska industrija“ </a:t>
+            </a:r>
+            <a:r>
+              <a:rPr lang="hr-HR" sz="2400" dirty="0"/>
+              <a:t>i </a:t>
+            </a:r>
+            <a:r>
+              <a:rPr lang="hr-HR" sz="2400" b="1" dirty="0">
+                <a:solidFill>
+                  <a:srgbClr val="FF0000"/>
+                </a:solidFill>
+              </a:rPr>
+              <a:t>„ugostiteljska industrija“ </a:t>
+            </a:r>
+            <a:r>
+              <a:rPr lang="hr-HR" sz="2400" dirty="0"/>
+              <a:t>– hoteli s više od 1000 postelja, restauracije s većim brojem sjedala i dr. – masovni turizam</a:t>
+            </a:r>
+          </a:p>
+        </p:txBody>
+      </p:sp>
+    </p:spTree>
+    <p:extLst>
+      <p:ext uri="{BB962C8B-B14F-4D97-AF65-F5344CB8AC3E}">
+        <p14:creationId xmlns:p14="http://schemas.microsoft.com/office/powerpoint/2010/main" val="2969113701"/>
+      </p:ext>
+    </p:extLst>
+  </p:cSld>
+  <p:clrMapOvr>
+    <a:masterClrMapping/>
+  </p:clrMapOvr>
+  <mc:AlternateContent xmlns:mc="http://schemas.openxmlformats.org/markup-compatibility/2006">
+    <mc:Choice xmlns:p14="http://schemas.microsoft.com/office/powerpoint/2010/main" Requires="p14">
+      <p:transition>
+        <p14:reveal/>
+      </p:transition>
+    </mc:Choice>
+    <mc:Fallback>
+      <p:transition>
+        <p:fade/>
+      </p:transition>
+    </mc:Fallback>
+  </mc:AlternateContent>
+  <p:timing>
+    <p:tnLst>
+      <p:par>
+        <p:cTn id="1" dur="indefinite" restart="never" nodeType="tmRoot">
+          <p:childTnLst>
+            <p:seq concurrent="1" nextAc="seek">
+              <p:cTn id="2" dur="indefinite" nodeType="mainSeq">
+                <p:childTnLst>
+                  <p:par>
+                    <p:cTn id="3" fill="hold">
+                      <p:stCondLst>
+                        <p:cond delay="indefinite"/>
+                        <p:cond evt="onBegin" delay="0">
+                          <p:tn val="2"/>
+                        </p:cond>
+                      </p:stCondLst>
+                      <p:childTnLst>
+                        <p:par>
+                          <p:cTn id="4" fill="hold">
+                            <p:stCondLst>
+                              <p:cond delay="0"/>
+                            </p:stCondLst>
+                            <p:childTnLst>
+                              <p:par>
+                                <p:cTn id="5" presetID="10" presetClass="entr" presetSubtype="0" fill="hold" grpId="0" nodeType="afterEffect">
+                                  <p:stCondLst>
+                                    <p:cond delay="0"/>
+                                  </p:stCondLst>
+                                  <p:childTnLst>
+                                    <p:set>
+                                      <p:cBhvr>
+                                        <p:cTn id="6" dur="1" fill="hold">
+                                          <p:stCondLst>
+                                            <p:cond delay="0"/>
+                                          </p:stCondLst>
+                                        </p:cTn>
+                                        <p:tgtEl>
+                                          <p:spTgt spid="5">
+                                            <p:txEl>
+                                              <p:pRg st="0" end="0"/>
+                                            </p:txEl>
+                                          </p:spTgt>
+                                        </p:tgtEl>
+                                        <p:attrNameLst>
+                                          <p:attrName>style.visibility</p:attrName>
+                                        </p:attrNameLst>
+                                      </p:cBhvr>
+                                      <p:to>
+                                        <p:strVal val="visible"/>
+                                      </p:to>
+                                    </p:set>
+                                    <p:animEffect transition="in" filter="fade">
+                                      <p:cBhvr>
+                                        <p:cTn id="7" dur="250"/>
+                                        <p:tgtEl>
+                                          <p:spTgt spid="5">
+                                            <p:txEl>
+                                              <p:pRg st="0" end="0"/>
+                                            </p:txEl>
+                                          </p:spTgt>
+                                        </p:tgtEl>
+                                      </p:cBhvr>
+                                    </p:animEffect>
+                                  </p:childTnLst>
+                                </p:cTn>
+                              </p:par>
+                            </p:childTnLst>
+                          </p:cTn>
+                        </p:par>
+                        <p:par>
+                          <p:cTn id="8" fill="hold">
+                            <p:stCondLst>
+                              <p:cond delay="250"/>
+                            </p:stCondLst>
+                            <p:childTnLst>
+                              <p:par>
+                                <p:cTn id="9" presetID="10" presetClass="entr" presetSubtype="0" fill="hold" grpId="0" nodeType="afterEffect">
+                                  <p:stCondLst>
+                                    <p:cond delay="0"/>
+                                  </p:stCondLst>
+                                  <p:childTnLst>
+                                    <p:set>
+                                      <p:cBhvr>
+                                        <p:cTn id="10" dur="1" fill="hold">
+                                          <p:stCondLst>
+                                            <p:cond delay="0"/>
+                                          </p:stCondLst>
+                                        </p:cTn>
+                                        <p:tgtEl>
+                                          <p:spTgt spid="5">
+                                            <p:txEl>
+                                              <p:pRg st="1" end="1"/>
+                                            </p:txEl>
+                                          </p:spTgt>
+                                        </p:tgtEl>
+                                        <p:attrNameLst>
+                                          <p:attrName>style.visibility</p:attrName>
+                                        </p:attrNameLst>
+                                      </p:cBhvr>
+                                      <p:to>
+                                        <p:strVal val="visible"/>
+                                      </p:to>
+                                    </p:set>
+                                    <p:animEffect transition="in" filter="fade">
+                                      <p:cBhvr>
+                                        <p:cTn id="11" dur="250"/>
+                                        <p:tgtEl>
+                                          <p:spTgt spid="5">
+                                            <p:txEl>
+                                              <p:pRg st="1" end="1"/>
+                                            </p:txEl>
+                                          </p:spTgt>
+                                        </p:tgtEl>
+                                      </p:cBhvr>
+                                    </p:animEffect>
+                                  </p:childTnLst>
+                                </p:cTn>
+                              </p:par>
+                            </p:childTnLst>
+                          </p:cTn>
+                        </p:par>
+                        <p:par>
+                          <p:cTn id="12" fill="hold">
+                            <p:stCondLst>
+                              <p:cond delay="500"/>
+                            </p:stCondLst>
+                            <p:childTnLst>
+                              <p:par>
+                                <p:cTn id="13" presetID="10" presetClass="entr" presetSubtype="0" fill="hold" grpId="0" nodeType="afterEffect">
+                                  <p:stCondLst>
+                                    <p:cond delay="0"/>
+                                  </p:stCondLst>
+                                  <p:childTnLst>
+                                    <p:set>
+                                      <p:cBhvr>
+                                        <p:cTn id="14" dur="1" fill="hold">
+                                          <p:stCondLst>
+                                            <p:cond delay="0"/>
+                                          </p:stCondLst>
+                                        </p:cTn>
+                                        <p:tgtEl>
+                                          <p:spTgt spid="5">
+                                            <p:txEl>
+                                              <p:pRg st="2" end="2"/>
+                                            </p:txEl>
+                                          </p:spTgt>
+                                        </p:tgtEl>
+                                        <p:attrNameLst>
+                                          <p:attrName>style.visibility</p:attrName>
+                                        </p:attrNameLst>
+                                      </p:cBhvr>
+                                      <p:to>
+                                        <p:strVal val="visible"/>
+                                      </p:to>
+                                    </p:set>
+                                    <p:animEffect transition="in" filter="fade">
+                                      <p:cBhvr>
+                                        <p:cTn id="15" dur="250"/>
+                                        <p:tgtEl>
+                                          <p:spTgt spid="5">
+                                            <p:txEl>
+                                              <p:pRg st="2" end="2"/>
+                                            </p:txEl>
+                                          </p:spTgt>
+                                        </p:tgtEl>
+                                      </p:cBhvr>
+                                    </p:animEffect>
+                                  </p:childTnLst>
+                                </p:cTn>
+                              </p:par>
+                            </p:childTnLst>
+                          </p:cTn>
+                        </p:par>
+                        <p:par>
+                          <p:cTn id="16" fill="hold">
+                            <p:stCondLst>
+                              <p:cond delay="750"/>
+                            </p:stCondLst>
+                            <p:childTnLst>
+                              <p:par>
+                                <p:cTn id="17" presetID="10" presetClass="entr" presetSubtype="0" fill="hold" grpId="0" nodeType="afterEffect">
+                                  <p:stCondLst>
+                                    <p:cond delay="0"/>
+                                  </p:stCondLst>
+                                  <p:childTnLst>
+                                    <p:set>
+                                      <p:cBhvr>
+                                        <p:cTn id="18" dur="1" fill="hold">
+                                          <p:stCondLst>
+                                            <p:cond delay="0"/>
+                                          </p:stCondLst>
+                                        </p:cTn>
+                                        <p:tgtEl>
+                                          <p:spTgt spid="5">
+                                            <p:txEl>
+                                              <p:pRg st="3" end="3"/>
+                                            </p:txEl>
+                                          </p:spTgt>
+                                        </p:tgtEl>
+                                        <p:attrNameLst>
+                                          <p:attrName>style.visibility</p:attrName>
+                                        </p:attrNameLst>
+                                      </p:cBhvr>
+                                      <p:to>
+                                        <p:strVal val="visible"/>
+                                      </p:to>
+                                    </p:set>
+                                    <p:animEffect transition="in" filter="fade">
+                                      <p:cBhvr>
+                                        <p:cTn id="19" dur="250"/>
+                                        <p:tgtEl>
+                                          <p:spTgt spid="5">
+                                            <p:txEl>
+                                              <p:pRg st="3" end="3"/>
+                                            </p:txEl>
+                                          </p:spTgt>
+                                        </p:tgtEl>
+                                      </p:cBhvr>
+                                    </p:animEffect>
+                                  </p:childTnLst>
+                                </p:cTn>
+                              </p:par>
+                            </p:childTnLst>
+                          </p:cTn>
+                        </p:par>
+                      </p:childTnLst>
+                    </p:cTn>
+                  </p:par>
+                </p:childTnLst>
+              </p:cTn>
+              <p:prevCondLst>
+                <p:cond evt="onPrev" delay="0">
+                  <p:tgtEl>
+                    <p:sldTgt/>
+                  </p:tgtEl>
+                </p:cond>
+              </p:prevCondLst>
+              <p:nextCondLst>
+                <p:cond evt="onNext" delay="0">
+                  <p:tgtEl>
+                    <p:sldTgt/>
+                  </p:tgtEl>
+                </p:cond>
+              </p:nextCondLst>
+            </p:seq>
+          </p:childTnLst>
+        </p:cTn>
+      </p:par>
+    </p:tnLst>
+    <p:bldLst>
+      <p:bldP spid="5" grpId="0" build="p"/>
+    </p:bldLst>
+  </p:timing>
+</p:sld>
+</file>
+
+<file path=ppt/slides/slide27.xml><?xml version="1.0" encoding="utf-8"?>
+<p:sld xmlns:a="http://schemas.openxmlformats.org/drawingml/2006/main" xmlns:r="http://schemas.openxmlformats.org/officeDocument/2006/relationships" xmlns:p="http://schemas.openxmlformats.org/presentationml/2006/main">
+  <p:cSld>
+    <p:spTree>
+      <p:nvGrpSpPr>
+        <p:cNvPr id="1" name=""/>
+        <p:cNvGrpSpPr/>
+        <p:nvPr/>
+      </p:nvGrpSpPr>
+      <p:grpSpPr>
+        <a:xfrm>
+          <a:off x="0" y="0"/>
+          <a:ext cx="0" cy="0"/>
+          <a:chOff x="0" y="0"/>
+          <a:chExt cx="0" cy="0"/>
+        </a:xfrm>
+      </p:grpSpPr>
       <p:pic>
         <p:nvPicPr>
           <p:cNvPr id="1028" name="Picture 4" descr="FirstWolrdHotel"/>
@@ -12109,13 +14299,13 @@
   <p:clrMapOvr>
     <a:masterClrMapping/>
   </p:clrMapOvr>
-  <mc:AlternateContent xmlns:mc="http://schemas.openxmlformats.org/markup-compatibility/2006" xmlns:p14="http://schemas.microsoft.com/office/powerpoint/2010/main">
-    <mc:Choice Requires="p14">
+  <mc:AlternateContent xmlns:mc="http://schemas.openxmlformats.org/markup-compatibility/2006">
+    <mc:Choice xmlns:p14="http://schemas.microsoft.com/office/powerpoint/2010/main" Requires="p14">
       <p:transition>
         <p14:reveal/>
       </p:transition>
     </mc:Choice>
-    <mc:Fallback xmlns="">
+    <mc:Fallback>
       <p:transition>
         <p:fade/>
       </p:transition>
@@ -12131,7 +14321,7 @@
 </p:sld>
 </file>
 
-<file path=ppt/slides/slide26.xml><?xml version="1.0" encoding="utf-8"?>
+<file path=ppt/slides/slide28.xml><?xml version="1.0" encoding="utf-8"?>
 <p:sld xmlns:a="http://schemas.openxmlformats.org/drawingml/2006/main" xmlns:r="http://schemas.openxmlformats.org/officeDocument/2006/relationships" xmlns:p="http://schemas.openxmlformats.org/presentationml/2006/main">
   <p:cSld>
     <p:spTree>
@@ -12405,13 +14595,13 @@
   <p:clrMapOvr>
     <a:masterClrMapping/>
   </p:clrMapOvr>
-  <mc:AlternateContent xmlns:mc="http://schemas.openxmlformats.org/markup-compatibility/2006" xmlns:p14="http://schemas.microsoft.com/office/powerpoint/2010/main">
-    <mc:Choice Requires="p14">
+  <mc:AlternateContent xmlns:mc="http://schemas.openxmlformats.org/markup-compatibility/2006">
+    <mc:Choice xmlns:p14="http://schemas.microsoft.com/office/powerpoint/2010/main" Requires="p14">
       <p:transition>
         <p14:reveal/>
       </p:transition>
     </mc:Choice>
-    <mc:Fallback xmlns="">
+    <mc:Fallback>
       <p:transition>
         <p:fade/>
       </p:transition>
@@ -12427,7 +14617,7 @@
 </p:sld>
 </file>
 
-<file path=ppt/slides/slide27.xml><?xml version="1.0" encoding="utf-8"?>
+<file path=ppt/slides/slide29.xml><?xml version="1.0" encoding="utf-8"?>
 <p:sld xmlns:a="http://schemas.openxmlformats.org/drawingml/2006/main" xmlns:r="http://schemas.openxmlformats.org/officeDocument/2006/relationships" xmlns:p="http://schemas.openxmlformats.org/presentationml/2006/main">
   <p:cSld>
     <p:spTree>
@@ -12688,13 +14878,13 @@
   <p:clrMapOvr>
     <a:masterClrMapping/>
   </p:clrMapOvr>
-  <mc:AlternateContent xmlns:mc="http://schemas.openxmlformats.org/markup-compatibility/2006" xmlns:p14="http://schemas.microsoft.com/office/powerpoint/2010/main">
-    <mc:Choice Requires="p14">
+  <mc:AlternateContent xmlns:mc="http://schemas.openxmlformats.org/markup-compatibility/2006">
+    <mc:Choice xmlns:p14="http://schemas.microsoft.com/office/powerpoint/2010/main" Requires="p14">
       <p:transition>
         <p14:reveal/>
       </p:transition>
     </mc:Choice>
-    <mc:Fallback xmlns="">
+    <mc:Fallback>
       <p:transition>
         <p:fade/>
       </p:transition>
@@ -12710,7 +14900,161 @@
 </p:sld>
 </file>
 
-<file path=ppt/slides/slide28.xml><?xml version="1.0" encoding="utf-8"?>
+<file path=ppt/slides/slide3.xml><?xml version="1.0" encoding="utf-8"?>
+<p:sld xmlns:a="http://schemas.openxmlformats.org/drawingml/2006/main" xmlns:r="http://schemas.openxmlformats.org/officeDocument/2006/relationships" xmlns:p="http://schemas.openxmlformats.org/presentationml/2006/main">
+  <p:cSld>
+    <p:spTree>
+      <p:nvGrpSpPr>
+        <p:cNvPr id="1" name=""/>
+        <p:cNvGrpSpPr/>
+        <p:nvPr/>
+      </p:nvGrpSpPr>
+      <p:grpSpPr>
+        <a:xfrm>
+          <a:off x="0" y="0"/>
+          <a:ext cx="0" cy="0"/>
+          <a:chOff x="0" y="0"/>
+          <a:chExt cx="0" cy="0"/>
+        </a:xfrm>
+      </p:grpSpPr>
+      <p:sp>
+        <p:nvSpPr>
+          <p:cNvPr id="2" name="Title 1"/>
+          <p:cNvSpPr>
+            <a:spLocks noGrp="1"/>
+          </p:cNvSpPr>
+          <p:nvPr>
+            <p:ph type="title"/>
+          </p:nvPr>
+        </p:nvSpPr>
+        <p:spPr/>
+        <p:txBody>
+          <a:bodyPr/>
+          <a:lstStyle/>
+          <a:p>
+            <a:r>
+              <a:rPr lang="hr-HR" dirty="0" smtClean="0"/>
+              <a:t>Pojmovi</a:t>
+            </a:r>
+            <a:endParaRPr lang="hr-HR" dirty="0"/>
+          </a:p>
+        </p:txBody>
+      </p:sp>
+      <p:sp>
+        <p:nvSpPr>
+          <p:cNvPr id="3" name="Content Placeholder 2"/>
+          <p:cNvSpPr>
+            <a:spLocks noGrp="1"/>
+          </p:cNvSpPr>
+          <p:nvPr>
+            <p:ph idx="1"/>
+          </p:nvPr>
+        </p:nvSpPr>
+        <p:spPr/>
+        <p:txBody>
+          <a:bodyPr>
+            <a:noAutofit/>
+          </a:bodyPr>
+          <a:lstStyle/>
+          <a:p>
+            <a:pPr lvl="0"/>
+            <a:r>
+              <a:rPr lang="hr-HR" dirty="0" smtClean="0"/>
+              <a:t>ugostiteljstvo</a:t>
+            </a:r>
+          </a:p>
+          <a:p>
+            <a:pPr lvl="0"/>
+            <a:r>
+              <a:rPr lang="hr-HR" dirty="0" smtClean="0"/>
+              <a:t>proizvodne i uslužne djelatnosti</a:t>
+            </a:r>
+          </a:p>
+          <a:p>
+            <a:pPr lvl="0"/>
+            <a:r>
+              <a:rPr lang="hr-HR" dirty="0" smtClean="0"/>
+              <a:t>ugostiteljske djelatnosti</a:t>
+            </a:r>
+          </a:p>
+          <a:p>
+            <a:pPr lvl="0"/>
+            <a:r>
+              <a:rPr lang="hr-HR" dirty="0" smtClean="0"/>
+              <a:t>ugostiteljstvo i turizam</a:t>
+            </a:r>
+          </a:p>
+          <a:p>
+            <a:pPr lvl="0"/>
+            <a:r>
+              <a:rPr lang="hr-HR" dirty="0" smtClean="0"/>
+              <a:t>turističke agencije</a:t>
+            </a:r>
+          </a:p>
+          <a:p>
+            <a:pPr lvl="0"/>
+            <a:r>
+              <a:rPr lang="hr-HR" dirty="0" smtClean="0"/>
+              <a:t>vrste ugovora s turističkim agencijama</a:t>
+            </a:r>
+          </a:p>
+          <a:p>
+            <a:pPr lvl="0"/>
+            <a:r>
+              <a:rPr lang="hr-HR" dirty="0" smtClean="0"/>
+              <a:t>provizija turističkih agencija</a:t>
+            </a:r>
+          </a:p>
+          <a:p>
+            <a:pPr lvl="0"/>
+            <a:endParaRPr lang="hr-HR" dirty="0" smtClean="0"/>
+          </a:p>
+          <a:p>
+            <a:pPr lvl="0"/>
+            <a:endParaRPr lang="hr-HR" dirty="0" smtClean="0"/>
+          </a:p>
+          <a:p>
+            <a:pPr lvl="0"/>
+            <a:endParaRPr lang="hr-HR" dirty="0" smtClean="0"/>
+          </a:p>
+          <a:p>
+            <a:pPr lvl="0"/>
+            <a:endParaRPr lang="hr-HR" dirty="0" smtClean="0"/>
+          </a:p>
+          <a:p>
+            <a:pPr lvl="0"/>
+            <a:endParaRPr lang="hr-HR" dirty="0" smtClean="0"/>
+          </a:p>
+        </p:txBody>
+      </p:sp>
+    </p:spTree>
+  </p:cSld>
+  <p:clrMapOvr>
+    <a:masterClrMapping/>
+  </p:clrMapOvr>
+  <mc:AlternateContent xmlns:mc="http://schemas.openxmlformats.org/markup-compatibility/2006">
+    <mc:Choice xmlns:p14="http://schemas.microsoft.com/office/powerpoint/2010/main" Requires="p14">
+      <p:transition>
+        <p14:reveal/>
+      </p:transition>
+    </mc:Choice>
+    <mc:Fallback>
+      <p:transition>
+        <p:fade/>
+      </p:transition>
+    </mc:Fallback>
+  </mc:AlternateContent>
+  <p:timing>
+    <p:tnLst>
+      <p:par>
+        <p:cTn id="1" dur="indefinite" restart="never" nodeType="tmRoot"/>
+      </p:par>
+    </p:tnLst>
+  </p:timing>
+</p:sld>
+</file>
+
+<file path=ppt/slides/slide30.xml><?xml version="1.0" encoding="utf-8"?>
 <p:sld xmlns:a="http://schemas.openxmlformats.org/drawingml/2006/main" xmlns:r="http://schemas.openxmlformats.org/officeDocument/2006/relationships" xmlns:p="http://schemas.openxmlformats.org/presentationml/2006/main">
   <p:cSld>
     <p:spTree>
@@ -12959,13 +15303,13 @@
   <p:clrMapOvr>
     <a:masterClrMapping/>
   </p:clrMapOvr>
-  <mc:AlternateContent xmlns:mc="http://schemas.openxmlformats.org/markup-compatibility/2006" xmlns:p14="http://schemas.microsoft.com/office/powerpoint/2010/main">
-    <mc:Choice Requires="p14">
+  <mc:AlternateContent xmlns:mc="http://schemas.openxmlformats.org/markup-compatibility/2006">
+    <mc:Choice xmlns:p14="http://schemas.microsoft.com/office/powerpoint/2010/main" Requires="p14">
       <p:transition>
         <p14:reveal/>
       </p:transition>
     </mc:Choice>
-    <mc:Fallback xmlns="">
+    <mc:Fallback>
       <p:transition>
         <p:fade/>
       </p:transition>
@@ -12981,7 +15325,7 @@
 </p:sld>
 </file>
 
-<file path=ppt/slides/slide29.xml><?xml version="1.0" encoding="utf-8"?>
+<file path=ppt/slides/slide31.xml><?xml version="1.0" encoding="utf-8"?>
 <p:sld xmlns:a="http://schemas.openxmlformats.org/drawingml/2006/main" xmlns:r="http://schemas.openxmlformats.org/officeDocument/2006/relationships" xmlns:p="http://schemas.openxmlformats.org/presentationml/2006/main">
   <p:cSld>
     <p:spTree>
@@ -13162,721 +15506,13 @@
   <p:clrMapOvr>
     <a:masterClrMapping/>
   </p:clrMapOvr>
-  <mc:AlternateContent xmlns:mc="http://schemas.openxmlformats.org/markup-compatibility/2006" xmlns:p14="http://schemas.microsoft.com/office/powerpoint/2010/main">
-    <mc:Choice Requires="p14">
+  <mc:AlternateContent xmlns:mc="http://schemas.openxmlformats.org/markup-compatibility/2006">
+    <mc:Choice xmlns:p14="http://schemas.microsoft.com/office/powerpoint/2010/main" Requires="p14">
       <p:transition>
         <p14:reveal/>
       </p:transition>
     </mc:Choice>
-    <mc:Fallback xmlns="">
-      <p:transition>
-        <p:fade/>
-      </p:transition>
-    </mc:Fallback>
-  </mc:AlternateContent>
-  <p:timing>
-    <p:tnLst>
-      <p:par>
-        <p:cTn id="1" dur="indefinite" restart="never" nodeType="tmRoot"/>
-      </p:par>
-    </p:tnLst>
-  </p:timing>
-</p:sld>
-</file>
-
-<file path=ppt/slides/slide3.xml><?xml version="1.0" encoding="utf-8"?>
-<p:sld xmlns:a="http://schemas.openxmlformats.org/drawingml/2006/main" xmlns:r="http://schemas.openxmlformats.org/officeDocument/2006/relationships" xmlns:p="http://schemas.openxmlformats.org/presentationml/2006/main">
-  <p:cSld>
-    <p:spTree>
-      <p:nvGrpSpPr>
-        <p:cNvPr id="1" name=""/>
-        <p:cNvGrpSpPr/>
-        <p:nvPr/>
-      </p:nvGrpSpPr>
-      <p:grpSpPr>
-        <a:xfrm>
-          <a:off x="0" y="0"/>
-          <a:ext cx="0" cy="0"/>
-          <a:chOff x="0" y="0"/>
-          <a:chExt cx="0" cy="0"/>
-        </a:xfrm>
-      </p:grpSpPr>
-      <p:sp>
-        <p:nvSpPr>
-          <p:cNvPr id="2" name="Title 1"/>
-          <p:cNvSpPr>
-            <a:spLocks noGrp="1"/>
-          </p:cNvSpPr>
-          <p:nvPr>
-            <p:ph type="title"/>
-          </p:nvPr>
-        </p:nvSpPr>
-        <p:spPr/>
-        <p:txBody>
-          <a:bodyPr/>
-          <a:lstStyle/>
-          <a:p>
-            <a:r>
-              <a:rPr lang="hr-HR" dirty="0" smtClean="0"/>
-              <a:t>Pojmovi</a:t>
-            </a:r>
-            <a:endParaRPr lang="hr-HR" dirty="0"/>
-          </a:p>
-        </p:txBody>
-      </p:sp>
-      <p:sp>
-        <p:nvSpPr>
-          <p:cNvPr id="3" name="Content Placeholder 2"/>
-          <p:cNvSpPr>
-            <a:spLocks noGrp="1"/>
-          </p:cNvSpPr>
-          <p:nvPr>
-            <p:ph idx="1"/>
-          </p:nvPr>
-        </p:nvSpPr>
-        <p:spPr/>
-        <p:txBody>
-          <a:bodyPr>
-            <a:noAutofit/>
-          </a:bodyPr>
-          <a:lstStyle/>
-          <a:p>
-            <a:pPr lvl="0"/>
-            <a:r>
-              <a:rPr lang="hr-HR" dirty="0" smtClean="0"/>
-              <a:t>ugostiteljstvo</a:t>
-            </a:r>
-          </a:p>
-          <a:p>
-            <a:pPr lvl="0"/>
-            <a:r>
-              <a:rPr lang="hr-HR" dirty="0" smtClean="0"/>
-              <a:t>proizvodne i uslužne djelatnosti</a:t>
-            </a:r>
-          </a:p>
-          <a:p>
-            <a:pPr lvl="0"/>
-            <a:r>
-              <a:rPr lang="hr-HR" dirty="0" smtClean="0"/>
-              <a:t>ugostiteljske djelatnosti</a:t>
-            </a:r>
-          </a:p>
-          <a:p>
-            <a:pPr lvl="0"/>
-            <a:r>
-              <a:rPr lang="hr-HR" dirty="0" smtClean="0"/>
-              <a:t>ugostiteljstvo i turizam</a:t>
-            </a:r>
-          </a:p>
-          <a:p>
-            <a:pPr lvl="0"/>
-            <a:r>
-              <a:rPr lang="hr-HR" dirty="0" smtClean="0"/>
-              <a:t>turističke agencije</a:t>
-            </a:r>
-          </a:p>
-          <a:p>
-            <a:pPr lvl="0"/>
-            <a:r>
-              <a:rPr lang="hr-HR" dirty="0" smtClean="0"/>
-              <a:t>vrste ugovora s turističkim agencijama</a:t>
-            </a:r>
-          </a:p>
-          <a:p>
-            <a:pPr lvl="0"/>
-            <a:r>
-              <a:rPr lang="hr-HR" dirty="0" smtClean="0"/>
-              <a:t>provizija turističkih agencija</a:t>
-            </a:r>
-          </a:p>
-          <a:p>
-            <a:pPr lvl="0"/>
-            <a:endParaRPr lang="hr-HR" dirty="0" smtClean="0"/>
-          </a:p>
-          <a:p>
-            <a:pPr lvl="0"/>
-            <a:endParaRPr lang="hr-HR" dirty="0" smtClean="0"/>
-          </a:p>
-          <a:p>
-            <a:pPr lvl="0"/>
-            <a:endParaRPr lang="hr-HR" dirty="0" smtClean="0"/>
-          </a:p>
-          <a:p>
-            <a:pPr lvl="0"/>
-            <a:endParaRPr lang="hr-HR" dirty="0" smtClean="0"/>
-          </a:p>
-          <a:p>
-            <a:pPr lvl="0"/>
-            <a:endParaRPr lang="hr-HR" dirty="0" smtClean="0"/>
-          </a:p>
-        </p:txBody>
-      </p:sp>
-    </p:spTree>
-  </p:cSld>
-  <p:clrMapOvr>
-    <a:masterClrMapping/>
-  </p:clrMapOvr>
-  <mc:AlternateContent xmlns:mc="http://schemas.openxmlformats.org/markup-compatibility/2006" xmlns:p14="http://schemas.microsoft.com/office/powerpoint/2010/main">
-    <mc:Choice Requires="p14">
-      <p:transition>
-        <p14:reveal/>
-      </p:transition>
-    </mc:Choice>
-    <mc:Fallback xmlns="">
-      <p:transition>
-        <p:fade/>
-      </p:transition>
-    </mc:Fallback>
-  </mc:AlternateContent>
-  <p:timing>
-    <p:tnLst>
-      <p:par>
-        <p:cTn id="1" dur="indefinite" restart="never" nodeType="tmRoot"/>
-      </p:par>
-    </p:tnLst>
-  </p:timing>
-</p:sld>
-</file>
-
-<file path=ppt/slides/slide30.xml><?xml version="1.0" encoding="utf-8"?>
-<p:sld xmlns:a="http://schemas.openxmlformats.org/drawingml/2006/main" xmlns:r="http://schemas.openxmlformats.org/officeDocument/2006/relationships" xmlns:p="http://schemas.openxmlformats.org/presentationml/2006/main">
-  <p:cSld>
-    <p:spTree>
-      <p:nvGrpSpPr>
-        <p:cNvPr id="1" name=""/>
-        <p:cNvGrpSpPr/>
-        <p:nvPr/>
-      </p:nvGrpSpPr>
-      <p:grpSpPr>
-        <a:xfrm>
-          <a:off x="0" y="0"/>
-          <a:ext cx="0" cy="0"/>
-          <a:chOff x="0" y="0"/>
-          <a:chExt cx="0" cy="0"/>
-        </a:xfrm>
-      </p:grpSpPr>
-      <p:sp>
-        <p:nvSpPr>
-          <p:cNvPr id="2" name="Title 1"/>
-          <p:cNvSpPr>
-            <a:spLocks noGrp="1"/>
-          </p:cNvSpPr>
-          <p:nvPr>
-            <p:ph type="title"/>
-          </p:nvPr>
-        </p:nvSpPr>
-        <p:spPr/>
-        <p:txBody>
-          <a:bodyPr/>
-          <a:lstStyle/>
-          <a:p>
-            <a:r>
-              <a:rPr lang="hr-HR" sz="2600" b="1" dirty="0" smtClean="0">
-                <a:solidFill>
-                  <a:srgbClr val="FF0000"/>
-                </a:solidFill>
-              </a:rPr>
-              <a:t>UGOSTITELJSTVO I TRGOVINA, OBRTI I INDUSTRIJA</a:t>
-            </a:r>
-            <a:r>
-              <a:rPr lang="hr-HR" sz="2800" dirty="0" smtClean="0"/>
-              <a:t>	 </a:t>
-            </a:r>
-            <a:r>
-              <a:rPr lang="hr-HR" sz="2000" i="1" dirty="0" smtClean="0"/>
-              <a:t>(plan ploče)</a:t>
-            </a:r>
-            <a:endParaRPr lang="hr-HR" sz="2800" i="1" dirty="0"/>
-          </a:p>
-        </p:txBody>
-      </p:sp>
-      <p:sp>
-        <p:nvSpPr>
-          <p:cNvPr id="3" name="Content Placeholder 2"/>
-          <p:cNvSpPr>
-            <a:spLocks noGrp="1"/>
-          </p:cNvSpPr>
-          <p:nvPr>
-            <p:ph idx="1"/>
-          </p:nvPr>
-        </p:nvSpPr>
-        <p:spPr>
-          <a:xfrm>
-            <a:off x="0" y="836712"/>
-            <a:ext cx="9144000" cy="6021288"/>
-          </a:xfrm>
-        </p:spPr>
-        <p:txBody>
-          <a:bodyPr>
-            <a:noAutofit/>
-          </a:bodyPr>
-          <a:lstStyle/>
-          <a:p>
-            <a:pPr marL="0" indent="0">
-              <a:spcBef>
-                <a:spcPts val="0"/>
-              </a:spcBef>
-              <a:buNone/>
-            </a:pPr>
-            <a:r>
-              <a:rPr lang="hr-HR" sz="2200" b="1" dirty="0" smtClean="0"/>
-              <a:t>UGOSTITELJSTVO I TRGOVINA</a:t>
-            </a:r>
-          </a:p>
-          <a:p>
-            <a:pPr>
-              <a:spcBef>
-                <a:spcPts val="0"/>
-              </a:spcBef>
-            </a:pPr>
-            <a:r>
-              <a:rPr lang="hr-HR" sz="2200" b="1" dirty="0" smtClean="0">
-                <a:solidFill>
-                  <a:srgbClr val="FF0000"/>
-                </a:solidFill>
-              </a:rPr>
-              <a:t>trgovina</a:t>
-            </a:r>
-            <a:r>
-              <a:rPr lang="hr-HR" sz="2200" dirty="0" smtClean="0"/>
-              <a:t> </a:t>
-            </a:r>
-            <a:r>
-              <a:rPr lang="hr-HR" sz="2200" dirty="0"/>
-              <a:t>– posredništvo između proizvođača i </a:t>
-            </a:r>
-            <a:r>
-              <a:rPr lang="hr-HR" sz="2200" dirty="0" smtClean="0"/>
-              <a:t>potrošača</a:t>
-            </a:r>
-          </a:p>
-          <a:p>
-            <a:pPr>
-              <a:spcBef>
-                <a:spcPts val="600"/>
-              </a:spcBef>
-            </a:pPr>
-            <a:r>
-              <a:rPr lang="hr-HR" sz="2200" dirty="0" smtClean="0"/>
-              <a:t>ugostiteljstvo </a:t>
-            </a:r>
-            <a:r>
-              <a:rPr lang="hr-HR" sz="2200" b="1" dirty="0" smtClean="0">
-                <a:solidFill>
-                  <a:srgbClr val="FF0000"/>
-                </a:solidFill>
-              </a:rPr>
-              <a:t>ovisi o trgovini </a:t>
-            </a:r>
-            <a:r>
-              <a:rPr lang="hr-HR" sz="2200" dirty="0" smtClean="0"/>
-              <a:t>kod nabave robe za proizvodnju</a:t>
-            </a:r>
-            <a:endParaRPr lang="hr-HR" sz="2200" dirty="0"/>
-          </a:p>
-          <a:p>
-            <a:pPr lvl="0">
-              <a:spcBef>
-                <a:spcPts val="600"/>
-              </a:spcBef>
-            </a:pPr>
-            <a:r>
-              <a:rPr lang="hr-HR" sz="2200" b="1" dirty="0">
-                <a:solidFill>
-                  <a:srgbClr val="FF0000"/>
-                </a:solidFill>
-              </a:rPr>
-              <a:t>nestašica pojedinih roba</a:t>
-            </a:r>
-            <a:r>
-              <a:rPr lang="hr-HR" sz="2200" dirty="0"/>
-              <a:t> može značajno utjecati na ugostiteljsku ponudu </a:t>
-            </a:r>
-          </a:p>
-          <a:p>
-            <a:pPr lvl="1">
-              <a:spcBef>
-                <a:spcPts val="0"/>
-              </a:spcBef>
-            </a:pPr>
-            <a:r>
-              <a:rPr lang="hr-HR" sz="2200" i="1" dirty="0"/>
-              <a:t>npr. restoran ima u ponudi raznovrsnu ribu, ali dobavljač nije u mogućnosti dostaviti željenu ribu radi nestašice</a:t>
-            </a:r>
-            <a:endParaRPr lang="hr-HR" sz="2200" dirty="0"/>
-          </a:p>
-          <a:p>
-            <a:pPr lvl="0">
-              <a:spcBef>
-                <a:spcPts val="600"/>
-              </a:spcBef>
-            </a:pPr>
-            <a:r>
-              <a:rPr lang="hr-HR" sz="2200" dirty="0"/>
-              <a:t>namirnice u ugostiteljstvu se uglavnom </a:t>
-            </a:r>
-            <a:r>
-              <a:rPr lang="hr-HR" sz="2200" b="1" dirty="0">
-                <a:solidFill>
-                  <a:srgbClr val="FF0000"/>
-                </a:solidFill>
-              </a:rPr>
-              <a:t>ne poslužuju u izvornom obliku ili pakiranju </a:t>
-            </a:r>
-            <a:r>
-              <a:rPr lang="hr-HR" sz="2200" dirty="0"/>
-              <a:t>u kojem dolaze </a:t>
-            </a:r>
-          </a:p>
-          <a:p>
-            <a:pPr lvl="1">
-              <a:spcBef>
-                <a:spcPts val="0"/>
-              </a:spcBef>
-            </a:pPr>
-            <a:r>
-              <a:rPr lang="hr-HR" sz="2200" i="1" dirty="0"/>
-              <a:t>npr. sir se reže i poslužuje, pića se toče u čaše i sl.</a:t>
-            </a:r>
-            <a:endParaRPr lang="hr-HR" sz="2200" b="1" dirty="0"/>
-          </a:p>
-          <a:p>
-            <a:pPr marL="0" lvl="0" indent="0">
-              <a:spcBef>
-                <a:spcPts val="1800"/>
-              </a:spcBef>
-              <a:buNone/>
-            </a:pPr>
-            <a:r>
-              <a:rPr lang="hr-HR" sz="2200" b="1" dirty="0" smtClean="0"/>
-              <a:t>UGOSTITELJSTVO I OBRTI</a:t>
-            </a:r>
-          </a:p>
-          <a:p>
-            <a:pPr>
-              <a:spcBef>
-                <a:spcPts val="0"/>
-              </a:spcBef>
-            </a:pPr>
-            <a:r>
-              <a:rPr lang="hr-HR" sz="2200" b="1" dirty="0">
-                <a:solidFill>
-                  <a:srgbClr val="FF0000"/>
-                </a:solidFill>
-              </a:rPr>
-              <a:t>obrt</a:t>
-            </a:r>
-            <a:r>
-              <a:rPr lang="hr-HR" sz="2200" dirty="0"/>
-              <a:t> – djelatnost koja može biti proizvodna, prometna i uslužna</a:t>
-            </a:r>
-          </a:p>
-          <a:p>
-            <a:pPr>
-              <a:spcBef>
-                <a:spcPts val="600"/>
-              </a:spcBef>
-            </a:pPr>
-            <a:r>
-              <a:rPr lang="hr-HR" sz="2200" dirty="0"/>
-              <a:t>obrtnici su bitni za ugostiteljstvo radi raznovrsnih </a:t>
-            </a:r>
-            <a:r>
-              <a:rPr lang="hr-HR" sz="2200" dirty="0" smtClean="0"/>
-              <a:t>usluga, uglavnom </a:t>
-            </a:r>
-            <a:r>
-              <a:rPr lang="hr-HR" sz="2200" dirty="0"/>
-              <a:t>vezanim za održavanje ugostiteljskih objekata i dobavljanje </a:t>
-            </a:r>
-            <a:r>
-              <a:rPr lang="hr-HR" sz="2200" dirty="0" smtClean="0"/>
-              <a:t>namirnica</a:t>
-            </a:r>
-          </a:p>
-          <a:p>
-            <a:pPr marL="342900" lvl="1" indent="-342900">
-              <a:spcBef>
-                <a:spcPts val="600"/>
-              </a:spcBef>
-            </a:pPr>
-            <a:r>
-              <a:rPr lang="hr-HR" sz="2200" dirty="0" smtClean="0"/>
-              <a:t>neki obrti mogu biti u sklopu ugostiteljskih objekata - </a:t>
-            </a:r>
-            <a:r>
-              <a:rPr lang="hr-HR" sz="2200" i="1" dirty="0"/>
-              <a:t>npr. hotel u sklopu ima frizerski salon, pedikera, brijača, fotografa, pekaru i dr</a:t>
-            </a:r>
-            <a:r>
-              <a:rPr lang="hr-HR" sz="2200" i="1" dirty="0" smtClean="0"/>
-              <a:t>.</a:t>
-            </a:r>
-            <a:endParaRPr lang="hr-HR" sz="2200" dirty="0"/>
-          </a:p>
-        </p:txBody>
-      </p:sp>
-    </p:spTree>
-    <p:extLst>
-      <p:ext uri="{BB962C8B-B14F-4D97-AF65-F5344CB8AC3E}">
-        <p14:creationId xmlns:p14="http://schemas.microsoft.com/office/powerpoint/2010/main" val="3871428097"/>
-      </p:ext>
-    </p:extLst>
-  </p:cSld>
-  <p:clrMapOvr>
-    <a:masterClrMapping/>
-  </p:clrMapOvr>
-  <mc:AlternateContent xmlns:mc="http://schemas.openxmlformats.org/markup-compatibility/2006" xmlns:p14="http://schemas.microsoft.com/office/powerpoint/2010/main">
-    <mc:Choice Requires="p14">
-      <p:transition>
-        <p14:reveal/>
-      </p:transition>
-    </mc:Choice>
-    <mc:Fallback xmlns="">
-      <p:transition>
-        <p:fade/>
-      </p:transition>
-    </mc:Fallback>
-  </mc:AlternateContent>
-  <p:timing>
-    <p:tnLst>
-      <p:par>
-        <p:cTn id="1" dur="indefinite" restart="never" nodeType="tmRoot"/>
-      </p:par>
-    </p:tnLst>
-  </p:timing>
-</p:sld>
-</file>
-
-<file path=ppt/slides/slide31.xml><?xml version="1.0" encoding="utf-8"?>
-<p:sld xmlns:a="http://schemas.openxmlformats.org/drawingml/2006/main" xmlns:r="http://schemas.openxmlformats.org/officeDocument/2006/relationships" xmlns:p="http://schemas.openxmlformats.org/presentationml/2006/main">
-  <p:cSld>
-    <p:spTree>
-      <p:nvGrpSpPr>
-        <p:cNvPr id="1" name=""/>
-        <p:cNvGrpSpPr/>
-        <p:nvPr/>
-      </p:nvGrpSpPr>
-      <p:grpSpPr>
-        <a:xfrm>
-          <a:off x="0" y="0"/>
-          <a:ext cx="0" cy="0"/>
-          <a:chOff x="0" y="0"/>
-          <a:chExt cx="0" cy="0"/>
-        </a:xfrm>
-      </p:grpSpPr>
-      <p:sp>
-        <p:nvSpPr>
-          <p:cNvPr id="2" name="Title 1"/>
-          <p:cNvSpPr>
-            <a:spLocks noGrp="1"/>
-          </p:cNvSpPr>
-          <p:nvPr>
-            <p:ph type="title"/>
-          </p:nvPr>
-        </p:nvSpPr>
-        <p:spPr/>
-        <p:txBody>
-          <a:bodyPr/>
-          <a:lstStyle/>
-          <a:p>
-            <a:r>
-              <a:rPr lang="hr-HR" sz="2600" b="1" dirty="0">
-                <a:solidFill>
-                  <a:srgbClr val="FF0000"/>
-                </a:solidFill>
-              </a:rPr>
-              <a:t>UGOSTITELJSTVO I TRGOVINA, OBRTI I INDUSTRIJA</a:t>
-            </a:r>
-            <a:r>
-              <a:rPr lang="hr-HR" sz="2800" dirty="0">
-                <a:solidFill>
-                  <a:prstClr val="black"/>
-                </a:solidFill>
-              </a:rPr>
-              <a:t>	 </a:t>
-            </a:r>
-            <a:r>
-              <a:rPr lang="hr-HR" sz="2000" i="1" dirty="0">
-                <a:solidFill>
-                  <a:prstClr val="black"/>
-                </a:solidFill>
-              </a:rPr>
-              <a:t>(plan ploče)</a:t>
-            </a:r>
-            <a:endParaRPr lang="hr-HR" sz="2800" dirty="0"/>
-          </a:p>
-        </p:txBody>
-      </p:sp>
-      <p:sp>
-        <p:nvSpPr>
-          <p:cNvPr id="3" name="Content Placeholder 2"/>
-          <p:cNvSpPr>
-            <a:spLocks noGrp="1"/>
-          </p:cNvSpPr>
-          <p:nvPr>
-            <p:ph idx="1"/>
-          </p:nvPr>
-        </p:nvSpPr>
-        <p:spPr>
-          <a:xfrm>
-            <a:off x="0" y="836712"/>
-            <a:ext cx="9144000" cy="6021288"/>
-          </a:xfrm>
-        </p:spPr>
-        <p:txBody>
-          <a:bodyPr>
-            <a:noAutofit/>
-          </a:bodyPr>
-          <a:lstStyle/>
-          <a:p>
-            <a:pPr marL="0" indent="0">
-              <a:spcBef>
-                <a:spcPts val="0"/>
-              </a:spcBef>
-              <a:buNone/>
-            </a:pPr>
-            <a:r>
-              <a:rPr lang="hr-HR" sz="2200" b="1" dirty="0" smtClean="0"/>
-              <a:t>UGOSTITELJSTVO I INDUSTRIJA</a:t>
-            </a:r>
-          </a:p>
-          <a:p>
-            <a:pPr lvl="0">
-              <a:spcBef>
-                <a:spcPts val="1200"/>
-              </a:spcBef>
-            </a:pPr>
-            <a:r>
-              <a:rPr lang="hr-HR" sz="2200" dirty="0"/>
-              <a:t>za razliku od obrta, industrija zapošljava </a:t>
-            </a:r>
-            <a:r>
-              <a:rPr lang="hr-HR" sz="2200" b="1" dirty="0">
-                <a:solidFill>
-                  <a:srgbClr val="FF0000"/>
-                </a:solidFill>
-              </a:rPr>
-              <a:t>veći broj radnika </a:t>
-            </a:r>
-            <a:r>
-              <a:rPr lang="hr-HR" sz="2200" dirty="0"/>
-              <a:t>i </a:t>
-            </a:r>
-            <a:r>
-              <a:rPr lang="hr-HR" sz="2200" b="1" dirty="0">
-                <a:solidFill>
-                  <a:srgbClr val="FF0000"/>
-                </a:solidFill>
-              </a:rPr>
-              <a:t>proizvodi serijski </a:t>
-            </a:r>
-            <a:r>
-              <a:rPr lang="hr-HR" sz="2200" dirty="0"/>
-              <a:t>veći broj </a:t>
-            </a:r>
-            <a:r>
-              <a:rPr lang="hr-HR" sz="2200" dirty="0" smtClean="0"/>
-              <a:t>proizvoda</a:t>
-            </a:r>
-          </a:p>
-          <a:p>
-            <a:pPr lvl="0">
-              <a:spcBef>
-                <a:spcPts val="1200"/>
-              </a:spcBef>
-            </a:pPr>
-            <a:r>
-              <a:rPr lang="hr-HR" sz="2200" dirty="0"/>
-              <a:t>za ugostiteljstvo je bitna </a:t>
-            </a:r>
-            <a:r>
-              <a:rPr lang="hr-HR" sz="2200" b="1" dirty="0">
-                <a:solidFill>
-                  <a:srgbClr val="FF0000"/>
-                </a:solidFill>
-              </a:rPr>
-              <a:t>industrija hrane i pića</a:t>
-            </a:r>
-            <a:r>
-              <a:rPr lang="hr-HR" sz="2200" dirty="0"/>
-              <a:t>, drvna, tekstilna, </a:t>
-            </a:r>
-            <a:r>
-              <a:rPr lang="hr-HR" sz="2200" dirty="0" err="1"/>
-              <a:t>ind</a:t>
-            </a:r>
-            <a:r>
-              <a:rPr lang="hr-HR" sz="2200" dirty="0"/>
-              <a:t>. porculana i stakla, elektroindustrija, </a:t>
-            </a:r>
-            <a:r>
-              <a:rPr lang="hr-HR" sz="2200" dirty="0" err="1"/>
-              <a:t>ind</a:t>
-            </a:r>
-            <a:r>
-              <a:rPr lang="hr-HR" sz="2200" dirty="0"/>
-              <a:t>. rashladnih uređaja i dr.</a:t>
-            </a:r>
-          </a:p>
-          <a:p>
-            <a:pPr lvl="0">
-              <a:spcBef>
-                <a:spcPts val="1200"/>
-              </a:spcBef>
-            </a:pPr>
-            <a:r>
-              <a:rPr lang="hr-HR" sz="2200" b="1" dirty="0">
-                <a:solidFill>
-                  <a:srgbClr val="FF0000"/>
-                </a:solidFill>
-              </a:rPr>
-              <a:t>„hotelska industrija“ </a:t>
-            </a:r>
-            <a:r>
-              <a:rPr lang="hr-HR" sz="2200" dirty="0"/>
-              <a:t>i </a:t>
-            </a:r>
-            <a:r>
-              <a:rPr lang="hr-HR" sz="2200" b="1" dirty="0">
-                <a:solidFill>
-                  <a:srgbClr val="FF0000"/>
-                </a:solidFill>
-              </a:rPr>
-              <a:t>„ugostiteljska industrija“ </a:t>
-            </a:r>
-            <a:r>
-              <a:rPr lang="hr-HR" sz="2200" dirty="0"/>
-              <a:t>– hoteli s više od 1000 postelja, restauracije s većim brojem sjedala i dr. </a:t>
-            </a:r>
-          </a:p>
-          <a:p>
-            <a:pPr>
-              <a:spcBef>
-                <a:spcPts val="0"/>
-              </a:spcBef>
-            </a:pPr>
-            <a:endParaRPr lang="hr-HR" sz="2200" dirty="0"/>
-          </a:p>
-        </p:txBody>
-      </p:sp>
-    </p:spTree>
-    <p:extLst>
-      <p:ext uri="{BB962C8B-B14F-4D97-AF65-F5344CB8AC3E}">
-        <p14:creationId xmlns:p14="http://schemas.microsoft.com/office/powerpoint/2010/main" val="2362199005"/>
-      </p:ext>
-    </p:extLst>
-  </p:cSld>
-  <p:clrMapOvr>
-    <a:masterClrMapping/>
-  </p:clrMapOvr>
-  <mc:AlternateContent xmlns:mc="http://schemas.openxmlformats.org/markup-compatibility/2006" xmlns:p14="http://schemas.microsoft.com/office/powerpoint/2010/main">
-    <mc:Choice Requires="p14">
-      <p:transition>
-        <p14:reveal/>
-      </p:transition>
-    </mc:Choice>
-    <mc:Fallback xmlns="">
+    <mc:Fallback>
       <p:transition>
         <p:fade/>
       </p:transition>
@@ -13925,6 +15561,560 @@
           <a:lstStyle/>
           <a:p>
             <a:r>
+              <a:rPr lang="hr-HR" sz="2600" b="1" dirty="0" smtClean="0">
+                <a:solidFill>
+                  <a:srgbClr val="FF0000"/>
+                </a:solidFill>
+              </a:rPr>
+              <a:t>UGOSTITELJSTVO I TRGOVINA, OBRTI I INDUSTRIJA</a:t>
+            </a:r>
+            <a:r>
+              <a:rPr lang="hr-HR" sz="2800" dirty="0" smtClean="0"/>
+              <a:t>	 </a:t>
+            </a:r>
+            <a:r>
+              <a:rPr lang="hr-HR" sz="2000" i="1" dirty="0" smtClean="0"/>
+              <a:t>(plan ploče)</a:t>
+            </a:r>
+            <a:endParaRPr lang="hr-HR" sz="2800" i="1" dirty="0"/>
+          </a:p>
+        </p:txBody>
+      </p:sp>
+      <p:sp>
+        <p:nvSpPr>
+          <p:cNvPr id="3" name="Content Placeholder 2"/>
+          <p:cNvSpPr>
+            <a:spLocks noGrp="1"/>
+          </p:cNvSpPr>
+          <p:nvPr>
+            <p:ph idx="1"/>
+          </p:nvPr>
+        </p:nvSpPr>
+        <p:spPr>
+          <a:xfrm>
+            <a:off x="0" y="836712"/>
+            <a:ext cx="9144000" cy="6021288"/>
+          </a:xfrm>
+        </p:spPr>
+        <p:txBody>
+          <a:bodyPr>
+            <a:noAutofit/>
+          </a:bodyPr>
+          <a:lstStyle/>
+          <a:p>
+            <a:pPr marL="0" indent="0">
+              <a:spcBef>
+                <a:spcPts val="0"/>
+              </a:spcBef>
+              <a:buNone/>
+            </a:pPr>
+            <a:r>
+              <a:rPr lang="hr-HR" sz="2200" b="1" dirty="0" smtClean="0"/>
+              <a:t>UGOSTITELJSTVO I TRGOVINA</a:t>
+            </a:r>
+          </a:p>
+          <a:p>
+            <a:pPr>
+              <a:spcBef>
+                <a:spcPts val="0"/>
+              </a:spcBef>
+            </a:pPr>
+            <a:r>
+              <a:rPr lang="hr-HR" sz="2200" b="1" dirty="0" smtClean="0">
+                <a:solidFill>
+                  <a:srgbClr val="FF0000"/>
+                </a:solidFill>
+              </a:rPr>
+              <a:t>trgovina</a:t>
+            </a:r>
+            <a:r>
+              <a:rPr lang="hr-HR" sz="2200" dirty="0" smtClean="0"/>
+              <a:t> </a:t>
+            </a:r>
+            <a:r>
+              <a:rPr lang="hr-HR" sz="2200" dirty="0"/>
+              <a:t>– posredništvo između proizvođača i </a:t>
+            </a:r>
+            <a:r>
+              <a:rPr lang="hr-HR" sz="2200" dirty="0" smtClean="0"/>
+              <a:t>potrošača</a:t>
+            </a:r>
+          </a:p>
+          <a:p>
+            <a:pPr>
+              <a:spcBef>
+                <a:spcPts val="600"/>
+              </a:spcBef>
+            </a:pPr>
+            <a:r>
+              <a:rPr lang="hr-HR" sz="2200" dirty="0" smtClean="0"/>
+              <a:t>ugostiteljstvo </a:t>
+            </a:r>
+            <a:r>
+              <a:rPr lang="hr-HR" sz="2200" b="1" dirty="0" smtClean="0">
+                <a:solidFill>
+                  <a:srgbClr val="FF0000"/>
+                </a:solidFill>
+              </a:rPr>
+              <a:t>ovisi o trgovini </a:t>
+            </a:r>
+            <a:r>
+              <a:rPr lang="hr-HR" sz="2200" dirty="0" smtClean="0"/>
+              <a:t>kod nabave robe za proizvodnju</a:t>
+            </a:r>
+            <a:endParaRPr lang="hr-HR" sz="2200" dirty="0"/>
+          </a:p>
+          <a:p>
+            <a:pPr lvl="0">
+              <a:spcBef>
+                <a:spcPts val="600"/>
+              </a:spcBef>
+            </a:pPr>
+            <a:r>
+              <a:rPr lang="hr-HR" sz="2200" b="1" dirty="0">
+                <a:solidFill>
+                  <a:srgbClr val="FF0000"/>
+                </a:solidFill>
+              </a:rPr>
+              <a:t>nestašica pojedinih roba</a:t>
+            </a:r>
+            <a:r>
+              <a:rPr lang="hr-HR" sz="2200" dirty="0"/>
+              <a:t> može značajno utjecati na ugostiteljsku ponudu </a:t>
+            </a:r>
+          </a:p>
+          <a:p>
+            <a:pPr lvl="1">
+              <a:spcBef>
+                <a:spcPts val="0"/>
+              </a:spcBef>
+            </a:pPr>
+            <a:r>
+              <a:rPr lang="hr-HR" sz="2200" i="1" dirty="0"/>
+              <a:t>npr. restoran ima u ponudi raznovrsnu ribu, ali dobavljač nije u mogućnosti dostaviti željenu ribu radi nestašice</a:t>
+            </a:r>
+            <a:endParaRPr lang="hr-HR" sz="2200" dirty="0"/>
+          </a:p>
+          <a:p>
+            <a:pPr lvl="0">
+              <a:spcBef>
+                <a:spcPts val="600"/>
+              </a:spcBef>
+            </a:pPr>
+            <a:r>
+              <a:rPr lang="hr-HR" sz="2200" dirty="0"/>
+              <a:t>namirnice u ugostiteljstvu se uglavnom </a:t>
+            </a:r>
+            <a:r>
+              <a:rPr lang="hr-HR" sz="2200" b="1" dirty="0">
+                <a:solidFill>
+                  <a:srgbClr val="FF0000"/>
+                </a:solidFill>
+              </a:rPr>
+              <a:t>ne poslužuju u izvornom obliku ili pakiranju </a:t>
+            </a:r>
+            <a:r>
+              <a:rPr lang="hr-HR" sz="2200" dirty="0"/>
+              <a:t>u kojem dolaze </a:t>
+            </a:r>
+          </a:p>
+          <a:p>
+            <a:pPr lvl="1">
+              <a:spcBef>
+                <a:spcPts val="0"/>
+              </a:spcBef>
+            </a:pPr>
+            <a:r>
+              <a:rPr lang="hr-HR" sz="2200" i="1" dirty="0"/>
+              <a:t>npr. sir se reže i poslužuje, pića se toče u čaše i sl.</a:t>
+            </a:r>
+            <a:endParaRPr lang="hr-HR" sz="2200" b="1" dirty="0"/>
+          </a:p>
+          <a:p>
+            <a:pPr marL="0" lvl="0" indent="0">
+              <a:spcBef>
+                <a:spcPts val="1800"/>
+              </a:spcBef>
+              <a:buNone/>
+            </a:pPr>
+            <a:r>
+              <a:rPr lang="hr-HR" sz="2200" b="1" dirty="0" smtClean="0"/>
+              <a:t>UGOSTITELJSTVO I OBRTI</a:t>
+            </a:r>
+          </a:p>
+          <a:p>
+            <a:pPr>
+              <a:spcBef>
+                <a:spcPts val="0"/>
+              </a:spcBef>
+            </a:pPr>
+            <a:r>
+              <a:rPr lang="hr-HR" sz="2200" b="1" dirty="0">
+                <a:solidFill>
+                  <a:srgbClr val="FF0000"/>
+                </a:solidFill>
+              </a:rPr>
+              <a:t>obrt</a:t>
+            </a:r>
+            <a:r>
+              <a:rPr lang="hr-HR" sz="2200" dirty="0"/>
+              <a:t> – djelatnost koja može biti proizvodna, prometna i uslužna</a:t>
+            </a:r>
+          </a:p>
+          <a:p>
+            <a:pPr>
+              <a:spcBef>
+                <a:spcPts val="600"/>
+              </a:spcBef>
+            </a:pPr>
+            <a:r>
+              <a:rPr lang="hr-HR" sz="2200" dirty="0"/>
+              <a:t>obrtnici su bitni za ugostiteljstvo radi raznovrsnih </a:t>
+            </a:r>
+            <a:r>
+              <a:rPr lang="hr-HR" sz="2200" dirty="0" smtClean="0"/>
+              <a:t>usluga, uglavnom </a:t>
+            </a:r>
+            <a:r>
+              <a:rPr lang="hr-HR" sz="2200" dirty="0"/>
+              <a:t>vezanim za održavanje ugostiteljskih objekata i dobavljanje </a:t>
+            </a:r>
+            <a:r>
+              <a:rPr lang="hr-HR" sz="2200" dirty="0" smtClean="0"/>
+              <a:t>namirnica</a:t>
+            </a:r>
+          </a:p>
+          <a:p>
+            <a:pPr marL="342900" lvl="1" indent="-342900">
+              <a:spcBef>
+                <a:spcPts val="600"/>
+              </a:spcBef>
+            </a:pPr>
+            <a:r>
+              <a:rPr lang="hr-HR" sz="2200" dirty="0" smtClean="0"/>
+              <a:t>neki obrti mogu biti u sklopu ugostiteljskih objekata - </a:t>
+            </a:r>
+            <a:r>
+              <a:rPr lang="hr-HR" sz="2200" i="1" dirty="0"/>
+              <a:t>npr. hotel u sklopu ima frizerski salon, pedikera, brijača, fotografa, pekaru i dr</a:t>
+            </a:r>
+            <a:r>
+              <a:rPr lang="hr-HR" sz="2200" i="1" dirty="0" smtClean="0"/>
+              <a:t>.</a:t>
+            </a:r>
+            <a:endParaRPr lang="hr-HR" sz="2200" dirty="0"/>
+          </a:p>
+        </p:txBody>
+      </p:sp>
+    </p:spTree>
+    <p:extLst>
+      <p:ext uri="{BB962C8B-B14F-4D97-AF65-F5344CB8AC3E}">
+        <p14:creationId xmlns:p14="http://schemas.microsoft.com/office/powerpoint/2010/main" val="3871428097"/>
+      </p:ext>
+    </p:extLst>
+  </p:cSld>
+  <p:clrMapOvr>
+    <a:masterClrMapping/>
+  </p:clrMapOvr>
+  <mc:AlternateContent xmlns:mc="http://schemas.openxmlformats.org/markup-compatibility/2006">
+    <mc:Choice xmlns:p14="http://schemas.microsoft.com/office/powerpoint/2010/main" Requires="p14">
+      <p:transition>
+        <p14:reveal/>
+      </p:transition>
+    </mc:Choice>
+    <mc:Fallback>
+      <p:transition>
+        <p:fade/>
+      </p:transition>
+    </mc:Fallback>
+  </mc:AlternateContent>
+  <p:timing>
+    <p:tnLst>
+      <p:par>
+        <p:cTn id="1" dur="indefinite" restart="never" nodeType="tmRoot"/>
+      </p:par>
+    </p:tnLst>
+  </p:timing>
+</p:sld>
+</file>
+
+<file path=ppt/slides/slide33.xml><?xml version="1.0" encoding="utf-8"?>
+<p:sld xmlns:a="http://schemas.openxmlformats.org/drawingml/2006/main" xmlns:r="http://schemas.openxmlformats.org/officeDocument/2006/relationships" xmlns:p="http://schemas.openxmlformats.org/presentationml/2006/main">
+  <p:cSld>
+    <p:spTree>
+      <p:nvGrpSpPr>
+        <p:cNvPr id="1" name=""/>
+        <p:cNvGrpSpPr/>
+        <p:nvPr/>
+      </p:nvGrpSpPr>
+      <p:grpSpPr>
+        <a:xfrm>
+          <a:off x="0" y="0"/>
+          <a:ext cx="0" cy="0"/>
+          <a:chOff x="0" y="0"/>
+          <a:chExt cx="0" cy="0"/>
+        </a:xfrm>
+      </p:grpSpPr>
+      <p:sp>
+        <p:nvSpPr>
+          <p:cNvPr id="2" name="Title 1"/>
+          <p:cNvSpPr>
+            <a:spLocks noGrp="1"/>
+          </p:cNvSpPr>
+          <p:nvPr>
+            <p:ph type="title"/>
+          </p:nvPr>
+        </p:nvSpPr>
+        <p:spPr/>
+        <p:txBody>
+          <a:bodyPr/>
+          <a:lstStyle/>
+          <a:p>
+            <a:r>
+              <a:rPr lang="hr-HR" sz="2600" b="1" dirty="0">
+                <a:solidFill>
+                  <a:srgbClr val="FF0000"/>
+                </a:solidFill>
+              </a:rPr>
+              <a:t>UGOSTITELJSTVO I TRGOVINA, OBRTI I INDUSTRIJA</a:t>
+            </a:r>
+            <a:r>
+              <a:rPr lang="hr-HR" sz="2800" dirty="0">
+                <a:solidFill>
+                  <a:prstClr val="black"/>
+                </a:solidFill>
+              </a:rPr>
+              <a:t>	 </a:t>
+            </a:r>
+            <a:r>
+              <a:rPr lang="hr-HR" sz="2000" i="1" dirty="0">
+                <a:solidFill>
+                  <a:prstClr val="black"/>
+                </a:solidFill>
+              </a:rPr>
+              <a:t>(plan ploče)</a:t>
+            </a:r>
+            <a:endParaRPr lang="hr-HR" sz="2800" dirty="0"/>
+          </a:p>
+        </p:txBody>
+      </p:sp>
+      <p:sp>
+        <p:nvSpPr>
+          <p:cNvPr id="3" name="Content Placeholder 2"/>
+          <p:cNvSpPr>
+            <a:spLocks noGrp="1"/>
+          </p:cNvSpPr>
+          <p:nvPr>
+            <p:ph idx="1"/>
+          </p:nvPr>
+        </p:nvSpPr>
+        <p:spPr>
+          <a:xfrm>
+            <a:off x="0" y="836712"/>
+            <a:ext cx="9144000" cy="6021288"/>
+          </a:xfrm>
+        </p:spPr>
+        <p:txBody>
+          <a:bodyPr>
+            <a:noAutofit/>
+          </a:bodyPr>
+          <a:lstStyle/>
+          <a:p>
+            <a:pPr marL="0" indent="0">
+              <a:spcBef>
+                <a:spcPts val="0"/>
+              </a:spcBef>
+              <a:buNone/>
+            </a:pPr>
+            <a:r>
+              <a:rPr lang="hr-HR" sz="2200" b="1" dirty="0" smtClean="0"/>
+              <a:t>UGOSTITELJSTVO I INDUSTRIJA</a:t>
+            </a:r>
+          </a:p>
+          <a:p>
+            <a:pPr lvl="0">
+              <a:spcBef>
+                <a:spcPts val="1200"/>
+              </a:spcBef>
+            </a:pPr>
+            <a:r>
+              <a:rPr lang="hr-HR" sz="2200" dirty="0"/>
+              <a:t>za razliku od obrta, industrija zapošljava </a:t>
+            </a:r>
+            <a:r>
+              <a:rPr lang="hr-HR" sz="2200" b="1" dirty="0">
+                <a:solidFill>
+                  <a:srgbClr val="FF0000"/>
+                </a:solidFill>
+              </a:rPr>
+              <a:t>veći broj radnika </a:t>
+            </a:r>
+            <a:r>
+              <a:rPr lang="hr-HR" sz="2200" dirty="0"/>
+              <a:t>i </a:t>
+            </a:r>
+            <a:r>
+              <a:rPr lang="hr-HR" sz="2200" b="1" dirty="0">
+                <a:solidFill>
+                  <a:srgbClr val="FF0000"/>
+                </a:solidFill>
+              </a:rPr>
+              <a:t>proizvodi serijski </a:t>
+            </a:r>
+            <a:r>
+              <a:rPr lang="hr-HR" sz="2200" dirty="0"/>
+              <a:t>veći broj </a:t>
+            </a:r>
+            <a:r>
+              <a:rPr lang="hr-HR" sz="2200" dirty="0" smtClean="0"/>
+              <a:t>proizvoda</a:t>
+            </a:r>
+          </a:p>
+          <a:p>
+            <a:pPr lvl="0">
+              <a:spcBef>
+                <a:spcPts val="1200"/>
+              </a:spcBef>
+            </a:pPr>
+            <a:r>
+              <a:rPr lang="hr-HR" sz="2200" dirty="0"/>
+              <a:t>za ugostiteljstvo je bitna </a:t>
+            </a:r>
+            <a:r>
+              <a:rPr lang="hr-HR" sz="2200" b="1" dirty="0">
+                <a:solidFill>
+                  <a:srgbClr val="FF0000"/>
+                </a:solidFill>
+              </a:rPr>
+              <a:t>industrija hrane i pića</a:t>
+            </a:r>
+            <a:r>
+              <a:rPr lang="hr-HR" sz="2200" dirty="0"/>
+              <a:t>, drvna, tekstilna, </a:t>
+            </a:r>
+            <a:r>
+              <a:rPr lang="hr-HR" sz="2200" dirty="0" err="1"/>
+              <a:t>ind</a:t>
+            </a:r>
+            <a:r>
+              <a:rPr lang="hr-HR" sz="2200" dirty="0"/>
+              <a:t>. porculana i stakla, elektroindustrija, </a:t>
+            </a:r>
+            <a:r>
+              <a:rPr lang="hr-HR" sz="2200" dirty="0" err="1"/>
+              <a:t>ind</a:t>
+            </a:r>
+            <a:r>
+              <a:rPr lang="hr-HR" sz="2200" dirty="0"/>
+              <a:t>. rashladnih uređaja i dr.</a:t>
+            </a:r>
+          </a:p>
+          <a:p>
+            <a:pPr lvl="0">
+              <a:spcBef>
+                <a:spcPts val="1200"/>
+              </a:spcBef>
+            </a:pPr>
+            <a:r>
+              <a:rPr lang="hr-HR" sz="2200" b="1" dirty="0">
+                <a:solidFill>
+                  <a:srgbClr val="FF0000"/>
+                </a:solidFill>
+              </a:rPr>
+              <a:t>„hotelska industrija“ </a:t>
+            </a:r>
+            <a:r>
+              <a:rPr lang="hr-HR" sz="2200" dirty="0"/>
+              <a:t>i </a:t>
+            </a:r>
+            <a:r>
+              <a:rPr lang="hr-HR" sz="2200" b="1" dirty="0">
+                <a:solidFill>
+                  <a:srgbClr val="FF0000"/>
+                </a:solidFill>
+              </a:rPr>
+              <a:t>„ugostiteljska industrija“ </a:t>
+            </a:r>
+            <a:r>
+              <a:rPr lang="hr-HR" sz="2200" dirty="0"/>
+              <a:t>– hoteli s više od 1000 postelja, restauracije s većim brojem sjedala i dr. </a:t>
+            </a:r>
+          </a:p>
+          <a:p>
+            <a:pPr>
+              <a:spcBef>
+                <a:spcPts val="0"/>
+              </a:spcBef>
+            </a:pPr>
+            <a:endParaRPr lang="hr-HR" sz="2200" dirty="0"/>
+          </a:p>
+        </p:txBody>
+      </p:sp>
+    </p:spTree>
+    <p:extLst>
+      <p:ext uri="{BB962C8B-B14F-4D97-AF65-F5344CB8AC3E}">
+        <p14:creationId xmlns:p14="http://schemas.microsoft.com/office/powerpoint/2010/main" val="2362199005"/>
+      </p:ext>
+    </p:extLst>
+  </p:cSld>
+  <p:clrMapOvr>
+    <a:masterClrMapping/>
+  </p:clrMapOvr>
+  <mc:AlternateContent xmlns:mc="http://schemas.openxmlformats.org/markup-compatibility/2006">
+    <mc:Choice xmlns:p14="http://schemas.microsoft.com/office/powerpoint/2010/main" Requires="p14">
+      <p:transition>
+        <p14:reveal/>
+      </p:transition>
+    </mc:Choice>
+    <mc:Fallback>
+      <p:transition>
+        <p:fade/>
+      </p:transition>
+    </mc:Fallback>
+  </mc:AlternateContent>
+  <p:timing>
+    <p:tnLst>
+      <p:par>
+        <p:cTn id="1" dur="indefinite" restart="never" nodeType="tmRoot"/>
+      </p:par>
+    </p:tnLst>
+  </p:timing>
+</p:sld>
+</file>
+
+<file path=ppt/slides/slide34.xml><?xml version="1.0" encoding="utf-8"?>
+<p:sld xmlns:a="http://schemas.openxmlformats.org/drawingml/2006/main" xmlns:r="http://schemas.openxmlformats.org/officeDocument/2006/relationships" xmlns:p="http://schemas.openxmlformats.org/presentationml/2006/main">
+  <p:cSld>
+    <p:spTree>
+      <p:nvGrpSpPr>
+        <p:cNvPr id="1" name=""/>
+        <p:cNvGrpSpPr/>
+        <p:nvPr/>
+      </p:nvGrpSpPr>
+      <p:grpSpPr>
+        <a:xfrm>
+          <a:off x="0" y="0"/>
+          <a:ext cx="0" cy="0"/>
+          <a:chOff x="0" y="0"/>
+          <a:chExt cx="0" cy="0"/>
+        </a:xfrm>
+      </p:grpSpPr>
+      <p:sp>
+        <p:nvSpPr>
+          <p:cNvPr id="2" name="Title 1"/>
+          <p:cNvSpPr>
+            <a:spLocks noGrp="1"/>
+          </p:cNvSpPr>
+          <p:nvPr>
+            <p:ph type="title"/>
+          </p:nvPr>
+        </p:nvSpPr>
+        <p:spPr/>
+        <p:txBody>
+          <a:bodyPr/>
+          <a:lstStyle/>
+          <a:p>
+            <a:r>
               <a:rPr lang="hr-HR" dirty="0" smtClean="0"/>
               <a:t>Ponovimo </a:t>
             </a:r>
@@ -14050,13 +16240,13 @@
   <p:clrMapOvr>
     <a:masterClrMapping/>
   </p:clrMapOvr>
-  <mc:AlternateContent xmlns:mc="http://schemas.openxmlformats.org/markup-compatibility/2006" xmlns:p14="http://schemas.microsoft.com/office/powerpoint/2010/main">
-    <mc:Choice Requires="p14">
+  <mc:AlternateContent xmlns:mc="http://schemas.openxmlformats.org/markup-compatibility/2006">
+    <mc:Choice xmlns:p14="http://schemas.microsoft.com/office/powerpoint/2010/main" Requires="p14">
       <p:transition>
         <p14:reveal/>
       </p:transition>
     </mc:Choice>
-    <mc:Fallback xmlns="">
+    <mc:Fallback>
       <p:transition>
         <p:fade/>
       </p:transition>
@@ -14674,11 +16864,7 @@
             </a:r>
             <a:r>
               <a:rPr lang="hr-HR" dirty="0" smtClean="0"/>
-              <a:t> raznovrsne hrane, napitaka i pića </a:t>
-            </a:r>
-            <a:r>
-              <a:rPr lang="hr-HR" dirty="0" smtClean="0"/>
-              <a:t>te pružanjem </a:t>
+              <a:t> raznovrsne hrane, napitaka i pića te pružanjem </a:t>
             </a:r>
             <a:r>
               <a:rPr lang="hr-HR" b="1" dirty="0" smtClean="0">
@@ -14915,13 +17101,13 @@
   <p:clrMapOvr>
     <a:masterClrMapping/>
   </p:clrMapOvr>
-  <mc:AlternateContent xmlns:mc="http://schemas.openxmlformats.org/markup-compatibility/2006" xmlns:p14="http://schemas.microsoft.com/office/powerpoint/2010/main">
-    <mc:Choice Requires="p14">
+  <mc:AlternateContent xmlns:mc="http://schemas.openxmlformats.org/markup-compatibility/2006">
+    <mc:Choice xmlns:p14="http://schemas.microsoft.com/office/powerpoint/2010/main" Requires="p14">
       <p:transition>
         <p14:reveal/>
       </p:transition>
     </mc:Choice>
-    <mc:Fallback xmlns="">
+    <mc:Fallback>
       <p:transition>
         <p:fade/>
       </p:transition>
@@ -15735,13 +17921,13 @@
   <p:clrMapOvr>
     <a:masterClrMapping/>
   </p:clrMapOvr>
-  <mc:AlternateContent xmlns:mc="http://schemas.openxmlformats.org/markup-compatibility/2006" xmlns:p14="http://schemas.microsoft.com/office/powerpoint/2010/main">
-    <mc:Choice Requires="p14">
+  <mc:AlternateContent xmlns:mc="http://schemas.openxmlformats.org/markup-compatibility/2006">
+    <mc:Choice xmlns:p14="http://schemas.microsoft.com/office/powerpoint/2010/main" Requires="p14">
       <p:transition>
         <p14:reveal/>
       </p:transition>
     </mc:Choice>
-    <mc:Fallback xmlns="">
+    <mc:Fallback>
       <p:transition>
         <p:fade/>
       </p:transition>
@@ -16507,13 +18693,13 @@
   <p:clrMapOvr>
     <a:masterClrMapping/>
   </p:clrMapOvr>
-  <mc:AlternateContent xmlns:mc="http://schemas.openxmlformats.org/markup-compatibility/2006" xmlns:p14="http://schemas.microsoft.com/office/powerpoint/2010/main">
-    <mc:Choice Requires="p14">
+  <mc:AlternateContent xmlns:mc="http://schemas.openxmlformats.org/markup-compatibility/2006">
+    <mc:Choice xmlns:p14="http://schemas.microsoft.com/office/powerpoint/2010/main" Requires="p14">
       <p:transition>
         <p14:reveal/>
       </p:transition>
     </mc:Choice>
-    <mc:Fallback xmlns="">
+    <mc:Fallback>
       <p:transition>
         <p:fade/>
       </p:transition>
@@ -17069,13 +19255,13 @@
   <p:clrMapOvr>
     <a:masterClrMapping/>
   </p:clrMapOvr>
-  <mc:AlternateContent xmlns:mc="http://schemas.openxmlformats.org/markup-compatibility/2006" xmlns:p14="http://schemas.microsoft.com/office/powerpoint/2010/main">
-    <mc:Choice Requires="p14">
+  <mc:AlternateContent xmlns:mc="http://schemas.openxmlformats.org/markup-compatibility/2006">
+    <mc:Choice xmlns:p14="http://schemas.microsoft.com/office/powerpoint/2010/main" Requires="p14">
       <p:transition>
         <p14:reveal/>
       </p:transition>
     </mc:Choice>
-    <mc:Fallback xmlns="">
+    <mc:Fallback>
       <p:transition>
         <p:fade/>
       </p:transition>
@@ -17707,130 +19893,29 @@
           </a:bodyPr>
           <a:lstStyle/>
           <a:p>
-            <a:pPr lvl="0">
-              <a:spcBef>
-                <a:spcPts val="1200"/>
-              </a:spcBef>
-            </a:pPr>
-            <a:r>
-              <a:rPr lang="hr-HR" sz="2000" b="1" dirty="0"/>
+            <a:r>
+              <a:rPr lang="hr-HR" sz="2000" b="1" dirty="0" smtClean="0">
+                <a:solidFill>
+                  <a:srgbClr val="FF0000"/>
+                </a:solidFill>
+              </a:rPr>
               <a:t>ugostiteljstvo</a:t>
             </a:r>
             <a:r>
+              <a:rPr lang="hr-HR" sz="2000" dirty="0" smtClean="0"/>
+              <a:t> je </a:t>
+            </a:r>
+            <a:r>
               <a:rPr lang="hr-HR" sz="2000" dirty="0"/>
-              <a:t> – </a:t>
-            </a:r>
-            <a:r>
-              <a:rPr lang="hr-HR" sz="2000" b="1" dirty="0">
-                <a:solidFill>
-                  <a:srgbClr val="FF0000"/>
-                </a:solidFill>
-              </a:rPr>
-              <a:t>uslužna</a:t>
+              <a:t>u</a:t>
+            </a:r>
+            <a:r>
+              <a:rPr lang="hr-HR" sz="2000" dirty="0" smtClean="0"/>
+              <a:t>služna </a:t>
             </a:r>
             <a:r>
               <a:rPr lang="hr-HR" sz="2000" dirty="0"/>
-              <a:t> i </a:t>
-            </a:r>
-            <a:r>
-              <a:rPr lang="hr-HR" sz="2000" b="1" dirty="0">
-                <a:solidFill>
-                  <a:srgbClr val="FF0000"/>
-                </a:solidFill>
-              </a:rPr>
-              <a:t>proizvodna</a:t>
-            </a:r>
-            <a:r>
-              <a:rPr lang="hr-HR" sz="2000" dirty="0"/>
-              <a:t> </a:t>
-            </a:r>
-            <a:r>
-              <a:rPr lang="hr-HR" sz="2000" b="1" dirty="0">
-                <a:solidFill>
-                  <a:srgbClr val="FF0000"/>
-                </a:solidFill>
-              </a:rPr>
-              <a:t>djelatnost</a:t>
-            </a:r>
-            <a:r>
-              <a:rPr lang="hr-HR" sz="2000" dirty="0"/>
-              <a:t> koja se bavi </a:t>
-            </a:r>
-            <a:r>
-              <a:rPr lang="hr-HR" sz="2000" b="1" dirty="0">
-                <a:solidFill>
-                  <a:srgbClr val="FF0000"/>
-                </a:solidFill>
-              </a:rPr>
-              <a:t>prodajom</a:t>
-            </a:r>
-            <a:r>
-              <a:rPr lang="hr-HR" sz="2000" dirty="0"/>
-              <a:t>, </a:t>
-            </a:r>
-            <a:r>
-              <a:rPr lang="hr-HR" sz="2000" b="1" dirty="0">
-                <a:solidFill>
-                  <a:srgbClr val="FF0000"/>
-                </a:solidFill>
-              </a:rPr>
-              <a:t>pripremom</a:t>
-            </a:r>
-            <a:r>
-              <a:rPr lang="hr-HR" sz="2000" dirty="0"/>
-              <a:t> i </a:t>
-            </a:r>
-            <a:r>
-              <a:rPr lang="hr-HR" sz="2000" b="1" dirty="0">
-                <a:solidFill>
-                  <a:srgbClr val="FF0000"/>
-                </a:solidFill>
-              </a:rPr>
-              <a:t>posluživanjem</a:t>
-            </a:r>
-            <a:r>
-              <a:rPr lang="hr-HR" sz="2000" dirty="0"/>
-              <a:t> raznovrsne hrane, napitaka i pića te  pružanjem </a:t>
-            </a:r>
-            <a:r>
-              <a:rPr lang="hr-HR" sz="2000" b="1" dirty="0">
-                <a:solidFill>
-                  <a:srgbClr val="FF0000"/>
-                </a:solidFill>
-              </a:rPr>
-              <a:t>usluga smještaja </a:t>
-            </a:r>
-            <a:r>
-              <a:rPr lang="hr-HR" sz="2000" dirty="0"/>
-              <a:t>u posebno pripremljenim sobama i apartmanima te pružanjem </a:t>
-            </a:r>
-            <a:r>
-              <a:rPr lang="hr-HR" sz="2000" b="1" dirty="0">
-                <a:solidFill>
-                  <a:srgbClr val="FF0000"/>
-                </a:solidFill>
-              </a:rPr>
-              <a:t>usluga zabave </a:t>
-            </a:r>
-            <a:r>
-              <a:rPr lang="hr-HR" sz="2000" dirty="0"/>
-              <a:t>i </a:t>
-            </a:r>
-            <a:r>
-              <a:rPr lang="hr-HR" sz="2000" b="1" dirty="0">
-                <a:solidFill>
-                  <a:srgbClr val="FF0000"/>
-                </a:solidFill>
-              </a:rPr>
-              <a:t>rekreacije</a:t>
-            </a:r>
-            <a:r>
-              <a:rPr lang="hr-HR" sz="2000" dirty="0"/>
-              <a:t> i njihovom prodajom u ugostiteljskom </a:t>
-            </a:r>
-            <a:r>
-              <a:rPr lang="hr-HR" sz="2000" dirty="0" smtClean="0"/>
-              <a:t>objektu</a:t>
+              <a:t>i proizvodna djelatnost koja se bavi prodajom, pripremom i posluživanjem hrane pića i napitaka te uslugama smještaja, zabave i rekreacije</a:t>
             </a:r>
           </a:p>
           <a:p>
@@ -18034,13 +20119,13 @@
   <p:clrMapOvr>
     <a:masterClrMapping/>
   </p:clrMapOvr>
-  <mc:AlternateContent xmlns:mc="http://schemas.openxmlformats.org/markup-compatibility/2006" xmlns:p14="http://schemas.microsoft.com/office/powerpoint/2010/main">
-    <mc:Choice Requires="p14">
+  <mc:AlternateContent xmlns:mc="http://schemas.openxmlformats.org/markup-compatibility/2006">
+    <mc:Choice xmlns:p14="http://schemas.microsoft.com/office/powerpoint/2010/main" Requires="p14">
       <p:transition>
         <p14:reveal/>
       </p:transition>
     </mc:Choice>
-    <mc:Fallback xmlns="">
+    <mc:Fallback>
       <p:transition>
         <p:fade/>
       </p:transition>
@@ -18213,13 +20298,13 @@
   <p:clrMapOvr>
     <a:masterClrMapping/>
   </p:clrMapOvr>
-  <mc:AlternateContent xmlns:mc="http://schemas.openxmlformats.org/markup-compatibility/2006" xmlns:p14="http://schemas.microsoft.com/office/powerpoint/2010/main">
-    <mc:Choice Requires="p14">
+  <mc:AlternateContent xmlns:mc="http://schemas.openxmlformats.org/markup-compatibility/2006">
+    <mc:Choice xmlns:p14="http://schemas.microsoft.com/office/powerpoint/2010/main" Requires="p14">
       <p:transition>
         <p14:reveal/>
       </p:transition>
     </mc:Choice>
-    <mc:Fallback xmlns="">
+    <mc:Fallback>
       <p:transition>
         <p:fade/>
       </p:transition>

--- a/data/organizacija/002_Ugostiteljstvo_kao_gosp_djelatnost.pptx
+++ b/data/organizacija/002_Ugostiteljstvo_kao_gosp_djelatnost.pptx
@@ -228,7 +228,7 @@
           <a:p>
             <a:fld id="{FCB922A3-0C2E-4D94-AFF5-90A2C0AB44AC}" type="datetimeFigureOut">
               <a:rPr lang="hr-HR" smtClean="0"/>
-              <a:t>30.9.2019.</a:t>
+              <a:t>7.10.2019.</a:t>
             </a:fld>
             <a:endParaRPr lang="hr-HR"/>
           </a:p>
@@ -394,7 +394,7 @@
             <a:fld id="{1542121D-D7BC-4175-A702-9B7BBD6019B1}" type="datetimeFigureOut">
               <a:rPr lang="sr-Latn-CS" smtClean="0"/>
               <a:pPr/>
-              <a:t>30.9.2019.</a:t>
+              <a:t>7.10.2019.</a:t>
             </a:fld>
             <a:endParaRPr lang="hr-HR"/>
           </a:p>
@@ -855,7 +855,7 @@
             <a:fld id="{FDC1A071-2A74-455A-A49A-8BB21E4AC2F6}" type="datetimeFigureOut">
               <a:rPr lang="sr-Latn-CS" smtClean="0"/>
               <a:pPr/>
-              <a:t>30.9.2019.</a:t>
+              <a:t>7.10.2019.</a:t>
             </a:fld>
             <a:endParaRPr lang="hr-HR"/>
           </a:p>
@@ -1046,7 +1046,7 @@
             <a:fld id="{FDC1A071-2A74-455A-A49A-8BB21E4AC2F6}" type="datetimeFigureOut">
               <a:rPr lang="sr-Latn-CS" smtClean="0"/>
               <a:pPr/>
-              <a:t>30.9.2019.</a:t>
+              <a:t>7.10.2019.</a:t>
             </a:fld>
             <a:endParaRPr lang="hr-HR"/>
           </a:p>
@@ -1247,7 +1247,7 @@
             <a:fld id="{FDC1A071-2A74-455A-A49A-8BB21E4AC2F6}" type="datetimeFigureOut">
               <a:rPr lang="sr-Latn-CS" smtClean="0"/>
               <a:pPr/>
-              <a:t>30.9.2019.</a:t>
+              <a:t>7.10.2019.</a:t>
             </a:fld>
             <a:endParaRPr lang="hr-HR"/>
           </a:p>
@@ -1692,7 +1692,7 @@
             <a:fld id="{FDC1A071-2A74-455A-A49A-8BB21E4AC2F6}" type="datetimeFigureOut">
               <a:rPr lang="sr-Latn-CS" smtClean="0"/>
               <a:pPr/>
-              <a:t>30.9.2019.</a:t>
+              <a:t>7.10.2019.</a:t>
             </a:fld>
             <a:endParaRPr lang="hr-HR"/>
           </a:p>
@@ -2001,7 +2001,7 @@
             <a:fld id="{FDC1A071-2A74-455A-A49A-8BB21E4AC2F6}" type="datetimeFigureOut">
               <a:rPr lang="sr-Latn-CS" smtClean="0"/>
               <a:pPr/>
-              <a:t>30.9.2019.</a:t>
+              <a:t>7.10.2019.</a:t>
             </a:fld>
             <a:endParaRPr lang="hr-HR"/>
           </a:p>
@@ -2444,7 +2444,7 @@
             <a:fld id="{FDC1A071-2A74-455A-A49A-8BB21E4AC2F6}" type="datetimeFigureOut">
               <a:rPr lang="sr-Latn-CS" smtClean="0"/>
               <a:pPr/>
-              <a:t>30.9.2019.</a:t>
+              <a:t>7.10.2019.</a:t>
             </a:fld>
             <a:endParaRPr lang="hr-HR"/>
           </a:p>
@@ -2583,7 +2583,7 @@
             <a:fld id="{FDC1A071-2A74-455A-A49A-8BB21E4AC2F6}" type="datetimeFigureOut">
               <a:rPr lang="sr-Latn-CS" smtClean="0"/>
               <a:pPr/>
-              <a:t>30.9.2019.</a:t>
+              <a:t>7.10.2019.</a:t>
             </a:fld>
             <a:endParaRPr lang="hr-HR"/>
           </a:p>
@@ -2699,7 +2699,7 @@
             <a:fld id="{FDC1A071-2A74-455A-A49A-8BB21E4AC2F6}" type="datetimeFigureOut">
               <a:rPr lang="sr-Latn-CS" smtClean="0"/>
               <a:pPr/>
-              <a:t>30.9.2019.</a:t>
+              <a:t>7.10.2019.</a:t>
             </a:fld>
             <a:endParaRPr lang="hr-HR"/>
           </a:p>
@@ -2997,7 +2997,7 @@
             <a:fld id="{FDC1A071-2A74-455A-A49A-8BB21E4AC2F6}" type="datetimeFigureOut">
               <a:rPr lang="sr-Latn-CS" smtClean="0"/>
               <a:pPr/>
-              <a:t>30.9.2019.</a:t>
+              <a:t>7.10.2019.</a:t>
             </a:fld>
             <a:endParaRPr lang="hr-HR"/>
           </a:p>
@@ -3275,7 +3275,7 @@
             <a:fld id="{FDC1A071-2A74-455A-A49A-8BB21E4AC2F6}" type="datetimeFigureOut">
               <a:rPr lang="sr-Latn-CS" smtClean="0"/>
               <a:pPr/>
-              <a:t>30.9.2019.</a:t>
+              <a:t>7.10.2019.</a:t>
             </a:fld>
             <a:endParaRPr lang="hr-HR"/>
           </a:p>
@@ -3735,7 +3735,7 @@
 </file>
 
 <file path=ppt/slides/slide1.xml><?xml version="1.0" encoding="utf-8"?>
-<p:sld xmlns:a="http://schemas.openxmlformats.org/drawingml/2006/main" xmlns:r="http://schemas.openxmlformats.org/officeDocument/2006/relationships" xmlns:p="http://schemas.openxmlformats.org/presentationml/2006/main">
+<p:sld xmlns:a="http://schemas.openxmlformats.org/drawingml/2006/main" xmlns:r="http://schemas.openxmlformats.org/officeDocument/2006/relationships" xmlns:p="http://schemas.openxmlformats.org/presentationml/2006/main" show="0">
   <p:cSld>
     <p:spTree>
       <p:nvGrpSpPr>
@@ -4220,13 +4220,13 @@
   <p:clrMapOvr>
     <a:masterClrMapping/>
   </p:clrMapOvr>
-  <mc:AlternateContent xmlns:mc="http://schemas.openxmlformats.org/markup-compatibility/2006">
-    <mc:Choice xmlns:p14="http://schemas.microsoft.com/office/powerpoint/2010/main" Requires="p14">
+  <mc:AlternateContent xmlns:mc="http://schemas.openxmlformats.org/markup-compatibility/2006" xmlns:p14="http://schemas.microsoft.com/office/powerpoint/2010/main">
+    <mc:Choice Requires="p14">
       <p:transition>
         <p14:reveal/>
       </p:transition>
     </mc:Choice>
-    <mc:Fallback>
+    <mc:Fallback xmlns="">
       <p:transition>
         <p:fade/>
       </p:transition>
@@ -5037,7 +5037,7 @@
 </file>
 
 <file path=ppt/slides/slide10.xml><?xml version="1.0" encoding="utf-8"?>
-<p:sld xmlns:a="http://schemas.openxmlformats.org/drawingml/2006/main" xmlns:r="http://schemas.openxmlformats.org/officeDocument/2006/relationships" xmlns:p="http://schemas.openxmlformats.org/presentationml/2006/main">
+<p:sld xmlns:a="http://schemas.openxmlformats.org/drawingml/2006/main" xmlns:r="http://schemas.openxmlformats.org/officeDocument/2006/relationships" xmlns:p="http://schemas.openxmlformats.org/presentationml/2006/main" show="0">
   <p:cSld>
     <p:spTree>
       <p:nvGrpSpPr>
@@ -5395,13 +5395,13 @@
   <p:clrMapOvr>
     <a:masterClrMapping/>
   </p:clrMapOvr>
-  <mc:AlternateContent xmlns:mc="http://schemas.openxmlformats.org/markup-compatibility/2006">
-    <mc:Choice xmlns:p14="http://schemas.microsoft.com/office/powerpoint/2010/main" Requires="p14">
+  <mc:AlternateContent xmlns:mc="http://schemas.openxmlformats.org/markup-compatibility/2006" xmlns:p14="http://schemas.microsoft.com/office/powerpoint/2010/main">
+    <mc:Choice Requires="p14">
       <p:transition>
         <p14:reveal/>
       </p:transition>
     </mc:Choice>
-    <mc:Fallback>
+    <mc:Fallback xmlns="">
       <p:transition>
         <p:fade/>
       </p:transition>
@@ -5816,7 +5816,7 @@
 </file>
 
 <file path=ppt/slides/slide11.xml><?xml version="1.0" encoding="utf-8"?>
-<p:sld xmlns:a="http://schemas.openxmlformats.org/drawingml/2006/main" xmlns:r="http://schemas.openxmlformats.org/officeDocument/2006/relationships" xmlns:p="http://schemas.openxmlformats.org/presentationml/2006/main">
+<p:sld xmlns:a="http://schemas.openxmlformats.org/drawingml/2006/main" xmlns:r="http://schemas.openxmlformats.org/officeDocument/2006/relationships" xmlns:p="http://schemas.openxmlformats.org/presentationml/2006/main" show="0">
   <p:cSld>
     <p:spTree>
       <p:nvGrpSpPr>
@@ -6051,13 +6051,13 @@
   <p:clrMapOvr>
     <a:masterClrMapping/>
   </p:clrMapOvr>
-  <mc:AlternateContent xmlns:mc="http://schemas.openxmlformats.org/markup-compatibility/2006">
-    <mc:Choice xmlns:p14="http://schemas.microsoft.com/office/powerpoint/2010/main" Requires="p14">
+  <mc:AlternateContent xmlns:mc="http://schemas.openxmlformats.org/markup-compatibility/2006" xmlns:p14="http://schemas.microsoft.com/office/powerpoint/2010/main">
+    <mc:Choice Requires="p14">
       <p:transition>
         <p14:reveal/>
       </p:transition>
     </mc:Choice>
-    <mc:Fallback>
+    <mc:Fallback xmlns="">
       <p:transition>
         <p:fade/>
       </p:transition>
@@ -6074,7 +6074,7 @@
 </file>
 
 <file path=ppt/slides/slide12.xml><?xml version="1.0" encoding="utf-8"?>
-<p:sld xmlns:a="http://schemas.openxmlformats.org/drawingml/2006/main" xmlns:r="http://schemas.openxmlformats.org/officeDocument/2006/relationships" xmlns:p="http://schemas.openxmlformats.org/presentationml/2006/main">
+<p:sld xmlns:a="http://schemas.openxmlformats.org/drawingml/2006/main" xmlns:r="http://schemas.openxmlformats.org/officeDocument/2006/relationships" xmlns:p="http://schemas.openxmlformats.org/presentationml/2006/main" show="0">
   <p:cSld>
     <p:spTree>
       <p:nvGrpSpPr>
@@ -6258,13 +6258,13 @@
   <p:clrMapOvr>
     <a:masterClrMapping/>
   </p:clrMapOvr>
-  <mc:AlternateContent xmlns:mc="http://schemas.openxmlformats.org/markup-compatibility/2006">
-    <mc:Choice xmlns:p14="http://schemas.microsoft.com/office/powerpoint/2010/main" Requires="p14">
+  <mc:AlternateContent xmlns:mc="http://schemas.openxmlformats.org/markup-compatibility/2006" xmlns:p14="http://schemas.microsoft.com/office/powerpoint/2010/main">
+    <mc:Choice Requires="p14">
       <p:transition>
         <p14:reveal/>
       </p:transition>
     </mc:Choice>
-    <mc:Fallback>
+    <mc:Fallback xmlns="">
       <p:transition>
         <p:fade/>
       </p:transition>
@@ -6475,7 +6475,7 @@
 </file>
 
 <file path=ppt/slides/slide13.xml><?xml version="1.0" encoding="utf-8"?>
-<p:sld xmlns:a="http://schemas.openxmlformats.org/drawingml/2006/main" xmlns:r="http://schemas.openxmlformats.org/officeDocument/2006/relationships" xmlns:p="http://schemas.openxmlformats.org/presentationml/2006/main">
+<p:sld xmlns:a="http://schemas.openxmlformats.org/drawingml/2006/main" xmlns:r="http://schemas.openxmlformats.org/officeDocument/2006/relationships" xmlns:p="http://schemas.openxmlformats.org/presentationml/2006/main" show="0">
   <p:cSld>
     <p:spTree>
       <p:nvGrpSpPr>
@@ -6643,13 +6643,13 @@
   <p:clrMapOvr>
     <a:masterClrMapping/>
   </p:clrMapOvr>
-  <mc:AlternateContent xmlns:mc="http://schemas.openxmlformats.org/markup-compatibility/2006">
-    <mc:Choice xmlns:p14="http://schemas.microsoft.com/office/powerpoint/2010/main" Requires="p14">
+  <mc:AlternateContent xmlns:mc="http://schemas.openxmlformats.org/markup-compatibility/2006" xmlns:p14="http://schemas.microsoft.com/office/powerpoint/2010/main">
+    <mc:Choice Requires="p14">
       <p:transition>
         <p14:reveal/>
       </p:transition>
     </mc:Choice>
-    <mc:Fallback>
+    <mc:Fallback xmlns="">
       <p:transition>
         <p:fade/>
       </p:transition>
@@ -6912,7 +6912,7 @@
 </file>
 
 <file path=ppt/slides/slide14.xml><?xml version="1.0" encoding="utf-8"?>
-<p:sld xmlns:a="http://schemas.openxmlformats.org/drawingml/2006/main" xmlns:r="http://schemas.openxmlformats.org/officeDocument/2006/relationships" xmlns:p="http://schemas.openxmlformats.org/presentationml/2006/main">
+<p:sld xmlns:a="http://schemas.openxmlformats.org/drawingml/2006/main" xmlns:r="http://schemas.openxmlformats.org/officeDocument/2006/relationships" xmlns:p="http://schemas.openxmlformats.org/presentationml/2006/main" show="0">
   <p:cSld>
     <p:spTree>
       <p:nvGrpSpPr>
@@ -7082,13 +7082,13 @@
   <p:clrMapOvr>
     <a:masterClrMapping/>
   </p:clrMapOvr>
-  <mc:AlternateContent xmlns:mc="http://schemas.openxmlformats.org/markup-compatibility/2006">
-    <mc:Choice xmlns:p14="http://schemas.microsoft.com/office/powerpoint/2010/main" Requires="p14">
+  <mc:AlternateContent xmlns:mc="http://schemas.openxmlformats.org/markup-compatibility/2006" xmlns:p14="http://schemas.microsoft.com/office/powerpoint/2010/main">
+    <mc:Choice Requires="p14">
       <p:transition>
         <p14:reveal/>
       </p:transition>
     </mc:Choice>
-    <mc:Fallback>
+    <mc:Fallback xmlns="">
       <p:transition>
         <p:fade/>
       </p:transition>
@@ -7403,7 +7403,7 @@
 </file>
 
 <file path=ppt/slides/slide15.xml><?xml version="1.0" encoding="utf-8"?>
-<p:sld xmlns:a="http://schemas.openxmlformats.org/drawingml/2006/main" xmlns:r="http://schemas.openxmlformats.org/officeDocument/2006/relationships" xmlns:p="http://schemas.openxmlformats.org/presentationml/2006/main">
+<p:sld xmlns:a="http://schemas.openxmlformats.org/drawingml/2006/main" xmlns:r="http://schemas.openxmlformats.org/officeDocument/2006/relationships" xmlns:p="http://schemas.openxmlformats.org/presentationml/2006/main" show="0">
   <p:cSld>
     <p:spTree>
       <p:nvGrpSpPr>
@@ -7696,13 +7696,13 @@
   <p:clrMapOvr>
     <a:masterClrMapping/>
   </p:clrMapOvr>
-  <mc:AlternateContent xmlns:mc="http://schemas.openxmlformats.org/markup-compatibility/2006">
-    <mc:Choice xmlns:p14="http://schemas.microsoft.com/office/powerpoint/2010/main" Requires="p14">
+  <mc:AlternateContent xmlns:mc="http://schemas.openxmlformats.org/markup-compatibility/2006" xmlns:p14="http://schemas.microsoft.com/office/powerpoint/2010/main">
+    <mc:Choice Requires="p14">
       <p:transition>
         <p14:reveal/>
       </p:transition>
     </mc:Choice>
-    <mc:Fallback>
+    <mc:Fallback xmlns="">
       <p:transition>
         <p:fade/>
       </p:transition>
@@ -7975,7 +7975,7 @@
 </file>
 
 <file path=ppt/slides/slide16.xml><?xml version="1.0" encoding="utf-8"?>
-<p:sld xmlns:a="http://schemas.openxmlformats.org/drawingml/2006/main" xmlns:r="http://schemas.openxmlformats.org/officeDocument/2006/relationships" xmlns:p="http://schemas.openxmlformats.org/presentationml/2006/main">
+<p:sld xmlns:a="http://schemas.openxmlformats.org/drawingml/2006/main" xmlns:r="http://schemas.openxmlformats.org/officeDocument/2006/relationships" xmlns:p="http://schemas.openxmlformats.org/presentationml/2006/main" show="0">
   <p:cSld>
     <p:spTree>
       <p:nvGrpSpPr>
@@ -8092,13 +8092,13 @@
   <p:clrMapOvr>
     <a:masterClrMapping/>
   </p:clrMapOvr>
-  <mc:AlternateContent xmlns:mc="http://schemas.openxmlformats.org/markup-compatibility/2006">
-    <mc:Choice xmlns:p14="http://schemas.microsoft.com/office/powerpoint/2010/main" Requires="p14">
+  <mc:AlternateContent xmlns:mc="http://schemas.openxmlformats.org/markup-compatibility/2006" xmlns:p14="http://schemas.microsoft.com/office/powerpoint/2010/main">
+    <mc:Choice Requires="p14">
       <p:transition>
         <p14:reveal/>
       </p:transition>
     </mc:Choice>
-    <mc:Fallback>
+    <mc:Fallback xmlns="">
       <p:transition>
         <p:fade/>
       </p:transition>
@@ -8257,7 +8257,7 @@
 </file>
 
 <file path=ppt/slides/slide17.xml><?xml version="1.0" encoding="utf-8"?>
-<p:sld xmlns:a="http://schemas.openxmlformats.org/drawingml/2006/main" xmlns:r="http://schemas.openxmlformats.org/officeDocument/2006/relationships" xmlns:p="http://schemas.openxmlformats.org/presentationml/2006/main">
+<p:sld xmlns:a="http://schemas.openxmlformats.org/drawingml/2006/main" xmlns:r="http://schemas.openxmlformats.org/officeDocument/2006/relationships" xmlns:p="http://schemas.openxmlformats.org/presentationml/2006/main" show="0">
   <p:cSld>
     <p:spTree>
       <p:nvGrpSpPr>
@@ -8397,13 +8397,13 @@
   <p:clrMapOvr>
     <a:masterClrMapping/>
   </p:clrMapOvr>
-  <mc:AlternateContent xmlns:mc="http://schemas.openxmlformats.org/markup-compatibility/2006">
-    <mc:Choice xmlns:p14="http://schemas.microsoft.com/office/powerpoint/2010/main" Requires="p14">
+  <mc:AlternateContent xmlns:mc="http://schemas.openxmlformats.org/markup-compatibility/2006" xmlns:p14="http://schemas.microsoft.com/office/powerpoint/2010/main">
+    <mc:Choice Requires="p14">
       <p:transition>
         <p14:reveal/>
       </p:transition>
     </mc:Choice>
-    <mc:Fallback>
+    <mc:Fallback xmlns="">
       <p:transition>
         <p:fade/>
       </p:transition>
@@ -8666,7 +8666,7 @@
 </file>
 
 <file path=ppt/slides/slide18.xml><?xml version="1.0" encoding="utf-8"?>
-<p:sld xmlns:a="http://schemas.openxmlformats.org/drawingml/2006/main" xmlns:r="http://schemas.openxmlformats.org/officeDocument/2006/relationships" xmlns:p="http://schemas.openxmlformats.org/presentationml/2006/main">
+<p:sld xmlns:a="http://schemas.openxmlformats.org/drawingml/2006/main" xmlns:r="http://schemas.openxmlformats.org/officeDocument/2006/relationships" xmlns:p="http://schemas.openxmlformats.org/presentationml/2006/main" show="0">
   <p:cSld>
     <p:spTree>
       <p:nvGrpSpPr>
@@ -8753,7 +8753,7 @@
             </a:r>
             <a:r>
               <a:rPr lang="hr-HR" dirty="0" smtClean="0"/>
-              <a:t> za vrijednost pruženih usluga gostima koje je u ugostiteljski objekt uputila agencija</a:t>
+              <a:t> za vrijednost pruženih usluga agencijskim gostima</a:t>
             </a:r>
           </a:p>
           <a:p>
@@ -8821,13 +8821,13 @@
   <p:clrMapOvr>
     <a:masterClrMapping/>
   </p:clrMapOvr>
-  <mc:AlternateContent xmlns:mc="http://schemas.openxmlformats.org/markup-compatibility/2006">
-    <mc:Choice xmlns:p14="http://schemas.microsoft.com/office/powerpoint/2010/main" Requires="p14">
+  <mc:AlternateContent xmlns:mc="http://schemas.openxmlformats.org/markup-compatibility/2006" xmlns:p14="http://schemas.microsoft.com/office/powerpoint/2010/main">
+    <mc:Choice Requires="p14">
       <p:transition>
         <p14:reveal/>
       </p:transition>
     </mc:Choice>
-    <mc:Fallback>
+    <mc:Fallback xmlns="">
       <p:transition>
         <p:fade/>
       </p:transition>
@@ -9090,7 +9090,7 @@
 </file>
 
 <file path=ppt/slides/slide19.xml><?xml version="1.0" encoding="utf-8"?>
-<p:sld xmlns:a="http://schemas.openxmlformats.org/drawingml/2006/main" xmlns:r="http://schemas.openxmlformats.org/officeDocument/2006/relationships" xmlns:p="http://schemas.openxmlformats.org/presentationml/2006/main">
+<p:sld xmlns:a="http://schemas.openxmlformats.org/drawingml/2006/main" xmlns:r="http://schemas.openxmlformats.org/officeDocument/2006/relationships" xmlns:p="http://schemas.openxmlformats.org/presentationml/2006/main" show="0">
   <p:cSld>
     <p:spTree>
       <p:nvGrpSpPr>
@@ -9945,13 +9945,13 @@
   <p:clrMapOvr>
     <a:masterClrMapping/>
   </p:clrMapOvr>
-  <mc:AlternateContent xmlns:mc="http://schemas.openxmlformats.org/markup-compatibility/2006">
-    <mc:Choice xmlns:p14="http://schemas.microsoft.com/office/powerpoint/2010/main" Requires="p14">
+  <mc:AlternateContent xmlns:mc="http://schemas.openxmlformats.org/markup-compatibility/2006" xmlns:p14="http://schemas.microsoft.com/office/powerpoint/2010/main">
+    <mc:Choice Requires="p14">
       <p:transition>
         <p14:reveal/>
       </p:transition>
     </mc:Choice>
-    <mc:Fallback>
+    <mc:Fallback xmlns="">
       <p:transition>
         <p:fade/>
       </p:transition>
@@ -10590,7 +10590,7 @@
 </file>
 
 <file path=ppt/slides/slide2.xml><?xml version="1.0" encoding="utf-8"?>
-<p:sld xmlns:a="http://schemas.openxmlformats.org/drawingml/2006/main" xmlns:r="http://schemas.openxmlformats.org/officeDocument/2006/relationships" xmlns:p="http://schemas.openxmlformats.org/presentationml/2006/main">
+<p:sld xmlns:a="http://schemas.openxmlformats.org/drawingml/2006/main" xmlns:r="http://schemas.openxmlformats.org/officeDocument/2006/relationships" xmlns:p="http://schemas.openxmlformats.org/presentationml/2006/main" show="0">
   <p:cSld>
     <p:spTree>
       <p:nvGrpSpPr>
@@ -10774,13 +10774,13 @@
   <p:clrMapOvr>
     <a:masterClrMapping/>
   </p:clrMapOvr>
-  <mc:AlternateContent xmlns:mc="http://schemas.openxmlformats.org/markup-compatibility/2006">
-    <mc:Choice xmlns:p14="http://schemas.microsoft.com/office/powerpoint/2010/main" Requires="p14">
+  <mc:AlternateContent xmlns:mc="http://schemas.openxmlformats.org/markup-compatibility/2006" xmlns:p14="http://schemas.microsoft.com/office/powerpoint/2010/main">
+    <mc:Choice Requires="p14">
       <p:transition>
         <p14:reveal/>
       </p:transition>
     </mc:Choice>
-    <mc:Fallback>
+    <mc:Fallback xmlns="">
       <p:transition>
         <p:fade/>
       </p:transition>
@@ -11137,13 +11137,13 @@
   <p:clrMapOvr>
     <a:masterClrMapping/>
   </p:clrMapOvr>
-  <mc:AlternateContent xmlns:mc="http://schemas.openxmlformats.org/markup-compatibility/2006">
-    <mc:Choice xmlns:p14="http://schemas.microsoft.com/office/powerpoint/2010/main" Requires="p14">
+  <mc:AlternateContent xmlns:mc="http://schemas.openxmlformats.org/markup-compatibility/2006" xmlns:p14="http://schemas.microsoft.com/office/powerpoint/2010/main">
+    <mc:Choice Requires="p14">
       <p:transition>
         <p14:reveal/>
       </p:transition>
     </mc:Choice>
-    <mc:Fallback>
+    <mc:Fallback xmlns="">
       <p:transition>
         <p:fade/>
       </p:transition>
@@ -11387,13 +11387,13 @@
   <p:clrMapOvr>
     <a:masterClrMapping/>
   </p:clrMapOvr>
-  <mc:AlternateContent xmlns:mc="http://schemas.openxmlformats.org/markup-compatibility/2006">
-    <mc:Choice xmlns:p14="http://schemas.microsoft.com/office/powerpoint/2010/main" Requires="p14">
+  <mc:AlternateContent xmlns:mc="http://schemas.openxmlformats.org/markup-compatibility/2006" xmlns:p14="http://schemas.microsoft.com/office/powerpoint/2010/main">
+    <mc:Choice Requires="p14">
       <p:transition>
         <p14:reveal/>
       </p:transition>
     </mc:Choice>
-    <mc:Fallback>
+    <mc:Fallback xmlns="">
       <p:transition>
         <p:fade/>
       </p:transition>
@@ -11514,22 +11514,30 @@
             </a:r>
             <a:r>
               <a:rPr lang="hr-HR" sz="2400" dirty="0"/>
-              <a:t> za vrijednost pruženih usluga gostima koje je u ugostiteljski objekt uputila </a:t>
+              <a:t> za vrijednost pruženih usluga </a:t>
             </a:r>
             <a:r>
               <a:rPr lang="hr-HR" sz="2400" dirty="0" smtClean="0"/>
-              <a:t>agencija</a:t>
+              <a:t>agencijskim gostima</a:t>
             </a:r>
           </a:p>
           <a:p>
             <a:pPr lvl="0">
               <a:spcBef>
-                <a:spcPts val="600"/>
+                <a:spcPts val="1800"/>
               </a:spcBef>
             </a:pPr>
             <a:r>
               <a:rPr lang="hr-HR" sz="2400" dirty="0"/>
-              <a:t>iznosi od 3% do 15% (nekad i više)</a:t>
+              <a:t>ovisno o vrsti </a:t>
+            </a:r>
+            <a:r>
+              <a:rPr lang="hr-HR" sz="2400" dirty="0" smtClean="0"/>
+              <a:t>usluge, provizija iznosi </a:t>
+            </a:r>
+            <a:r>
+              <a:rPr lang="hr-HR" sz="2400" dirty="0"/>
+              <a:t>od 3% do 15% (nekad i više)</a:t>
             </a:r>
           </a:p>
           <a:p>
@@ -11584,13 +11592,13 @@
   <p:clrMapOvr>
     <a:masterClrMapping/>
   </p:clrMapOvr>
-  <mc:AlternateContent xmlns:mc="http://schemas.openxmlformats.org/markup-compatibility/2006">
-    <mc:Choice xmlns:p14="http://schemas.microsoft.com/office/powerpoint/2010/main" Requires="p14">
+  <mc:AlternateContent xmlns:mc="http://schemas.openxmlformats.org/markup-compatibility/2006" xmlns:p14="http://schemas.microsoft.com/office/powerpoint/2010/main">
+    <mc:Choice Requires="p14">
       <p:transition>
         <p14:reveal/>
       </p:transition>
     </mc:Choice>
-    <mc:Fallback>
+    <mc:Fallback xmlns="">
       <p:transition>
         <p:fade/>
       </p:transition>
@@ -11738,27 +11746,12 @@
             <a:pPr lvl="0"/>
             <a:r>
               <a:rPr lang="hr-HR" dirty="0" smtClean="0"/>
-              <a:t>Što je turističko posredovanje?</a:t>
-            </a:r>
-          </a:p>
-          <a:p>
-            <a:pPr lvl="0"/>
-            <a:endParaRPr lang="hr-HR" dirty="0" smtClean="0"/>
-          </a:p>
-          <a:p>
-            <a:pPr lvl="0"/>
-            <a:endParaRPr lang="hr-HR" dirty="0" smtClean="0"/>
-          </a:p>
-          <a:p>
-            <a:pPr lvl="0"/>
-            <a:endParaRPr lang="hr-HR" dirty="0" smtClean="0"/>
-          </a:p>
-          <a:p>
-            <a:pPr lvl="0"/>
-            <a:endParaRPr lang="hr-HR" dirty="0" smtClean="0"/>
-          </a:p>
-          <a:p>
-            <a:pPr lvl="0"/>
+              <a:t>Što je turističko posredovanje</a:t>
+            </a:r>
+            <a:r>
+              <a:rPr lang="hr-HR" dirty="0" smtClean="0"/>
+              <a:t>?</a:t>
+            </a:r>
             <a:endParaRPr lang="hr-HR" dirty="0" smtClean="0"/>
           </a:p>
         </p:txBody>
@@ -11768,13 +11761,13 @@
   <p:clrMapOvr>
     <a:masterClrMapping/>
   </p:clrMapOvr>
-  <mc:AlternateContent xmlns:mc="http://schemas.openxmlformats.org/markup-compatibility/2006">
-    <mc:Choice xmlns:p14="http://schemas.microsoft.com/office/powerpoint/2010/main" Requires="p14">
+  <mc:AlternateContent xmlns:mc="http://schemas.openxmlformats.org/markup-compatibility/2006" xmlns:p14="http://schemas.microsoft.com/office/powerpoint/2010/main">
+    <mc:Choice Requires="p14">
       <p:transition>
         <p14:reveal/>
       </p:transition>
     </mc:Choice>
-    <mc:Fallback>
+    <mc:Fallback xmlns="">
       <p:transition>
         <p:fade/>
       </p:transition>
@@ -12678,13 +12671,13 @@
   <p:clrMapOvr>
     <a:masterClrMapping/>
   </p:clrMapOvr>
-  <mc:AlternateContent xmlns:mc="http://schemas.openxmlformats.org/markup-compatibility/2006">
-    <mc:Choice xmlns:p14="http://schemas.microsoft.com/office/powerpoint/2010/main" Requires="p14">
+  <mc:AlternateContent xmlns:mc="http://schemas.openxmlformats.org/markup-compatibility/2006" xmlns:p14="http://schemas.microsoft.com/office/powerpoint/2010/main">
+    <mc:Choice Requires="p14">
       <p:transition>
         <p14:reveal/>
       </p:transition>
     </mc:Choice>
-    <mc:Fallback>
+    <mc:Fallback xmlns="">
       <p:transition>
         <p:fade/>
       </p:transition>
@@ -13300,7 +13293,27 @@
             </a:r>
             <a:r>
               <a:rPr lang="hr-HR" sz="2400" dirty="0"/>
-              <a:t> – djelatnost koja može biti proizvodna, prometna i uslužna</a:t>
+              <a:t> – djelatnost koja može biti </a:t>
+            </a:r>
+            <a:r>
+              <a:rPr lang="hr-HR" sz="2400" b="1" dirty="0"/>
+              <a:t>proizvodna</a:t>
+            </a:r>
+            <a:r>
+              <a:rPr lang="hr-HR" sz="2400" dirty="0"/>
+              <a:t>, </a:t>
+            </a:r>
+            <a:r>
+              <a:rPr lang="hr-HR" sz="2400" b="1" dirty="0"/>
+              <a:t>prometna</a:t>
+            </a:r>
+            <a:r>
+              <a:rPr lang="hr-HR" sz="2400" dirty="0"/>
+              <a:t> i </a:t>
+            </a:r>
+            <a:r>
+              <a:rPr lang="hr-HR" sz="2400" b="1" dirty="0"/>
+              <a:t>uslužna</a:t>
             </a:r>
           </a:p>
           <a:p>
@@ -13380,8 +13393,21 @@
             </a:r>
             <a:r>
               <a:rPr lang="hr-HR" sz="2400" i="1" dirty="0"/>
-              <a:t>. hotel u sklopu ima frizerski salon, pedikera, brijača, fotografa, pekaru i dr.</a:t>
-            </a:r>
+              <a:t>. hotel u sklopu ima frizerski salon, pedikera, </a:t>
+            </a:r>
+            <a:r>
+              <a:rPr lang="hr-HR" sz="2400" i="1" dirty="0" smtClean="0"/>
+              <a:t>brijača, </a:t>
+            </a:r>
+            <a:r>
+              <a:rPr lang="hr-HR" sz="2400" i="1" dirty="0" err="1" smtClean="0"/>
+              <a:t>pekaru..</a:t>
+            </a:r>
+            <a:r>
+              <a:rPr lang="hr-HR" sz="2400" i="1" dirty="0" smtClean="0"/>
+              <a:t>.</a:t>
+            </a:r>
+            <a:endParaRPr lang="hr-HR" sz="2400" i="1" dirty="0"/>
           </a:p>
         </p:txBody>
       </p:sp>
@@ -13395,13 +13421,13 @@
   <p:clrMapOvr>
     <a:masterClrMapping/>
   </p:clrMapOvr>
-  <mc:AlternateContent xmlns:mc="http://schemas.openxmlformats.org/markup-compatibility/2006">
-    <mc:Choice xmlns:p14="http://schemas.microsoft.com/office/powerpoint/2010/main" Requires="p14">
+  <mc:AlternateContent xmlns:mc="http://schemas.openxmlformats.org/markup-compatibility/2006" xmlns:p14="http://schemas.microsoft.com/office/powerpoint/2010/main">
+    <mc:Choice Requires="p14">
       <p:transition>
         <p14:reveal/>
       </p:transition>
     </mc:Choice>
-    <mc:Fallback>
+    <mc:Fallback xmlns="">
       <p:transition>
         <p:fade/>
       </p:transition>
@@ -13899,13 +13925,13 @@
   <p:clrMapOvr>
     <a:masterClrMapping/>
   </p:clrMapOvr>
-  <mc:AlternateContent xmlns:mc="http://schemas.openxmlformats.org/markup-compatibility/2006">
-    <mc:Choice xmlns:p14="http://schemas.microsoft.com/office/powerpoint/2010/main" Requires="p14">
+  <mc:AlternateContent xmlns:mc="http://schemas.openxmlformats.org/markup-compatibility/2006" xmlns:p14="http://schemas.microsoft.com/office/powerpoint/2010/main">
+    <mc:Choice Requires="p14">
       <p:transition>
         <p14:reveal/>
       </p:transition>
     </mc:Choice>
-    <mc:Fallback>
+    <mc:Fallback xmlns="">
       <p:transition>
         <p:fade/>
       </p:transition>
@@ -14299,13 +14325,13 @@
   <p:clrMapOvr>
     <a:masterClrMapping/>
   </p:clrMapOvr>
-  <mc:AlternateContent xmlns:mc="http://schemas.openxmlformats.org/markup-compatibility/2006">
-    <mc:Choice xmlns:p14="http://schemas.microsoft.com/office/powerpoint/2010/main" Requires="p14">
+  <mc:AlternateContent xmlns:mc="http://schemas.openxmlformats.org/markup-compatibility/2006" xmlns:p14="http://schemas.microsoft.com/office/powerpoint/2010/main">
+    <mc:Choice Requires="p14">
       <p:transition>
         <p14:reveal/>
       </p:transition>
     </mc:Choice>
-    <mc:Fallback>
+    <mc:Fallback xmlns="">
       <p:transition>
         <p:fade/>
       </p:transition>
@@ -14595,13 +14621,13 @@
   <p:clrMapOvr>
     <a:masterClrMapping/>
   </p:clrMapOvr>
-  <mc:AlternateContent xmlns:mc="http://schemas.openxmlformats.org/markup-compatibility/2006">
-    <mc:Choice xmlns:p14="http://schemas.microsoft.com/office/powerpoint/2010/main" Requires="p14">
+  <mc:AlternateContent xmlns:mc="http://schemas.openxmlformats.org/markup-compatibility/2006" xmlns:p14="http://schemas.microsoft.com/office/powerpoint/2010/main">
+    <mc:Choice Requires="p14">
       <p:transition>
         <p14:reveal/>
       </p:transition>
     </mc:Choice>
-    <mc:Fallback>
+    <mc:Fallback xmlns="">
       <p:transition>
         <p:fade/>
       </p:transition>
@@ -14878,13 +14904,13 @@
   <p:clrMapOvr>
     <a:masterClrMapping/>
   </p:clrMapOvr>
-  <mc:AlternateContent xmlns:mc="http://schemas.openxmlformats.org/markup-compatibility/2006">
-    <mc:Choice xmlns:p14="http://schemas.microsoft.com/office/powerpoint/2010/main" Requires="p14">
+  <mc:AlternateContent xmlns:mc="http://schemas.openxmlformats.org/markup-compatibility/2006" xmlns:p14="http://schemas.microsoft.com/office/powerpoint/2010/main">
+    <mc:Choice Requires="p14">
       <p:transition>
         <p14:reveal/>
       </p:transition>
     </mc:Choice>
-    <mc:Fallback>
+    <mc:Fallback xmlns="">
       <p:transition>
         <p:fade/>
       </p:transition>
@@ -14901,7 +14927,7 @@
 </file>
 
 <file path=ppt/slides/slide3.xml><?xml version="1.0" encoding="utf-8"?>
-<p:sld xmlns:a="http://schemas.openxmlformats.org/drawingml/2006/main" xmlns:r="http://schemas.openxmlformats.org/officeDocument/2006/relationships" xmlns:p="http://schemas.openxmlformats.org/presentationml/2006/main">
+<p:sld xmlns:a="http://schemas.openxmlformats.org/drawingml/2006/main" xmlns:r="http://schemas.openxmlformats.org/officeDocument/2006/relationships" xmlns:p="http://schemas.openxmlformats.org/presentationml/2006/main" show="0">
   <p:cSld>
     <p:spTree>
       <p:nvGrpSpPr>
@@ -15032,13 +15058,13 @@
   <p:clrMapOvr>
     <a:masterClrMapping/>
   </p:clrMapOvr>
-  <mc:AlternateContent xmlns:mc="http://schemas.openxmlformats.org/markup-compatibility/2006">
-    <mc:Choice xmlns:p14="http://schemas.microsoft.com/office/powerpoint/2010/main" Requires="p14">
+  <mc:AlternateContent xmlns:mc="http://schemas.openxmlformats.org/markup-compatibility/2006" xmlns:p14="http://schemas.microsoft.com/office/powerpoint/2010/main">
+    <mc:Choice Requires="p14">
       <p:transition>
         <p14:reveal/>
       </p:transition>
     </mc:Choice>
-    <mc:Fallback>
+    <mc:Fallback xmlns="">
       <p:transition>
         <p:fade/>
       </p:transition>
@@ -15303,13 +15329,13 @@
   <p:clrMapOvr>
     <a:masterClrMapping/>
   </p:clrMapOvr>
-  <mc:AlternateContent xmlns:mc="http://schemas.openxmlformats.org/markup-compatibility/2006">
-    <mc:Choice xmlns:p14="http://schemas.microsoft.com/office/powerpoint/2010/main" Requires="p14">
+  <mc:AlternateContent xmlns:mc="http://schemas.openxmlformats.org/markup-compatibility/2006" xmlns:p14="http://schemas.microsoft.com/office/powerpoint/2010/main">
+    <mc:Choice Requires="p14">
       <p:transition>
         <p14:reveal/>
       </p:transition>
     </mc:Choice>
-    <mc:Fallback>
+    <mc:Fallback xmlns="">
       <p:transition>
         <p:fade/>
       </p:transition>
@@ -15506,13 +15532,13 @@
   <p:clrMapOvr>
     <a:masterClrMapping/>
   </p:clrMapOvr>
-  <mc:AlternateContent xmlns:mc="http://schemas.openxmlformats.org/markup-compatibility/2006">
-    <mc:Choice xmlns:p14="http://schemas.microsoft.com/office/powerpoint/2010/main" Requires="p14">
+  <mc:AlternateContent xmlns:mc="http://schemas.openxmlformats.org/markup-compatibility/2006" xmlns:p14="http://schemas.microsoft.com/office/powerpoint/2010/main">
+    <mc:Choice Requires="p14">
       <p:transition>
         <p14:reveal/>
       </p:transition>
     </mc:Choice>
-    <mc:Fallback>
+    <mc:Fallback xmlns="">
       <p:transition>
         <p:fade/>
       </p:transition>
@@ -15816,13 +15842,13 @@
   <p:clrMapOvr>
     <a:masterClrMapping/>
   </p:clrMapOvr>
-  <mc:AlternateContent xmlns:mc="http://schemas.openxmlformats.org/markup-compatibility/2006">
-    <mc:Choice xmlns:p14="http://schemas.microsoft.com/office/powerpoint/2010/main" Requires="p14">
+  <mc:AlternateContent xmlns:mc="http://schemas.openxmlformats.org/markup-compatibility/2006" xmlns:p14="http://schemas.microsoft.com/office/powerpoint/2010/main">
+    <mc:Choice Requires="p14">
       <p:transition>
         <p14:reveal/>
       </p:transition>
     </mc:Choice>
-    <mc:Fallback>
+    <mc:Fallback xmlns="">
       <p:transition>
         <p:fade/>
       </p:transition>
@@ -16060,13 +16086,13 @@
   <p:clrMapOvr>
     <a:masterClrMapping/>
   </p:clrMapOvr>
-  <mc:AlternateContent xmlns:mc="http://schemas.openxmlformats.org/markup-compatibility/2006">
-    <mc:Choice xmlns:p14="http://schemas.microsoft.com/office/powerpoint/2010/main" Requires="p14">
+  <mc:AlternateContent xmlns:mc="http://schemas.openxmlformats.org/markup-compatibility/2006" xmlns:p14="http://schemas.microsoft.com/office/powerpoint/2010/main">
+    <mc:Choice Requires="p14">
       <p:transition>
         <p14:reveal/>
       </p:transition>
     </mc:Choice>
-    <mc:Fallback>
+    <mc:Fallback xmlns="">
       <p:transition>
         <p:fade/>
       </p:transition>
@@ -16240,13 +16266,13 @@
   <p:clrMapOvr>
     <a:masterClrMapping/>
   </p:clrMapOvr>
-  <mc:AlternateContent xmlns:mc="http://schemas.openxmlformats.org/markup-compatibility/2006">
-    <mc:Choice xmlns:p14="http://schemas.microsoft.com/office/powerpoint/2010/main" Requires="p14">
+  <mc:AlternateContent xmlns:mc="http://schemas.openxmlformats.org/markup-compatibility/2006" xmlns:p14="http://schemas.microsoft.com/office/powerpoint/2010/main">
+    <mc:Choice Requires="p14">
       <p:transition>
         <p14:reveal/>
       </p:transition>
     </mc:Choice>
-    <mc:Fallback>
+    <mc:Fallback xmlns="">
       <p:transition>
         <p:fade/>
       </p:transition>
@@ -16716,7 +16742,7 @@
 </file>
 
 <file path=ppt/slides/slide4.xml><?xml version="1.0" encoding="utf-8"?>
-<p:sld xmlns:a="http://schemas.openxmlformats.org/drawingml/2006/main" xmlns:r="http://schemas.openxmlformats.org/officeDocument/2006/relationships" xmlns:p="http://schemas.openxmlformats.org/presentationml/2006/main">
+<p:sld xmlns:a="http://schemas.openxmlformats.org/drawingml/2006/main" xmlns:r="http://schemas.openxmlformats.org/officeDocument/2006/relationships" xmlns:p="http://schemas.openxmlformats.org/presentationml/2006/main" show="0">
   <p:cSld>
     <p:spTree>
       <p:nvGrpSpPr>
@@ -17101,13 +17127,13 @@
   <p:clrMapOvr>
     <a:masterClrMapping/>
   </p:clrMapOvr>
-  <mc:AlternateContent xmlns:mc="http://schemas.openxmlformats.org/markup-compatibility/2006">
-    <mc:Choice xmlns:p14="http://schemas.microsoft.com/office/powerpoint/2010/main" Requires="p14">
+  <mc:AlternateContent xmlns:mc="http://schemas.openxmlformats.org/markup-compatibility/2006" xmlns:p14="http://schemas.microsoft.com/office/powerpoint/2010/main">
+    <mc:Choice Requires="p14">
       <p:transition>
         <p14:reveal/>
       </p:transition>
     </mc:Choice>
-    <mc:Fallback>
+    <mc:Fallback xmlns="">
       <p:transition>
         <p:fade/>
       </p:transition>
@@ -17311,7 +17337,7 @@
 </file>
 
 <file path=ppt/slides/slide5.xml><?xml version="1.0" encoding="utf-8"?>
-<p:sld xmlns:a="http://schemas.openxmlformats.org/drawingml/2006/main" xmlns:r="http://schemas.openxmlformats.org/officeDocument/2006/relationships" xmlns:p="http://schemas.openxmlformats.org/presentationml/2006/main">
+<p:sld xmlns:a="http://schemas.openxmlformats.org/drawingml/2006/main" xmlns:r="http://schemas.openxmlformats.org/officeDocument/2006/relationships" xmlns:p="http://schemas.openxmlformats.org/presentationml/2006/main" show="0">
   <p:cSld>
     <p:spTree>
       <p:nvGrpSpPr>
@@ -17921,13 +17947,13 @@
   <p:clrMapOvr>
     <a:masterClrMapping/>
   </p:clrMapOvr>
-  <mc:AlternateContent xmlns:mc="http://schemas.openxmlformats.org/markup-compatibility/2006">
-    <mc:Choice xmlns:p14="http://schemas.microsoft.com/office/powerpoint/2010/main" Requires="p14">
+  <mc:AlternateContent xmlns:mc="http://schemas.openxmlformats.org/markup-compatibility/2006" xmlns:p14="http://schemas.microsoft.com/office/powerpoint/2010/main">
+    <mc:Choice Requires="p14">
       <p:transition>
         <p14:reveal/>
       </p:transition>
     </mc:Choice>
-    <mc:Fallback>
+    <mc:Fallback xmlns="">
       <p:transition>
         <p:fade/>
       </p:transition>
@@ -18480,7 +18506,7 @@
 </file>
 
 <file path=ppt/slides/slide6.xml><?xml version="1.0" encoding="utf-8"?>
-<p:sld xmlns:a="http://schemas.openxmlformats.org/drawingml/2006/main" xmlns:r="http://schemas.openxmlformats.org/officeDocument/2006/relationships" xmlns:p="http://schemas.openxmlformats.org/presentationml/2006/main">
+<p:sld xmlns:a="http://schemas.openxmlformats.org/drawingml/2006/main" xmlns:r="http://schemas.openxmlformats.org/officeDocument/2006/relationships" xmlns:p="http://schemas.openxmlformats.org/presentationml/2006/main" show="0">
   <p:cSld>
     <p:spTree>
       <p:nvGrpSpPr>
@@ -18693,13 +18719,13 @@
   <p:clrMapOvr>
     <a:masterClrMapping/>
   </p:clrMapOvr>
-  <mc:AlternateContent xmlns:mc="http://schemas.openxmlformats.org/markup-compatibility/2006">
-    <mc:Choice xmlns:p14="http://schemas.microsoft.com/office/powerpoint/2010/main" Requires="p14">
+  <mc:AlternateContent xmlns:mc="http://schemas.openxmlformats.org/markup-compatibility/2006" xmlns:p14="http://schemas.microsoft.com/office/powerpoint/2010/main">
+    <mc:Choice Requires="p14">
       <p:transition>
         <p14:reveal/>
       </p:transition>
     </mc:Choice>
-    <mc:Fallback>
+    <mc:Fallback xmlns="">
       <p:transition>
         <p:fade/>
       </p:transition>
@@ -18986,7 +19012,7 @@
 </file>
 
 <file path=ppt/slides/slide7.xml><?xml version="1.0" encoding="utf-8"?>
-<p:sld xmlns:a="http://schemas.openxmlformats.org/drawingml/2006/main" xmlns:r="http://schemas.openxmlformats.org/officeDocument/2006/relationships" xmlns:p="http://schemas.openxmlformats.org/presentationml/2006/main">
+<p:sld xmlns:a="http://schemas.openxmlformats.org/drawingml/2006/main" xmlns:r="http://schemas.openxmlformats.org/officeDocument/2006/relationships" xmlns:p="http://schemas.openxmlformats.org/presentationml/2006/main" show="0">
   <p:cSld>
     <p:spTree>
       <p:nvGrpSpPr>
@@ -19255,13 +19281,13 @@
   <p:clrMapOvr>
     <a:masterClrMapping/>
   </p:clrMapOvr>
-  <mc:AlternateContent xmlns:mc="http://schemas.openxmlformats.org/markup-compatibility/2006">
-    <mc:Choice xmlns:p14="http://schemas.microsoft.com/office/powerpoint/2010/main" Requires="p14">
+  <mc:AlternateContent xmlns:mc="http://schemas.openxmlformats.org/markup-compatibility/2006" xmlns:p14="http://schemas.microsoft.com/office/powerpoint/2010/main">
+    <mc:Choice Requires="p14">
       <p:transition>
         <p14:reveal/>
       </p:transition>
     </mc:Choice>
-    <mc:Fallback>
+    <mc:Fallback xmlns="">
       <p:transition>
         <p:fade/>
       </p:transition>
@@ -19820,7 +19846,7 @@
 </file>
 
 <file path=ppt/slides/slide8.xml><?xml version="1.0" encoding="utf-8"?>
-<p:sld xmlns:a="http://schemas.openxmlformats.org/drawingml/2006/main" xmlns:r="http://schemas.openxmlformats.org/officeDocument/2006/relationships" xmlns:p="http://schemas.openxmlformats.org/presentationml/2006/main">
+<p:sld xmlns:a="http://schemas.openxmlformats.org/drawingml/2006/main" xmlns:r="http://schemas.openxmlformats.org/officeDocument/2006/relationships" xmlns:p="http://schemas.openxmlformats.org/presentationml/2006/main" show="0">
   <p:cSld>
     <p:spTree>
       <p:nvGrpSpPr>
@@ -20119,13 +20145,13 @@
   <p:clrMapOvr>
     <a:masterClrMapping/>
   </p:clrMapOvr>
-  <mc:AlternateContent xmlns:mc="http://schemas.openxmlformats.org/markup-compatibility/2006">
-    <mc:Choice xmlns:p14="http://schemas.microsoft.com/office/powerpoint/2010/main" Requires="p14">
+  <mc:AlternateContent xmlns:mc="http://schemas.openxmlformats.org/markup-compatibility/2006" xmlns:p14="http://schemas.microsoft.com/office/powerpoint/2010/main">
+    <mc:Choice Requires="p14">
       <p:transition>
         <p14:reveal/>
       </p:transition>
     </mc:Choice>
-    <mc:Fallback>
+    <mc:Fallback xmlns="">
       <p:transition>
         <p:fade/>
       </p:transition>
@@ -20142,7 +20168,7 @@
 </file>
 
 <file path=ppt/slides/slide9.xml><?xml version="1.0" encoding="utf-8"?>
-<p:sld xmlns:a="http://schemas.openxmlformats.org/drawingml/2006/main" xmlns:r="http://schemas.openxmlformats.org/officeDocument/2006/relationships" xmlns:p="http://schemas.openxmlformats.org/presentationml/2006/main">
+<p:sld xmlns:a="http://schemas.openxmlformats.org/drawingml/2006/main" xmlns:r="http://schemas.openxmlformats.org/officeDocument/2006/relationships" xmlns:p="http://schemas.openxmlformats.org/presentationml/2006/main" show="0">
   <p:cSld>
     <p:spTree>
       <p:nvGrpSpPr>
@@ -20298,13 +20324,13 @@
   <p:clrMapOvr>
     <a:masterClrMapping/>
   </p:clrMapOvr>
-  <mc:AlternateContent xmlns:mc="http://schemas.openxmlformats.org/markup-compatibility/2006">
-    <mc:Choice xmlns:p14="http://schemas.microsoft.com/office/powerpoint/2010/main" Requires="p14">
+  <mc:AlternateContent xmlns:mc="http://schemas.openxmlformats.org/markup-compatibility/2006" xmlns:p14="http://schemas.microsoft.com/office/powerpoint/2010/main">
+    <mc:Choice Requires="p14">
       <p:transition>
         <p14:reveal/>
       </p:transition>
     </mc:Choice>
-    <mc:Fallback>
+    <mc:Fallback xmlns="">
       <p:transition>
         <p:fade/>
       </p:transition>
